--- a/ppt/lesson01.pptx
+++ b/ppt/lesson01.pptx
@@ -9,9 +9,12 @@
     <p:sldId id="261" r:id="rId3"/>
     <p:sldId id="262" r:id="rId4"/>
     <p:sldId id="264" r:id="rId5"/>
+    <p:sldId id="266" r:id="rId6"/>
+    <p:sldId id="268" r:id="rId7"/>
+    <p:sldId id="269" r:id="rId8"/>
   </p:sldIdLst>
   <p:sldSz cx="9144000" cy="6858000" type="screen4x3"/>
-  <p:notesSz cx="6858000" cy="9144000"/>
+  <p:notesSz cx="6888163" cy="10020300"/>
   <p:defaultTextStyle>
     <a:defPPr>
       <a:defRPr lang="en-US"/>
@@ -107,6 +110,11 @@
       </a:defRPr>
     </a:lvl9pPr>
   </p:defaultTextStyle>
+  <p:extLst>
+    <p:ext uri="{EFAFB233-063F-42B5-8137-9DF3F51BA10A}">
+      <p15:sldGuideLst xmlns:p15="http://schemas.microsoft.com/office/powerpoint/2012/main"/>
+    </p:ext>
+  </p:extLst>
 </p:presentation>
 </file>
 
@@ -4323,6 +4331,95 @@
             </a:r>
           </a:p>
           <a:p>
+            <a:pPr marL="457200" lvl="1" indent="0">
+              <a:buNone/>
+            </a:pPr>
+            <a:r>
+              <a:rPr lang="en-US" sz="1300" dirty="0">
+                <a:latin typeface="Tahoma" panose="020B0604030504040204" pitchFamily="34" charset="0"/>
+                <a:ea typeface="Tahoma" panose="020B0604030504040204" pitchFamily="34" charset="0"/>
+                <a:cs typeface="Tahoma" panose="020B0604030504040204" pitchFamily="34" charset="0"/>
+              </a:rPr>
+              <a:t>must write </a:t>
+            </a:r>
+            <a:r>
+              <a:rPr lang="en-US" sz="1300" dirty="0">
+                <a:solidFill>
+                  <a:srgbClr val="FF0000"/>
+                </a:solidFill>
+                <a:latin typeface="Tahoma" panose="020B0604030504040204" pitchFamily="34" charset="0"/>
+                <a:ea typeface="Tahoma" panose="020B0604030504040204" pitchFamily="34" charset="0"/>
+                <a:cs typeface="Tahoma" panose="020B0604030504040204" pitchFamily="34" charset="0"/>
+              </a:rPr>
+              <a:t>&lt;?</a:t>
+            </a:r>
+            <a:r>
+              <a:rPr lang="en-US" sz="1300" dirty="0" err="1">
+                <a:solidFill>
+                  <a:srgbClr val="FF0000"/>
+                </a:solidFill>
+                <a:latin typeface="Tahoma" panose="020B0604030504040204" pitchFamily="34" charset="0"/>
+                <a:ea typeface="Tahoma" panose="020B0604030504040204" pitchFamily="34" charset="0"/>
+                <a:cs typeface="Tahoma" panose="020B0604030504040204" pitchFamily="34" charset="0"/>
+              </a:rPr>
+              <a:t>php</a:t>
+            </a:r>
+            <a:r>
+              <a:rPr lang="en-US" sz="1300" dirty="0">
+                <a:solidFill>
+                  <a:srgbClr val="FF0000"/>
+                </a:solidFill>
+                <a:latin typeface="Tahoma" panose="020B0604030504040204" pitchFamily="34" charset="0"/>
+                <a:ea typeface="Tahoma" panose="020B0604030504040204" pitchFamily="34" charset="0"/>
+                <a:cs typeface="Tahoma" panose="020B0604030504040204" pitchFamily="34" charset="0"/>
+              </a:rPr>
+              <a:t> </a:t>
+            </a:r>
+            <a:r>
+              <a:rPr lang="en-US" sz="1300" dirty="0">
+                <a:latin typeface="Tahoma" panose="020B0604030504040204" pitchFamily="34" charset="0"/>
+                <a:ea typeface="Tahoma" panose="020B0604030504040204" pitchFamily="34" charset="0"/>
+                <a:cs typeface="Tahoma" panose="020B0604030504040204" pitchFamily="34" charset="0"/>
+              </a:rPr>
+              <a:t>and </a:t>
+            </a:r>
+            <a:r>
+              <a:rPr lang="en-US" sz="1300" dirty="0">
+                <a:solidFill>
+                  <a:srgbClr val="FF0000"/>
+                </a:solidFill>
+                <a:latin typeface="Tahoma" panose="020B0604030504040204" pitchFamily="34" charset="0"/>
+                <a:ea typeface="Tahoma" panose="020B0604030504040204" pitchFamily="34" charset="0"/>
+                <a:cs typeface="Tahoma" panose="020B0604030504040204" pitchFamily="34" charset="0"/>
+              </a:rPr>
+              <a:t>?&gt;</a:t>
+            </a:r>
+          </a:p>
+          <a:p>
+            <a:pPr marL="457200" lvl="1" indent="0">
+              <a:buNone/>
+            </a:pPr>
+            <a:r>
+              <a:rPr lang="en-US" sz="1300" dirty="0">
+                <a:latin typeface="Tahoma" panose="020B0604030504040204" pitchFamily="34" charset="0"/>
+                <a:ea typeface="Tahoma" panose="020B0604030504040204" pitchFamily="34" charset="0"/>
+                <a:cs typeface="Tahoma" panose="020B0604030504040204" pitchFamily="34" charset="0"/>
+              </a:rPr>
+              <a:t>command </a:t>
+            </a:r>
+            <a:r>
+              <a:rPr lang="en-US" sz="1300" dirty="0">
+                <a:solidFill>
+                  <a:srgbClr val="FF0000"/>
+                </a:solidFill>
+                <a:latin typeface="Tahoma" panose="020B0604030504040204" pitchFamily="34" charset="0"/>
+                <a:ea typeface="Tahoma" panose="020B0604030504040204" pitchFamily="34" charset="0"/>
+                <a:cs typeface="Tahoma" panose="020B0604030504040204" pitchFamily="34" charset="0"/>
+              </a:rPr>
+              <a:t>print </a:t>
+            </a:r>
+          </a:p>
+          <a:p>
             <a:pPr marL="285744" indent="-285744"/>
             <a:r>
               <a:rPr lang="en-US" sz="1700" dirty="0">
@@ -4609,6 +4706,1739 @@
     <p:extLst>
       <p:ext uri="{BB962C8B-B14F-4D97-AF65-F5344CB8AC3E}">
         <p14:creationId xmlns:p14="http://schemas.microsoft.com/office/powerpoint/2010/main" val="2942690972"/>
+      </p:ext>
+    </p:extLst>
+  </p:cSld>
+  <p:clrMapOvr>
+    <a:masterClrMapping/>
+  </p:clrMapOvr>
+</p:sld>
+</file>
+
+<file path=ppt/slides/slide5.xml><?xml version="1.0" encoding="utf-8"?>
+<p:sld xmlns:a="http://schemas.openxmlformats.org/drawingml/2006/main" xmlns:r="http://schemas.openxmlformats.org/officeDocument/2006/relationships" xmlns:p="http://schemas.openxmlformats.org/presentationml/2006/main">
+  <p:cSld>
+    <p:bg>
+      <p:bgPr>
+        <a:solidFill>
+          <a:schemeClr val="bg1"/>
+        </a:solidFill>
+        <a:effectLst/>
+      </p:bgPr>
+    </p:bg>
+    <p:spTree>
+      <p:nvGrpSpPr>
+        <p:cNvPr id="1" name=""/>
+        <p:cNvGrpSpPr/>
+        <p:nvPr/>
+      </p:nvGrpSpPr>
+      <p:grpSpPr>
+        <a:xfrm>
+          <a:off x="0" y="0"/>
+          <a:ext cx="0" cy="0"/>
+          <a:chOff x="0" y="0"/>
+          <a:chExt cx="0" cy="0"/>
+        </a:xfrm>
+      </p:grpSpPr>
+      <p:sp>
+        <p:nvSpPr>
+          <p:cNvPr id="10" name="Rectangle 9">
+            <a:extLst>
+              <a:ext uri="{FF2B5EF4-FFF2-40B4-BE49-F238E27FC236}">
+                <a16:creationId xmlns:a16="http://schemas.microsoft.com/office/drawing/2014/main" id="{CEB41C5C-0F34-4DDA-9D7C-5E717F35F60C}"/>
+              </a:ext>
+            </a:extLst>
+          </p:cNvPr>
+          <p:cNvSpPr>
+            <a:spLocks noGrp="1" noRot="1" noChangeAspect="1" noMove="1" noResize="1" noEditPoints="1" noAdjustHandles="1" noChangeArrowheads="1" noChangeShapeType="1" noTextEdit="1"/>
+          </p:cNvSpPr>
+          <p:nvPr>
+            <p:extLst>
+              <p:ext uri="{386F3935-93C4-4BCD-93E2-E3B085C9AB24}">
+                <p16:designElem xmlns:p16="http://schemas.microsoft.com/office/powerpoint/2015/main" val="1"/>
+              </p:ext>
+            </p:extLst>
+          </p:nvPr>
+        </p:nvSpPr>
+        <p:spPr bwMode="ltGray">
+          <a:xfrm>
+            <a:off x="4601007" y="303591"/>
+            <a:ext cx="4301693" cy="5896743"/>
+          </a:xfrm>
+          <a:prstGeom prst="rect">
+            <a:avLst/>
+          </a:prstGeom>
+          <a:solidFill>
+            <a:schemeClr val="tx1">
+              <a:alpha val="15000"/>
+            </a:schemeClr>
+          </a:solidFill>
+          <a:ln w="127000" cap="sq" cmpd="thinThick">
+            <a:solidFill>
+              <a:schemeClr val="tx1">
+                <a:alpha val="10000"/>
+              </a:schemeClr>
+            </a:solidFill>
+          </a:ln>
+        </p:spPr>
+        <p:style>
+          <a:lnRef idx="2">
+            <a:schemeClr val="accent1">
+              <a:shade val="50000"/>
+            </a:schemeClr>
+          </a:lnRef>
+          <a:fillRef idx="1">
+            <a:schemeClr val="accent1"/>
+          </a:fillRef>
+          <a:effectRef idx="0">
+            <a:schemeClr val="accent1"/>
+          </a:effectRef>
+          <a:fontRef idx="minor">
+            <a:schemeClr val="lt1"/>
+          </a:fontRef>
+        </p:style>
+        <p:txBody>
+          <a:bodyPr rtlCol="0" anchor="ctr"/>
+          <a:lstStyle/>
+          <a:p>
+            <a:pPr algn="ctr"/>
+            <a:endParaRPr lang="en-US"/>
+          </a:p>
+        </p:txBody>
+      </p:sp>
+      <p:sp>
+        <p:nvSpPr>
+          <p:cNvPr id="2" name="Title 1">
+            <a:extLst>
+              <a:ext uri="{FF2B5EF4-FFF2-40B4-BE49-F238E27FC236}">
+                <a16:creationId xmlns:a16="http://schemas.microsoft.com/office/drawing/2014/main" id="{E44D6F80-BF44-4B52-9DF2-B11355DE48D4}"/>
+              </a:ext>
+            </a:extLst>
+          </p:cNvPr>
+          <p:cNvSpPr>
+            <a:spLocks noGrp="1"/>
+          </p:cNvSpPr>
+          <p:nvPr>
+            <p:ph type="title"/>
+          </p:nvPr>
+        </p:nvSpPr>
+        <p:spPr>
+          <a:xfrm>
+            <a:off x="251967" y="13232"/>
+            <a:ext cx="3915950" cy="787957"/>
+          </a:xfrm>
+        </p:spPr>
+        <p:txBody>
+          <a:bodyPr>
+            <a:normAutofit/>
+          </a:bodyPr>
+          <a:lstStyle/>
+          <a:p>
+            <a:pPr algn="ctr"/>
+            <a:r>
+              <a:rPr lang="en-US" sz="3500" dirty="0"/>
+              <a:t>lesson01_2</a:t>
+            </a:r>
+          </a:p>
+        </p:txBody>
+      </p:sp>
+      <p:sp>
+        <p:nvSpPr>
+          <p:cNvPr id="3" name="Content Placeholder 2">
+            <a:extLst>
+              <a:ext uri="{FF2B5EF4-FFF2-40B4-BE49-F238E27FC236}">
+                <a16:creationId xmlns:a16="http://schemas.microsoft.com/office/drawing/2014/main" id="{DDF43F30-1DCF-4886-AE1F-6373FF92B3E1}"/>
+              </a:ext>
+            </a:extLst>
+          </p:cNvPr>
+          <p:cNvSpPr>
+            <a:spLocks noGrp="1"/>
+          </p:cNvSpPr>
+          <p:nvPr>
+            <p:ph idx="1"/>
+          </p:nvPr>
+        </p:nvSpPr>
+        <p:spPr>
+          <a:xfrm>
+            <a:off x="319678" y="1102857"/>
+            <a:ext cx="3926617" cy="3773010"/>
+          </a:xfrm>
+        </p:spPr>
+        <p:txBody>
+          <a:bodyPr>
+            <a:normAutofit/>
+          </a:bodyPr>
+          <a:lstStyle/>
+          <a:p>
+            <a:pPr marL="285744" indent="-285744"/>
+            <a:r>
+              <a:rPr lang="en-US" sz="1700" dirty="0">
+                <a:latin typeface="Tahoma" panose="020B0604030504040204" pitchFamily="34" charset="0"/>
+                <a:ea typeface="Tahoma" panose="020B0604030504040204" pitchFamily="34" charset="0"/>
+                <a:cs typeface="Tahoma" panose="020B0604030504040204" pitchFamily="34" charset="0"/>
+              </a:rPr>
+              <a:t>L1-6: HTML header</a:t>
+            </a:r>
+          </a:p>
+          <a:p>
+            <a:pPr marL="285744" indent="-285744"/>
+            <a:r>
+              <a:rPr lang="en-US" sz="1700" dirty="0">
+                <a:latin typeface="Tahoma" panose="020B0604030504040204" pitchFamily="34" charset="0"/>
+                <a:ea typeface="Tahoma" panose="020B0604030504040204" pitchFamily="34" charset="0"/>
+                <a:cs typeface="Tahoma" panose="020B0604030504040204" pitchFamily="34" charset="0"/>
+              </a:rPr>
+              <a:t>L8-10: PHP program code</a:t>
+            </a:r>
+          </a:p>
+          <a:p>
+            <a:pPr marL="457200" lvl="1" indent="0">
+              <a:buNone/>
+            </a:pPr>
+            <a:r>
+              <a:rPr lang="en-US" sz="1300" dirty="0">
+                <a:latin typeface="Tahoma" panose="020B0604030504040204" pitchFamily="34" charset="0"/>
+                <a:ea typeface="Tahoma" panose="020B0604030504040204" pitchFamily="34" charset="0"/>
+                <a:cs typeface="Tahoma" panose="020B0604030504040204" pitchFamily="34" charset="0"/>
+              </a:rPr>
+              <a:t>L9,10: define variables</a:t>
+            </a:r>
+          </a:p>
+          <a:p>
+            <a:pPr marL="457200" lvl="1" indent="0">
+              <a:buNone/>
+            </a:pPr>
+            <a:r>
+              <a:rPr lang="en-US" sz="1300" dirty="0">
+                <a:latin typeface="Tahoma" panose="020B0604030504040204" pitchFamily="34" charset="0"/>
+                <a:ea typeface="Tahoma" panose="020B0604030504040204" pitchFamily="34" charset="0"/>
+                <a:cs typeface="Tahoma" panose="020B0604030504040204" pitchFamily="34" charset="0"/>
+              </a:rPr>
+              <a:t>L11,12: print variables</a:t>
+            </a:r>
+          </a:p>
+          <a:p>
+            <a:pPr marL="457200" lvl="1" indent="0">
+              <a:buNone/>
+            </a:pPr>
+            <a:endParaRPr lang="en-US" sz="1300" dirty="0">
+              <a:latin typeface="Tahoma" panose="020B0604030504040204" pitchFamily="34" charset="0"/>
+              <a:ea typeface="Tahoma" panose="020B0604030504040204" pitchFamily="34" charset="0"/>
+              <a:cs typeface="Tahoma" panose="020B0604030504040204" pitchFamily="34" charset="0"/>
+            </a:endParaRPr>
+          </a:p>
+          <a:p>
+            <a:pPr marL="285744" indent="-285744"/>
+            <a:r>
+              <a:rPr lang="en-US" sz="1700" dirty="0">
+                <a:latin typeface="Tahoma" panose="020B0604030504040204" pitchFamily="34" charset="0"/>
+                <a:ea typeface="Tahoma" panose="020B0604030504040204" pitchFamily="34" charset="0"/>
+                <a:cs typeface="Tahoma" panose="020B0604030504040204" pitchFamily="34" charset="0"/>
+              </a:rPr>
+              <a:t>L15-16: HTML footer</a:t>
+            </a:r>
+          </a:p>
+          <a:p>
+            <a:endParaRPr lang="en-US" sz="1700" dirty="0"/>
+          </a:p>
+        </p:txBody>
+      </p:sp>
+      <mc:AlternateContent xmlns:mc="http://schemas.openxmlformats.org/markup-compatibility/2006">
+        <mc:Choice xmlns:we="http://schemas.microsoft.com/office/webextensions/webextension/2010/11" xmlns:pca="http://schemas.microsoft.com/office/powerpoint/2013/contentapp" Requires="we pca">
+          <p:graphicFrame>
+            <p:nvGraphicFramePr>
+              <p:cNvPr id="7" name="Add-in 6" title="Code Presenter Pro">
+                <a:extLst>
+                  <a:ext uri="{FF2B5EF4-FFF2-40B4-BE49-F238E27FC236}">
+                    <a16:creationId xmlns:a16="http://schemas.microsoft.com/office/drawing/2014/main" id="{08B2A02E-54C7-48BA-8B6F-AF9CCA1E0E47}"/>
+                  </a:ext>
+                </a:extLst>
+              </p:cNvPr>
+              <p:cNvGraphicFramePr>
+                <a:graphicFrameLocks noGrp="1"/>
+              </p:cNvGraphicFramePr>
+              <p:nvPr>
+                <p:extLst>
+                  <p:ext uri="{D42A27DB-BD31-4B8C-83A1-F6EECF244321}">
+                    <p14:modId xmlns:p14="http://schemas.microsoft.com/office/powerpoint/2010/main" val="3028737075"/>
+                  </p:ext>
+                </p:extLst>
+              </p:nvPr>
+            </p:nvGraphicFramePr>
+            <p:xfrm>
+              <a:off x="4679385" y="394462"/>
+              <a:ext cx="4144937" cy="5715000"/>
+            </p:xfrm>
+            <a:graphic>
+              <a:graphicData uri="http://schemas.microsoft.com/office/webextensions/webextension/2010/11">
+                <we:webextensionref xmlns:we="http://schemas.microsoft.com/office/webextensions/webextension/2010/11" xmlns:r="http://schemas.openxmlformats.org/officeDocument/2006/relationships" r:id="rId2"/>
+              </a:graphicData>
+            </a:graphic>
+          </p:graphicFrame>
+        </mc:Choice>
+        <mc:Fallback>
+          <p:pic>
+            <p:nvPicPr>
+              <p:cNvPr id="7" name="Add-in 6" title="Code Presenter Pro">
+                <a:extLst>
+                  <a:ext uri="{FF2B5EF4-FFF2-40B4-BE49-F238E27FC236}">
+                    <a16:creationId xmlns:a16="http://schemas.microsoft.com/office/drawing/2014/main" id="{08B2A02E-54C7-48BA-8B6F-AF9CCA1E0E47}"/>
+                  </a:ext>
+                </a:extLst>
+              </p:cNvPr>
+              <p:cNvPicPr>
+                <a:picLocks noGrp="1" noRot="1" noChangeAspect="1" noMove="1" noResize="1" noEditPoints="1" noAdjustHandles="1" noChangeArrowheads="1" noChangeShapeType="1"/>
+              </p:cNvPicPr>
+              <p:nvPr/>
+            </p:nvPicPr>
+            <p:blipFill>
+              <a:blip r:embed="rId3"/>
+              <a:stretch>
+                <a:fillRect/>
+              </a:stretch>
+            </p:blipFill>
+            <p:spPr>
+              <a:xfrm>
+                <a:off x="4679385" y="394462"/>
+                <a:ext cx="4144937" cy="5715000"/>
+              </a:xfrm>
+              <a:prstGeom prst="rect">
+                <a:avLst/>
+              </a:prstGeom>
+            </p:spPr>
+          </p:pic>
+        </mc:Fallback>
+      </mc:AlternateContent>
+      <p:sp>
+        <p:nvSpPr>
+          <p:cNvPr id="6" name="Rectangle 5">
+            <a:extLst>
+              <a:ext uri="{FF2B5EF4-FFF2-40B4-BE49-F238E27FC236}">
+                <a16:creationId xmlns:a16="http://schemas.microsoft.com/office/drawing/2014/main" id="{56CF89B6-45BF-4C70-B4FA-B3D5F715A11A}"/>
+              </a:ext>
+            </a:extLst>
+          </p:cNvPr>
+          <p:cNvSpPr/>
+          <p:nvPr/>
+        </p:nvSpPr>
+        <p:spPr>
+          <a:xfrm>
+            <a:off x="4007594" y="6400520"/>
+            <a:ext cx="5024196" cy="307777"/>
+          </a:xfrm>
+          <a:prstGeom prst="rect">
+            <a:avLst/>
+          </a:prstGeom>
+        </p:spPr>
+        <p:txBody>
+          <a:bodyPr wrap="none">
+            <a:spAutoFit/>
+          </a:bodyPr>
+          <a:lstStyle/>
+          <a:p>
+            <a:r>
+              <a:rPr lang="en-US" altLang="ja-JP" sz="1400" dirty="0">
+                <a:latin typeface="Tahoma" panose="020B0604030504040204" pitchFamily="34" charset="0"/>
+                <a:ea typeface="Tahoma" panose="020B0604030504040204" pitchFamily="34" charset="0"/>
+                <a:cs typeface="Tahoma" panose="020B0604030504040204" pitchFamily="34" charset="0"/>
+              </a:rPr>
+              <a:t>folder: C:\appserv\php_lesson\    file name: lesson01_2.php</a:t>
+            </a:r>
+            <a:endParaRPr lang="ja-JP" altLang="en-US" sz="1400" dirty="0">
+              <a:latin typeface="Tahoma" panose="020B0604030504040204" pitchFamily="34" charset="0"/>
+              <a:cs typeface="Tahoma" panose="020B0604030504040204" pitchFamily="34" charset="0"/>
+            </a:endParaRPr>
+          </a:p>
+        </p:txBody>
+      </p:sp>
+      <p:sp>
+        <p:nvSpPr>
+          <p:cNvPr id="11" name="Rectangle 10">
+            <a:extLst>
+              <a:ext uri="{FF2B5EF4-FFF2-40B4-BE49-F238E27FC236}">
+                <a16:creationId xmlns:a16="http://schemas.microsoft.com/office/drawing/2014/main" id="{9A099E03-7F5D-40B5-AF83-8B36D2DA594B}"/>
+              </a:ext>
+            </a:extLst>
+          </p:cNvPr>
+          <p:cNvSpPr/>
+          <p:nvPr/>
+        </p:nvSpPr>
+        <p:spPr>
+          <a:xfrm>
+            <a:off x="1629860" y="4351728"/>
+            <a:ext cx="848309" cy="369332"/>
+          </a:xfrm>
+          <a:prstGeom prst="rect">
+            <a:avLst/>
+          </a:prstGeom>
+        </p:spPr>
+        <p:txBody>
+          <a:bodyPr wrap="none">
+            <a:spAutoFit/>
+          </a:bodyPr>
+          <a:lstStyle/>
+          <a:p>
+            <a:pPr algn="ctr"/>
+            <a:r>
+              <a:rPr lang="en-US" altLang="ja-JP" dirty="0">
+                <a:latin typeface="Tahoma" panose="020B0604030504040204" pitchFamily="34" charset="0"/>
+                <a:ea typeface="Tahoma" panose="020B0604030504040204" pitchFamily="34" charset="0"/>
+                <a:cs typeface="Tahoma" panose="020B0604030504040204" pitchFamily="34" charset="0"/>
+              </a:rPr>
+              <a:t>output</a:t>
+            </a:r>
+            <a:endParaRPr lang="ja-JP" altLang="en-US" dirty="0">
+              <a:latin typeface="Tahoma" panose="020B0604030504040204" pitchFamily="34" charset="0"/>
+              <a:cs typeface="Tahoma" panose="020B0604030504040204" pitchFamily="34" charset="0"/>
+            </a:endParaRPr>
+          </a:p>
+        </p:txBody>
+      </p:sp>
+      <p:sp>
+        <p:nvSpPr>
+          <p:cNvPr id="12" name="Rectangle 11">
+            <a:extLst>
+              <a:ext uri="{FF2B5EF4-FFF2-40B4-BE49-F238E27FC236}">
+                <a16:creationId xmlns:a16="http://schemas.microsoft.com/office/drawing/2014/main" id="{C77AA99F-01CF-4155-B9C5-78FDAE28F61E}"/>
+              </a:ext>
+            </a:extLst>
+          </p:cNvPr>
+          <p:cNvSpPr/>
+          <p:nvPr/>
+        </p:nvSpPr>
+        <p:spPr>
+          <a:xfrm>
+            <a:off x="1375784" y="705600"/>
+            <a:ext cx="1356462" cy="369332"/>
+          </a:xfrm>
+          <a:prstGeom prst="rect">
+            <a:avLst/>
+          </a:prstGeom>
+        </p:spPr>
+        <p:txBody>
+          <a:bodyPr wrap="none">
+            <a:spAutoFit/>
+          </a:bodyPr>
+          <a:lstStyle/>
+          <a:p>
+            <a:pPr algn="ctr"/>
+            <a:r>
+              <a:rPr lang="en-US" altLang="ja-JP" dirty="0">
+                <a:latin typeface="Tahoma" panose="020B0604030504040204" pitchFamily="34" charset="0"/>
+                <a:ea typeface="Tahoma" panose="020B0604030504040204" pitchFamily="34" charset="0"/>
+                <a:cs typeface="Tahoma" panose="020B0604030504040204" pitchFamily="34" charset="0"/>
+              </a:rPr>
+              <a:t>explanation</a:t>
+            </a:r>
+            <a:endParaRPr lang="ja-JP" altLang="en-US" dirty="0">
+              <a:latin typeface="Tahoma" panose="020B0604030504040204" pitchFamily="34" charset="0"/>
+              <a:cs typeface="Tahoma" panose="020B0604030504040204" pitchFamily="34" charset="0"/>
+            </a:endParaRPr>
+          </a:p>
+        </p:txBody>
+      </p:sp>
+      <p:pic>
+        <p:nvPicPr>
+          <p:cNvPr id="13" name="Graphic 12">
+            <a:extLst>
+              <a:ext uri="{FF2B5EF4-FFF2-40B4-BE49-F238E27FC236}">
+                <a16:creationId xmlns:a16="http://schemas.microsoft.com/office/drawing/2014/main" id="{C0A1D308-1A10-46EC-BC7B-E1F8BE698AEE}"/>
+              </a:ext>
+            </a:extLst>
+          </p:cNvPr>
+          <p:cNvPicPr>
+            <a:picLocks noChangeAspect="1"/>
+          </p:cNvPicPr>
+          <p:nvPr/>
+        </p:nvPicPr>
+        <p:blipFill>
+          <a:blip r:embed="rId4">
+            <a:extLst>
+              <a:ext uri="{28A0092B-C50C-407E-A947-70E740481C1C}">
+                <a14:useLocalDpi xmlns:a14="http://schemas.microsoft.com/office/drawing/2010/main" val="0"/>
+              </a:ext>
+              <a:ext uri="{96DAC541-7B7A-43D3-8B79-37D633B846F1}">
+                <asvg:svgBlip xmlns:asvg="http://schemas.microsoft.com/office/drawing/2016/SVG/main" r:embed="rId5"/>
+              </a:ext>
+            </a:extLst>
+          </a:blip>
+          <a:stretch>
+            <a:fillRect/>
+          </a:stretch>
+        </p:blipFill>
+        <p:spPr>
+          <a:xfrm>
+            <a:off x="100076" y="6369742"/>
+            <a:ext cx="683948" cy="369332"/>
+          </a:xfrm>
+          <a:prstGeom prst="rect">
+            <a:avLst/>
+          </a:prstGeom>
+        </p:spPr>
+      </p:pic>
+      <p:pic>
+        <p:nvPicPr>
+          <p:cNvPr id="4" name="Picture 3">
+            <a:extLst>
+              <a:ext uri="{FF2B5EF4-FFF2-40B4-BE49-F238E27FC236}">
+                <a16:creationId xmlns:a16="http://schemas.microsoft.com/office/drawing/2014/main" id="{1F06B929-4EBE-4165-BB24-AC31DC607CA4}"/>
+              </a:ext>
+            </a:extLst>
+          </p:cNvPr>
+          <p:cNvPicPr>
+            <a:picLocks noChangeAspect="1"/>
+          </p:cNvPicPr>
+          <p:nvPr/>
+        </p:nvPicPr>
+        <p:blipFill rotWithShape="1">
+          <a:blip r:embed="rId6"/>
+          <a:srcRect t="28417"/>
+          <a:stretch/>
+        </p:blipFill>
+        <p:spPr>
+          <a:xfrm>
+            <a:off x="64427" y="4875867"/>
+            <a:ext cx="4536580" cy="1000514"/>
+          </a:xfrm>
+          <a:prstGeom prst="rect">
+            <a:avLst/>
+          </a:prstGeom>
+        </p:spPr>
+      </p:pic>
+    </p:spTree>
+    <p:extLst>
+      <p:ext uri="{BB962C8B-B14F-4D97-AF65-F5344CB8AC3E}">
+        <p14:creationId xmlns:p14="http://schemas.microsoft.com/office/powerpoint/2010/main" val="1089351255"/>
+      </p:ext>
+    </p:extLst>
+  </p:cSld>
+  <p:clrMapOvr>
+    <a:masterClrMapping/>
+  </p:clrMapOvr>
+</p:sld>
+</file>
+
+<file path=ppt/slides/slide6.xml><?xml version="1.0" encoding="utf-8"?>
+<p:sld xmlns:a="http://schemas.openxmlformats.org/drawingml/2006/main" xmlns:r="http://schemas.openxmlformats.org/officeDocument/2006/relationships" xmlns:p="http://schemas.openxmlformats.org/presentationml/2006/main">
+  <p:cSld>
+    <p:bg>
+      <p:bgPr>
+        <a:solidFill>
+          <a:schemeClr val="bg1"/>
+        </a:solidFill>
+        <a:effectLst/>
+      </p:bgPr>
+    </p:bg>
+    <p:spTree>
+      <p:nvGrpSpPr>
+        <p:cNvPr id="1" name=""/>
+        <p:cNvGrpSpPr/>
+        <p:nvPr/>
+      </p:nvGrpSpPr>
+      <p:grpSpPr>
+        <a:xfrm>
+          <a:off x="0" y="0"/>
+          <a:ext cx="0" cy="0"/>
+          <a:chOff x="0" y="0"/>
+          <a:chExt cx="0" cy="0"/>
+        </a:xfrm>
+      </p:grpSpPr>
+      <p:sp>
+        <p:nvSpPr>
+          <p:cNvPr id="10" name="Rectangle 9">
+            <a:extLst>
+              <a:ext uri="{FF2B5EF4-FFF2-40B4-BE49-F238E27FC236}">
+                <a16:creationId xmlns:a16="http://schemas.microsoft.com/office/drawing/2014/main" id="{CEB41C5C-0F34-4DDA-9D7C-5E717F35F60C}"/>
+              </a:ext>
+            </a:extLst>
+          </p:cNvPr>
+          <p:cNvSpPr>
+            <a:spLocks noGrp="1" noRot="1" noChangeAspect="1" noMove="1" noResize="1" noEditPoints="1" noAdjustHandles="1" noChangeArrowheads="1" noChangeShapeType="1" noTextEdit="1"/>
+          </p:cNvSpPr>
+          <p:nvPr>
+            <p:extLst>
+              <p:ext uri="{386F3935-93C4-4BCD-93E2-E3B085C9AB24}">
+                <p16:designElem xmlns:p16="http://schemas.microsoft.com/office/powerpoint/2015/main" val="1"/>
+              </p:ext>
+            </p:extLst>
+          </p:nvPr>
+        </p:nvSpPr>
+        <p:spPr bwMode="ltGray">
+          <a:xfrm>
+            <a:off x="4601007" y="303591"/>
+            <a:ext cx="4301693" cy="5896743"/>
+          </a:xfrm>
+          <a:prstGeom prst="rect">
+            <a:avLst/>
+          </a:prstGeom>
+          <a:solidFill>
+            <a:schemeClr val="tx1">
+              <a:alpha val="15000"/>
+            </a:schemeClr>
+          </a:solidFill>
+          <a:ln w="127000" cap="sq" cmpd="thinThick">
+            <a:solidFill>
+              <a:schemeClr val="tx1">
+                <a:alpha val="10000"/>
+              </a:schemeClr>
+            </a:solidFill>
+          </a:ln>
+        </p:spPr>
+        <p:style>
+          <a:lnRef idx="2">
+            <a:schemeClr val="accent1">
+              <a:shade val="50000"/>
+            </a:schemeClr>
+          </a:lnRef>
+          <a:fillRef idx="1">
+            <a:schemeClr val="accent1"/>
+          </a:fillRef>
+          <a:effectRef idx="0">
+            <a:schemeClr val="accent1"/>
+          </a:effectRef>
+          <a:fontRef idx="minor">
+            <a:schemeClr val="lt1"/>
+          </a:fontRef>
+        </p:style>
+        <p:txBody>
+          <a:bodyPr rtlCol="0" anchor="ctr"/>
+          <a:lstStyle/>
+          <a:p>
+            <a:pPr algn="ctr"/>
+            <a:endParaRPr lang="en-US"/>
+          </a:p>
+        </p:txBody>
+      </p:sp>
+      <p:sp>
+        <p:nvSpPr>
+          <p:cNvPr id="2" name="Title 1">
+            <a:extLst>
+              <a:ext uri="{FF2B5EF4-FFF2-40B4-BE49-F238E27FC236}">
+                <a16:creationId xmlns:a16="http://schemas.microsoft.com/office/drawing/2014/main" id="{E44D6F80-BF44-4B52-9DF2-B11355DE48D4}"/>
+              </a:ext>
+            </a:extLst>
+          </p:cNvPr>
+          <p:cNvSpPr>
+            <a:spLocks noGrp="1"/>
+          </p:cNvSpPr>
+          <p:nvPr>
+            <p:ph type="title"/>
+          </p:nvPr>
+        </p:nvSpPr>
+        <p:spPr>
+          <a:xfrm>
+            <a:off x="251967" y="13232"/>
+            <a:ext cx="3915950" cy="787957"/>
+          </a:xfrm>
+        </p:spPr>
+        <p:txBody>
+          <a:bodyPr>
+            <a:normAutofit/>
+          </a:bodyPr>
+          <a:lstStyle/>
+          <a:p>
+            <a:pPr algn="ctr"/>
+            <a:r>
+              <a:rPr lang="en-US" sz="3500" dirty="0"/>
+              <a:t>lesson01_3</a:t>
+            </a:r>
+          </a:p>
+        </p:txBody>
+      </p:sp>
+      <p:sp>
+        <p:nvSpPr>
+          <p:cNvPr id="3" name="Content Placeholder 2">
+            <a:extLst>
+              <a:ext uri="{FF2B5EF4-FFF2-40B4-BE49-F238E27FC236}">
+                <a16:creationId xmlns:a16="http://schemas.microsoft.com/office/drawing/2014/main" id="{DDF43F30-1DCF-4886-AE1F-6373FF92B3E1}"/>
+              </a:ext>
+            </a:extLst>
+          </p:cNvPr>
+          <p:cNvSpPr>
+            <a:spLocks noGrp="1"/>
+          </p:cNvSpPr>
+          <p:nvPr>
+            <p:ph idx="1"/>
+          </p:nvPr>
+        </p:nvSpPr>
+        <p:spPr>
+          <a:xfrm>
+            <a:off x="319678" y="1102857"/>
+            <a:ext cx="3926617" cy="3773010"/>
+          </a:xfrm>
+        </p:spPr>
+        <p:txBody>
+          <a:bodyPr>
+            <a:normAutofit/>
+          </a:bodyPr>
+          <a:lstStyle/>
+          <a:p>
+            <a:pPr marL="285744" indent="-285744"/>
+            <a:r>
+              <a:rPr lang="en-US" sz="1700" dirty="0">
+                <a:latin typeface="Tahoma" panose="020B0604030504040204" pitchFamily="34" charset="0"/>
+                <a:ea typeface="Tahoma" panose="020B0604030504040204" pitchFamily="34" charset="0"/>
+                <a:cs typeface="Tahoma" panose="020B0604030504040204" pitchFamily="34" charset="0"/>
+              </a:rPr>
+              <a:t>L1-6: HTML header</a:t>
+            </a:r>
+          </a:p>
+          <a:p>
+            <a:pPr marL="285744" indent="-285744"/>
+            <a:r>
+              <a:rPr lang="en-US" sz="1700" dirty="0">
+                <a:latin typeface="Tahoma" panose="020B0604030504040204" pitchFamily="34" charset="0"/>
+                <a:ea typeface="Tahoma" panose="020B0604030504040204" pitchFamily="34" charset="0"/>
+                <a:cs typeface="Tahoma" panose="020B0604030504040204" pitchFamily="34" charset="0"/>
+              </a:rPr>
+              <a:t>L8-10: PHP program code</a:t>
+            </a:r>
+          </a:p>
+          <a:p>
+            <a:pPr marL="457200" lvl="1" indent="0">
+              <a:buNone/>
+            </a:pPr>
+            <a:r>
+              <a:rPr lang="en-US" sz="1300" dirty="0">
+                <a:latin typeface="Tahoma" panose="020B0604030504040204" pitchFamily="34" charset="0"/>
+                <a:ea typeface="Tahoma" panose="020B0604030504040204" pitchFamily="34" charset="0"/>
+                <a:cs typeface="Tahoma" panose="020B0604030504040204" pitchFamily="34" charset="0"/>
+              </a:rPr>
+              <a:t>L13,14: </a:t>
+            </a:r>
+            <a:r>
+              <a:rPr lang="en-US" sz="1300" dirty="0" err="1">
+                <a:latin typeface="Tahoma" panose="020B0604030504040204" pitchFamily="34" charset="0"/>
+                <a:ea typeface="Tahoma" panose="020B0604030504040204" pitchFamily="34" charset="0"/>
+                <a:cs typeface="Tahoma" panose="020B0604030504040204" pitchFamily="34" charset="0"/>
+              </a:rPr>
+              <a:t>int</a:t>
+            </a:r>
+            <a:r>
+              <a:rPr lang="en-US" sz="1300" dirty="0">
+                <a:latin typeface="Tahoma" panose="020B0604030504040204" pitchFamily="34" charset="0"/>
+                <a:ea typeface="Tahoma" panose="020B0604030504040204" pitchFamily="34" charset="0"/>
+                <a:cs typeface="Tahoma" panose="020B0604030504040204" pitchFamily="34" charset="0"/>
+              </a:rPr>
+              <a:t> + </a:t>
+            </a:r>
+            <a:r>
+              <a:rPr lang="en-US" sz="1300" dirty="0" err="1">
+                <a:latin typeface="Tahoma" panose="020B0604030504040204" pitchFamily="34" charset="0"/>
+                <a:ea typeface="Tahoma" panose="020B0604030504040204" pitchFamily="34" charset="0"/>
+                <a:cs typeface="Tahoma" panose="020B0604030504040204" pitchFamily="34" charset="0"/>
+              </a:rPr>
+              <a:t>int</a:t>
+            </a:r>
+            <a:endParaRPr lang="en-US" sz="1300" dirty="0">
+              <a:latin typeface="Tahoma" panose="020B0604030504040204" pitchFamily="34" charset="0"/>
+              <a:ea typeface="Tahoma" panose="020B0604030504040204" pitchFamily="34" charset="0"/>
+              <a:cs typeface="Tahoma" panose="020B0604030504040204" pitchFamily="34" charset="0"/>
+            </a:endParaRPr>
+          </a:p>
+          <a:p>
+            <a:pPr marL="457200" lvl="1" indent="0">
+              <a:buNone/>
+            </a:pPr>
+            <a:r>
+              <a:rPr lang="en-US" sz="1300" dirty="0">
+                <a:latin typeface="Tahoma" panose="020B0604030504040204" pitchFamily="34" charset="0"/>
+                <a:ea typeface="Tahoma" panose="020B0604030504040204" pitchFamily="34" charset="0"/>
+                <a:cs typeface="Tahoma" panose="020B0604030504040204" pitchFamily="34" charset="0"/>
+              </a:rPr>
+              <a:t>L15,16: </a:t>
+            </a:r>
+            <a:r>
+              <a:rPr lang="en-US" sz="1300" dirty="0" err="1">
+                <a:latin typeface="Tahoma" panose="020B0604030504040204" pitchFamily="34" charset="0"/>
+                <a:ea typeface="Tahoma" panose="020B0604030504040204" pitchFamily="34" charset="0"/>
+                <a:cs typeface="Tahoma" panose="020B0604030504040204" pitchFamily="34" charset="0"/>
+              </a:rPr>
+              <a:t>int</a:t>
+            </a:r>
+            <a:r>
+              <a:rPr lang="en-US" sz="1300" dirty="0">
+                <a:latin typeface="Tahoma" panose="020B0604030504040204" pitchFamily="34" charset="0"/>
+                <a:ea typeface="Tahoma" panose="020B0604030504040204" pitchFamily="34" charset="0"/>
+                <a:cs typeface="Tahoma" panose="020B0604030504040204" pitchFamily="34" charset="0"/>
+              </a:rPr>
+              <a:t> . </a:t>
+            </a:r>
+            <a:r>
+              <a:rPr lang="en-US" sz="1300" dirty="0" err="1">
+                <a:latin typeface="Tahoma" panose="020B0604030504040204" pitchFamily="34" charset="0"/>
+                <a:ea typeface="Tahoma" panose="020B0604030504040204" pitchFamily="34" charset="0"/>
+                <a:cs typeface="Tahoma" panose="020B0604030504040204" pitchFamily="34" charset="0"/>
+              </a:rPr>
+              <a:t>int</a:t>
+            </a:r>
+            <a:endParaRPr lang="en-US" sz="1300" dirty="0">
+              <a:latin typeface="Tahoma" panose="020B0604030504040204" pitchFamily="34" charset="0"/>
+              <a:ea typeface="Tahoma" panose="020B0604030504040204" pitchFamily="34" charset="0"/>
+              <a:cs typeface="Tahoma" panose="020B0604030504040204" pitchFamily="34" charset="0"/>
+            </a:endParaRPr>
+          </a:p>
+          <a:p>
+            <a:pPr marL="457200" lvl="1" indent="0">
+              <a:buNone/>
+            </a:pPr>
+            <a:r>
+              <a:rPr lang="en-US" sz="1300" dirty="0">
+                <a:latin typeface="Tahoma" panose="020B0604030504040204" pitchFamily="34" charset="0"/>
+                <a:ea typeface="Tahoma" panose="020B0604030504040204" pitchFamily="34" charset="0"/>
+                <a:cs typeface="Tahoma" panose="020B0604030504040204" pitchFamily="34" charset="0"/>
+              </a:rPr>
+              <a:t>L17,18: </a:t>
+            </a:r>
+            <a:r>
+              <a:rPr lang="en-US" sz="1300" dirty="0" err="1">
+                <a:latin typeface="Tahoma" panose="020B0604030504040204" pitchFamily="34" charset="0"/>
+                <a:ea typeface="Tahoma" panose="020B0604030504040204" pitchFamily="34" charset="0"/>
+                <a:cs typeface="Tahoma" panose="020B0604030504040204" pitchFamily="34" charset="0"/>
+              </a:rPr>
+              <a:t>int</a:t>
+            </a:r>
+            <a:r>
+              <a:rPr lang="en-US" sz="1300" dirty="0">
+                <a:latin typeface="Tahoma" panose="020B0604030504040204" pitchFamily="34" charset="0"/>
+                <a:ea typeface="Tahoma" panose="020B0604030504040204" pitchFamily="34" charset="0"/>
+                <a:cs typeface="Tahoma" panose="020B0604030504040204" pitchFamily="34" charset="0"/>
+              </a:rPr>
+              <a:t> + string</a:t>
+            </a:r>
+          </a:p>
+          <a:p>
+            <a:pPr marL="457200" lvl="1" indent="0">
+              <a:buNone/>
+            </a:pPr>
+            <a:r>
+              <a:rPr lang="en-US" sz="1300" dirty="0">
+                <a:latin typeface="Tahoma" panose="020B0604030504040204" pitchFamily="34" charset="0"/>
+                <a:ea typeface="Tahoma" panose="020B0604030504040204" pitchFamily="34" charset="0"/>
+                <a:cs typeface="Tahoma" panose="020B0604030504040204" pitchFamily="34" charset="0"/>
+              </a:rPr>
+              <a:t>L19,20: </a:t>
+            </a:r>
+            <a:r>
+              <a:rPr lang="en-US" sz="1300" dirty="0" err="1">
+                <a:latin typeface="Tahoma" panose="020B0604030504040204" pitchFamily="34" charset="0"/>
+                <a:ea typeface="Tahoma" panose="020B0604030504040204" pitchFamily="34" charset="0"/>
+                <a:cs typeface="Tahoma" panose="020B0604030504040204" pitchFamily="34" charset="0"/>
+              </a:rPr>
+              <a:t>int</a:t>
+            </a:r>
+            <a:r>
+              <a:rPr lang="en-US" sz="1300" dirty="0">
+                <a:latin typeface="Tahoma" panose="020B0604030504040204" pitchFamily="34" charset="0"/>
+                <a:ea typeface="Tahoma" panose="020B0604030504040204" pitchFamily="34" charset="0"/>
+                <a:cs typeface="Tahoma" panose="020B0604030504040204" pitchFamily="34" charset="0"/>
+              </a:rPr>
+              <a:t> . string</a:t>
+            </a:r>
+          </a:p>
+          <a:p>
+            <a:pPr marL="457200" lvl="1" indent="0">
+              <a:buNone/>
+            </a:pPr>
+            <a:endParaRPr lang="en-US" sz="1300" dirty="0">
+              <a:latin typeface="Tahoma" panose="020B0604030504040204" pitchFamily="34" charset="0"/>
+              <a:ea typeface="Tahoma" panose="020B0604030504040204" pitchFamily="34" charset="0"/>
+              <a:cs typeface="Tahoma" panose="020B0604030504040204" pitchFamily="34" charset="0"/>
+            </a:endParaRPr>
+          </a:p>
+          <a:p>
+            <a:pPr marL="285744" indent="-285744"/>
+            <a:r>
+              <a:rPr lang="en-US" sz="1700" dirty="0">
+                <a:latin typeface="Tahoma" panose="020B0604030504040204" pitchFamily="34" charset="0"/>
+                <a:ea typeface="Tahoma" panose="020B0604030504040204" pitchFamily="34" charset="0"/>
+                <a:cs typeface="Tahoma" panose="020B0604030504040204" pitchFamily="34" charset="0"/>
+              </a:rPr>
+              <a:t>L23-24: HTML footer</a:t>
+            </a:r>
+          </a:p>
+          <a:p>
+            <a:endParaRPr lang="en-US" sz="1700" dirty="0"/>
+          </a:p>
+        </p:txBody>
+      </p:sp>
+      <mc:AlternateContent xmlns:mc="http://schemas.openxmlformats.org/markup-compatibility/2006">
+        <mc:Choice xmlns:we="http://schemas.microsoft.com/office/webextensions/webextension/2010/11" xmlns:pca="http://schemas.microsoft.com/office/powerpoint/2013/contentapp" Requires="we pca">
+          <p:graphicFrame>
+            <p:nvGraphicFramePr>
+              <p:cNvPr id="7" name="Add-in 6" title="Code Presenter Pro">
+                <a:extLst>
+                  <a:ext uri="{FF2B5EF4-FFF2-40B4-BE49-F238E27FC236}">
+                    <a16:creationId xmlns:a16="http://schemas.microsoft.com/office/drawing/2014/main" id="{08B2A02E-54C7-48BA-8B6F-AF9CCA1E0E47}"/>
+                  </a:ext>
+                </a:extLst>
+              </p:cNvPr>
+              <p:cNvGraphicFramePr>
+                <a:graphicFrameLocks noGrp="1"/>
+              </p:cNvGraphicFramePr>
+              <p:nvPr>
+                <p:extLst/>
+              </p:nvPr>
+            </p:nvGraphicFramePr>
+            <p:xfrm>
+              <a:off x="4679385" y="394462"/>
+              <a:ext cx="4144937" cy="5715000"/>
+            </p:xfrm>
+            <a:graphic>
+              <a:graphicData uri="http://schemas.microsoft.com/office/webextensions/webextension/2010/11">
+                <we:webextensionref xmlns:we="http://schemas.microsoft.com/office/webextensions/webextension/2010/11" xmlns:r="http://schemas.openxmlformats.org/officeDocument/2006/relationships" r:id="rId2"/>
+              </a:graphicData>
+            </a:graphic>
+          </p:graphicFrame>
+        </mc:Choice>
+        <mc:Fallback>
+          <p:pic>
+            <p:nvPicPr>
+              <p:cNvPr id="7" name="Add-in 6" title="Code Presenter Pro">
+                <a:extLst>
+                  <a:ext uri="{FF2B5EF4-FFF2-40B4-BE49-F238E27FC236}">
+                    <a16:creationId xmlns:a16="http://schemas.microsoft.com/office/drawing/2014/main" id="{08B2A02E-54C7-48BA-8B6F-AF9CCA1E0E47}"/>
+                  </a:ext>
+                </a:extLst>
+              </p:cNvPr>
+              <p:cNvPicPr>
+                <a:picLocks noGrp="1" noRot="1" noChangeAspect="1" noMove="1" noResize="1" noEditPoints="1" noAdjustHandles="1" noChangeArrowheads="1" noChangeShapeType="1"/>
+              </p:cNvPicPr>
+              <p:nvPr/>
+            </p:nvPicPr>
+            <p:blipFill>
+              <a:blip r:embed="rId3"/>
+              <a:stretch>
+                <a:fillRect/>
+              </a:stretch>
+            </p:blipFill>
+            <p:spPr>
+              <a:xfrm>
+                <a:off x="4679385" y="394462"/>
+                <a:ext cx="4144937" cy="5715000"/>
+              </a:xfrm>
+              <a:prstGeom prst="rect">
+                <a:avLst/>
+              </a:prstGeom>
+            </p:spPr>
+          </p:pic>
+        </mc:Fallback>
+      </mc:AlternateContent>
+      <p:sp>
+        <p:nvSpPr>
+          <p:cNvPr id="6" name="Rectangle 5">
+            <a:extLst>
+              <a:ext uri="{FF2B5EF4-FFF2-40B4-BE49-F238E27FC236}">
+                <a16:creationId xmlns:a16="http://schemas.microsoft.com/office/drawing/2014/main" id="{56CF89B6-45BF-4C70-B4FA-B3D5F715A11A}"/>
+              </a:ext>
+            </a:extLst>
+          </p:cNvPr>
+          <p:cNvSpPr/>
+          <p:nvPr/>
+        </p:nvSpPr>
+        <p:spPr>
+          <a:xfrm>
+            <a:off x="4007594" y="6400520"/>
+            <a:ext cx="5024196" cy="307777"/>
+          </a:xfrm>
+          <a:prstGeom prst="rect">
+            <a:avLst/>
+          </a:prstGeom>
+        </p:spPr>
+        <p:txBody>
+          <a:bodyPr wrap="none">
+            <a:spAutoFit/>
+          </a:bodyPr>
+          <a:lstStyle/>
+          <a:p>
+            <a:r>
+              <a:rPr lang="en-US" altLang="ja-JP" sz="1400" dirty="0">
+                <a:latin typeface="Tahoma" panose="020B0604030504040204" pitchFamily="34" charset="0"/>
+                <a:ea typeface="Tahoma" panose="020B0604030504040204" pitchFamily="34" charset="0"/>
+                <a:cs typeface="Tahoma" panose="020B0604030504040204" pitchFamily="34" charset="0"/>
+              </a:rPr>
+              <a:t>folder: C:\appserv\php_lesson\    file name: lesson01_2.php</a:t>
+            </a:r>
+            <a:endParaRPr lang="ja-JP" altLang="en-US" sz="1400" dirty="0">
+              <a:latin typeface="Tahoma" panose="020B0604030504040204" pitchFamily="34" charset="0"/>
+              <a:cs typeface="Tahoma" panose="020B0604030504040204" pitchFamily="34" charset="0"/>
+            </a:endParaRPr>
+          </a:p>
+        </p:txBody>
+      </p:sp>
+      <p:sp>
+        <p:nvSpPr>
+          <p:cNvPr id="11" name="Rectangle 10">
+            <a:extLst>
+              <a:ext uri="{FF2B5EF4-FFF2-40B4-BE49-F238E27FC236}">
+                <a16:creationId xmlns:a16="http://schemas.microsoft.com/office/drawing/2014/main" id="{9A099E03-7F5D-40B5-AF83-8B36D2DA594B}"/>
+              </a:ext>
+            </a:extLst>
+          </p:cNvPr>
+          <p:cNvSpPr/>
+          <p:nvPr/>
+        </p:nvSpPr>
+        <p:spPr>
+          <a:xfrm>
+            <a:off x="1629860" y="3803085"/>
+            <a:ext cx="848309" cy="369332"/>
+          </a:xfrm>
+          <a:prstGeom prst="rect">
+            <a:avLst/>
+          </a:prstGeom>
+        </p:spPr>
+        <p:txBody>
+          <a:bodyPr wrap="none">
+            <a:spAutoFit/>
+          </a:bodyPr>
+          <a:lstStyle/>
+          <a:p>
+            <a:pPr algn="ctr"/>
+            <a:r>
+              <a:rPr lang="en-US" altLang="ja-JP" dirty="0">
+                <a:latin typeface="Tahoma" panose="020B0604030504040204" pitchFamily="34" charset="0"/>
+                <a:ea typeface="Tahoma" panose="020B0604030504040204" pitchFamily="34" charset="0"/>
+                <a:cs typeface="Tahoma" panose="020B0604030504040204" pitchFamily="34" charset="0"/>
+              </a:rPr>
+              <a:t>output</a:t>
+            </a:r>
+            <a:endParaRPr lang="ja-JP" altLang="en-US" dirty="0">
+              <a:latin typeface="Tahoma" panose="020B0604030504040204" pitchFamily="34" charset="0"/>
+              <a:cs typeface="Tahoma" panose="020B0604030504040204" pitchFamily="34" charset="0"/>
+            </a:endParaRPr>
+          </a:p>
+        </p:txBody>
+      </p:sp>
+      <p:sp>
+        <p:nvSpPr>
+          <p:cNvPr id="12" name="Rectangle 11">
+            <a:extLst>
+              <a:ext uri="{FF2B5EF4-FFF2-40B4-BE49-F238E27FC236}">
+                <a16:creationId xmlns:a16="http://schemas.microsoft.com/office/drawing/2014/main" id="{C77AA99F-01CF-4155-B9C5-78FDAE28F61E}"/>
+              </a:ext>
+            </a:extLst>
+          </p:cNvPr>
+          <p:cNvSpPr/>
+          <p:nvPr/>
+        </p:nvSpPr>
+        <p:spPr>
+          <a:xfrm>
+            <a:off x="1375784" y="705600"/>
+            <a:ext cx="1356462" cy="369332"/>
+          </a:xfrm>
+          <a:prstGeom prst="rect">
+            <a:avLst/>
+          </a:prstGeom>
+        </p:spPr>
+        <p:txBody>
+          <a:bodyPr wrap="none">
+            <a:spAutoFit/>
+          </a:bodyPr>
+          <a:lstStyle/>
+          <a:p>
+            <a:pPr algn="ctr"/>
+            <a:r>
+              <a:rPr lang="en-US" altLang="ja-JP" dirty="0">
+                <a:latin typeface="Tahoma" panose="020B0604030504040204" pitchFamily="34" charset="0"/>
+                <a:ea typeface="Tahoma" panose="020B0604030504040204" pitchFamily="34" charset="0"/>
+                <a:cs typeface="Tahoma" panose="020B0604030504040204" pitchFamily="34" charset="0"/>
+              </a:rPr>
+              <a:t>explanation</a:t>
+            </a:r>
+            <a:endParaRPr lang="ja-JP" altLang="en-US" dirty="0">
+              <a:latin typeface="Tahoma" panose="020B0604030504040204" pitchFamily="34" charset="0"/>
+              <a:cs typeface="Tahoma" panose="020B0604030504040204" pitchFamily="34" charset="0"/>
+            </a:endParaRPr>
+          </a:p>
+        </p:txBody>
+      </p:sp>
+      <p:pic>
+        <p:nvPicPr>
+          <p:cNvPr id="13" name="Graphic 12">
+            <a:extLst>
+              <a:ext uri="{FF2B5EF4-FFF2-40B4-BE49-F238E27FC236}">
+                <a16:creationId xmlns:a16="http://schemas.microsoft.com/office/drawing/2014/main" id="{C0A1D308-1A10-46EC-BC7B-E1F8BE698AEE}"/>
+              </a:ext>
+            </a:extLst>
+          </p:cNvPr>
+          <p:cNvPicPr>
+            <a:picLocks noChangeAspect="1"/>
+          </p:cNvPicPr>
+          <p:nvPr/>
+        </p:nvPicPr>
+        <p:blipFill>
+          <a:blip r:embed="rId4">
+            <a:extLst>
+              <a:ext uri="{28A0092B-C50C-407E-A947-70E740481C1C}">
+                <a14:useLocalDpi xmlns:a14="http://schemas.microsoft.com/office/drawing/2010/main" val="0"/>
+              </a:ext>
+              <a:ext uri="{96DAC541-7B7A-43D3-8B79-37D633B846F1}">
+                <asvg:svgBlip xmlns:asvg="http://schemas.microsoft.com/office/drawing/2016/SVG/main" r:embed="rId5"/>
+              </a:ext>
+            </a:extLst>
+          </a:blip>
+          <a:stretch>
+            <a:fillRect/>
+          </a:stretch>
+        </p:blipFill>
+        <p:spPr>
+          <a:xfrm>
+            <a:off x="100076" y="6369742"/>
+            <a:ext cx="683948" cy="369332"/>
+          </a:xfrm>
+          <a:prstGeom prst="rect">
+            <a:avLst/>
+          </a:prstGeom>
+        </p:spPr>
+      </p:pic>
+      <p:pic>
+        <p:nvPicPr>
+          <p:cNvPr id="5" name="Picture 4">
+            <a:extLst>
+              <a:ext uri="{FF2B5EF4-FFF2-40B4-BE49-F238E27FC236}">
+                <a16:creationId xmlns:a16="http://schemas.microsoft.com/office/drawing/2014/main" id="{C6AABDE1-156D-43A1-A9F2-54067C0B6AC6}"/>
+              </a:ext>
+            </a:extLst>
+          </p:cNvPr>
+          <p:cNvPicPr>
+            <a:picLocks noChangeAspect="1"/>
+          </p:cNvPicPr>
+          <p:nvPr/>
+        </p:nvPicPr>
+        <p:blipFill rotWithShape="1">
+          <a:blip r:embed="rId6"/>
+          <a:srcRect t="16467"/>
+          <a:stretch/>
+        </p:blipFill>
+        <p:spPr>
+          <a:xfrm>
+            <a:off x="0" y="4223660"/>
+            <a:ext cx="4522629" cy="1997971"/>
+          </a:xfrm>
+          <a:prstGeom prst="rect">
+            <a:avLst/>
+          </a:prstGeom>
+        </p:spPr>
+      </p:pic>
+    </p:spTree>
+    <p:extLst>
+      <p:ext uri="{BB962C8B-B14F-4D97-AF65-F5344CB8AC3E}">
+        <p14:creationId xmlns:p14="http://schemas.microsoft.com/office/powerpoint/2010/main" val="2875468892"/>
+      </p:ext>
+    </p:extLst>
+  </p:cSld>
+  <p:clrMapOvr>
+    <a:masterClrMapping/>
+  </p:clrMapOvr>
+</p:sld>
+</file>
+
+<file path=ppt/slides/slide7.xml><?xml version="1.0" encoding="utf-8"?>
+<p:sld xmlns:a="http://schemas.openxmlformats.org/drawingml/2006/main" xmlns:r="http://schemas.openxmlformats.org/officeDocument/2006/relationships" xmlns:p="http://schemas.openxmlformats.org/presentationml/2006/main">
+  <p:cSld>
+    <p:bg>
+      <p:bgPr>
+        <a:solidFill>
+          <a:schemeClr val="bg1"/>
+        </a:solidFill>
+        <a:effectLst/>
+      </p:bgPr>
+    </p:bg>
+    <p:spTree>
+      <p:nvGrpSpPr>
+        <p:cNvPr id="1" name=""/>
+        <p:cNvGrpSpPr/>
+        <p:nvPr/>
+      </p:nvGrpSpPr>
+      <p:grpSpPr>
+        <a:xfrm>
+          <a:off x="0" y="0"/>
+          <a:ext cx="0" cy="0"/>
+          <a:chOff x="0" y="0"/>
+          <a:chExt cx="0" cy="0"/>
+        </a:xfrm>
+      </p:grpSpPr>
+      <p:sp>
+        <p:nvSpPr>
+          <p:cNvPr id="10" name="Rectangle 9">
+            <a:extLst>
+              <a:ext uri="{FF2B5EF4-FFF2-40B4-BE49-F238E27FC236}">
+                <a16:creationId xmlns:a16="http://schemas.microsoft.com/office/drawing/2014/main" id="{CEB41C5C-0F34-4DDA-9D7C-5E717F35F60C}"/>
+              </a:ext>
+            </a:extLst>
+          </p:cNvPr>
+          <p:cNvSpPr>
+            <a:spLocks noGrp="1" noRot="1" noChangeAspect="1" noMove="1" noResize="1" noEditPoints="1" noAdjustHandles="1" noChangeArrowheads="1" noChangeShapeType="1" noTextEdit="1"/>
+          </p:cNvSpPr>
+          <p:nvPr>
+            <p:extLst>
+              <p:ext uri="{386F3935-93C4-4BCD-93E2-E3B085C9AB24}">
+                <p16:designElem xmlns:p16="http://schemas.microsoft.com/office/powerpoint/2015/main" val="1"/>
+              </p:ext>
+            </p:extLst>
+          </p:nvPr>
+        </p:nvSpPr>
+        <p:spPr bwMode="ltGray">
+          <a:xfrm>
+            <a:off x="4601007" y="303591"/>
+            <a:ext cx="4301693" cy="5896743"/>
+          </a:xfrm>
+          <a:prstGeom prst="rect">
+            <a:avLst/>
+          </a:prstGeom>
+          <a:solidFill>
+            <a:schemeClr val="tx1">
+              <a:alpha val="15000"/>
+            </a:schemeClr>
+          </a:solidFill>
+          <a:ln w="127000" cap="sq" cmpd="thinThick">
+            <a:solidFill>
+              <a:schemeClr val="tx1">
+                <a:alpha val="10000"/>
+              </a:schemeClr>
+            </a:solidFill>
+          </a:ln>
+        </p:spPr>
+        <p:style>
+          <a:lnRef idx="2">
+            <a:schemeClr val="accent1">
+              <a:shade val="50000"/>
+            </a:schemeClr>
+          </a:lnRef>
+          <a:fillRef idx="1">
+            <a:schemeClr val="accent1"/>
+          </a:fillRef>
+          <a:effectRef idx="0">
+            <a:schemeClr val="accent1"/>
+          </a:effectRef>
+          <a:fontRef idx="minor">
+            <a:schemeClr val="lt1"/>
+          </a:fontRef>
+        </p:style>
+        <p:txBody>
+          <a:bodyPr rtlCol="0" anchor="ctr"/>
+          <a:lstStyle/>
+          <a:p>
+            <a:pPr algn="ctr"/>
+            <a:endParaRPr lang="en-US"/>
+          </a:p>
+        </p:txBody>
+      </p:sp>
+      <p:sp>
+        <p:nvSpPr>
+          <p:cNvPr id="2" name="Title 1">
+            <a:extLst>
+              <a:ext uri="{FF2B5EF4-FFF2-40B4-BE49-F238E27FC236}">
+                <a16:creationId xmlns:a16="http://schemas.microsoft.com/office/drawing/2014/main" id="{E44D6F80-BF44-4B52-9DF2-B11355DE48D4}"/>
+              </a:ext>
+            </a:extLst>
+          </p:cNvPr>
+          <p:cNvSpPr>
+            <a:spLocks noGrp="1"/>
+          </p:cNvSpPr>
+          <p:nvPr>
+            <p:ph type="title"/>
+          </p:nvPr>
+        </p:nvSpPr>
+        <p:spPr>
+          <a:xfrm>
+            <a:off x="251967" y="13232"/>
+            <a:ext cx="3915950" cy="787957"/>
+          </a:xfrm>
+        </p:spPr>
+        <p:txBody>
+          <a:bodyPr>
+            <a:normAutofit/>
+          </a:bodyPr>
+          <a:lstStyle/>
+          <a:p>
+            <a:pPr algn="ctr"/>
+            <a:r>
+              <a:rPr lang="en-US" sz="3500" dirty="0"/>
+              <a:t>lesson01_3</a:t>
+            </a:r>
+          </a:p>
+        </p:txBody>
+      </p:sp>
+      <p:sp>
+        <p:nvSpPr>
+          <p:cNvPr id="3" name="Content Placeholder 2">
+            <a:extLst>
+              <a:ext uri="{FF2B5EF4-FFF2-40B4-BE49-F238E27FC236}">
+                <a16:creationId xmlns:a16="http://schemas.microsoft.com/office/drawing/2014/main" id="{DDF43F30-1DCF-4886-AE1F-6373FF92B3E1}"/>
+              </a:ext>
+            </a:extLst>
+          </p:cNvPr>
+          <p:cNvSpPr>
+            <a:spLocks noGrp="1"/>
+          </p:cNvSpPr>
+          <p:nvPr>
+            <p:ph idx="1"/>
+          </p:nvPr>
+        </p:nvSpPr>
+        <p:spPr>
+          <a:xfrm>
+            <a:off x="319678" y="1102857"/>
+            <a:ext cx="3926617" cy="3773010"/>
+          </a:xfrm>
+        </p:spPr>
+        <p:txBody>
+          <a:bodyPr>
+            <a:normAutofit/>
+          </a:bodyPr>
+          <a:lstStyle/>
+          <a:p>
+            <a:pPr marL="285744" indent="-285744"/>
+            <a:r>
+              <a:rPr lang="en-US" sz="1700" dirty="0">
+                <a:latin typeface="Tahoma" panose="020B0604030504040204" pitchFamily="34" charset="0"/>
+                <a:ea typeface="Tahoma" panose="020B0604030504040204" pitchFamily="34" charset="0"/>
+                <a:cs typeface="Tahoma" panose="020B0604030504040204" pitchFamily="34" charset="0"/>
+              </a:rPr>
+              <a:t>L1-6: HTML header</a:t>
+            </a:r>
+          </a:p>
+          <a:p>
+            <a:pPr marL="285744" indent="-285744"/>
+            <a:r>
+              <a:rPr lang="en-US" sz="1700" dirty="0">
+                <a:latin typeface="Tahoma" panose="020B0604030504040204" pitchFamily="34" charset="0"/>
+                <a:ea typeface="Tahoma" panose="020B0604030504040204" pitchFamily="34" charset="0"/>
+                <a:cs typeface="Tahoma" panose="020B0604030504040204" pitchFamily="34" charset="0"/>
+              </a:rPr>
+              <a:t>L8-10: PHP program code</a:t>
+            </a:r>
+          </a:p>
+          <a:p>
+            <a:pPr marL="457200" lvl="1" indent="0">
+              <a:buNone/>
+            </a:pPr>
+            <a:r>
+              <a:rPr lang="en-US" sz="1300" dirty="0">
+                <a:latin typeface="Tahoma" panose="020B0604030504040204" pitchFamily="34" charset="0"/>
+                <a:ea typeface="Tahoma" panose="020B0604030504040204" pitchFamily="34" charset="0"/>
+                <a:cs typeface="Tahoma" panose="020B0604030504040204" pitchFamily="34" charset="0"/>
+              </a:rPr>
+              <a:t>L13,14: </a:t>
+            </a:r>
+            <a:r>
+              <a:rPr lang="en-US" sz="1300" dirty="0" err="1">
+                <a:latin typeface="Tahoma" panose="020B0604030504040204" pitchFamily="34" charset="0"/>
+                <a:ea typeface="Tahoma" panose="020B0604030504040204" pitchFamily="34" charset="0"/>
+                <a:cs typeface="Tahoma" panose="020B0604030504040204" pitchFamily="34" charset="0"/>
+              </a:rPr>
+              <a:t>int</a:t>
+            </a:r>
+            <a:r>
+              <a:rPr lang="en-US" sz="1300" dirty="0">
+                <a:latin typeface="Tahoma" panose="020B0604030504040204" pitchFamily="34" charset="0"/>
+                <a:ea typeface="Tahoma" panose="020B0604030504040204" pitchFamily="34" charset="0"/>
+                <a:cs typeface="Tahoma" panose="020B0604030504040204" pitchFamily="34" charset="0"/>
+              </a:rPr>
+              <a:t> + </a:t>
+            </a:r>
+            <a:r>
+              <a:rPr lang="en-US" sz="1300" dirty="0" err="1">
+                <a:latin typeface="Tahoma" panose="020B0604030504040204" pitchFamily="34" charset="0"/>
+                <a:ea typeface="Tahoma" panose="020B0604030504040204" pitchFamily="34" charset="0"/>
+                <a:cs typeface="Tahoma" panose="020B0604030504040204" pitchFamily="34" charset="0"/>
+              </a:rPr>
+              <a:t>int</a:t>
+            </a:r>
+            <a:endParaRPr lang="en-US" sz="1300" dirty="0">
+              <a:latin typeface="Tahoma" panose="020B0604030504040204" pitchFamily="34" charset="0"/>
+              <a:ea typeface="Tahoma" panose="020B0604030504040204" pitchFamily="34" charset="0"/>
+              <a:cs typeface="Tahoma" panose="020B0604030504040204" pitchFamily="34" charset="0"/>
+            </a:endParaRPr>
+          </a:p>
+          <a:p>
+            <a:pPr marL="457200" lvl="1" indent="0">
+              <a:buNone/>
+            </a:pPr>
+            <a:r>
+              <a:rPr lang="en-US" sz="1300" dirty="0">
+                <a:latin typeface="Tahoma" panose="020B0604030504040204" pitchFamily="34" charset="0"/>
+                <a:ea typeface="Tahoma" panose="020B0604030504040204" pitchFamily="34" charset="0"/>
+                <a:cs typeface="Tahoma" panose="020B0604030504040204" pitchFamily="34" charset="0"/>
+              </a:rPr>
+              <a:t>L15,16: </a:t>
+            </a:r>
+            <a:r>
+              <a:rPr lang="en-US" sz="1300" dirty="0" err="1">
+                <a:latin typeface="Tahoma" panose="020B0604030504040204" pitchFamily="34" charset="0"/>
+                <a:ea typeface="Tahoma" panose="020B0604030504040204" pitchFamily="34" charset="0"/>
+                <a:cs typeface="Tahoma" panose="020B0604030504040204" pitchFamily="34" charset="0"/>
+              </a:rPr>
+              <a:t>int</a:t>
+            </a:r>
+            <a:r>
+              <a:rPr lang="en-US" sz="1300" dirty="0">
+                <a:latin typeface="Tahoma" panose="020B0604030504040204" pitchFamily="34" charset="0"/>
+                <a:ea typeface="Tahoma" panose="020B0604030504040204" pitchFamily="34" charset="0"/>
+                <a:cs typeface="Tahoma" panose="020B0604030504040204" pitchFamily="34" charset="0"/>
+              </a:rPr>
+              <a:t> . </a:t>
+            </a:r>
+            <a:r>
+              <a:rPr lang="en-US" sz="1300" dirty="0" err="1">
+                <a:latin typeface="Tahoma" panose="020B0604030504040204" pitchFamily="34" charset="0"/>
+                <a:ea typeface="Tahoma" panose="020B0604030504040204" pitchFamily="34" charset="0"/>
+                <a:cs typeface="Tahoma" panose="020B0604030504040204" pitchFamily="34" charset="0"/>
+              </a:rPr>
+              <a:t>int</a:t>
+            </a:r>
+            <a:endParaRPr lang="en-US" sz="1300" dirty="0">
+              <a:latin typeface="Tahoma" panose="020B0604030504040204" pitchFamily="34" charset="0"/>
+              <a:ea typeface="Tahoma" panose="020B0604030504040204" pitchFamily="34" charset="0"/>
+              <a:cs typeface="Tahoma" panose="020B0604030504040204" pitchFamily="34" charset="0"/>
+            </a:endParaRPr>
+          </a:p>
+          <a:p>
+            <a:pPr marL="457200" lvl="1" indent="0">
+              <a:buNone/>
+            </a:pPr>
+            <a:r>
+              <a:rPr lang="en-US" sz="1300" dirty="0">
+                <a:latin typeface="Tahoma" panose="020B0604030504040204" pitchFamily="34" charset="0"/>
+                <a:ea typeface="Tahoma" panose="020B0604030504040204" pitchFamily="34" charset="0"/>
+                <a:cs typeface="Tahoma" panose="020B0604030504040204" pitchFamily="34" charset="0"/>
+              </a:rPr>
+              <a:t>L17,18: </a:t>
+            </a:r>
+            <a:r>
+              <a:rPr lang="en-US" sz="1300" dirty="0" err="1">
+                <a:latin typeface="Tahoma" panose="020B0604030504040204" pitchFamily="34" charset="0"/>
+                <a:ea typeface="Tahoma" panose="020B0604030504040204" pitchFamily="34" charset="0"/>
+                <a:cs typeface="Tahoma" panose="020B0604030504040204" pitchFamily="34" charset="0"/>
+              </a:rPr>
+              <a:t>int</a:t>
+            </a:r>
+            <a:r>
+              <a:rPr lang="en-US" sz="1300" dirty="0">
+                <a:latin typeface="Tahoma" panose="020B0604030504040204" pitchFamily="34" charset="0"/>
+                <a:ea typeface="Tahoma" panose="020B0604030504040204" pitchFamily="34" charset="0"/>
+                <a:cs typeface="Tahoma" panose="020B0604030504040204" pitchFamily="34" charset="0"/>
+              </a:rPr>
+              <a:t> + string</a:t>
+            </a:r>
+          </a:p>
+          <a:p>
+            <a:pPr marL="457200" lvl="1" indent="0">
+              <a:buNone/>
+            </a:pPr>
+            <a:r>
+              <a:rPr lang="en-US" sz="1300" dirty="0">
+                <a:latin typeface="Tahoma" panose="020B0604030504040204" pitchFamily="34" charset="0"/>
+                <a:ea typeface="Tahoma" panose="020B0604030504040204" pitchFamily="34" charset="0"/>
+                <a:cs typeface="Tahoma" panose="020B0604030504040204" pitchFamily="34" charset="0"/>
+              </a:rPr>
+              <a:t>L19,20: </a:t>
+            </a:r>
+            <a:r>
+              <a:rPr lang="en-US" sz="1300" dirty="0" err="1">
+                <a:latin typeface="Tahoma" panose="020B0604030504040204" pitchFamily="34" charset="0"/>
+                <a:ea typeface="Tahoma" panose="020B0604030504040204" pitchFamily="34" charset="0"/>
+                <a:cs typeface="Tahoma" panose="020B0604030504040204" pitchFamily="34" charset="0"/>
+              </a:rPr>
+              <a:t>int</a:t>
+            </a:r>
+            <a:r>
+              <a:rPr lang="en-US" sz="1300" dirty="0">
+                <a:latin typeface="Tahoma" panose="020B0604030504040204" pitchFamily="34" charset="0"/>
+                <a:ea typeface="Tahoma" panose="020B0604030504040204" pitchFamily="34" charset="0"/>
+                <a:cs typeface="Tahoma" panose="020B0604030504040204" pitchFamily="34" charset="0"/>
+              </a:rPr>
+              <a:t> . string</a:t>
+            </a:r>
+          </a:p>
+          <a:p>
+            <a:pPr marL="457200" lvl="1" indent="0">
+              <a:buNone/>
+            </a:pPr>
+            <a:endParaRPr lang="en-US" sz="1300" dirty="0">
+              <a:latin typeface="Tahoma" panose="020B0604030504040204" pitchFamily="34" charset="0"/>
+              <a:ea typeface="Tahoma" panose="020B0604030504040204" pitchFamily="34" charset="0"/>
+              <a:cs typeface="Tahoma" panose="020B0604030504040204" pitchFamily="34" charset="0"/>
+            </a:endParaRPr>
+          </a:p>
+          <a:p>
+            <a:pPr marL="285744" indent="-285744"/>
+            <a:r>
+              <a:rPr lang="en-US" sz="1700" dirty="0">
+                <a:latin typeface="Tahoma" panose="020B0604030504040204" pitchFamily="34" charset="0"/>
+                <a:ea typeface="Tahoma" panose="020B0604030504040204" pitchFamily="34" charset="0"/>
+                <a:cs typeface="Tahoma" panose="020B0604030504040204" pitchFamily="34" charset="0"/>
+              </a:rPr>
+              <a:t>L23-24: HTML footer</a:t>
+            </a:r>
+          </a:p>
+          <a:p>
+            <a:endParaRPr lang="en-US" sz="1700" dirty="0"/>
+          </a:p>
+        </p:txBody>
+      </p:sp>
+      <mc:AlternateContent xmlns:mc="http://schemas.openxmlformats.org/markup-compatibility/2006">
+        <mc:Choice xmlns:we="http://schemas.microsoft.com/office/webextensions/webextension/2010/11" xmlns:pca="http://schemas.microsoft.com/office/powerpoint/2013/contentapp" Requires="we pca">
+          <p:graphicFrame>
+            <p:nvGraphicFramePr>
+              <p:cNvPr id="7" name="Add-in 6" title="Code Presenter Pro">
+                <a:extLst>
+                  <a:ext uri="{FF2B5EF4-FFF2-40B4-BE49-F238E27FC236}">
+                    <a16:creationId xmlns:a16="http://schemas.microsoft.com/office/drawing/2014/main" id="{08B2A02E-54C7-48BA-8B6F-AF9CCA1E0E47}"/>
+                  </a:ext>
+                </a:extLst>
+              </p:cNvPr>
+              <p:cNvGraphicFramePr>
+                <a:graphicFrameLocks noGrp="1"/>
+              </p:cNvGraphicFramePr>
+              <p:nvPr>
+                <p:extLst/>
+              </p:nvPr>
+            </p:nvGraphicFramePr>
+            <p:xfrm>
+              <a:off x="4679385" y="394462"/>
+              <a:ext cx="4144937" cy="5715000"/>
+            </p:xfrm>
+            <a:graphic>
+              <a:graphicData uri="http://schemas.microsoft.com/office/webextensions/webextension/2010/11">
+                <we:webextensionref xmlns:we="http://schemas.microsoft.com/office/webextensions/webextension/2010/11" xmlns:r="http://schemas.openxmlformats.org/officeDocument/2006/relationships" r:id="rId2"/>
+              </a:graphicData>
+            </a:graphic>
+          </p:graphicFrame>
+        </mc:Choice>
+        <mc:Fallback>
+          <p:pic>
+            <p:nvPicPr>
+              <p:cNvPr id="7" name="Add-in 6" title="Code Presenter Pro">
+                <a:extLst>
+                  <a:ext uri="{FF2B5EF4-FFF2-40B4-BE49-F238E27FC236}">
+                    <a16:creationId xmlns:a16="http://schemas.microsoft.com/office/drawing/2014/main" id="{08B2A02E-54C7-48BA-8B6F-AF9CCA1E0E47}"/>
+                  </a:ext>
+                </a:extLst>
+              </p:cNvPr>
+              <p:cNvPicPr>
+                <a:picLocks noGrp="1" noRot="1" noChangeAspect="1" noMove="1" noResize="1" noEditPoints="1" noAdjustHandles="1" noChangeArrowheads="1" noChangeShapeType="1"/>
+              </p:cNvPicPr>
+              <p:nvPr/>
+            </p:nvPicPr>
+            <p:blipFill>
+              <a:blip r:embed="rId3"/>
+              <a:stretch>
+                <a:fillRect/>
+              </a:stretch>
+            </p:blipFill>
+            <p:spPr>
+              <a:xfrm>
+                <a:off x="4679385" y="394462"/>
+                <a:ext cx="4144937" cy="5715000"/>
+              </a:xfrm>
+              <a:prstGeom prst="rect">
+                <a:avLst/>
+              </a:prstGeom>
+            </p:spPr>
+          </p:pic>
+        </mc:Fallback>
+      </mc:AlternateContent>
+      <p:sp>
+        <p:nvSpPr>
+          <p:cNvPr id="6" name="Rectangle 5">
+            <a:extLst>
+              <a:ext uri="{FF2B5EF4-FFF2-40B4-BE49-F238E27FC236}">
+                <a16:creationId xmlns:a16="http://schemas.microsoft.com/office/drawing/2014/main" id="{56CF89B6-45BF-4C70-B4FA-B3D5F715A11A}"/>
+              </a:ext>
+            </a:extLst>
+          </p:cNvPr>
+          <p:cNvSpPr/>
+          <p:nvPr/>
+        </p:nvSpPr>
+        <p:spPr>
+          <a:xfrm>
+            <a:off x="4007594" y="6400520"/>
+            <a:ext cx="5024196" cy="307777"/>
+          </a:xfrm>
+          <a:prstGeom prst="rect">
+            <a:avLst/>
+          </a:prstGeom>
+        </p:spPr>
+        <p:txBody>
+          <a:bodyPr wrap="none">
+            <a:spAutoFit/>
+          </a:bodyPr>
+          <a:lstStyle/>
+          <a:p>
+            <a:r>
+              <a:rPr lang="en-US" altLang="ja-JP" sz="1400" dirty="0">
+                <a:latin typeface="Tahoma" panose="020B0604030504040204" pitchFamily="34" charset="0"/>
+                <a:ea typeface="Tahoma" panose="020B0604030504040204" pitchFamily="34" charset="0"/>
+                <a:cs typeface="Tahoma" panose="020B0604030504040204" pitchFamily="34" charset="0"/>
+              </a:rPr>
+              <a:t>folder: C:\appserv\php_lesson\    file name: lesson01_2.php</a:t>
+            </a:r>
+            <a:endParaRPr lang="ja-JP" altLang="en-US" sz="1400" dirty="0">
+              <a:latin typeface="Tahoma" panose="020B0604030504040204" pitchFamily="34" charset="0"/>
+              <a:cs typeface="Tahoma" panose="020B0604030504040204" pitchFamily="34" charset="0"/>
+            </a:endParaRPr>
+          </a:p>
+        </p:txBody>
+      </p:sp>
+      <p:sp>
+        <p:nvSpPr>
+          <p:cNvPr id="11" name="Rectangle 10">
+            <a:extLst>
+              <a:ext uri="{FF2B5EF4-FFF2-40B4-BE49-F238E27FC236}">
+                <a16:creationId xmlns:a16="http://schemas.microsoft.com/office/drawing/2014/main" id="{9A099E03-7F5D-40B5-AF83-8B36D2DA594B}"/>
+              </a:ext>
+            </a:extLst>
+          </p:cNvPr>
+          <p:cNvSpPr/>
+          <p:nvPr/>
+        </p:nvSpPr>
+        <p:spPr>
+          <a:xfrm>
+            <a:off x="1629860" y="3803085"/>
+            <a:ext cx="848309" cy="369332"/>
+          </a:xfrm>
+          <a:prstGeom prst="rect">
+            <a:avLst/>
+          </a:prstGeom>
+        </p:spPr>
+        <p:txBody>
+          <a:bodyPr wrap="none">
+            <a:spAutoFit/>
+          </a:bodyPr>
+          <a:lstStyle/>
+          <a:p>
+            <a:pPr algn="ctr"/>
+            <a:r>
+              <a:rPr lang="en-US" altLang="ja-JP" dirty="0">
+                <a:latin typeface="Tahoma" panose="020B0604030504040204" pitchFamily="34" charset="0"/>
+                <a:ea typeface="Tahoma" panose="020B0604030504040204" pitchFamily="34" charset="0"/>
+                <a:cs typeface="Tahoma" panose="020B0604030504040204" pitchFamily="34" charset="0"/>
+              </a:rPr>
+              <a:t>output</a:t>
+            </a:r>
+            <a:endParaRPr lang="ja-JP" altLang="en-US" dirty="0">
+              <a:latin typeface="Tahoma" panose="020B0604030504040204" pitchFamily="34" charset="0"/>
+              <a:cs typeface="Tahoma" panose="020B0604030504040204" pitchFamily="34" charset="0"/>
+            </a:endParaRPr>
+          </a:p>
+        </p:txBody>
+      </p:sp>
+      <p:sp>
+        <p:nvSpPr>
+          <p:cNvPr id="12" name="Rectangle 11">
+            <a:extLst>
+              <a:ext uri="{FF2B5EF4-FFF2-40B4-BE49-F238E27FC236}">
+                <a16:creationId xmlns:a16="http://schemas.microsoft.com/office/drawing/2014/main" id="{C77AA99F-01CF-4155-B9C5-78FDAE28F61E}"/>
+              </a:ext>
+            </a:extLst>
+          </p:cNvPr>
+          <p:cNvSpPr/>
+          <p:nvPr/>
+        </p:nvSpPr>
+        <p:spPr>
+          <a:xfrm>
+            <a:off x="1375784" y="705600"/>
+            <a:ext cx="1356462" cy="369332"/>
+          </a:xfrm>
+          <a:prstGeom prst="rect">
+            <a:avLst/>
+          </a:prstGeom>
+        </p:spPr>
+        <p:txBody>
+          <a:bodyPr wrap="none">
+            <a:spAutoFit/>
+          </a:bodyPr>
+          <a:lstStyle/>
+          <a:p>
+            <a:pPr algn="ctr"/>
+            <a:r>
+              <a:rPr lang="en-US" altLang="ja-JP" dirty="0">
+                <a:latin typeface="Tahoma" panose="020B0604030504040204" pitchFamily="34" charset="0"/>
+                <a:ea typeface="Tahoma" panose="020B0604030504040204" pitchFamily="34" charset="0"/>
+                <a:cs typeface="Tahoma" panose="020B0604030504040204" pitchFamily="34" charset="0"/>
+              </a:rPr>
+              <a:t>explanation</a:t>
+            </a:r>
+            <a:endParaRPr lang="ja-JP" altLang="en-US" dirty="0">
+              <a:latin typeface="Tahoma" panose="020B0604030504040204" pitchFamily="34" charset="0"/>
+              <a:cs typeface="Tahoma" panose="020B0604030504040204" pitchFamily="34" charset="0"/>
+            </a:endParaRPr>
+          </a:p>
+        </p:txBody>
+      </p:sp>
+      <p:pic>
+        <p:nvPicPr>
+          <p:cNvPr id="13" name="Graphic 12">
+            <a:extLst>
+              <a:ext uri="{FF2B5EF4-FFF2-40B4-BE49-F238E27FC236}">
+                <a16:creationId xmlns:a16="http://schemas.microsoft.com/office/drawing/2014/main" id="{C0A1D308-1A10-46EC-BC7B-E1F8BE698AEE}"/>
+              </a:ext>
+            </a:extLst>
+          </p:cNvPr>
+          <p:cNvPicPr>
+            <a:picLocks noChangeAspect="1"/>
+          </p:cNvPicPr>
+          <p:nvPr/>
+        </p:nvPicPr>
+        <p:blipFill>
+          <a:blip r:embed="rId4">
+            <a:extLst>
+              <a:ext uri="{28A0092B-C50C-407E-A947-70E740481C1C}">
+                <a14:useLocalDpi xmlns:a14="http://schemas.microsoft.com/office/drawing/2010/main" val="0"/>
+              </a:ext>
+              <a:ext uri="{96DAC541-7B7A-43D3-8B79-37D633B846F1}">
+                <asvg:svgBlip xmlns:asvg="http://schemas.microsoft.com/office/drawing/2016/SVG/main" r:embed="rId5"/>
+              </a:ext>
+            </a:extLst>
+          </a:blip>
+          <a:stretch>
+            <a:fillRect/>
+          </a:stretch>
+        </p:blipFill>
+        <p:spPr>
+          <a:xfrm>
+            <a:off x="100076" y="6369742"/>
+            <a:ext cx="683948" cy="369332"/>
+          </a:xfrm>
+          <a:prstGeom prst="rect">
+            <a:avLst/>
+          </a:prstGeom>
+        </p:spPr>
+      </p:pic>
+      <p:pic>
+        <p:nvPicPr>
+          <p:cNvPr id="4" name="Picture 3">
+            <a:extLst>
+              <a:ext uri="{FF2B5EF4-FFF2-40B4-BE49-F238E27FC236}">
+                <a16:creationId xmlns:a16="http://schemas.microsoft.com/office/drawing/2014/main" id="{C32F17B8-4D50-41CE-BB01-EC78925C30E1}"/>
+              </a:ext>
+            </a:extLst>
+          </p:cNvPr>
+          <p:cNvPicPr>
+            <a:picLocks noChangeAspect="1"/>
+          </p:cNvPicPr>
+          <p:nvPr/>
+        </p:nvPicPr>
+        <p:blipFill rotWithShape="1">
+          <a:blip r:embed="rId6"/>
+          <a:srcRect t="40453"/>
+          <a:stretch/>
+        </p:blipFill>
+        <p:spPr>
+          <a:xfrm>
+            <a:off x="0" y="4236256"/>
+            <a:ext cx="4458789" cy="1679594"/>
+          </a:xfrm>
+          <a:prstGeom prst="rect">
+            <a:avLst/>
+          </a:prstGeom>
+        </p:spPr>
+      </p:pic>
+    </p:spTree>
+    <p:extLst>
+      <p:ext uri="{BB962C8B-B14F-4D97-AF65-F5344CB8AC3E}">
+        <p14:creationId xmlns:p14="http://schemas.microsoft.com/office/powerpoint/2010/main" val="4247377309"/>
       </p:ext>
     </p:extLst>
   </p:cSld>
@@ -4880,13 +6710,55 @@
 </file>
 
 <file path=ppt/webextensions/webextension1.xml><?xml version="1.0" encoding="utf-8"?>
+<we:webextension xmlns:we="http://schemas.microsoft.com/office/webextensions/webextension/2010/11" id="{4B7C5246-1C33-4483-BFAF-081BFB40B5BA}" frozen="1">
+  <we:reference id="wa104379263" version="1.0.0.1" store="en-US" storeType="OMEX"/>
+  <we:alternateReferences>
+    <we:reference id="wa104379263" version="1.0.0.1" store="wa104379263" storeType="OMEX"/>
+  </we:alternateReferences>
+  <we:properties>
+    <we:property name="config" value="{&quot;display_lang&quot;:&quot;en&quot;,&quot;display_font&quot;:&quot;Consolas&quot;,&quot;syntax_color&quot;:{&quot;Reserved words&quot;:&quot;#0000ff&quot;,&quot;PHP core functions&quot;:&quot;#ff0000&quot;,&quot;PREFIX3&quot;:&quot;#008080&quot;,&quot;Namespaces&quot;:&quot;#808000&quot;,&quot;Line comment&quot;:&quot;#008000&quot;,&quot;Line comment 2&quot;:&quot;#008000&quot;,&quot;Block comment&quot;:&quot;#008000&quot;,&quot;Quotation&quot;:&quot;#FF00FF&quot;,&quot;Quotation 2&quot;:&quot;#FF00FF&quot;,&quot;Number&quot;:&quot;#800080&quot;},&quot;old_syntax_color&quot;:{&quot;Reserved words&quot;:&quot;#0000FF&quot;,&quot;PHP core functions&quot;:&quot;#FF0000&quot;,&quot;PREFIX3&quot;:&quot;#008080&quot;,&quot;Namespaces&quot;:&quot;#808000&quot;,&quot;Line comment&quot;:&quot;#008000&quot;,&quot;Line comment 2&quot;:&quot;#008000&quot;,&quot;Block comment&quot;:&quot;#008000&quot;,&quot;Quotation&quot;:&quot;#FF00FF&quot;,&quot;Quotation 2&quot;:&quot;#FF00FF&quot;,&quot;Number&quot;:&quot;#800080&quot;},&quot;show_line_number&quot;:true,&quot;code_lang&quot;:&quot;php&quot;,&quot;code&quot;:&quot;&lt;!doctype html&gt;\n&lt;html&gt;\n&lt;head&gt;\n    &lt;meta charset=\&quot;utf-8\&quot;&gt;\n&lt;/head&gt;\n&lt;body&gt;\n\n&lt;?php\n    print 'Hello Word';\n?&gt;\n\n&lt;/body&gt;\n&lt;/html&gt;\n&quot;,&quot;ctags&quot;:{}}"/>
+  </we:properties>
+  <we:bindings/>
+  <we:snapshot xmlns:r="http://schemas.openxmlformats.org/officeDocument/2006/relationships" r:embed="rId1"/>
+</we:webextension>
+</file>
+
+<file path=ppt/webextensions/webextension2.xml><?xml version="1.0" encoding="utf-8"?>
+<we:webextension xmlns:we="http://schemas.microsoft.com/office/webextensions/webextension/2010/11" id="{4B7C5246-1C33-4483-BFAF-081BFB40B5BA}" frozen="1">
+  <we:reference id="wa104379263" version="1.0.0.1" store="en-US" storeType="OMEX"/>
+  <we:alternateReferences>
+    <we:reference id="wa104379263" version="1.0.0.1" store="wa104379263" storeType="OMEX"/>
+  </we:alternateReferences>
+  <we:properties>
+    <we:property name="config" value="{&quot;display_lang&quot;:&quot;en&quot;,&quot;display_font&quot;:&quot;Consolas&quot;,&quot;syntax_color&quot;:{&quot;Reserved words&quot;:&quot;#0000ff&quot;,&quot;PHP core functions&quot;:&quot;#ff0000&quot;,&quot;PREFIX3&quot;:&quot;#008080&quot;,&quot;Namespaces&quot;:&quot;#808000&quot;,&quot;Line comment&quot;:&quot;#008000&quot;,&quot;Line comment 2&quot;:&quot;#008000&quot;,&quot;Block comment&quot;:&quot;#008000&quot;,&quot;Quotation&quot;:&quot;#FF00FF&quot;,&quot;Quotation 2&quot;:&quot;#FF00FF&quot;,&quot;Number&quot;:&quot;#800080&quot;},&quot;old_syntax_color&quot;:{&quot;Reserved words&quot;:&quot;#0000FF&quot;,&quot;PHP core functions&quot;:&quot;#FF0000&quot;,&quot;PREFIX3&quot;:&quot;#008080&quot;,&quot;Namespaces&quot;:&quot;#808000&quot;,&quot;Line comment&quot;:&quot;#008000&quot;,&quot;Line comment 2&quot;:&quot;#008000&quot;,&quot;Block comment&quot;:&quot;#008000&quot;,&quot;Quotation&quot;:&quot;#FF00FF&quot;,&quot;Quotation 2&quot;:&quot;#FF00FF&quot;,&quot;Number&quot;:&quot;#800080&quot;},&quot;show_line_number&quot;:true,&quot;code_lang&quot;:&quot;php&quot;,&quot;code&quot;:&quot;&lt;!doctype html&gt;\n&lt;html&gt;\n&lt;head&gt;\n    &lt;meta charset=\&quot;utf-8\&quot;&gt;\n&lt;/head&gt;\n&lt;body&gt;\n\n&lt;?php\n    $year = 2017;\n    $name = 'keisuke';\n    print \&quot;Hello $name &lt;br&gt;\&quot;;\n    print \&quot;This year is $year&lt;br&gt;\&quot;;\n?&gt;\n\n&lt;/body&gt;\n&lt;/html&gt;\n&quot;,&quot;ctags&quot;:{&quot;name&quot;:[{&quot;linenum&quot;:&quot;10&quot;,&quot;signature&quot;:&quot;$name = 'keisuke';&quot;}],&quot;year&quot;:[{&quot;linenum&quot;:&quot;9&quot;,&quot;signature&quot;:&quot;$year = 2017;&quot;}]}}"/>
+  </we:properties>
+  <we:bindings/>
+  <we:snapshot xmlns:r="http://schemas.openxmlformats.org/officeDocument/2006/relationships" r:embed="rId1"/>
+</we:webextension>
+</file>
+
+<file path=ppt/webextensions/webextension3.xml><?xml version="1.0" encoding="utf-8"?>
 <we:webextension xmlns:we="http://schemas.microsoft.com/office/webextensions/webextension/2010/11" id="{4B7C5246-1C33-4483-BFAF-081BFB40B5BA}">
   <we:reference id="wa104379263" version="1.0.0.1" store="en-US" storeType="OMEX"/>
   <we:alternateReferences>
     <we:reference id="wa104379263" version="1.0.0.1" store="wa104379263" storeType="OMEX"/>
   </we:alternateReferences>
   <we:properties>
-    <we:property name="config" value="{&quot;display_lang&quot;:&quot;en&quot;,&quot;display_font&quot;:&quot;Consolas&quot;,&quot;syntax_color&quot;:{&quot;Reserved words&quot;:&quot;#0000ff&quot;,&quot;PHP core functions&quot;:&quot;#ff0000&quot;,&quot;PREFIX3&quot;:&quot;#008080&quot;,&quot;Namespaces&quot;:&quot;#808000&quot;,&quot;Line comment&quot;:&quot;#008000&quot;,&quot;Line comment 2&quot;:&quot;#008000&quot;,&quot;Block comment&quot;:&quot;#008000&quot;,&quot;Quotation&quot;:&quot;#FF00FF&quot;,&quot;Quotation 2&quot;:&quot;#FF00FF&quot;,&quot;Number&quot;:&quot;#800080&quot;},&quot;old_syntax_color&quot;:{&quot;Reserved words&quot;:&quot;#0000FF&quot;,&quot;PHP core functions&quot;:&quot;#FF0000&quot;,&quot;PREFIX3&quot;:&quot;#008080&quot;,&quot;Namespaces&quot;:&quot;#808000&quot;,&quot;Line comment&quot;:&quot;#008000&quot;,&quot;Line comment 2&quot;:&quot;#008000&quot;,&quot;Block comment&quot;:&quot;#008000&quot;,&quot;Quotation&quot;:&quot;#FF00FF&quot;,&quot;Quotation 2&quot;:&quot;#FF00FF&quot;,&quot;Number&quot;:&quot;#800080&quot;},&quot;show_line_number&quot;:true,&quot;code_lang&quot;:&quot;php&quot;,&quot;code&quot;:&quot;&lt;!doctype html&gt;\n&lt;html&gt;\n&lt;head&gt;\n&lt;meta charset=\&quot;utf-8\&quot;&gt;\n&lt;/head&gt;\n&lt;body&gt;\n\n&lt;?php\nprint 'Hello Word';\n?&gt;\n\n&lt;/body&gt;\n&lt;/html&gt;&quot;,&quot;ctags&quot;:{}}"/>
+    <we:property name="config" value="{&quot;display_lang&quot;:&quot;en&quot;,&quot;display_font&quot;:&quot;Consolas&quot;,&quot;syntax_color&quot;:{&quot;Reserved words&quot;:&quot;#0000ff&quot;,&quot;PHP core functions&quot;:&quot;#ff0000&quot;,&quot;PREFIX3&quot;:&quot;#008080&quot;,&quot;Namespaces&quot;:&quot;#808000&quot;,&quot;Line comment&quot;:&quot;#008000&quot;,&quot;Line comment 2&quot;:&quot;#008000&quot;,&quot;Block comment&quot;:&quot;#008000&quot;,&quot;Quotation&quot;:&quot;#FF00FF&quot;,&quot;Quotation 2&quot;:&quot;#FF00FF&quot;,&quot;Number&quot;:&quot;#800080&quot;},&quot;old_syntax_color&quot;:{&quot;Reserved words&quot;:&quot;#0000FF&quot;,&quot;PHP core functions&quot;:&quot;#FF0000&quot;,&quot;PREFIX3&quot;:&quot;#008080&quot;,&quot;Namespaces&quot;:&quot;#808000&quot;,&quot;Line comment&quot;:&quot;#008000&quot;,&quot;Line comment 2&quot;:&quot;#008000&quot;,&quot;Block comment&quot;:&quot;#008000&quot;,&quot;Quotation&quot;:&quot;#FF00FF&quot;,&quot;Quotation 2&quot;:&quot;#FF00FF&quot;,&quot;Number&quot;:&quot;#800080&quot;},&quot;show_line_number&quot;:true,&quot;code_lang&quot;:&quot;php&quot;,&quot;code&quot;:&quot;&lt;!doctype html&gt;\n&lt;html&gt;\n&lt;head&gt;\n    &lt;meta charset=\&quot;utf-8\&quot;&gt;\n&lt;/head&gt;\n&lt;body&gt;\n\n&lt;?php\n    $int_a = 10;\n    $int_b = 15;\n    $str = 'a';\n\n    print $int_a + $int_b;\n    print \&quot;&lt;br&gt;\&quot;;\n    print $int_a . $int_b;\n    print \&quot;&lt;br&gt;\&quot;;\n    print $int_a + $str;\n    print \&quot;&lt;br&gt;\&quot;;\n    print $int_a . $str;\n    print \&quot;&lt;br&gt;\&quot;;\n?&gt;\n\n&lt;/body&gt;\n&lt;/html&gt;\n&quot;,&quot;ctags&quot;:{&quot;int_a&quot;:[{&quot;linenum&quot;:&quot;9&quot;,&quot;signature&quot;:&quot;$int_a = 10;&quot;}],&quot;int_b&quot;:[{&quot;linenum&quot;:&quot;10&quot;,&quot;signature&quot;:&quot;$int_b = 15;&quot;}],&quot;str&quot;:[{&quot;linenum&quot;:&quot;11&quot;,&quot;signature&quot;:&quot;$str = 'a';&quot;}]}}"/>
+  </we:properties>
+  <we:bindings/>
+  <we:snapshot xmlns:r="http://schemas.openxmlformats.org/officeDocument/2006/relationships" r:embed="rId1"/>
+</we:webextension>
+</file>
+
+<file path=ppt/webextensions/webextension4.xml><?xml version="1.0" encoding="utf-8"?>
+<we:webextension xmlns:we="http://schemas.microsoft.com/office/webextensions/webextension/2010/11" id="{4B7C5246-1C33-4483-BFAF-081BFB40B5BA}">
+  <we:reference id="wa104379263" version="1.0.0.1" store="en-US" storeType="OMEX"/>
+  <we:alternateReferences>
+    <we:reference id="wa104379263" version="1.0.0.1" store="wa104379263" storeType="OMEX"/>
+  </we:alternateReferences>
+  <we:properties>
+    <we:property name="config" value="{&quot;display_lang&quot;:&quot;en&quot;,&quot;display_font&quot;:&quot;Consolas&quot;,&quot;syntax_color&quot;:{&quot;Reserved words&quot;:&quot;#0000ff&quot;,&quot;PHP core functions&quot;:&quot;#ff0000&quot;,&quot;PREFIX3&quot;:&quot;#008080&quot;,&quot;Namespaces&quot;:&quot;#808000&quot;,&quot;Line comment&quot;:&quot;#008000&quot;,&quot;Line comment 2&quot;:&quot;#008000&quot;,&quot;Block comment&quot;:&quot;#008000&quot;,&quot;Quotation&quot;:&quot;#FF00FF&quot;,&quot;Quotation 2&quot;:&quot;#FF00FF&quot;,&quot;Number&quot;:&quot;#800080&quot;},&quot;old_syntax_color&quot;:{&quot;Reserved words&quot;:&quot;#0000FF&quot;,&quot;PHP core functions&quot;:&quot;#FF0000&quot;,&quot;PREFIX3&quot;:&quot;#008080&quot;,&quot;Namespaces&quot;:&quot;#808000&quot;,&quot;Line comment&quot;:&quot;#008000&quot;,&quot;Line comment 2&quot;:&quot;#008000&quot;,&quot;Block comment&quot;:&quot;#008000&quot;,&quot;Quotation&quot;:&quot;#FF00FF&quot;,&quot;Quotation 2&quot;:&quot;#FF00FF&quot;,&quot;Number&quot;:&quot;#800080&quot;},&quot;show_line_number&quot;:true,&quot;code_lang&quot;:&quot;php&quot;,&quot;code&quot;:&quot;&lt;!doctype html&gt;\n&lt;html&gt;\n&lt;head&gt;\n    &lt;meta charset=\&quot;utf-8\&quot;&gt;\n&lt;/head&gt;\n&lt;body&gt;\n\n&lt;?php\n    $num = rand(1, 3);\n    \n    if($num == 1){\n        print \&quot;Today is very lucky.\&quot;;\n    }else if($num == 2){\n        print \&quot;Today is lucky.\&quot;;\n    }else if($num == 3){\n        print \&quot;Today is unlucky.\&quot;;\n    }\n?&gt;\n\n&lt;/body&gt;\n&lt;/html&gt;\n&quot;,&quot;ctags&quot;:{&quot;num&quot;:[{&quot;linenum&quot;:&quot;9&quot;,&quot;signature&quot;:&quot;$num = rand(1, 3);&quot;}]}}"/>
   </we:properties>
   <we:bindings/>
   <we:snapshot xmlns:r="http://schemas.openxmlformats.org/officeDocument/2006/relationships" r:embed="rId1"/>

--- a/ppt/lesson01.pptx
+++ b/ppt/lesson01.pptx
@@ -253,7 +253,7 @@
           <a:p>
             <a:fld id="{E1BA411A-197C-4FAE-AAA1-E05F9BAD9EAC}" type="datetimeFigureOut">
               <a:rPr lang="en-US" smtClean="0"/>
-              <a:t>11/14/2017</a:t>
+              <a:t>11/15/2017</a:t>
             </a:fld>
             <a:endParaRPr lang="en-US"/>
           </a:p>
@@ -423,7 +423,7 @@
           <a:p>
             <a:fld id="{E1BA411A-197C-4FAE-AAA1-E05F9BAD9EAC}" type="datetimeFigureOut">
               <a:rPr lang="en-US" smtClean="0"/>
-              <a:t>11/14/2017</a:t>
+              <a:t>11/15/2017</a:t>
             </a:fld>
             <a:endParaRPr lang="en-US"/>
           </a:p>
@@ -603,7 +603,7 @@
           <a:p>
             <a:fld id="{E1BA411A-197C-4FAE-AAA1-E05F9BAD9EAC}" type="datetimeFigureOut">
               <a:rPr lang="en-US" smtClean="0"/>
-              <a:t>11/14/2017</a:t>
+              <a:t>11/15/2017</a:t>
             </a:fld>
             <a:endParaRPr lang="en-US"/>
           </a:p>
@@ -773,7 +773,7 @@
           <a:p>
             <a:fld id="{E1BA411A-197C-4FAE-AAA1-E05F9BAD9EAC}" type="datetimeFigureOut">
               <a:rPr lang="en-US" smtClean="0"/>
-              <a:t>11/14/2017</a:t>
+              <a:t>11/15/2017</a:t>
             </a:fld>
             <a:endParaRPr lang="en-US"/>
           </a:p>
@@ -1017,7 +1017,7 @@
           <a:p>
             <a:fld id="{E1BA411A-197C-4FAE-AAA1-E05F9BAD9EAC}" type="datetimeFigureOut">
               <a:rPr lang="en-US" smtClean="0"/>
-              <a:t>11/14/2017</a:t>
+              <a:t>11/15/2017</a:t>
             </a:fld>
             <a:endParaRPr lang="en-US"/>
           </a:p>
@@ -1249,7 +1249,7 @@
           <a:p>
             <a:fld id="{E1BA411A-197C-4FAE-AAA1-E05F9BAD9EAC}" type="datetimeFigureOut">
               <a:rPr lang="en-US" smtClean="0"/>
-              <a:t>11/14/2017</a:t>
+              <a:t>11/15/2017</a:t>
             </a:fld>
             <a:endParaRPr lang="en-US"/>
           </a:p>
@@ -1616,7 +1616,7 @@
           <a:p>
             <a:fld id="{E1BA411A-197C-4FAE-AAA1-E05F9BAD9EAC}" type="datetimeFigureOut">
               <a:rPr lang="en-US" smtClean="0"/>
-              <a:t>11/14/2017</a:t>
+              <a:t>11/15/2017</a:t>
             </a:fld>
             <a:endParaRPr lang="en-US"/>
           </a:p>
@@ -1734,7 +1734,7 @@
           <a:p>
             <a:fld id="{E1BA411A-197C-4FAE-AAA1-E05F9BAD9EAC}" type="datetimeFigureOut">
               <a:rPr lang="en-US" smtClean="0"/>
-              <a:t>11/14/2017</a:t>
+              <a:t>11/15/2017</a:t>
             </a:fld>
             <a:endParaRPr lang="en-US"/>
           </a:p>
@@ -1829,7 +1829,7 @@
           <a:p>
             <a:fld id="{E1BA411A-197C-4FAE-AAA1-E05F9BAD9EAC}" type="datetimeFigureOut">
               <a:rPr lang="en-US" smtClean="0"/>
-              <a:t>11/14/2017</a:t>
+              <a:t>11/15/2017</a:t>
             </a:fld>
             <a:endParaRPr lang="en-US"/>
           </a:p>
@@ -2106,7 +2106,7 @@
           <a:p>
             <a:fld id="{E1BA411A-197C-4FAE-AAA1-E05F9BAD9EAC}" type="datetimeFigureOut">
               <a:rPr lang="en-US" smtClean="0"/>
-              <a:t>11/14/2017</a:t>
+              <a:t>11/15/2017</a:t>
             </a:fld>
             <a:endParaRPr lang="en-US"/>
           </a:p>
@@ -2363,7 +2363,7 @@
           <a:p>
             <a:fld id="{E1BA411A-197C-4FAE-AAA1-E05F9BAD9EAC}" type="datetimeFigureOut">
               <a:rPr lang="en-US" smtClean="0"/>
-              <a:t>11/14/2017</a:t>
+              <a:t>11/15/2017</a:t>
             </a:fld>
             <a:endParaRPr lang="en-US"/>
           </a:p>
@@ -2576,7 +2576,7 @@
           <a:p>
             <a:fld id="{E1BA411A-197C-4FAE-AAA1-E05F9BAD9EAC}" type="datetimeFigureOut">
               <a:rPr lang="en-US" smtClean="0"/>
-              <a:t>11/14/2017</a:t>
+              <a:t>11/15/2017</a:t>
             </a:fld>
             <a:endParaRPr lang="en-US"/>
           </a:p>
@@ -3601,14 +3601,11 @@
               </a:rPr>
               <a:t>php</a:t>
             </a:r>
-            <a:r>
-              <a:rPr lang="en-US" altLang="ja-JP" sz="3200" dirty="0">
-                <a:latin typeface="Tahoma" panose="020B0604030504040204" pitchFamily="34" charset="0"/>
-                <a:ea typeface="Tahoma" panose="020B0604030504040204" pitchFamily="34" charset="0"/>
-                <a:cs typeface="Tahoma" panose="020B0604030504040204" pitchFamily="34" charset="0"/>
-              </a:rPr>
-              <a:t> file</a:t>
-            </a:r>
+            <a:endParaRPr lang="en-US" altLang="ja-JP" sz="3200" dirty="0">
+              <a:latin typeface="Tahoma" panose="020B0604030504040204" pitchFamily="34" charset="0"/>
+              <a:ea typeface="Tahoma" panose="020B0604030504040204" pitchFamily="34" charset="0"/>
+              <a:cs typeface="Tahoma" panose="020B0604030504040204" pitchFamily="34" charset="0"/>
+            </a:endParaRPr>
           </a:p>
           <a:p>
             <a:endParaRPr lang="en-US" sz="3200" dirty="0">
@@ -5955,7 +5952,7 @@
             <a:pPr algn="ctr"/>
             <a:r>
               <a:rPr lang="en-US" sz="3500" dirty="0"/>
-              <a:t>lesson01_3</a:t>
+              <a:t>lesson01_4</a:t>
             </a:r>
           </a:p>
         </p:txBody>
@@ -6019,37 +6016,21 @@
                 <a:ea typeface="Tahoma" panose="020B0604030504040204" pitchFamily="34" charset="0"/>
                 <a:cs typeface="Tahoma" panose="020B0604030504040204" pitchFamily="34" charset="0"/>
               </a:rPr>
-              <a:t>L13,14: </a:t>
-            </a:r>
-            <a:r>
-              <a:rPr lang="en-US" sz="1300" dirty="0" err="1">
-                <a:latin typeface="Tahoma" panose="020B0604030504040204" pitchFamily="34" charset="0"/>
-                <a:ea typeface="Tahoma" panose="020B0604030504040204" pitchFamily="34" charset="0"/>
-                <a:cs typeface="Tahoma" panose="020B0604030504040204" pitchFamily="34" charset="0"/>
-              </a:rPr>
-              <a:t>int</a:t>
-            </a:r>
+              <a:t>L9: command rand</a:t>
+            </a:r>
+          </a:p>
+          <a:p>
+            <a:pPr marL="457200" lvl="1" indent="0">
+              <a:buNone/>
+            </a:pPr>
             <a:r>
               <a:rPr lang="en-US" sz="1300" dirty="0">
                 <a:latin typeface="Tahoma" panose="020B0604030504040204" pitchFamily="34" charset="0"/>
                 <a:ea typeface="Tahoma" panose="020B0604030504040204" pitchFamily="34" charset="0"/>
                 <a:cs typeface="Tahoma" panose="020B0604030504040204" pitchFamily="34" charset="0"/>
               </a:rPr>
-              <a:t> + </a:t>
-            </a:r>
-            <a:r>
-              <a:rPr lang="en-US" sz="1300" dirty="0" err="1">
-                <a:latin typeface="Tahoma" panose="020B0604030504040204" pitchFamily="34" charset="0"/>
-                <a:ea typeface="Tahoma" panose="020B0604030504040204" pitchFamily="34" charset="0"/>
-                <a:cs typeface="Tahoma" panose="020B0604030504040204" pitchFamily="34" charset="0"/>
-              </a:rPr>
-              <a:t>int</a:t>
-            </a:r>
-            <a:endParaRPr lang="en-US" sz="1300" dirty="0">
-              <a:latin typeface="Tahoma" panose="020B0604030504040204" pitchFamily="34" charset="0"/>
-              <a:ea typeface="Tahoma" panose="020B0604030504040204" pitchFamily="34" charset="0"/>
-              <a:cs typeface="Tahoma" panose="020B0604030504040204" pitchFamily="34" charset="0"/>
-            </a:endParaRPr>
+              <a:t>L11: command if</a:t>
+            </a:r>
           </a:p>
           <a:p>
             <a:pPr marL="457200" lvl="1" indent="0">
@@ -6061,94 +6042,20 @@
                 <a:ea typeface="Tahoma" panose="020B0604030504040204" pitchFamily="34" charset="0"/>
                 <a:cs typeface="Tahoma" panose="020B0604030504040204" pitchFamily="34" charset="0"/>
               </a:rPr>
-              <a:t>L15,16: </a:t>
-            </a:r>
-            <a:r>
-              <a:rPr lang="en-US" sz="1300" dirty="0" err="1">
-                <a:latin typeface="Tahoma" panose="020B0604030504040204" pitchFamily="34" charset="0"/>
-                <a:ea typeface="Tahoma" panose="020B0604030504040204" pitchFamily="34" charset="0"/>
-                <a:cs typeface="Tahoma" panose="020B0604030504040204" pitchFamily="34" charset="0"/>
-              </a:rPr>
-              <a:t>int</a:t>
-            </a:r>
+              <a:t>L13: command else if</a:t>
+            </a:r>
+          </a:p>
+          <a:p>
+            <a:pPr marL="457200" lvl="1" indent="0">
+              <a:buNone/>
+            </a:pPr>
             <a:r>
               <a:rPr lang="en-US" sz="1300" dirty="0">
                 <a:latin typeface="Tahoma" panose="020B0604030504040204" pitchFamily="34" charset="0"/>
                 <a:ea typeface="Tahoma" panose="020B0604030504040204" pitchFamily="34" charset="0"/>
                 <a:cs typeface="Tahoma" panose="020B0604030504040204" pitchFamily="34" charset="0"/>
               </a:rPr>
-              <a:t> . </a:t>
-            </a:r>
-            <a:r>
-              <a:rPr lang="en-US" sz="1300" dirty="0" err="1">
-                <a:latin typeface="Tahoma" panose="020B0604030504040204" pitchFamily="34" charset="0"/>
-                <a:ea typeface="Tahoma" panose="020B0604030504040204" pitchFamily="34" charset="0"/>
-                <a:cs typeface="Tahoma" panose="020B0604030504040204" pitchFamily="34" charset="0"/>
-              </a:rPr>
-              <a:t>int</a:t>
-            </a:r>
-            <a:endParaRPr lang="en-US" sz="1300" dirty="0">
-              <a:latin typeface="Tahoma" panose="020B0604030504040204" pitchFamily="34" charset="0"/>
-              <a:ea typeface="Tahoma" panose="020B0604030504040204" pitchFamily="34" charset="0"/>
-              <a:cs typeface="Tahoma" panose="020B0604030504040204" pitchFamily="34" charset="0"/>
-            </a:endParaRPr>
-          </a:p>
-          <a:p>
-            <a:pPr marL="457200" lvl="1" indent="0">
-              <a:buNone/>
-            </a:pPr>
-            <a:r>
-              <a:rPr lang="en-US" sz="1300" dirty="0">
-                <a:latin typeface="Tahoma" panose="020B0604030504040204" pitchFamily="34" charset="0"/>
-                <a:ea typeface="Tahoma" panose="020B0604030504040204" pitchFamily="34" charset="0"/>
-                <a:cs typeface="Tahoma" panose="020B0604030504040204" pitchFamily="34" charset="0"/>
-              </a:rPr>
-              <a:t>L17,18: </a:t>
-            </a:r>
-            <a:r>
-              <a:rPr lang="en-US" sz="1300" dirty="0" err="1">
-                <a:latin typeface="Tahoma" panose="020B0604030504040204" pitchFamily="34" charset="0"/>
-                <a:ea typeface="Tahoma" panose="020B0604030504040204" pitchFamily="34" charset="0"/>
-                <a:cs typeface="Tahoma" panose="020B0604030504040204" pitchFamily="34" charset="0"/>
-              </a:rPr>
-              <a:t>int</a:t>
-            </a:r>
-            <a:r>
-              <a:rPr lang="en-US" sz="1300" dirty="0">
-                <a:latin typeface="Tahoma" panose="020B0604030504040204" pitchFamily="34" charset="0"/>
-                <a:ea typeface="Tahoma" panose="020B0604030504040204" pitchFamily="34" charset="0"/>
-                <a:cs typeface="Tahoma" panose="020B0604030504040204" pitchFamily="34" charset="0"/>
-              </a:rPr>
-              <a:t> + string</a:t>
-            </a:r>
-          </a:p>
-          <a:p>
-            <a:pPr marL="457200" lvl="1" indent="0">
-              <a:buNone/>
-            </a:pPr>
-            <a:r>
-              <a:rPr lang="en-US" sz="1300" dirty="0">
-                <a:latin typeface="Tahoma" panose="020B0604030504040204" pitchFamily="34" charset="0"/>
-                <a:ea typeface="Tahoma" panose="020B0604030504040204" pitchFamily="34" charset="0"/>
-                <a:cs typeface="Tahoma" panose="020B0604030504040204" pitchFamily="34" charset="0"/>
-              </a:rPr>
-              <a:t>L19,20: </a:t>
-            </a:r>
-            <a:r>
-              <a:rPr lang="en-US" sz="1300" dirty="0" err="1">
-                <a:latin typeface="Tahoma" panose="020B0604030504040204" pitchFamily="34" charset="0"/>
-                <a:ea typeface="Tahoma" panose="020B0604030504040204" pitchFamily="34" charset="0"/>
-                <a:cs typeface="Tahoma" panose="020B0604030504040204" pitchFamily="34" charset="0"/>
-              </a:rPr>
-              <a:t>int</a:t>
-            </a:r>
-            <a:r>
-              <a:rPr lang="en-US" sz="1300" dirty="0">
-                <a:latin typeface="Tahoma" panose="020B0604030504040204" pitchFamily="34" charset="0"/>
-                <a:ea typeface="Tahoma" panose="020B0604030504040204" pitchFamily="34" charset="0"/>
-                <a:cs typeface="Tahoma" panose="020B0604030504040204" pitchFamily="34" charset="0"/>
-              </a:rPr>
-              <a:t> . string</a:t>
+              <a:t>L15: command else</a:t>
             </a:r>
           </a:p>
           <a:p>
@@ -6738,7 +6645,7 @@
 </file>
 
 <file path=ppt/webextensions/webextension3.xml><?xml version="1.0" encoding="utf-8"?>
-<we:webextension xmlns:we="http://schemas.microsoft.com/office/webextensions/webextension/2010/11" id="{4B7C5246-1C33-4483-BFAF-081BFB40B5BA}">
+<we:webextension xmlns:we="http://schemas.microsoft.com/office/webextensions/webextension/2010/11" id="{4B7C5246-1C33-4483-BFAF-081BFB40B5BA}" frozen="1">
   <we:reference id="wa104379263" version="1.0.0.1" store="en-US" storeType="OMEX"/>
   <we:alternateReferences>
     <we:reference id="wa104379263" version="1.0.0.1" store="wa104379263" storeType="OMEX"/>
@@ -6752,13 +6659,13 @@
 </file>
 
 <file path=ppt/webextensions/webextension4.xml><?xml version="1.0" encoding="utf-8"?>
-<we:webextension xmlns:we="http://schemas.microsoft.com/office/webextensions/webextension/2010/11" id="{4B7C5246-1C33-4483-BFAF-081BFB40B5BA}">
+<we:webextension xmlns:we="http://schemas.microsoft.com/office/webextensions/webextension/2010/11" id="{4B7C5246-1C33-4483-BFAF-081BFB40B5BA}" frozen="1">
   <we:reference id="wa104379263" version="1.0.0.1" store="en-US" storeType="OMEX"/>
   <we:alternateReferences>
     <we:reference id="wa104379263" version="1.0.0.1" store="wa104379263" storeType="OMEX"/>
   </we:alternateReferences>
   <we:properties>
-    <we:property name="config" value="{&quot;display_lang&quot;:&quot;en&quot;,&quot;display_font&quot;:&quot;Consolas&quot;,&quot;syntax_color&quot;:{&quot;Reserved words&quot;:&quot;#0000ff&quot;,&quot;PHP core functions&quot;:&quot;#ff0000&quot;,&quot;PREFIX3&quot;:&quot;#008080&quot;,&quot;Namespaces&quot;:&quot;#808000&quot;,&quot;Line comment&quot;:&quot;#008000&quot;,&quot;Line comment 2&quot;:&quot;#008000&quot;,&quot;Block comment&quot;:&quot;#008000&quot;,&quot;Quotation&quot;:&quot;#FF00FF&quot;,&quot;Quotation 2&quot;:&quot;#FF00FF&quot;,&quot;Number&quot;:&quot;#800080&quot;},&quot;old_syntax_color&quot;:{&quot;Reserved words&quot;:&quot;#0000FF&quot;,&quot;PHP core functions&quot;:&quot;#FF0000&quot;,&quot;PREFIX3&quot;:&quot;#008080&quot;,&quot;Namespaces&quot;:&quot;#808000&quot;,&quot;Line comment&quot;:&quot;#008000&quot;,&quot;Line comment 2&quot;:&quot;#008000&quot;,&quot;Block comment&quot;:&quot;#008000&quot;,&quot;Quotation&quot;:&quot;#FF00FF&quot;,&quot;Quotation 2&quot;:&quot;#FF00FF&quot;,&quot;Number&quot;:&quot;#800080&quot;},&quot;show_line_number&quot;:true,&quot;code_lang&quot;:&quot;php&quot;,&quot;code&quot;:&quot;&lt;!doctype html&gt;\n&lt;html&gt;\n&lt;head&gt;\n    &lt;meta charset=\&quot;utf-8\&quot;&gt;\n&lt;/head&gt;\n&lt;body&gt;\n\n&lt;?php\n    $num = rand(1, 3);\n    \n    if($num == 1){\n        print \&quot;Today is very lucky.\&quot;;\n    }else if($num == 2){\n        print \&quot;Today is lucky.\&quot;;\n    }else if($num == 3){\n        print \&quot;Today is unlucky.\&quot;;\n    }\n?&gt;\n\n&lt;/body&gt;\n&lt;/html&gt;\n&quot;,&quot;ctags&quot;:{&quot;num&quot;:[{&quot;linenum&quot;:&quot;9&quot;,&quot;signature&quot;:&quot;$num = rand(1, 3);&quot;}]}}"/>
+    <we:property name="config" value="{&quot;display_lang&quot;:&quot;en&quot;,&quot;display_font&quot;:&quot;Consolas&quot;,&quot;syntax_color&quot;:{&quot;Reserved words&quot;:&quot;#0000ff&quot;,&quot;PHP core functions&quot;:&quot;#ff0000&quot;,&quot;PREFIX3&quot;:&quot;#008080&quot;,&quot;Namespaces&quot;:&quot;#808000&quot;,&quot;Line comment&quot;:&quot;#008000&quot;,&quot;Line comment 2&quot;:&quot;#008000&quot;,&quot;Block comment&quot;:&quot;#008000&quot;,&quot;Quotation&quot;:&quot;#FF00FF&quot;,&quot;Quotation 2&quot;:&quot;#FF00FF&quot;,&quot;Number&quot;:&quot;#800080&quot;},&quot;old_syntax_color&quot;:{&quot;Reserved words&quot;:&quot;#0000FF&quot;,&quot;PHP core functions&quot;:&quot;#FF0000&quot;,&quot;PREFIX3&quot;:&quot;#008080&quot;,&quot;Namespaces&quot;:&quot;#808000&quot;,&quot;Line comment&quot;:&quot;#008000&quot;,&quot;Line comment 2&quot;:&quot;#008000&quot;,&quot;Block comment&quot;:&quot;#008000&quot;,&quot;Quotation&quot;:&quot;#FF00FF&quot;,&quot;Quotation 2&quot;:&quot;#FF00FF&quot;,&quot;Number&quot;:&quot;#800080&quot;},&quot;show_line_number&quot;:true,&quot;code_lang&quot;:&quot;php&quot;,&quot;code&quot;:&quot;&lt;!doctype html&gt;\n&lt;html&gt;\n&lt;head&gt;\n    &lt;meta charset=\&quot;utf-8\&quot;&gt;\n&lt;/head&gt;\n&lt;body&gt;\n\n&lt;?php\n    $num = rand(1, 3);\n    \n    if($num == 1){\n        print \&quot;Today is very lucky.\&quot;;\n    }else if($num == 2){\n        print \&quot;Today is lucky.\&quot;;\n    }else{\n        print \&quot;Today is unlucky.\&quot;;\n    }\n?&gt;\n\n&lt;/body&gt;\n&lt;/html&gt;\n&quot;,&quot;ctags&quot;:{&quot;num&quot;:[{&quot;linenum&quot;:&quot;9&quot;,&quot;signature&quot;:&quot;$num = rand(1, 3);&quot;}]}}"/>
   </we:properties>
   <we:bindings/>
   <we:snapshot xmlns:r="http://schemas.openxmlformats.org/officeDocument/2006/relationships" r:embed="rId1"/>

--- a/ppt/lesson01.pptx
+++ b/ppt/lesson01.pptx
@@ -8,10 +8,11 @@
     <p:sldId id="256" r:id="rId2"/>
     <p:sldId id="261" r:id="rId3"/>
     <p:sldId id="262" r:id="rId4"/>
-    <p:sldId id="264" r:id="rId5"/>
-    <p:sldId id="266" r:id="rId6"/>
-    <p:sldId id="268" r:id="rId7"/>
-    <p:sldId id="269" r:id="rId8"/>
+    <p:sldId id="270" r:id="rId5"/>
+    <p:sldId id="264" r:id="rId6"/>
+    <p:sldId id="266" r:id="rId7"/>
+    <p:sldId id="268" r:id="rId8"/>
+    <p:sldId id="269" r:id="rId9"/>
   </p:sldIdLst>
   <p:sldSz cx="9144000" cy="6858000" type="screen4x3"/>
   <p:notesSz cx="6888163" cy="10020300"/>
@@ -253,7 +254,7 @@
           <a:p>
             <a:fld id="{E1BA411A-197C-4FAE-AAA1-E05F9BAD9EAC}" type="datetimeFigureOut">
               <a:rPr lang="en-US" smtClean="0"/>
-              <a:t>11/15/2017</a:t>
+              <a:t>11/20/2017</a:t>
             </a:fld>
             <a:endParaRPr lang="en-US"/>
           </a:p>
@@ -423,7 +424,7 @@
           <a:p>
             <a:fld id="{E1BA411A-197C-4FAE-AAA1-E05F9BAD9EAC}" type="datetimeFigureOut">
               <a:rPr lang="en-US" smtClean="0"/>
-              <a:t>11/15/2017</a:t>
+              <a:t>11/20/2017</a:t>
             </a:fld>
             <a:endParaRPr lang="en-US"/>
           </a:p>
@@ -603,7 +604,7 @@
           <a:p>
             <a:fld id="{E1BA411A-197C-4FAE-AAA1-E05F9BAD9EAC}" type="datetimeFigureOut">
               <a:rPr lang="en-US" smtClean="0"/>
-              <a:t>11/15/2017</a:t>
+              <a:t>11/20/2017</a:t>
             </a:fld>
             <a:endParaRPr lang="en-US"/>
           </a:p>
@@ -773,7 +774,7 @@
           <a:p>
             <a:fld id="{E1BA411A-197C-4FAE-AAA1-E05F9BAD9EAC}" type="datetimeFigureOut">
               <a:rPr lang="en-US" smtClean="0"/>
-              <a:t>11/15/2017</a:t>
+              <a:t>11/20/2017</a:t>
             </a:fld>
             <a:endParaRPr lang="en-US"/>
           </a:p>
@@ -1017,7 +1018,7 @@
           <a:p>
             <a:fld id="{E1BA411A-197C-4FAE-AAA1-E05F9BAD9EAC}" type="datetimeFigureOut">
               <a:rPr lang="en-US" smtClean="0"/>
-              <a:t>11/15/2017</a:t>
+              <a:t>11/20/2017</a:t>
             </a:fld>
             <a:endParaRPr lang="en-US"/>
           </a:p>
@@ -1249,7 +1250,7 @@
           <a:p>
             <a:fld id="{E1BA411A-197C-4FAE-AAA1-E05F9BAD9EAC}" type="datetimeFigureOut">
               <a:rPr lang="en-US" smtClean="0"/>
-              <a:t>11/15/2017</a:t>
+              <a:t>11/20/2017</a:t>
             </a:fld>
             <a:endParaRPr lang="en-US"/>
           </a:p>
@@ -1616,7 +1617,7 @@
           <a:p>
             <a:fld id="{E1BA411A-197C-4FAE-AAA1-E05F9BAD9EAC}" type="datetimeFigureOut">
               <a:rPr lang="en-US" smtClean="0"/>
-              <a:t>11/15/2017</a:t>
+              <a:t>11/20/2017</a:t>
             </a:fld>
             <a:endParaRPr lang="en-US"/>
           </a:p>
@@ -1734,7 +1735,7 @@
           <a:p>
             <a:fld id="{E1BA411A-197C-4FAE-AAA1-E05F9BAD9EAC}" type="datetimeFigureOut">
               <a:rPr lang="en-US" smtClean="0"/>
-              <a:t>11/15/2017</a:t>
+              <a:t>11/20/2017</a:t>
             </a:fld>
             <a:endParaRPr lang="en-US"/>
           </a:p>
@@ -1829,7 +1830,7 @@
           <a:p>
             <a:fld id="{E1BA411A-197C-4FAE-AAA1-E05F9BAD9EAC}" type="datetimeFigureOut">
               <a:rPr lang="en-US" smtClean="0"/>
-              <a:t>11/15/2017</a:t>
+              <a:t>11/20/2017</a:t>
             </a:fld>
             <a:endParaRPr lang="en-US"/>
           </a:p>
@@ -2106,7 +2107,7 @@
           <a:p>
             <a:fld id="{E1BA411A-197C-4FAE-AAA1-E05F9BAD9EAC}" type="datetimeFigureOut">
               <a:rPr lang="en-US" smtClean="0"/>
-              <a:t>11/15/2017</a:t>
+              <a:t>11/20/2017</a:t>
             </a:fld>
             <a:endParaRPr lang="en-US"/>
           </a:p>
@@ -2363,7 +2364,7 @@
           <a:p>
             <a:fld id="{E1BA411A-197C-4FAE-AAA1-E05F9BAD9EAC}" type="datetimeFigureOut">
               <a:rPr lang="en-US" smtClean="0"/>
-              <a:t>11/15/2017</a:t>
+              <a:t>11/20/2017</a:t>
             </a:fld>
             <a:endParaRPr lang="en-US"/>
           </a:p>
@@ -2576,7 +2577,7 @@
           <a:p>
             <a:fld id="{E1BA411A-197C-4FAE-AAA1-E05F9BAD9EAC}" type="datetimeFigureOut">
               <a:rPr lang="en-US" smtClean="0"/>
-              <a:t>11/15/2017</a:t>
+              <a:t>11/20/2017</a:t>
             </a:fld>
             <a:endParaRPr lang="en-US"/>
           </a:p>
@@ -4154,6 +4155,188 @@
 <file path=ppt/slides/slide4.xml><?xml version="1.0" encoding="utf-8"?>
 <p:sld xmlns:a="http://schemas.openxmlformats.org/drawingml/2006/main" xmlns:r="http://schemas.openxmlformats.org/officeDocument/2006/relationships" xmlns:p="http://schemas.openxmlformats.org/presentationml/2006/main">
   <p:cSld>
+    <p:spTree>
+      <p:nvGrpSpPr>
+        <p:cNvPr id="1" name=""/>
+        <p:cNvGrpSpPr/>
+        <p:nvPr/>
+      </p:nvGrpSpPr>
+      <p:grpSpPr>
+        <a:xfrm>
+          <a:off x="0" y="0"/>
+          <a:ext cx="0" cy="0"/>
+          <a:chOff x="0" y="0"/>
+          <a:chExt cx="0" cy="0"/>
+        </a:xfrm>
+      </p:grpSpPr>
+      <p:sp>
+        <p:nvSpPr>
+          <p:cNvPr id="2" name="Title 1">
+            <a:extLst>
+              <a:ext uri="{FF2B5EF4-FFF2-40B4-BE49-F238E27FC236}">
+                <a16:creationId xmlns:a16="http://schemas.microsoft.com/office/drawing/2014/main" id="{0F1B9B9F-9AC6-424B-A41A-F15714BE8EC6}"/>
+              </a:ext>
+            </a:extLst>
+          </p:cNvPr>
+          <p:cNvSpPr>
+            <a:spLocks noGrp="1"/>
+          </p:cNvSpPr>
+          <p:nvPr>
+            <p:ph type="title"/>
+          </p:nvPr>
+        </p:nvSpPr>
+        <p:spPr>
+          <a:xfrm>
+            <a:off x="0" y="185885"/>
+            <a:ext cx="3479292" cy="1049792"/>
+          </a:xfrm>
+        </p:spPr>
+        <p:txBody>
+          <a:bodyPr>
+            <a:normAutofit/>
+          </a:bodyPr>
+          <a:lstStyle/>
+          <a:p>
+            <a:r>
+              <a:rPr lang="en-US" altLang="ja-JP" sz="2400" dirty="0">
+                <a:latin typeface="Tahoma" panose="020B0604030504040204" pitchFamily="34" charset="0"/>
+                <a:ea typeface="Tahoma" panose="020B0604030504040204" pitchFamily="34" charset="0"/>
+                <a:cs typeface="Tahoma" panose="020B0604030504040204" pitchFamily="34" charset="0"/>
+              </a:rPr>
+              <a:t>lesson document &amp; program template</a:t>
+            </a:r>
+            <a:endParaRPr lang="en-US" sz="2400" dirty="0">
+              <a:latin typeface="Tahoma" panose="020B0604030504040204" pitchFamily="34" charset="0"/>
+              <a:ea typeface="Tahoma" panose="020B0604030504040204" pitchFamily="34" charset="0"/>
+              <a:cs typeface="Tahoma" panose="020B0604030504040204" pitchFamily="34" charset="0"/>
+            </a:endParaRPr>
+          </a:p>
+        </p:txBody>
+      </p:sp>
+      <p:sp>
+        <p:nvSpPr>
+          <p:cNvPr id="3" name="Content Placeholder 2">
+            <a:extLst>
+              <a:ext uri="{FF2B5EF4-FFF2-40B4-BE49-F238E27FC236}">
+                <a16:creationId xmlns:a16="http://schemas.microsoft.com/office/drawing/2014/main" id="{D72E31AE-390B-4B6F-9F0B-032DBE9939FE}"/>
+              </a:ext>
+            </a:extLst>
+          </p:cNvPr>
+          <p:cNvSpPr>
+            <a:spLocks noGrp="1"/>
+          </p:cNvSpPr>
+          <p:nvPr>
+            <p:ph idx="1"/>
+          </p:nvPr>
+        </p:nvSpPr>
+        <p:spPr>
+          <a:xfrm>
+            <a:off x="0" y="1536351"/>
+            <a:ext cx="3479292" cy="3785419"/>
+          </a:xfrm>
+        </p:spPr>
+        <p:txBody>
+          <a:bodyPr>
+            <a:normAutofit/>
+          </a:bodyPr>
+          <a:lstStyle/>
+          <a:p>
+            <a:pPr marL="342891" indent="-342891">
+              <a:buFont typeface="+mj-lt"/>
+              <a:buAutoNum type="arabicPeriod"/>
+            </a:pPr>
+            <a:r>
+              <a:rPr lang="en-US" altLang="ja-JP" sz="1700" dirty="0">
+                <a:latin typeface="Tahoma" panose="020B0604030504040204" pitchFamily="34" charset="0"/>
+                <a:ea typeface="Tahoma" panose="020B0604030504040204" pitchFamily="34" charset="0"/>
+                <a:cs typeface="Tahoma" panose="020B0604030504040204" pitchFamily="34" charset="0"/>
+              </a:rPr>
+              <a:t>download from follow URL.</a:t>
+            </a:r>
+          </a:p>
+          <a:p>
+            <a:pPr marL="457189" lvl="1" indent="0">
+              <a:buNone/>
+            </a:pPr>
+            <a:r>
+              <a:rPr lang="en-US" altLang="ja-JP" sz="1700" dirty="0">
+                <a:latin typeface="Tahoma" panose="020B0604030504040204" pitchFamily="34" charset="0"/>
+                <a:ea typeface="Tahoma" panose="020B0604030504040204" pitchFamily="34" charset="0"/>
+                <a:cs typeface="Tahoma" panose="020B0604030504040204" pitchFamily="34" charset="0"/>
+              </a:rPr>
+              <a:t>https://goo.gl/U1z3sL</a:t>
+            </a:r>
+          </a:p>
+          <a:p>
+            <a:pPr marL="342891" indent="-342891">
+              <a:buFont typeface="+mj-lt"/>
+              <a:buAutoNum type="arabicPeriod"/>
+            </a:pPr>
+            <a:endParaRPr lang="en-US" altLang="ja-JP" sz="1700" dirty="0">
+              <a:latin typeface="Tahoma" panose="020B0604030504040204" pitchFamily="34" charset="0"/>
+              <a:ea typeface="Tahoma" panose="020B0604030504040204" pitchFamily="34" charset="0"/>
+              <a:cs typeface="Tahoma" panose="020B0604030504040204" pitchFamily="34" charset="0"/>
+            </a:endParaRPr>
+          </a:p>
+          <a:p>
+            <a:pPr marL="342891" indent="-342891">
+              <a:buFont typeface="+mj-lt"/>
+              <a:buAutoNum type="arabicPeriod"/>
+            </a:pPr>
+            <a:endParaRPr lang="en-US" altLang="ja-JP" sz="1700" dirty="0">
+              <a:latin typeface="Tahoma" panose="020B0604030504040204" pitchFamily="34" charset="0"/>
+              <a:ea typeface="Tahoma" panose="020B0604030504040204" pitchFamily="34" charset="0"/>
+              <a:cs typeface="Tahoma" panose="020B0604030504040204" pitchFamily="34" charset="0"/>
+            </a:endParaRPr>
+          </a:p>
+        </p:txBody>
+      </p:sp>
+      <p:pic>
+        <p:nvPicPr>
+          <p:cNvPr id="5" name="Picture 4">
+            <a:extLst>
+              <a:ext uri="{FF2B5EF4-FFF2-40B4-BE49-F238E27FC236}">
+                <a16:creationId xmlns:a16="http://schemas.microsoft.com/office/drawing/2014/main" id="{227EB2E5-59F2-404C-A68C-EDB6161654E6}"/>
+              </a:ext>
+            </a:extLst>
+          </p:cNvPr>
+          <p:cNvPicPr>
+            <a:picLocks noChangeAspect="1"/>
+          </p:cNvPicPr>
+          <p:nvPr/>
+        </p:nvPicPr>
+        <p:blipFill>
+          <a:blip r:embed="rId2"/>
+          <a:stretch>
+            <a:fillRect/>
+          </a:stretch>
+        </p:blipFill>
+        <p:spPr>
+          <a:xfrm>
+            <a:off x="3164943" y="710781"/>
+            <a:ext cx="5909388" cy="3953791"/>
+          </a:xfrm>
+          <a:prstGeom prst="rect">
+            <a:avLst/>
+          </a:prstGeom>
+        </p:spPr>
+      </p:pic>
+    </p:spTree>
+    <p:extLst>
+      <p:ext uri="{BB962C8B-B14F-4D97-AF65-F5344CB8AC3E}">
+        <p14:creationId xmlns:p14="http://schemas.microsoft.com/office/powerpoint/2010/main" val="687318697"/>
+      </p:ext>
+    </p:extLst>
+  </p:cSld>
+  <p:clrMapOvr>
+    <a:masterClrMapping/>
+  </p:clrMapOvr>
+</p:sld>
+</file>
+
+<file path=ppt/slides/slide5.xml><?xml version="1.0" encoding="utf-8"?>
+<p:sld xmlns:a="http://schemas.openxmlformats.org/drawingml/2006/main" xmlns:r="http://schemas.openxmlformats.org/officeDocument/2006/relationships" xmlns:p="http://schemas.openxmlformats.org/presentationml/2006/main">
+  <p:cSld>
     <p:bg>
       <p:bgPr>
         <a:solidFill>
@@ -4296,7 +4479,7 @@
         </p:nvSpPr>
         <p:spPr>
           <a:xfrm>
-            <a:off x="319678" y="1102857"/>
+            <a:off x="319678" y="2609441"/>
             <a:ext cx="3926617" cy="3773010"/>
           </a:xfrm>
         </p:spPr>
@@ -4432,8 +4615,8 @@
           </a:p>
         </p:txBody>
       </p:sp>
-      <mc:AlternateContent xmlns:mc="http://schemas.openxmlformats.org/markup-compatibility/2006">
-        <mc:Choice xmlns:we="http://schemas.microsoft.com/office/webextensions/webextension/2010/11" xmlns:pca="http://schemas.microsoft.com/office/powerpoint/2013/contentapp" Requires="we pca">
+      <mc:AlternateContent xmlns:mc="http://schemas.openxmlformats.org/markup-compatibility/2006" xmlns:we="http://schemas.microsoft.com/office/webextensions/webextension/2010/11" xmlns:pca="http://schemas.microsoft.com/office/powerpoint/2013/contentapp">
+        <mc:Choice Requires="we pca">
           <p:graphicFrame>
             <p:nvGraphicFramePr>
               <p:cNvPr id="7" name="Add-in 6" title="Code Presenter Pro">
@@ -4465,7 +4648,7 @@
             </a:graphic>
           </p:graphicFrame>
         </mc:Choice>
-        <mc:Fallback>
+        <mc:Fallback xmlns="">
           <p:pic>
             <p:nvPicPr>
               <p:cNvPr id="7" name="Add-in 6" title="Code Presenter Pro">
@@ -4556,13 +4739,13 @@
         </p:nvPicPr>
         <p:blipFill rotWithShape="1">
           <a:blip r:embed="rId4"/>
-          <a:srcRect t="32041"/>
+          <a:srcRect t="32041" b="37411"/>
           <a:stretch/>
         </p:blipFill>
         <p:spPr>
           <a:xfrm>
-            <a:off x="100076" y="3400623"/>
-            <a:ext cx="3907881" cy="2799712"/>
+            <a:off x="100076" y="4968166"/>
+            <a:ext cx="3907881" cy="1258463"/>
           </a:xfrm>
           <a:prstGeom prst="rect">
             <a:avLst/>
@@ -4588,7 +4771,7 @@
         </p:nvSpPr>
         <p:spPr>
           <a:xfrm>
-            <a:off x="1629861" y="3015772"/>
+            <a:off x="1629861" y="4583315"/>
             <a:ext cx="848309" cy="369332"/>
           </a:xfrm>
           <a:prstGeom prst="rect">
@@ -4631,7 +4814,7 @@
         </p:nvSpPr>
         <p:spPr>
           <a:xfrm>
-            <a:off x="1375784" y="705600"/>
+            <a:off x="1375784" y="2212184"/>
             <a:ext cx="1356462" cy="369332"/>
           </a:xfrm>
           <a:prstGeom prst="rect">
@@ -4699,6 +4882,227 @@
           </a:prstGeom>
         </p:spPr>
       </p:pic>
+      <p:sp>
+        <p:nvSpPr>
+          <p:cNvPr id="14" name="Content Placeholder 2">
+            <a:extLst>
+              <a:ext uri="{FF2B5EF4-FFF2-40B4-BE49-F238E27FC236}">
+                <a16:creationId xmlns:a16="http://schemas.microsoft.com/office/drawing/2014/main" id="{F0528EC4-574A-49AF-BF35-6486232B5792}"/>
+              </a:ext>
+            </a:extLst>
+          </p:cNvPr>
+          <p:cNvSpPr txBox="1">
+            <a:spLocks/>
+          </p:cNvSpPr>
+          <p:nvPr/>
+        </p:nvSpPr>
+        <p:spPr>
+          <a:xfrm>
+            <a:off x="314369" y="944302"/>
+            <a:ext cx="3479292" cy="3785419"/>
+          </a:xfrm>
+          <a:prstGeom prst="rect">
+            <a:avLst/>
+          </a:prstGeom>
+        </p:spPr>
+        <p:txBody>
+          <a:bodyPr vert="horz" lIns="91440" tIns="45720" rIns="91440" bIns="45720" rtlCol="0">
+            <a:normAutofit/>
+          </a:bodyPr>
+          <a:lstStyle>
+            <a:lvl1pPr marL="228600" indent="-228600" algn="l" defTabSz="914400" rtl="0" eaLnBrk="1" latinLnBrk="0" hangingPunct="1">
+              <a:lnSpc>
+                <a:spcPct val="90000"/>
+              </a:lnSpc>
+              <a:spcBef>
+                <a:spcPts val="1000"/>
+              </a:spcBef>
+              <a:buFont typeface="Arial" panose="020B0604020202020204" pitchFamily="34" charset="0"/>
+              <a:buChar char="•"/>
+              <a:defRPr sz="2800" kern="1200">
+                <a:solidFill>
+                  <a:schemeClr val="tx1"/>
+                </a:solidFill>
+                <a:latin typeface="+mn-lt"/>
+                <a:ea typeface="+mn-ea"/>
+                <a:cs typeface="+mn-cs"/>
+              </a:defRPr>
+            </a:lvl1pPr>
+            <a:lvl2pPr marL="685800" indent="-228600" algn="l" defTabSz="914400" rtl="0" eaLnBrk="1" latinLnBrk="0" hangingPunct="1">
+              <a:lnSpc>
+                <a:spcPct val="90000"/>
+              </a:lnSpc>
+              <a:spcBef>
+                <a:spcPts val="500"/>
+              </a:spcBef>
+              <a:buFont typeface="Arial" panose="020B0604020202020204" pitchFamily="34" charset="0"/>
+              <a:buChar char="•"/>
+              <a:defRPr sz="2400" kern="1200">
+                <a:solidFill>
+                  <a:schemeClr val="tx1"/>
+                </a:solidFill>
+                <a:latin typeface="+mn-lt"/>
+                <a:ea typeface="+mn-ea"/>
+                <a:cs typeface="+mn-cs"/>
+              </a:defRPr>
+            </a:lvl2pPr>
+            <a:lvl3pPr marL="1143000" indent="-228600" algn="l" defTabSz="914400" rtl="0" eaLnBrk="1" latinLnBrk="0" hangingPunct="1">
+              <a:lnSpc>
+                <a:spcPct val="90000"/>
+              </a:lnSpc>
+              <a:spcBef>
+                <a:spcPts val="500"/>
+              </a:spcBef>
+              <a:buFont typeface="Arial" panose="020B0604020202020204" pitchFamily="34" charset="0"/>
+              <a:buChar char="•"/>
+              <a:defRPr sz="2000" kern="1200">
+                <a:solidFill>
+                  <a:schemeClr val="tx1"/>
+                </a:solidFill>
+                <a:latin typeface="+mn-lt"/>
+                <a:ea typeface="+mn-ea"/>
+                <a:cs typeface="+mn-cs"/>
+              </a:defRPr>
+            </a:lvl3pPr>
+            <a:lvl4pPr marL="1600200" indent="-228600" algn="l" defTabSz="914400" rtl="0" eaLnBrk="1" latinLnBrk="0" hangingPunct="1">
+              <a:lnSpc>
+                <a:spcPct val="90000"/>
+              </a:lnSpc>
+              <a:spcBef>
+                <a:spcPts val="500"/>
+              </a:spcBef>
+              <a:buFont typeface="Arial" panose="020B0604020202020204" pitchFamily="34" charset="0"/>
+              <a:buChar char="•"/>
+              <a:defRPr sz="1800" kern="1200">
+                <a:solidFill>
+                  <a:schemeClr val="tx1"/>
+                </a:solidFill>
+                <a:latin typeface="+mn-lt"/>
+                <a:ea typeface="+mn-ea"/>
+                <a:cs typeface="+mn-cs"/>
+              </a:defRPr>
+            </a:lvl4pPr>
+            <a:lvl5pPr marL="2057400" indent="-228600" algn="l" defTabSz="914400" rtl="0" eaLnBrk="1" latinLnBrk="0" hangingPunct="1">
+              <a:lnSpc>
+                <a:spcPct val="90000"/>
+              </a:lnSpc>
+              <a:spcBef>
+                <a:spcPts val="500"/>
+              </a:spcBef>
+              <a:buFont typeface="Arial" panose="020B0604020202020204" pitchFamily="34" charset="0"/>
+              <a:buChar char="•"/>
+              <a:defRPr sz="1800" kern="1200">
+                <a:solidFill>
+                  <a:schemeClr val="tx1"/>
+                </a:solidFill>
+                <a:latin typeface="+mn-lt"/>
+                <a:ea typeface="+mn-ea"/>
+                <a:cs typeface="+mn-cs"/>
+              </a:defRPr>
+            </a:lvl5pPr>
+            <a:lvl6pPr marL="2514600" indent="-228600" algn="l" defTabSz="914400" rtl="0" eaLnBrk="1" latinLnBrk="0" hangingPunct="1">
+              <a:lnSpc>
+                <a:spcPct val="90000"/>
+              </a:lnSpc>
+              <a:spcBef>
+                <a:spcPts val="500"/>
+              </a:spcBef>
+              <a:buFont typeface="Arial" panose="020B0604020202020204" pitchFamily="34" charset="0"/>
+              <a:buChar char="•"/>
+              <a:defRPr sz="1800" kern="1200">
+                <a:solidFill>
+                  <a:schemeClr val="tx1"/>
+                </a:solidFill>
+                <a:latin typeface="+mn-lt"/>
+                <a:ea typeface="+mn-ea"/>
+                <a:cs typeface="+mn-cs"/>
+              </a:defRPr>
+            </a:lvl6pPr>
+            <a:lvl7pPr marL="2971800" indent="-228600" algn="l" defTabSz="914400" rtl="0" eaLnBrk="1" latinLnBrk="0" hangingPunct="1">
+              <a:lnSpc>
+                <a:spcPct val="90000"/>
+              </a:lnSpc>
+              <a:spcBef>
+                <a:spcPts val="500"/>
+              </a:spcBef>
+              <a:buFont typeface="Arial" panose="020B0604020202020204" pitchFamily="34" charset="0"/>
+              <a:buChar char="•"/>
+              <a:defRPr sz="1800" kern="1200">
+                <a:solidFill>
+                  <a:schemeClr val="tx1"/>
+                </a:solidFill>
+                <a:latin typeface="+mn-lt"/>
+                <a:ea typeface="+mn-ea"/>
+                <a:cs typeface="+mn-cs"/>
+              </a:defRPr>
+            </a:lvl7pPr>
+            <a:lvl8pPr marL="3429000" indent="-228600" algn="l" defTabSz="914400" rtl="0" eaLnBrk="1" latinLnBrk="0" hangingPunct="1">
+              <a:lnSpc>
+                <a:spcPct val="90000"/>
+              </a:lnSpc>
+              <a:spcBef>
+                <a:spcPts val="500"/>
+              </a:spcBef>
+              <a:buFont typeface="Arial" panose="020B0604020202020204" pitchFamily="34" charset="0"/>
+              <a:buChar char="•"/>
+              <a:defRPr sz="1800" kern="1200">
+                <a:solidFill>
+                  <a:schemeClr val="tx1"/>
+                </a:solidFill>
+                <a:latin typeface="+mn-lt"/>
+                <a:ea typeface="+mn-ea"/>
+                <a:cs typeface="+mn-cs"/>
+              </a:defRPr>
+            </a:lvl8pPr>
+            <a:lvl9pPr marL="3886200" indent="-228600" algn="l" defTabSz="914400" rtl="0" eaLnBrk="1" latinLnBrk="0" hangingPunct="1">
+              <a:lnSpc>
+                <a:spcPct val="90000"/>
+              </a:lnSpc>
+              <a:spcBef>
+                <a:spcPts val="500"/>
+              </a:spcBef>
+              <a:buFont typeface="Arial" panose="020B0604020202020204" pitchFamily="34" charset="0"/>
+              <a:buChar char="•"/>
+              <a:defRPr sz="1800" kern="1200">
+                <a:solidFill>
+                  <a:schemeClr val="tx1"/>
+                </a:solidFill>
+                <a:latin typeface="+mn-lt"/>
+                <a:ea typeface="+mn-ea"/>
+                <a:cs typeface="+mn-cs"/>
+              </a:defRPr>
+            </a:lvl9pPr>
+          </a:lstStyle>
+          <a:p>
+            <a:pPr marL="342891" indent="-342891">
+              <a:buFont typeface="+mj-lt"/>
+              <a:buAutoNum type="arabicPeriod"/>
+            </a:pPr>
+            <a:r>
+              <a:rPr lang="en-US" altLang="ja-JP" sz="1700" dirty="0">
+                <a:latin typeface="Tahoma" panose="020B0604030504040204" pitchFamily="34" charset="0"/>
+                <a:ea typeface="Tahoma" panose="020B0604030504040204" pitchFamily="34" charset="0"/>
+                <a:cs typeface="Tahoma" panose="020B0604030504040204" pitchFamily="34" charset="0"/>
+              </a:rPr>
+              <a:t>download "lesson01_1.php"</a:t>
+            </a:r>
+          </a:p>
+          <a:p>
+            <a:pPr marL="342891" indent="-342891">
+              <a:buFont typeface="+mj-lt"/>
+              <a:buAutoNum type="arabicPeriod"/>
+            </a:pPr>
+            <a:r>
+              <a:rPr lang="en-US" altLang="ja-JP" sz="1700" dirty="0">
+                <a:latin typeface="Tahoma" panose="020B0604030504040204" pitchFamily="34" charset="0"/>
+                <a:ea typeface="Tahoma" panose="020B0604030504040204" pitchFamily="34" charset="0"/>
+                <a:cs typeface="Tahoma" panose="020B0604030504040204" pitchFamily="34" charset="0"/>
+              </a:rPr>
+              <a:t>add program.</a:t>
+            </a:r>
+          </a:p>
+        </p:txBody>
+      </p:sp>
     </p:spTree>
     <p:extLst>
       <p:ext uri="{BB962C8B-B14F-4D97-AF65-F5344CB8AC3E}">
@@ -4712,7 +5116,7 @@
 </p:sld>
 </file>
 
-<file path=ppt/slides/slide5.xml><?xml version="1.0" encoding="utf-8"?>
+<file path=ppt/slides/slide6.xml><?xml version="1.0" encoding="utf-8"?>
 <p:sld xmlns:a="http://schemas.openxmlformats.org/drawingml/2006/main" xmlns:r="http://schemas.openxmlformats.org/officeDocument/2006/relationships" xmlns:p="http://schemas.openxmlformats.org/presentationml/2006/main">
   <p:cSld>
     <p:bg>
@@ -4940,8 +5344,8 @@
           </a:p>
         </p:txBody>
       </p:sp>
-      <mc:AlternateContent xmlns:mc="http://schemas.openxmlformats.org/markup-compatibility/2006">
-        <mc:Choice xmlns:we="http://schemas.microsoft.com/office/webextensions/webextension/2010/11" xmlns:pca="http://schemas.microsoft.com/office/powerpoint/2013/contentapp" Requires="we pca">
+      <mc:AlternateContent xmlns:mc="http://schemas.openxmlformats.org/markup-compatibility/2006" xmlns:we="http://schemas.microsoft.com/office/webextensions/webextension/2010/11" xmlns:pca="http://schemas.microsoft.com/office/powerpoint/2013/contentapp">
+        <mc:Choice Requires="we pca">
           <p:graphicFrame>
             <p:nvGraphicFramePr>
               <p:cNvPr id="7" name="Add-in 6" title="Code Presenter Pro">
@@ -4973,7 +5377,7 @@
             </a:graphic>
           </p:graphicFrame>
         </mc:Choice>
-        <mc:Fallback>
+        <mc:Fallback xmlns="">
           <p:pic>
             <p:nvPicPr>
               <p:cNvPr id="7" name="Add-in 6" title="Code Presenter Pro">
@@ -5215,7 +5619,7 @@
 </p:sld>
 </file>
 
-<file path=ppt/slides/slide6.xml><?xml version="1.0" encoding="utf-8"?>
+<file path=ppt/slides/slide7.xml><?xml version="1.0" encoding="utf-8"?>
 <p:sld xmlns:a="http://schemas.openxmlformats.org/drawingml/2006/main" xmlns:r="http://schemas.openxmlformats.org/officeDocument/2006/relationships" xmlns:p="http://schemas.openxmlformats.org/presentationml/2006/main">
   <p:cSld>
     <p:bg>
@@ -5559,8 +5963,8 @@
           </a:p>
         </p:txBody>
       </p:sp>
-      <mc:AlternateContent xmlns:mc="http://schemas.openxmlformats.org/markup-compatibility/2006">
-        <mc:Choice xmlns:we="http://schemas.microsoft.com/office/webextensions/webextension/2010/11" xmlns:pca="http://schemas.microsoft.com/office/powerpoint/2013/contentapp" Requires="we pca">
+      <mc:AlternateContent xmlns:mc="http://schemas.openxmlformats.org/markup-compatibility/2006" xmlns:we="http://schemas.microsoft.com/office/webextensions/webextension/2010/11" xmlns:pca="http://schemas.microsoft.com/office/powerpoint/2013/contentapp">
+        <mc:Choice Requires="we pca">
           <p:graphicFrame>
             <p:nvGraphicFramePr>
               <p:cNvPr id="7" name="Add-in 6" title="Code Presenter Pro">
@@ -5588,7 +5992,7 @@
             </a:graphic>
           </p:graphicFrame>
         </mc:Choice>
-        <mc:Fallback>
+        <mc:Fallback xmlns="">
           <p:pic>
             <p:nvPicPr>
               <p:cNvPr id="7" name="Add-in 6" title="Code Presenter Pro">
@@ -5830,7 +6234,7 @@
 </p:sld>
 </file>
 
-<file path=ppt/slides/slide7.xml><?xml version="1.0" encoding="utf-8"?>
+<file path=ppt/slides/slide8.xml><?xml version="1.0" encoding="utf-8"?>
 <p:sld xmlns:a="http://schemas.openxmlformats.org/drawingml/2006/main" xmlns:r="http://schemas.openxmlformats.org/officeDocument/2006/relationships" xmlns:p="http://schemas.openxmlformats.org/presentationml/2006/main">
   <p:cSld>
     <p:bg>
@@ -6084,8 +6488,8 @@
           </a:p>
         </p:txBody>
       </p:sp>
-      <mc:AlternateContent xmlns:mc="http://schemas.openxmlformats.org/markup-compatibility/2006">
-        <mc:Choice xmlns:we="http://schemas.microsoft.com/office/webextensions/webextension/2010/11" xmlns:pca="http://schemas.microsoft.com/office/powerpoint/2013/contentapp" Requires="we pca">
+      <mc:AlternateContent xmlns:mc="http://schemas.openxmlformats.org/markup-compatibility/2006" xmlns:we="http://schemas.microsoft.com/office/webextensions/webextension/2010/11" xmlns:pca="http://schemas.microsoft.com/office/powerpoint/2013/contentapp">
+        <mc:Choice Requires="we pca">
           <p:graphicFrame>
             <p:nvGraphicFramePr>
               <p:cNvPr id="7" name="Add-in 6" title="Code Presenter Pro">
@@ -6113,7 +6517,7 @@
             </a:graphic>
           </p:graphicFrame>
         </mc:Choice>
-        <mc:Fallback>
+        <mc:Fallback xmlns="">
           <p:pic>
             <p:nvPicPr>
               <p:cNvPr id="7" name="Add-in 6" title="Code Presenter Pro">

--- a/ppt/lesson01.pptx
+++ b/ppt/lesson01.pptx
@@ -10,12 +10,12 @@
     <p:sldId id="262" r:id="rId4"/>
     <p:sldId id="270" r:id="rId5"/>
     <p:sldId id="264" r:id="rId6"/>
-    <p:sldId id="266" r:id="rId7"/>
-    <p:sldId id="268" r:id="rId8"/>
-    <p:sldId id="269" r:id="rId9"/>
+    <p:sldId id="271" r:id="rId7"/>
+    <p:sldId id="273" r:id="rId8"/>
+    <p:sldId id="272" r:id="rId9"/>
   </p:sldIdLst>
   <p:sldSz cx="9144000" cy="6858000" type="screen4x3"/>
-  <p:notesSz cx="6888163" cy="10020300"/>
+  <p:notesSz cx="7104063" cy="10234613"/>
   <p:defaultTextStyle>
     <a:defPPr>
       <a:defRPr lang="en-US"/>
@@ -254,7 +254,7 @@
           <a:p>
             <a:fld id="{E1BA411A-197C-4FAE-AAA1-E05F9BAD9EAC}" type="datetimeFigureOut">
               <a:rPr lang="en-US" smtClean="0"/>
-              <a:t>11/20/2017</a:t>
+              <a:t>11/28/2017</a:t>
             </a:fld>
             <a:endParaRPr lang="en-US"/>
           </a:p>
@@ -424,7 +424,7 @@
           <a:p>
             <a:fld id="{E1BA411A-197C-4FAE-AAA1-E05F9BAD9EAC}" type="datetimeFigureOut">
               <a:rPr lang="en-US" smtClean="0"/>
-              <a:t>11/20/2017</a:t>
+              <a:t>11/28/2017</a:t>
             </a:fld>
             <a:endParaRPr lang="en-US"/>
           </a:p>
@@ -604,7 +604,7 @@
           <a:p>
             <a:fld id="{E1BA411A-197C-4FAE-AAA1-E05F9BAD9EAC}" type="datetimeFigureOut">
               <a:rPr lang="en-US" smtClean="0"/>
-              <a:t>11/20/2017</a:t>
+              <a:t>11/28/2017</a:t>
             </a:fld>
             <a:endParaRPr lang="en-US"/>
           </a:p>
@@ -774,7 +774,7 @@
           <a:p>
             <a:fld id="{E1BA411A-197C-4FAE-AAA1-E05F9BAD9EAC}" type="datetimeFigureOut">
               <a:rPr lang="en-US" smtClean="0"/>
-              <a:t>11/20/2017</a:t>
+              <a:t>11/28/2017</a:t>
             </a:fld>
             <a:endParaRPr lang="en-US"/>
           </a:p>
@@ -1018,7 +1018,7 @@
           <a:p>
             <a:fld id="{E1BA411A-197C-4FAE-AAA1-E05F9BAD9EAC}" type="datetimeFigureOut">
               <a:rPr lang="en-US" smtClean="0"/>
-              <a:t>11/20/2017</a:t>
+              <a:t>11/28/2017</a:t>
             </a:fld>
             <a:endParaRPr lang="en-US"/>
           </a:p>
@@ -1250,7 +1250,7 @@
           <a:p>
             <a:fld id="{E1BA411A-197C-4FAE-AAA1-E05F9BAD9EAC}" type="datetimeFigureOut">
               <a:rPr lang="en-US" smtClean="0"/>
-              <a:t>11/20/2017</a:t>
+              <a:t>11/28/2017</a:t>
             </a:fld>
             <a:endParaRPr lang="en-US"/>
           </a:p>
@@ -1617,7 +1617,7 @@
           <a:p>
             <a:fld id="{E1BA411A-197C-4FAE-AAA1-E05F9BAD9EAC}" type="datetimeFigureOut">
               <a:rPr lang="en-US" smtClean="0"/>
-              <a:t>11/20/2017</a:t>
+              <a:t>11/28/2017</a:t>
             </a:fld>
             <a:endParaRPr lang="en-US"/>
           </a:p>
@@ -1735,7 +1735,7 @@
           <a:p>
             <a:fld id="{E1BA411A-197C-4FAE-AAA1-E05F9BAD9EAC}" type="datetimeFigureOut">
               <a:rPr lang="en-US" smtClean="0"/>
-              <a:t>11/20/2017</a:t>
+              <a:t>11/28/2017</a:t>
             </a:fld>
             <a:endParaRPr lang="en-US"/>
           </a:p>
@@ -1830,7 +1830,7 @@
           <a:p>
             <a:fld id="{E1BA411A-197C-4FAE-AAA1-E05F9BAD9EAC}" type="datetimeFigureOut">
               <a:rPr lang="en-US" smtClean="0"/>
-              <a:t>11/20/2017</a:t>
+              <a:t>11/28/2017</a:t>
             </a:fld>
             <a:endParaRPr lang="en-US"/>
           </a:p>
@@ -2107,7 +2107,7 @@
           <a:p>
             <a:fld id="{E1BA411A-197C-4FAE-AAA1-E05F9BAD9EAC}" type="datetimeFigureOut">
               <a:rPr lang="en-US" smtClean="0"/>
-              <a:t>11/20/2017</a:t>
+              <a:t>11/28/2017</a:t>
             </a:fld>
             <a:endParaRPr lang="en-US"/>
           </a:p>
@@ -2364,7 +2364,7 @@
           <a:p>
             <a:fld id="{E1BA411A-197C-4FAE-AAA1-E05F9BAD9EAC}" type="datetimeFigureOut">
               <a:rPr lang="en-US" smtClean="0"/>
-              <a:t>11/20/2017</a:t>
+              <a:t>11/28/2017</a:t>
             </a:fld>
             <a:endParaRPr lang="en-US"/>
           </a:p>
@@ -2577,7 +2577,7 @@
           <a:p>
             <a:fld id="{E1BA411A-197C-4FAE-AAA1-E05F9BAD9EAC}" type="datetimeFigureOut">
               <a:rPr lang="en-US" smtClean="0"/>
-              <a:t>11/20/2017</a:t>
+              <a:t>11/28/2017</a:t>
             </a:fld>
             <a:endParaRPr lang="en-US"/>
           </a:p>
@@ -3475,10 +3475,10 @@
           <p:nvPr/>
         </p:nvPicPr>
         <p:blipFill>
-          <a:blip r:embed="rId2">
+          <a:blip r:embed="rId2" cstate="email">
             <a:extLst>
               <a:ext uri="{28A0092B-C50C-407E-A947-70E740481C1C}">
-                <a14:useLocalDpi xmlns:a14="http://schemas.microsoft.com/office/drawing/2010/main" val="0"/>
+                <a14:useLocalDpi xmlns:a14="http://schemas.microsoft.com/office/drawing/2010/main"/>
               </a:ext>
               <a:ext uri="{96DAC541-7B7A-43D3-8B79-37D633B846F1}">
                 <asvg:svgBlip xmlns:asvg="http://schemas.microsoft.com/office/drawing/2016/SVG/main" r:embed="rId3"/>
@@ -3806,8 +3806,14 @@
           <p:nvPr/>
         </p:nvPicPr>
         <p:blipFill rotWithShape="1">
-          <a:blip r:embed="rId2"/>
-          <a:srcRect l="15174" t="12794" r="15772" b="11531"/>
+          <a:blip r:embed="rId2" cstate="email">
+            <a:extLst>
+              <a:ext uri="{28A0092B-C50C-407E-A947-70E740481C1C}">
+                <a14:useLocalDpi xmlns:a14="http://schemas.microsoft.com/office/drawing/2010/main"/>
+              </a:ext>
+            </a:extLst>
+          </a:blip>
+          <a:srcRect/>
           <a:stretch/>
         </p:blipFill>
         <p:spPr>
@@ -4306,7 +4312,13 @@
           <p:nvPr/>
         </p:nvPicPr>
         <p:blipFill>
-          <a:blip r:embed="rId2"/>
+          <a:blip r:embed="rId2" cstate="email">
+            <a:extLst>
+              <a:ext uri="{28A0092B-C50C-407E-A947-70E740481C1C}">
+                <a14:useLocalDpi xmlns:a14="http://schemas.microsoft.com/office/drawing/2010/main"/>
+              </a:ext>
+            </a:extLst>
+          </a:blip>
           <a:stretch>
             <a:fillRect/>
           </a:stretch>
@@ -4444,7 +4456,7 @@
         <p:spPr>
           <a:xfrm>
             <a:off x="251967" y="13232"/>
-            <a:ext cx="3915950" cy="787957"/>
+            <a:ext cx="3479292" cy="787957"/>
           </a:xfrm>
         </p:spPr>
         <p:txBody>
@@ -4479,7 +4491,7 @@
         </p:nvSpPr>
         <p:spPr>
           <a:xfrm>
-            <a:off x="319678" y="2609441"/>
+            <a:off x="319678" y="4690788"/>
             <a:ext cx="3926617" cy="3773010"/>
           </a:xfrm>
         </p:spPr>
@@ -4695,12 +4707,20 @@
         </p:nvSpPr>
         <p:spPr>
           <a:xfrm>
-            <a:off x="4007594" y="6400520"/>
-            <a:ext cx="5136406" cy="307777"/>
+            <a:off x="3251582" y="0"/>
+            <a:ext cx="5721503" cy="307777"/>
           </a:xfrm>
           <a:prstGeom prst="rect">
             <a:avLst/>
           </a:prstGeom>
+          <a:solidFill>
+            <a:schemeClr val="bg1"/>
+          </a:solidFill>
+          <a:ln>
+            <a:solidFill>
+              <a:schemeClr val="accent1"/>
+            </a:solidFill>
+          </a:ln>
         </p:spPr>
         <p:txBody>
           <a:bodyPr wrap="none">
@@ -4714,7 +4734,7 @@
                 <a:ea typeface="Tahoma" panose="020B0604030504040204" pitchFamily="34" charset="0"/>
                 <a:cs typeface="Tahoma" panose="020B0604030504040204" pitchFamily="34" charset="0"/>
               </a:rPr>
-              <a:t>folder: C:\appserv\php_lesson\    file name: lesson01_1.php</a:t>
+              <a:t>3. folder: C:\appserv\www\php_lesson\    file name: lesson01_1.php</a:t>
             </a:r>
             <a:endParaRPr lang="ja-JP" altLang="en-US" sz="1400" dirty="0">
               <a:latin typeface="Tahoma" panose="020B0604030504040204" pitchFamily="34" charset="0"/>
@@ -4738,13 +4758,19 @@
           <p:nvPr/>
         </p:nvPicPr>
         <p:blipFill rotWithShape="1">
-          <a:blip r:embed="rId4"/>
-          <a:srcRect t="32041" b="37411"/>
+          <a:blip r:embed="rId4" cstate="email">
+            <a:extLst>
+              <a:ext uri="{28A0092B-C50C-407E-A947-70E740481C1C}">
+                <a14:useLocalDpi xmlns:a14="http://schemas.microsoft.com/office/drawing/2010/main"/>
+              </a:ext>
+            </a:extLst>
+          </a:blip>
+          <a:srcRect/>
           <a:stretch/>
         </p:blipFill>
         <p:spPr>
           <a:xfrm>
-            <a:off x="100076" y="4968166"/>
+            <a:off x="241300" y="2770404"/>
             <a:ext cx="3907881" cy="1258463"/>
           </a:xfrm>
           <a:prstGeom prst="rect">
@@ -4771,8 +4797,8 @@
         </p:nvSpPr>
         <p:spPr>
           <a:xfrm>
-            <a:off x="1629861" y="4583315"/>
-            <a:ext cx="848309" cy="369332"/>
+            <a:off x="82551" y="2339325"/>
+            <a:ext cx="4463081" cy="338554"/>
           </a:xfrm>
           <a:prstGeom prst="rect">
             <a:avLst/>
@@ -4786,17 +4812,13 @@
           <a:p>
             <a:pPr algn="ctr"/>
             <a:r>
-              <a:rPr lang="en-US" altLang="ja-JP" dirty="0">
-                <a:latin typeface="Tahoma" panose="020B0604030504040204" pitchFamily="34" charset="0"/>
-                <a:ea typeface="Tahoma" panose="020B0604030504040204" pitchFamily="34" charset="0"/>
-                <a:cs typeface="Tahoma" panose="020B0604030504040204" pitchFamily="34" charset="0"/>
-              </a:rPr>
-              <a:t>output</a:t>
-            </a:r>
-            <a:endParaRPr lang="ja-JP" altLang="en-US" dirty="0">
-              <a:latin typeface="Tahoma" panose="020B0604030504040204" pitchFamily="34" charset="0"/>
-              <a:cs typeface="Tahoma" panose="020B0604030504040204" pitchFamily="34" charset="0"/>
-            </a:endParaRPr>
+              <a:rPr lang="en-US" altLang="ja-JP" sz="1600" dirty="0">
+                <a:latin typeface="Tahoma" panose="020B0604030504040204" pitchFamily="34" charset="0"/>
+                <a:ea typeface="Tahoma" panose="020B0604030504040204" pitchFamily="34" charset="0"/>
+                <a:cs typeface="Tahoma" panose="020B0604030504040204" pitchFamily="34" charset="0"/>
+              </a:rPr>
+              <a:t>3. http://localhost/php_lesson/lesson01_1.php </a:t>
+            </a:r>
           </a:p>
         </p:txBody>
       </p:sp>
@@ -4814,7 +4836,7 @@
         </p:nvSpPr>
         <p:spPr>
           <a:xfrm>
-            <a:off x="1375784" y="2212184"/>
+            <a:off x="1375784" y="4293531"/>
             <a:ext cx="1356462" cy="369332"/>
           </a:xfrm>
           <a:prstGeom prst="rect">
@@ -4858,10 +4880,10 @@
           <p:nvPr/>
         </p:nvPicPr>
         <p:blipFill>
-          <a:blip r:embed="rId5">
+          <a:blip r:embed="rId5" cstate="email">
             <a:extLst>
               <a:ext uri="{28A0092B-C50C-407E-A947-70E740481C1C}">
-                <a14:useLocalDpi xmlns:a14="http://schemas.microsoft.com/office/drawing/2010/main" val="0"/>
+                <a14:useLocalDpi xmlns:a14="http://schemas.microsoft.com/office/drawing/2010/main"/>
               </a:ext>
               <a:ext uri="{96DAC541-7B7A-43D3-8B79-37D633B846F1}">
                 <asvg:svgBlip xmlns:asvg="http://schemas.microsoft.com/office/drawing/2016/SVG/main" r:embed="rId6"/>
@@ -5098,7 +5120,21 @@
                 <a:ea typeface="Tahoma" panose="020B0604030504040204" pitchFamily="34" charset="0"/>
                 <a:cs typeface="Tahoma" panose="020B0604030504040204" pitchFamily="34" charset="0"/>
               </a:rPr>
-              <a:t>add program.</a:t>
+              <a:t>add program and save file.</a:t>
+            </a:r>
+          </a:p>
+          <a:p>
+            <a:pPr marL="342891" indent="-342891">
+              <a:buFont typeface="+mj-lt"/>
+              <a:buAutoNum type="arabicPeriod"/>
+            </a:pPr>
+            <a:r>
+              <a:rPr lang="en-US" altLang="ja-JP" sz="1700" dirty="0">
+                <a:latin typeface="Tahoma" panose="020B0604030504040204" pitchFamily="34" charset="0"/>
+                <a:ea typeface="Tahoma" panose="020B0604030504040204" pitchFamily="34" charset="0"/>
+                <a:cs typeface="Tahoma" panose="020B0604030504040204" pitchFamily="34" charset="0"/>
+              </a:rPr>
+              <a:t>show browser</a:t>
             </a:r>
           </a:p>
         </p:txBody>
@@ -5226,7 +5262,7 @@
         <p:spPr>
           <a:xfrm>
             <a:off x="251967" y="13232"/>
-            <a:ext cx="3915950" cy="787957"/>
+            <a:ext cx="3479292" cy="787957"/>
           </a:xfrm>
         </p:spPr>
         <p:txBody>
@@ -5261,7 +5297,7 @@
         </p:nvSpPr>
         <p:spPr>
           <a:xfrm>
-            <a:off x="319678" y="1102857"/>
+            <a:off x="319678" y="4690788"/>
             <a:ext cx="3926617" cy="3773010"/>
           </a:xfrm>
         </p:spPr>
@@ -5344,72 +5380,6 @@
           </a:p>
         </p:txBody>
       </p:sp>
-      <mc:AlternateContent xmlns:mc="http://schemas.openxmlformats.org/markup-compatibility/2006" xmlns:we="http://schemas.microsoft.com/office/webextensions/webextension/2010/11" xmlns:pca="http://schemas.microsoft.com/office/powerpoint/2013/contentapp">
-        <mc:Choice Requires="we pca">
-          <p:graphicFrame>
-            <p:nvGraphicFramePr>
-              <p:cNvPr id="7" name="Add-in 6" title="Code Presenter Pro">
-                <a:extLst>
-                  <a:ext uri="{FF2B5EF4-FFF2-40B4-BE49-F238E27FC236}">
-                    <a16:creationId xmlns:a16="http://schemas.microsoft.com/office/drawing/2014/main" id="{08B2A02E-54C7-48BA-8B6F-AF9CCA1E0E47}"/>
-                  </a:ext>
-                </a:extLst>
-              </p:cNvPr>
-              <p:cNvGraphicFramePr>
-                <a:graphicFrameLocks noGrp="1"/>
-              </p:cNvGraphicFramePr>
-              <p:nvPr>
-                <p:extLst>
-                  <p:ext uri="{D42A27DB-BD31-4B8C-83A1-F6EECF244321}">
-                    <p14:modId xmlns:p14="http://schemas.microsoft.com/office/powerpoint/2010/main" val="3028737075"/>
-                  </p:ext>
-                </p:extLst>
-              </p:nvPr>
-            </p:nvGraphicFramePr>
-            <p:xfrm>
-              <a:off x="4679385" y="394462"/>
-              <a:ext cx="4144937" cy="5715000"/>
-            </p:xfrm>
-            <a:graphic>
-              <a:graphicData uri="http://schemas.microsoft.com/office/webextensions/webextension/2010/11">
-                <we:webextensionref xmlns:we="http://schemas.microsoft.com/office/webextensions/webextension/2010/11" xmlns:r="http://schemas.openxmlformats.org/officeDocument/2006/relationships" r:id="rId2"/>
-              </a:graphicData>
-            </a:graphic>
-          </p:graphicFrame>
-        </mc:Choice>
-        <mc:Fallback xmlns="">
-          <p:pic>
-            <p:nvPicPr>
-              <p:cNvPr id="7" name="Add-in 6" title="Code Presenter Pro">
-                <a:extLst>
-                  <a:ext uri="{FF2B5EF4-FFF2-40B4-BE49-F238E27FC236}">
-                    <a16:creationId xmlns:a16="http://schemas.microsoft.com/office/drawing/2014/main" id="{08B2A02E-54C7-48BA-8B6F-AF9CCA1E0E47}"/>
-                  </a:ext>
-                </a:extLst>
-              </p:cNvPr>
-              <p:cNvPicPr>
-                <a:picLocks noGrp="1" noRot="1" noChangeAspect="1" noMove="1" noResize="1" noEditPoints="1" noAdjustHandles="1" noChangeArrowheads="1" noChangeShapeType="1"/>
-              </p:cNvPicPr>
-              <p:nvPr/>
-            </p:nvPicPr>
-            <p:blipFill>
-              <a:blip r:embed="rId3"/>
-              <a:stretch>
-                <a:fillRect/>
-              </a:stretch>
-            </p:blipFill>
-            <p:spPr>
-              <a:xfrm>
-                <a:off x="4679385" y="394462"/>
-                <a:ext cx="4144937" cy="5715000"/>
-              </a:xfrm>
-              <a:prstGeom prst="rect">
-                <a:avLst/>
-              </a:prstGeom>
-            </p:spPr>
-          </p:pic>
-        </mc:Fallback>
-      </mc:AlternateContent>
       <p:sp>
         <p:nvSpPr>
           <p:cNvPr id="6" name="Rectangle 5">
@@ -5424,12 +5394,20 @@
         </p:nvSpPr>
         <p:spPr>
           <a:xfrm>
-            <a:off x="4007594" y="6400520"/>
-            <a:ext cx="5024196" cy="307777"/>
+            <a:off x="3251582" y="0"/>
+            <a:ext cx="5721503" cy="307777"/>
           </a:xfrm>
           <a:prstGeom prst="rect">
             <a:avLst/>
           </a:prstGeom>
+          <a:solidFill>
+            <a:schemeClr val="bg1"/>
+          </a:solidFill>
+          <a:ln>
+            <a:solidFill>
+              <a:schemeClr val="accent1"/>
+            </a:solidFill>
+          </a:ln>
         </p:spPr>
         <p:txBody>
           <a:bodyPr wrap="none">
@@ -5443,7 +5421,7 @@
                 <a:ea typeface="Tahoma" panose="020B0604030504040204" pitchFamily="34" charset="0"/>
                 <a:cs typeface="Tahoma" panose="020B0604030504040204" pitchFamily="34" charset="0"/>
               </a:rPr>
-              <a:t>folder: C:\appserv\php_lesson\    file name: lesson01_2.php</a:t>
+              <a:t>3. folder: C:\appserv\www\php_lesson\    file name: lesson01_2.php</a:t>
             </a:r>
             <a:endParaRPr lang="ja-JP" altLang="en-US" sz="1400" dirty="0">
               <a:latin typeface="Tahoma" panose="020B0604030504040204" pitchFamily="34" charset="0"/>
@@ -5466,8 +5444,8 @@
         </p:nvSpPr>
         <p:spPr>
           <a:xfrm>
-            <a:off x="1629860" y="4351728"/>
-            <a:ext cx="848309" cy="369332"/>
+            <a:off x="82551" y="2339325"/>
+            <a:ext cx="4463081" cy="338554"/>
           </a:xfrm>
           <a:prstGeom prst="rect">
             <a:avLst/>
@@ -5481,17 +5459,13 @@
           <a:p>
             <a:pPr algn="ctr"/>
             <a:r>
-              <a:rPr lang="en-US" altLang="ja-JP" dirty="0">
-                <a:latin typeface="Tahoma" panose="020B0604030504040204" pitchFamily="34" charset="0"/>
-                <a:ea typeface="Tahoma" panose="020B0604030504040204" pitchFamily="34" charset="0"/>
-                <a:cs typeface="Tahoma" panose="020B0604030504040204" pitchFamily="34" charset="0"/>
-              </a:rPr>
-              <a:t>output</a:t>
-            </a:r>
-            <a:endParaRPr lang="ja-JP" altLang="en-US" dirty="0">
-              <a:latin typeface="Tahoma" panose="020B0604030504040204" pitchFamily="34" charset="0"/>
-              <a:cs typeface="Tahoma" panose="020B0604030504040204" pitchFamily="34" charset="0"/>
-            </a:endParaRPr>
+              <a:rPr lang="en-US" altLang="ja-JP" sz="1600" dirty="0">
+                <a:latin typeface="Tahoma" panose="020B0604030504040204" pitchFamily="34" charset="0"/>
+                <a:ea typeface="Tahoma" panose="020B0604030504040204" pitchFamily="34" charset="0"/>
+                <a:cs typeface="Tahoma" panose="020B0604030504040204" pitchFamily="34" charset="0"/>
+              </a:rPr>
+              <a:t>3.http://localhost/php_lesson/ lesson01_2.php </a:t>
+            </a:r>
           </a:p>
         </p:txBody>
       </p:sp>
@@ -5509,7 +5483,7 @@
         </p:nvSpPr>
         <p:spPr>
           <a:xfrm>
-            <a:off x="1375784" y="705600"/>
+            <a:off x="1375784" y="4293531"/>
             <a:ext cx="1356462" cy="369332"/>
           </a:xfrm>
           <a:prstGeom prst="rect">
@@ -5553,13 +5527,13 @@
           <p:nvPr/>
         </p:nvPicPr>
         <p:blipFill>
-          <a:blip r:embed="rId4">
+          <a:blip r:embed="rId2" cstate="email">
             <a:extLst>
               <a:ext uri="{28A0092B-C50C-407E-A947-70E740481C1C}">
-                <a14:useLocalDpi xmlns:a14="http://schemas.microsoft.com/office/drawing/2010/main" val="0"/>
+                <a14:useLocalDpi xmlns:a14="http://schemas.microsoft.com/office/drawing/2010/main"/>
               </a:ext>
               <a:ext uri="{96DAC541-7B7A-43D3-8B79-37D633B846F1}">
-                <asvg:svgBlip xmlns:asvg="http://schemas.microsoft.com/office/drawing/2016/SVG/main" r:embed="rId5"/>
+                <asvg:svgBlip xmlns:asvg="http://schemas.microsoft.com/office/drawing/2016/SVG/main" r:embed="rId3"/>
               </a:ext>
             </a:extLst>
           </a:blip>
@@ -5577,12 +5551,263 @@
           </a:prstGeom>
         </p:spPr>
       </p:pic>
+      <p:sp>
+        <p:nvSpPr>
+          <p:cNvPr id="14" name="Content Placeholder 2">
+            <a:extLst>
+              <a:ext uri="{FF2B5EF4-FFF2-40B4-BE49-F238E27FC236}">
+                <a16:creationId xmlns:a16="http://schemas.microsoft.com/office/drawing/2014/main" id="{F0528EC4-574A-49AF-BF35-6486232B5792}"/>
+              </a:ext>
+            </a:extLst>
+          </p:cNvPr>
+          <p:cNvSpPr txBox="1">
+            <a:spLocks/>
+          </p:cNvSpPr>
+          <p:nvPr/>
+        </p:nvSpPr>
+        <p:spPr>
+          <a:xfrm>
+            <a:off x="314369" y="944302"/>
+            <a:ext cx="3479292" cy="3785419"/>
+          </a:xfrm>
+          <a:prstGeom prst="rect">
+            <a:avLst/>
+          </a:prstGeom>
+        </p:spPr>
+        <p:txBody>
+          <a:bodyPr vert="horz" lIns="91440" tIns="45720" rIns="91440" bIns="45720" rtlCol="0">
+            <a:normAutofit/>
+          </a:bodyPr>
+          <a:lstStyle>
+            <a:lvl1pPr marL="228600" indent="-228600" algn="l" defTabSz="914400" rtl="0" eaLnBrk="1" latinLnBrk="0" hangingPunct="1">
+              <a:lnSpc>
+                <a:spcPct val="90000"/>
+              </a:lnSpc>
+              <a:spcBef>
+                <a:spcPts val="1000"/>
+              </a:spcBef>
+              <a:buFont typeface="Arial" panose="020B0604020202020204" pitchFamily="34" charset="0"/>
+              <a:buChar char="•"/>
+              <a:defRPr sz="2800" kern="1200">
+                <a:solidFill>
+                  <a:schemeClr val="tx1"/>
+                </a:solidFill>
+                <a:latin typeface="+mn-lt"/>
+                <a:ea typeface="+mn-ea"/>
+                <a:cs typeface="+mn-cs"/>
+              </a:defRPr>
+            </a:lvl1pPr>
+            <a:lvl2pPr marL="685800" indent="-228600" algn="l" defTabSz="914400" rtl="0" eaLnBrk="1" latinLnBrk="0" hangingPunct="1">
+              <a:lnSpc>
+                <a:spcPct val="90000"/>
+              </a:lnSpc>
+              <a:spcBef>
+                <a:spcPts val="500"/>
+              </a:spcBef>
+              <a:buFont typeface="Arial" panose="020B0604020202020204" pitchFamily="34" charset="0"/>
+              <a:buChar char="•"/>
+              <a:defRPr sz="2400" kern="1200">
+                <a:solidFill>
+                  <a:schemeClr val="tx1"/>
+                </a:solidFill>
+                <a:latin typeface="+mn-lt"/>
+                <a:ea typeface="+mn-ea"/>
+                <a:cs typeface="+mn-cs"/>
+              </a:defRPr>
+            </a:lvl2pPr>
+            <a:lvl3pPr marL="1143000" indent="-228600" algn="l" defTabSz="914400" rtl="0" eaLnBrk="1" latinLnBrk="0" hangingPunct="1">
+              <a:lnSpc>
+                <a:spcPct val="90000"/>
+              </a:lnSpc>
+              <a:spcBef>
+                <a:spcPts val="500"/>
+              </a:spcBef>
+              <a:buFont typeface="Arial" panose="020B0604020202020204" pitchFamily="34" charset="0"/>
+              <a:buChar char="•"/>
+              <a:defRPr sz="2000" kern="1200">
+                <a:solidFill>
+                  <a:schemeClr val="tx1"/>
+                </a:solidFill>
+                <a:latin typeface="+mn-lt"/>
+                <a:ea typeface="+mn-ea"/>
+                <a:cs typeface="+mn-cs"/>
+              </a:defRPr>
+            </a:lvl3pPr>
+            <a:lvl4pPr marL="1600200" indent="-228600" algn="l" defTabSz="914400" rtl="0" eaLnBrk="1" latinLnBrk="0" hangingPunct="1">
+              <a:lnSpc>
+                <a:spcPct val="90000"/>
+              </a:lnSpc>
+              <a:spcBef>
+                <a:spcPts val="500"/>
+              </a:spcBef>
+              <a:buFont typeface="Arial" panose="020B0604020202020204" pitchFamily="34" charset="0"/>
+              <a:buChar char="•"/>
+              <a:defRPr sz="1800" kern="1200">
+                <a:solidFill>
+                  <a:schemeClr val="tx1"/>
+                </a:solidFill>
+                <a:latin typeface="+mn-lt"/>
+                <a:ea typeface="+mn-ea"/>
+                <a:cs typeface="+mn-cs"/>
+              </a:defRPr>
+            </a:lvl4pPr>
+            <a:lvl5pPr marL="2057400" indent="-228600" algn="l" defTabSz="914400" rtl="0" eaLnBrk="1" latinLnBrk="0" hangingPunct="1">
+              <a:lnSpc>
+                <a:spcPct val="90000"/>
+              </a:lnSpc>
+              <a:spcBef>
+                <a:spcPts val="500"/>
+              </a:spcBef>
+              <a:buFont typeface="Arial" panose="020B0604020202020204" pitchFamily="34" charset="0"/>
+              <a:buChar char="•"/>
+              <a:defRPr sz="1800" kern="1200">
+                <a:solidFill>
+                  <a:schemeClr val="tx1"/>
+                </a:solidFill>
+                <a:latin typeface="+mn-lt"/>
+                <a:ea typeface="+mn-ea"/>
+                <a:cs typeface="+mn-cs"/>
+              </a:defRPr>
+            </a:lvl5pPr>
+            <a:lvl6pPr marL="2514600" indent="-228600" algn="l" defTabSz="914400" rtl="0" eaLnBrk="1" latinLnBrk="0" hangingPunct="1">
+              <a:lnSpc>
+                <a:spcPct val="90000"/>
+              </a:lnSpc>
+              <a:spcBef>
+                <a:spcPts val="500"/>
+              </a:spcBef>
+              <a:buFont typeface="Arial" panose="020B0604020202020204" pitchFamily="34" charset="0"/>
+              <a:buChar char="•"/>
+              <a:defRPr sz="1800" kern="1200">
+                <a:solidFill>
+                  <a:schemeClr val="tx1"/>
+                </a:solidFill>
+                <a:latin typeface="+mn-lt"/>
+                <a:ea typeface="+mn-ea"/>
+                <a:cs typeface="+mn-cs"/>
+              </a:defRPr>
+            </a:lvl6pPr>
+            <a:lvl7pPr marL="2971800" indent="-228600" algn="l" defTabSz="914400" rtl="0" eaLnBrk="1" latinLnBrk="0" hangingPunct="1">
+              <a:lnSpc>
+                <a:spcPct val="90000"/>
+              </a:lnSpc>
+              <a:spcBef>
+                <a:spcPts val="500"/>
+              </a:spcBef>
+              <a:buFont typeface="Arial" panose="020B0604020202020204" pitchFamily="34" charset="0"/>
+              <a:buChar char="•"/>
+              <a:defRPr sz="1800" kern="1200">
+                <a:solidFill>
+                  <a:schemeClr val="tx1"/>
+                </a:solidFill>
+                <a:latin typeface="+mn-lt"/>
+                <a:ea typeface="+mn-ea"/>
+                <a:cs typeface="+mn-cs"/>
+              </a:defRPr>
+            </a:lvl7pPr>
+            <a:lvl8pPr marL="3429000" indent="-228600" algn="l" defTabSz="914400" rtl="0" eaLnBrk="1" latinLnBrk="0" hangingPunct="1">
+              <a:lnSpc>
+                <a:spcPct val="90000"/>
+              </a:lnSpc>
+              <a:spcBef>
+                <a:spcPts val="500"/>
+              </a:spcBef>
+              <a:buFont typeface="Arial" panose="020B0604020202020204" pitchFamily="34" charset="0"/>
+              <a:buChar char="•"/>
+              <a:defRPr sz="1800" kern="1200">
+                <a:solidFill>
+                  <a:schemeClr val="tx1"/>
+                </a:solidFill>
+                <a:latin typeface="+mn-lt"/>
+                <a:ea typeface="+mn-ea"/>
+                <a:cs typeface="+mn-cs"/>
+              </a:defRPr>
+            </a:lvl8pPr>
+            <a:lvl9pPr marL="3886200" indent="-228600" algn="l" defTabSz="914400" rtl="0" eaLnBrk="1" latinLnBrk="0" hangingPunct="1">
+              <a:lnSpc>
+                <a:spcPct val="90000"/>
+              </a:lnSpc>
+              <a:spcBef>
+                <a:spcPts val="500"/>
+              </a:spcBef>
+              <a:buFont typeface="Arial" panose="020B0604020202020204" pitchFamily="34" charset="0"/>
+              <a:buChar char="•"/>
+              <a:defRPr sz="1800" kern="1200">
+                <a:solidFill>
+                  <a:schemeClr val="tx1"/>
+                </a:solidFill>
+                <a:latin typeface="+mn-lt"/>
+                <a:ea typeface="+mn-ea"/>
+                <a:cs typeface="+mn-cs"/>
+              </a:defRPr>
+            </a:lvl9pPr>
+          </a:lstStyle>
+          <a:p>
+            <a:pPr marL="342891" indent="-342891">
+              <a:buFont typeface="+mj-lt"/>
+              <a:buAutoNum type="arabicPeriod"/>
+            </a:pPr>
+            <a:r>
+              <a:rPr lang="en-US" altLang="ja-JP" sz="1700" dirty="0">
+                <a:latin typeface="Tahoma" panose="020B0604030504040204" pitchFamily="34" charset="0"/>
+                <a:ea typeface="Tahoma" panose="020B0604030504040204" pitchFamily="34" charset="0"/>
+                <a:cs typeface="Tahoma" panose="020B0604030504040204" pitchFamily="34" charset="0"/>
+              </a:rPr>
+              <a:t>download "</a:t>
+            </a:r>
+            <a:r>
+              <a:rPr lang="en-US" altLang="ja-JP" sz="1800" dirty="0">
+                <a:latin typeface="Tahoma" panose="020B0604030504040204" pitchFamily="34" charset="0"/>
+                <a:ea typeface="Tahoma" panose="020B0604030504040204" pitchFamily="34" charset="0"/>
+                <a:cs typeface="Tahoma" panose="020B0604030504040204" pitchFamily="34" charset="0"/>
+              </a:rPr>
+              <a:t>lesson01_2</a:t>
+            </a:r>
+            <a:r>
+              <a:rPr lang="en-US" altLang="ja-JP" sz="1700" dirty="0">
+                <a:latin typeface="Tahoma" panose="020B0604030504040204" pitchFamily="34" charset="0"/>
+                <a:ea typeface="Tahoma" panose="020B0604030504040204" pitchFamily="34" charset="0"/>
+                <a:cs typeface="Tahoma" panose="020B0604030504040204" pitchFamily="34" charset="0"/>
+              </a:rPr>
+              <a:t>.php"</a:t>
+            </a:r>
+          </a:p>
+          <a:p>
+            <a:pPr marL="342891" indent="-342891">
+              <a:buFont typeface="+mj-lt"/>
+              <a:buAutoNum type="arabicPeriod"/>
+            </a:pPr>
+            <a:r>
+              <a:rPr lang="en-US" altLang="ja-JP" sz="1700" dirty="0">
+                <a:latin typeface="Tahoma" panose="020B0604030504040204" pitchFamily="34" charset="0"/>
+                <a:ea typeface="Tahoma" panose="020B0604030504040204" pitchFamily="34" charset="0"/>
+                <a:cs typeface="Tahoma" panose="020B0604030504040204" pitchFamily="34" charset="0"/>
+              </a:rPr>
+              <a:t>add program and save file.</a:t>
+            </a:r>
+          </a:p>
+          <a:p>
+            <a:pPr marL="342891" indent="-342891">
+              <a:buFont typeface="+mj-lt"/>
+              <a:buAutoNum type="arabicPeriod"/>
+            </a:pPr>
+            <a:r>
+              <a:rPr lang="en-US" altLang="ja-JP" sz="1700" dirty="0">
+                <a:latin typeface="Tahoma" panose="020B0604030504040204" pitchFamily="34" charset="0"/>
+                <a:ea typeface="Tahoma" panose="020B0604030504040204" pitchFamily="34" charset="0"/>
+                <a:cs typeface="Tahoma" panose="020B0604030504040204" pitchFamily="34" charset="0"/>
+              </a:rPr>
+              <a:t>show browser</a:t>
+            </a:r>
+          </a:p>
+        </p:txBody>
+      </p:sp>
       <p:pic>
         <p:nvPicPr>
-          <p:cNvPr id="4" name="Picture 3">
+          <p:cNvPr id="15" name="Picture 14">
             <a:extLst>
               <a:ext uri="{FF2B5EF4-FFF2-40B4-BE49-F238E27FC236}">
-                <a16:creationId xmlns:a16="http://schemas.microsoft.com/office/drawing/2014/main" id="{1F06B929-4EBE-4165-BB24-AC31DC607CA4}"/>
+                <a16:creationId xmlns:a16="http://schemas.microsoft.com/office/drawing/2014/main" id="{A47E57F9-D4C0-452A-90EE-010F62846F72}"/>
               </a:ext>
             </a:extLst>
           </p:cNvPr>
@@ -5592,13 +5817,19 @@
           <p:nvPr/>
         </p:nvPicPr>
         <p:blipFill rotWithShape="1">
-          <a:blip r:embed="rId6"/>
-          <a:srcRect t="28417"/>
+          <a:blip r:embed="rId4" cstate="email">
+            <a:extLst>
+              <a:ext uri="{28A0092B-C50C-407E-A947-70E740481C1C}">
+                <a14:useLocalDpi xmlns:a14="http://schemas.microsoft.com/office/drawing/2010/main"/>
+              </a:ext>
+            </a:extLst>
+          </a:blip>
+          <a:srcRect/>
           <a:stretch/>
         </p:blipFill>
         <p:spPr>
           <a:xfrm>
-            <a:off x="64427" y="4875867"/>
+            <a:off x="-13951" y="2751705"/>
             <a:ext cx="4536580" cy="1000514"/>
           </a:xfrm>
           <a:prstGeom prst="rect">
@@ -5606,10 +5837,76 @@
           </a:prstGeom>
         </p:spPr>
       </p:pic>
+      <mc:AlternateContent xmlns:mc="http://schemas.openxmlformats.org/markup-compatibility/2006">
+        <mc:Choice xmlns:we="http://schemas.microsoft.com/office/webextensions/webextension/2010/11" xmlns:pca="http://schemas.microsoft.com/office/powerpoint/2013/contentapp" Requires="we pca">
+          <p:graphicFrame>
+            <p:nvGraphicFramePr>
+              <p:cNvPr id="16" name="Add-in 15" title="Code Presenter Pro">
+                <a:extLst>
+                  <a:ext uri="{FF2B5EF4-FFF2-40B4-BE49-F238E27FC236}">
+                    <a16:creationId xmlns:a16="http://schemas.microsoft.com/office/drawing/2014/main" id="{DDE5042C-5921-4831-8620-9F197382E25C}"/>
+                  </a:ext>
+                </a:extLst>
+              </p:cNvPr>
+              <p:cNvGraphicFramePr>
+                <a:graphicFrameLocks noGrp="1"/>
+              </p:cNvGraphicFramePr>
+              <p:nvPr>
+                <p:extLst>
+                  <p:ext uri="{D42A27DB-BD31-4B8C-83A1-F6EECF244321}">
+                    <p14:modId xmlns:p14="http://schemas.microsoft.com/office/powerpoint/2010/main" val="3159721536"/>
+                  </p:ext>
+                </p:extLst>
+              </p:nvPr>
+            </p:nvGraphicFramePr>
+            <p:xfrm>
+              <a:off x="4679385" y="394462"/>
+              <a:ext cx="4144937" cy="5715000"/>
+            </p:xfrm>
+            <a:graphic>
+              <a:graphicData uri="http://schemas.microsoft.com/office/webextensions/webextension/2010/11">
+                <we:webextensionref xmlns:we="http://schemas.microsoft.com/office/webextensions/webextension/2010/11" xmlns:r="http://schemas.openxmlformats.org/officeDocument/2006/relationships" r:id="rId5"/>
+              </a:graphicData>
+            </a:graphic>
+          </p:graphicFrame>
+        </mc:Choice>
+        <mc:Fallback>
+          <p:pic>
+            <p:nvPicPr>
+              <p:cNvPr id="16" name="Add-in 15" title="Code Presenter Pro">
+                <a:extLst>
+                  <a:ext uri="{FF2B5EF4-FFF2-40B4-BE49-F238E27FC236}">
+                    <a16:creationId xmlns:a16="http://schemas.microsoft.com/office/drawing/2014/main" id="{DDE5042C-5921-4831-8620-9F197382E25C}"/>
+                  </a:ext>
+                </a:extLst>
+              </p:cNvPr>
+              <p:cNvPicPr>
+                <a:picLocks noGrp="1" noRot="1" noChangeAspect="1" noMove="1" noResize="1" noEditPoints="1" noAdjustHandles="1" noChangeArrowheads="1" noChangeShapeType="1"/>
+              </p:cNvPicPr>
+              <p:nvPr/>
+            </p:nvPicPr>
+            <p:blipFill>
+              <a:blip r:embed="rId6"/>
+              <a:stretch>
+                <a:fillRect/>
+              </a:stretch>
+            </p:blipFill>
+            <p:spPr>
+              <a:xfrm>
+                <a:off x="4679385" y="394462"/>
+                <a:ext cx="4144937" cy="5715000"/>
+              </a:xfrm>
+              <a:prstGeom prst="rect">
+                <a:avLst/>
+              </a:prstGeom>
+            </p:spPr>
+          </p:pic>
+        </mc:Fallback>
+      </mc:AlternateContent>
     </p:spTree>
     <p:extLst>
       <p:ext uri="{BB962C8B-B14F-4D97-AF65-F5344CB8AC3E}">
-        <p14:creationId xmlns:p14="http://schemas.microsoft.com/office/powerpoint/2010/main" val="1089351255"/>
+        <p14:creationId xmlns:p14="http://schemas.microsoft.com/office/powerpoint/2010/main" val="3529486933"/>
       </p:ext>
     </p:extLst>
   </p:cSld>
@@ -5644,6 +5941,45 @@
           <a:chExt cx="0" cy="0"/>
         </a:xfrm>
       </p:grpSpPr>
+      <p:pic>
+        <p:nvPicPr>
+          <p:cNvPr id="13" name="Graphic 12">
+            <a:extLst>
+              <a:ext uri="{FF2B5EF4-FFF2-40B4-BE49-F238E27FC236}">
+                <a16:creationId xmlns:a16="http://schemas.microsoft.com/office/drawing/2014/main" id="{C0A1D308-1A10-46EC-BC7B-E1F8BE698AEE}"/>
+              </a:ext>
+            </a:extLst>
+          </p:cNvPr>
+          <p:cNvPicPr>
+            <a:picLocks noChangeAspect="1"/>
+          </p:cNvPicPr>
+          <p:nvPr/>
+        </p:nvPicPr>
+        <p:blipFill>
+          <a:blip r:embed="rId2" cstate="email">
+            <a:extLst>
+              <a:ext uri="{28A0092B-C50C-407E-A947-70E740481C1C}">
+                <a14:useLocalDpi xmlns:a14="http://schemas.microsoft.com/office/drawing/2010/main"/>
+              </a:ext>
+              <a:ext uri="{96DAC541-7B7A-43D3-8B79-37D633B846F1}">
+                <asvg:svgBlip xmlns:asvg="http://schemas.microsoft.com/office/drawing/2016/SVG/main" r:embed="rId3"/>
+              </a:ext>
+            </a:extLst>
+          </a:blip>
+          <a:stretch>
+            <a:fillRect/>
+          </a:stretch>
+        </p:blipFill>
+        <p:spPr>
+          <a:xfrm>
+            <a:off x="100076" y="6369742"/>
+            <a:ext cx="683948" cy="369332"/>
+          </a:xfrm>
+          <a:prstGeom prst="rect">
+            <a:avLst/>
+          </a:prstGeom>
+        </p:spPr>
+      </p:pic>
       <p:sp>
         <p:nvSpPr>
           <p:cNvPr id="10" name="Rectangle 9">
@@ -5729,7 +6065,7 @@
         <p:spPr>
           <a:xfrm>
             <a:off x="251967" y="13232"/>
-            <a:ext cx="3915950" cy="787957"/>
+            <a:ext cx="3479292" cy="787957"/>
           </a:xfrm>
         </p:spPr>
         <p:txBody>
@@ -5764,8 +6100,8 @@
         </p:nvSpPr>
         <p:spPr>
           <a:xfrm>
-            <a:off x="319678" y="1102857"/>
-            <a:ext cx="3926617" cy="3773010"/>
+            <a:off x="627017" y="4690788"/>
+            <a:ext cx="3619278" cy="3773010"/>
           </a:xfrm>
         </p:spPr>
         <p:txBody>
@@ -5938,39 +6274,409 @@
             </a:r>
           </a:p>
           <a:p>
-            <a:pPr marL="457200" lvl="1" indent="0">
-              <a:buNone/>
-            </a:pPr>
-            <a:endParaRPr lang="en-US" sz="1300" dirty="0">
+            <a:pPr marL="285744" indent="-285744"/>
+            <a:r>
+              <a:rPr lang="en-US" sz="1700" dirty="0">
+                <a:latin typeface="Tahoma" panose="020B0604030504040204" pitchFamily="34" charset="0"/>
+                <a:ea typeface="Tahoma" panose="020B0604030504040204" pitchFamily="34" charset="0"/>
+                <a:cs typeface="Tahoma" panose="020B0604030504040204" pitchFamily="34" charset="0"/>
+              </a:rPr>
+              <a:t>L23-24: HTML footer</a:t>
+            </a:r>
+          </a:p>
+        </p:txBody>
+      </p:sp>
+      <p:sp>
+        <p:nvSpPr>
+          <p:cNvPr id="6" name="Rectangle 5">
+            <a:extLst>
+              <a:ext uri="{FF2B5EF4-FFF2-40B4-BE49-F238E27FC236}">
+                <a16:creationId xmlns:a16="http://schemas.microsoft.com/office/drawing/2014/main" id="{56CF89B6-45BF-4C70-B4FA-B3D5F715A11A}"/>
+              </a:ext>
+            </a:extLst>
+          </p:cNvPr>
+          <p:cNvSpPr/>
+          <p:nvPr/>
+        </p:nvSpPr>
+        <p:spPr>
+          <a:xfrm>
+            <a:off x="3251582" y="0"/>
+            <a:ext cx="5819285" cy="307777"/>
+          </a:xfrm>
+          <a:prstGeom prst="rect">
+            <a:avLst/>
+          </a:prstGeom>
+          <a:solidFill>
+            <a:schemeClr val="bg1"/>
+          </a:solidFill>
+          <a:ln>
+            <a:solidFill>
+              <a:schemeClr val="accent1"/>
+            </a:solidFill>
+          </a:ln>
+        </p:spPr>
+        <p:txBody>
+          <a:bodyPr wrap="none">
+            <a:spAutoFit/>
+          </a:bodyPr>
+          <a:lstStyle/>
+          <a:p>
+            <a:r>
+              <a:rPr lang="en-US" altLang="ja-JP" sz="1400" dirty="0">
+                <a:latin typeface="Tahoma" panose="020B0604030504040204" pitchFamily="34" charset="0"/>
+                <a:ea typeface="Tahoma" panose="020B0604030504040204" pitchFamily="34" charset="0"/>
+                <a:cs typeface="Tahoma" panose="020B0604030504040204" pitchFamily="34" charset="0"/>
+              </a:rPr>
+              <a:t>3. folder: C:\appserv\www\php_lesson\    file name: lesson01_3.php</a:t>
+            </a:r>
+            <a:endParaRPr lang="ja-JP" altLang="en-US" sz="1400" dirty="0">
               <a:latin typeface="Tahoma" panose="020B0604030504040204" pitchFamily="34" charset="0"/>
-              <a:ea typeface="Tahoma" panose="020B0604030504040204" pitchFamily="34" charset="0"/>
               <a:cs typeface="Tahoma" panose="020B0604030504040204" pitchFamily="34" charset="0"/>
             </a:endParaRPr>
           </a:p>
-          <a:p>
-            <a:pPr marL="285744" indent="-285744"/>
-            <a:r>
-              <a:rPr lang="en-US" sz="1700" dirty="0">
-                <a:latin typeface="Tahoma" panose="020B0604030504040204" pitchFamily="34" charset="0"/>
-                <a:ea typeface="Tahoma" panose="020B0604030504040204" pitchFamily="34" charset="0"/>
-                <a:cs typeface="Tahoma" panose="020B0604030504040204" pitchFamily="34" charset="0"/>
-              </a:rPr>
-              <a:t>L23-24: HTML footer</a:t>
-            </a:r>
-          </a:p>
-          <a:p>
-            <a:endParaRPr lang="en-US" sz="1700" dirty="0"/>
-          </a:p>
-        </p:txBody>
-      </p:sp>
-      <mc:AlternateContent xmlns:mc="http://schemas.openxmlformats.org/markup-compatibility/2006" xmlns:we="http://schemas.microsoft.com/office/webextensions/webextension/2010/11" xmlns:pca="http://schemas.microsoft.com/office/powerpoint/2013/contentapp">
-        <mc:Choice Requires="we pca">
+        </p:txBody>
+      </p:sp>
+      <p:sp>
+        <p:nvSpPr>
+          <p:cNvPr id="11" name="Rectangle 10">
+            <a:extLst>
+              <a:ext uri="{FF2B5EF4-FFF2-40B4-BE49-F238E27FC236}">
+                <a16:creationId xmlns:a16="http://schemas.microsoft.com/office/drawing/2014/main" id="{9A099E03-7F5D-40B5-AF83-8B36D2DA594B}"/>
+              </a:ext>
+            </a:extLst>
+          </p:cNvPr>
+          <p:cNvSpPr/>
+          <p:nvPr/>
+        </p:nvSpPr>
+        <p:spPr>
+          <a:xfrm>
+            <a:off x="82551" y="2339325"/>
+            <a:ext cx="4463081" cy="338554"/>
+          </a:xfrm>
+          <a:prstGeom prst="rect">
+            <a:avLst/>
+          </a:prstGeom>
+        </p:spPr>
+        <p:txBody>
+          <a:bodyPr wrap="none">
+            <a:spAutoFit/>
+          </a:bodyPr>
+          <a:lstStyle/>
+          <a:p>
+            <a:pPr algn="ctr"/>
+            <a:r>
+              <a:rPr lang="en-US" altLang="ja-JP" sz="1600" dirty="0">
+                <a:latin typeface="Tahoma" panose="020B0604030504040204" pitchFamily="34" charset="0"/>
+                <a:ea typeface="Tahoma" panose="020B0604030504040204" pitchFamily="34" charset="0"/>
+                <a:cs typeface="Tahoma" panose="020B0604030504040204" pitchFamily="34" charset="0"/>
+              </a:rPr>
+              <a:t>3.http://localhost/php_lesson/ lesson01_3.php </a:t>
+            </a:r>
+          </a:p>
+        </p:txBody>
+      </p:sp>
+      <p:sp>
+        <p:nvSpPr>
+          <p:cNvPr id="12" name="Rectangle 11">
+            <a:extLst>
+              <a:ext uri="{FF2B5EF4-FFF2-40B4-BE49-F238E27FC236}">
+                <a16:creationId xmlns:a16="http://schemas.microsoft.com/office/drawing/2014/main" id="{C77AA99F-01CF-4155-B9C5-78FDAE28F61E}"/>
+              </a:ext>
+            </a:extLst>
+          </p:cNvPr>
+          <p:cNvSpPr/>
+          <p:nvPr/>
+        </p:nvSpPr>
+        <p:spPr>
+          <a:xfrm>
+            <a:off x="1375784" y="4293531"/>
+            <a:ext cx="1356462" cy="369332"/>
+          </a:xfrm>
+          <a:prstGeom prst="rect">
+            <a:avLst/>
+          </a:prstGeom>
+        </p:spPr>
+        <p:txBody>
+          <a:bodyPr wrap="none">
+            <a:spAutoFit/>
+          </a:bodyPr>
+          <a:lstStyle/>
+          <a:p>
+            <a:pPr algn="ctr"/>
+            <a:r>
+              <a:rPr lang="en-US" altLang="ja-JP" dirty="0">
+                <a:latin typeface="Tahoma" panose="020B0604030504040204" pitchFamily="34" charset="0"/>
+                <a:ea typeface="Tahoma" panose="020B0604030504040204" pitchFamily="34" charset="0"/>
+                <a:cs typeface="Tahoma" panose="020B0604030504040204" pitchFamily="34" charset="0"/>
+              </a:rPr>
+              <a:t>explanation</a:t>
+            </a:r>
+            <a:endParaRPr lang="ja-JP" altLang="en-US" dirty="0">
+              <a:latin typeface="Tahoma" panose="020B0604030504040204" pitchFamily="34" charset="0"/>
+              <a:cs typeface="Tahoma" panose="020B0604030504040204" pitchFamily="34" charset="0"/>
+            </a:endParaRPr>
+          </a:p>
+        </p:txBody>
+      </p:sp>
+      <p:sp>
+        <p:nvSpPr>
+          <p:cNvPr id="14" name="Content Placeholder 2">
+            <a:extLst>
+              <a:ext uri="{FF2B5EF4-FFF2-40B4-BE49-F238E27FC236}">
+                <a16:creationId xmlns:a16="http://schemas.microsoft.com/office/drawing/2014/main" id="{F0528EC4-574A-49AF-BF35-6486232B5792}"/>
+              </a:ext>
+            </a:extLst>
+          </p:cNvPr>
+          <p:cNvSpPr txBox="1">
+            <a:spLocks/>
+          </p:cNvSpPr>
+          <p:nvPr/>
+        </p:nvSpPr>
+        <p:spPr>
+          <a:xfrm>
+            <a:off x="314369" y="944302"/>
+            <a:ext cx="3479292" cy="3785419"/>
+          </a:xfrm>
+          <a:prstGeom prst="rect">
+            <a:avLst/>
+          </a:prstGeom>
+        </p:spPr>
+        <p:txBody>
+          <a:bodyPr vert="horz" lIns="91440" tIns="45720" rIns="91440" bIns="45720" rtlCol="0">
+            <a:normAutofit/>
+          </a:bodyPr>
+          <a:lstStyle>
+            <a:lvl1pPr marL="228600" indent="-228600" algn="l" defTabSz="914400" rtl="0" eaLnBrk="1" latinLnBrk="0" hangingPunct="1">
+              <a:lnSpc>
+                <a:spcPct val="90000"/>
+              </a:lnSpc>
+              <a:spcBef>
+                <a:spcPts val="1000"/>
+              </a:spcBef>
+              <a:buFont typeface="Arial" panose="020B0604020202020204" pitchFamily="34" charset="0"/>
+              <a:buChar char="•"/>
+              <a:defRPr sz="2800" kern="1200">
+                <a:solidFill>
+                  <a:schemeClr val="tx1"/>
+                </a:solidFill>
+                <a:latin typeface="+mn-lt"/>
+                <a:ea typeface="+mn-ea"/>
+                <a:cs typeface="+mn-cs"/>
+              </a:defRPr>
+            </a:lvl1pPr>
+            <a:lvl2pPr marL="685800" indent="-228600" algn="l" defTabSz="914400" rtl="0" eaLnBrk="1" latinLnBrk="0" hangingPunct="1">
+              <a:lnSpc>
+                <a:spcPct val="90000"/>
+              </a:lnSpc>
+              <a:spcBef>
+                <a:spcPts val="500"/>
+              </a:spcBef>
+              <a:buFont typeface="Arial" panose="020B0604020202020204" pitchFamily="34" charset="0"/>
+              <a:buChar char="•"/>
+              <a:defRPr sz="2400" kern="1200">
+                <a:solidFill>
+                  <a:schemeClr val="tx1"/>
+                </a:solidFill>
+                <a:latin typeface="+mn-lt"/>
+                <a:ea typeface="+mn-ea"/>
+                <a:cs typeface="+mn-cs"/>
+              </a:defRPr>
+            </a:lvl2pPr>
+            <a:lvl3pPr marL="1143000" indent="-228600" algn="l" defTabSz="914400" rtl="0" eaLnBrk="1" latinLnBrk="0" hangingPunct="1">
+              <a:lnSpc>
+                <a:spcPct val="90000"/>
+              </a:lnSpc>
+              <a:spcBef>
+                <a:spcPts val="500"/>
+              </a:spcBef>
+              <a:buFont typeface="Arial" panose="020B0604020202020204" pitchFamily="34" charset="0"/>
+              <a:buChar char="•"/>
+              <a:defRPr sz="2000" kern="1200">
+                <a:solidFill>
+                  <a:schemeClr val="tx1"/>
+                </a:solidFill>
+                <a:latin typeface="+mn-lt"/>
+                <a:ea typeface="+mn-ea"/>
+                <a:cs typeface="+mn-cs"/>
+              </a:defRPr>
+            </a:lvl3pPr>
+            <a:lvl4pPr marL="1600200" indent="-228600" algn="l" defTabSz="914400" rtl="0" eaLnBrk="1" latinLnBrk="0" hangingPunct="1">
+              <a:lnSpc>
+                <a:spcPct val="90000"/>
+              </a:lnSpc>
+              <a:spcBef>
+                <a:spcPts val="500"/>
+              </a:spcBef>
+              <a:buFont typeface="Arial" panose="020B0604020202020204" pitchFamily="34" charset="0"/>
+              <a:buChar char="•"/>
+              <a:defRPr sz="1800" kern="1200">
+                <a:solidFill>
+                  <a:schemeClr val="tx1"/>
+                </a:solidFill>
+                <a:latin typeface="+mn-lt"/>
+                <a:ea typeface="+mn-ea"/>
+                <a:cs typeface="+mn-cs"/>
+              </a:defRPr>
+            </a:lvl4pPr>
+            <a:lvl5pPr marL="2057400" indent="-228600" algn="l" defTabSz="914400" rtl="0" eaLnBrk="1" latinLnBrk="0" hangingPunct="1">
+              <a:lnSpc>
+                <a:spcPct val="90000"/>
+              </a:lnSpc>
+              <a:spcBef>
+                <a:spcPts val="500"/>
+              </a:spcBef>
+              <a:buFont typeface="Arial" panose="020B0604020202020204" pitchFamily="34" charset="0"/>
+              <a:buChar char="•"/>
+              <a:defRPr sz="1800" kern="1200">
+                <a:solidFill>
+                  <a:schemeClr val="tx1"/>
+                </a:solidFill>
+                <a:latin typeface="+mn-lt"/>
+                <a:ea typeface="+mn-ea"/>
+                <a:cs typeface="+mn-cs"/>
+              </a:defRPr>
+            </a:lvl5pPr>
+            <a:lvl6pPr marL="2514600" indent="-228600" algn="l" defTabSz="914400" rtl="0" eaLnBrk="1" latinLnBrk="0" hangingPunct="1">
+              <a:lnSpc>
+                <a:spcPct val="90000"/>
+              </a:lnSpc>
+              <a:spcBef>
+                <a:spcPts val="500"/>
+              </a:spcBef>
+              <a:buFont typeface="Arial" panose="020B0604020202020204" pitchFamily="34" charset="0"/>
+              <a:buChar char="•"/>
+              <a:defRPr sz="1800" kern="1200">
+                <a:solidFill>
+                  <a:schemeClr val="tx1"/>
+                </a:solidFill>
+                <a:latin typeface="+mn-lt"/>
+                <a:ea typeface="+mn-ea"/>
+                <a:cs typeface="+mn-cs"/>
+              </a:defRPr>
+            </a:lvl6pPr>
+            <a:lvl7pPr marL="2971800" indent="-228600" algn="l" defTabSz="914400" rtl="0" eaLnBrk="1" latinLnBrk="0" hangingPunct="1">
+              <a:lnSpc>
+                <a:spcPct val="90000"/>
+              </a:lnSpc>
+              <a:spcBef>
+                <a:spcPts val="500"/>
+              </a:spcBef>
+              <a:buFont typeface="Arial" panose="020B0604020202020204" pitchFamily="34" charset="0"/>
+              <a:buChar char="•"/>
+              <a:defRPr sz="1800" kern="1200">
+                <a:solidFill>
+                  <a:schemeClr val="tx1"/>
+                </a:solidFill>
+                <a:latin typeface="+mn-lt"/>
+                <a:ea typeface="+mn-ea"/>
+                <a:cs typeface="+mn-cs"/>
+              </a:defRPr>
+            </a:lvl7pPr>
+            <a:lvl8pPr marL="3429000" indent="-228600" algn="l" defTabSz="914400" rtl="0" eaLnBrk="1" latinLnBrk="0" hangingPunct="1">
+              <a:lnSpc>
+                <a:spcPct val="90000"/>
+              </a:lnSpc>
+              <a:spcBef>
+                <a:spcPts val="500"/>
+              </a:spcBef>
+              <a:buFont typeface="Arial" panose="020B0604020202020204" pitchFamily="34" charset="0"/>
+              <a:buChar char="•"/>
+              <a:defRPr sz="1800" kern="1200">
+                <a:solidFill>
+                  <a:schemeClr val="tx1"/>
+                </a:solidFill>
+                <a:latin typeface="+mn-lt"/>
+                <a:ea typeface="+mn-ea"/>
+                <a:cs typeface="+mn-cs"/>
+              </a:defRPr>
+            </a:lvl8pPr>
+            <a:lvl9pPr marL="3886200" indent="-228600" algn="l" defTabSz="914400" rtl="0" eaLnBrk="1" latinLnBrk="0" hangingPunct="1">
+              <a:lnSpc>
+                <a:spcPct val="90000"/>
+              </a:lnSpc>
+              <a:spcBef>
+                <a:spcPts val="500"/>
+              </a:spcBef>
+              <a:buFont typeface="Arial" panose="020B0604020202020204" pitchFamily="34" charset="0"/>
+              <a:buChar char="•"/>
+              <a:defRPr sz="1800" kern="1200">
+                <a:solidFill>
+                  <a:schemeClr val="tx1"/>
+                </a:solidFill>
+                <a:latin typeface="+mn-lt"/>
+                <a:ea typeface="+mn-ea"/>
+                <a:cs typeface="+mn-cs"/>
+              </a:defRPr>
+            </a:lvl9pPr>
+          </a:lstStyle>
+          <a:p>
+            <a:pPr marL="342891" indent="-342891">
+              <a:buFont typeface="+mj-lt"/>
+              <a:buAutoNum type="arabicPeriod"/>
+            </a:pPr>
+            <a:r>
+              <a:rPr lang="en-US" altLang="ja-JP" sz="1700" dirty="0">
+                <a:latin typeface="Tahoma" panose="020B0604030504040204" pitchFamily="34" charset="0"/>
+                <a:ea typeface="Tahoma" panose="020B0604030504040204" pitchFamily="34" charset="0"/>
+                <a:cs typeface="Tahoma" panose="020B0604030504040204" pitchFamily="34" charset="0"/>
+              </a:rPr>
+              <a:t>download "</a:t>
+            </a:r>
+            <a:r>
+              <a:rPr lang="en-US" altLang="ja-JP" sz="1800" dirty="0">
+                <a:latin typeface="Tahoma" panose="020B0604030504040204" pitchFamily="34" charset="0"/>
+                <a:ea typeface="Tahoma" panose="020B0604030504040204" pitchFamily="34" charset="0"/>
+                <a:cs typeface="Tahoma" panose="020B0604030504040204" pitchFamily="34" charset="0"/>
+              </a:rPr>
+              <a:t>lesson01_3</a:t>
+            </a:r>
+            <a:r>
+              <a:rPr lang="en-US" altLang="ja-JP" sz="1700" dirty="0">
+                <a:latin typeface="Tahoma" panose="020B0604030504040204" pitchFamily="34" charset="0"/>
+                <a:ea typeface="Tahoma" panose="020B0604030504040204" pitchFamily="34" charset="0"/>
+                <a:cs typeface="Tahoma" panose="020B0604030504040204" pitchFamily="34" charset="0"/>
+              </a:rPr>
+              <a:t>.php"</a:t>
+            </a:r>
+          </a:p>
+          <a:p>
+            <a:pPr marL="342891" indent="-342891">
+              <a:buFont typeface="+mj-lt"/>
+              <a:buAutoNum type="arabicPeriod"/>
+            </a:pPr>
+            <a:r>
+              <a:rPr lang="en-US" altLang="ja-JP" sz="1700" dirty="0">
+                <a:latin typeface="Tahoma" panose="020B0604030504040204" pitchFamily="34" charset="0"/>
+                <a:ea typeface="Tahoma" panose="020B0604030504040204" pitchFamily="34" charset="0"/>
+                <a:cs typeface="Tahoma" panose="020B0604030504040204" pitchFamily="34" charset="0"/>
+              </a:rPr>
+              <a:t>add program and save file.</a:t>
+            </a:r>
+          </a:p>
+          <a:p>
+            <a:pPr marL="342891" indent="-342891">
+              <a:buFont typeface="+mj-lt"/>
+              <a:buAutoNum type="arabicPeriod"/>
+            </a:pPr>
+            <a:r>
+              <a:rPr lang="en-US" altLang="ja-JP" sz="1700" dirty="0">
+                <a:latin typeface="Tahoma" panose="020B0604030504040204" pitchFamily="34" charset="0"/>
+                <a:ea typeface="Tahoma" panose="020B0604030504040204" pitchFamily="34" charset="0"/>
+                <a:cs typeface="Tahoma" panose="020B0604030504040204" pitchFamily="34" charset="0"/>
+              </a:rPr>
+              <a:t>show browser</a:t>
+            </a:r>
+          </a:p>
+        </p:txBody>
+      </p:sp>
+      <mc:AlternateContent xmlns:mc="http://schemas.openxmlformats.org/markup-compatibility/2006">
+        <mc:Choice xmlns:we="http://schemas.microsoft.com/office/webextensions/webextension/2010/11" xmlns:pca="http://schemas.microsoft.com/office/powerpoint/2013/contentapp" Requires="we pca">
           <p:graphicFrame>
             <p:nvGraphicFramePr>
-              <p:cNvPr id="7" name="Add-in 6" title="Code Presenter Pro">
+              <p:cNvPr id="17" name="Add-in 16" title="Code Presenter Pro">
                 <a:extLst>
                   <a:ext uri="{FF2B5EF4-FFF2-40B4-BE49-F238E27FC236}">
-                    <a16:creationId xmlns:a16="http://schemas.microsoft.com/office/drawing/2014/main" id="{08B2A02E-54C7-48BA-8B6F-AF9CCA1E0E47}"/>
+                    <a16:creationId xmlns:a16="http://schemas.microsoft.com/office/drawing/2014/main" id="{19F4A681-5A48-4969-A196-C5F6B0F85EE2}"/>
                   </a:ext>
                 </a:extLst>
               </p:cNvPr>
@@ -5987,18 +6693,18 @@
             </p:xfrm>
             <a:graphic>
               <a:graphicData uri="http://schemas.microsoft.com/office/webextensions/webextension/2010/11">
-                <we:webextensionref xmlns:we="http://schemas.microsoft.com/office/webextensions/webextension/2010/11" xmlns:r="http://schemas.openxmlformats.org/officeDocument/2006/relationships" r:id="rId2"/>
+                <we:webextensionref xmlns:we="http://schemas.microsoft.com/office/webextensions/webextension/2010/11" xmlns:r="http://schemas.openxmlformats.org/officeDocument/2006/relationships" r:id="rId4"/>
               </a:graphicData>
             </a:graphic>
           </p:graphicFrame>
         </mc:Choice>
-        <mc:Fallback xmlns="">
+        <mc:Fallback>
           <p:pic>
             <p:nvPicPr>
-              <p:cNvPr id="7" name="Add-in 6" title="Code Presenter Pro">
+              <p:cNvPr id="17" name="Add-in 16" title="Code Presenter Pro">
                 <a:extLst>
                   <a:ext uri="{FF2B5EF4-FFF2-40B4-BE49-F238E27FC236}">
-                    <a16:creationId xmlns:a16="http://schemas.microsoft.com/office/drawing/2014/main" id="{08B2A02E-54C7-48BA-8B6F-AF9CCA1E0E47}"/>
+                    <a16:creationId xmlns:a16="http://schemas.microsoft.com/office/drawing/2014/main" id="{19F4A681-5A48-4969-A196-C5F6B0F85EE2}"/>
                   </a:ext>
                 </a:extLst>
               </p:cNvPr>
@@ -6008,7 +6714,7 @@
               <p:nvPr/>
             </p:nvPicPr>
             <p:blipFill>
-              <a:blip r:embed="rId3"/>
+              <a:blip r:embed="rId5"/>
               <a:stretch>
                 <a:fillRect/>
               </a:stretch>
@@ -6025,179 +6731,12 @@
           </p:pic>
         </mc:Fallback>
       </mc:AlternateContent>
-      <p:sp>
-        <p:nvSpPr>
-          <p:cNvPr id="6" name="Rectangle 5">
+      <p:pic>
+        <p:nvPicPr>
+          <p:cNvPr id="18" name="Picture 17">
             <a:extLst>
               <a:ext uri="{FF2B5EF4-FFF2-40B4-BE49-F238E27FC236}">
-                <a16:creationId xmlns:a16="http://schemas.microsoft.com/office/drawing/2014/main" id="{56CF89B6-45BF-4C70-B4FA-B3D5F715A11A}"/>
-              </a:ext>
-            </a:extLst>
-          </p:cNvPr>
-          <p:cNvSpPr/>
-          <p:nvPr/>
-        </p:nvSpPr>
-        <p:spPr>
-          <a:xfrm>
-            <a:off x="4007594" y="6400520"/>
-            <a:ext cx="5024196" cy="307777"/>
-          </a:xfrm>
-          <a:prstGeom prst="rect">
-            <a:avLst/>
-          </a:prstGeom>
-        </p:spPr>
-        <p:txBody>
-          <a:bodyPr wrap="none">
-            <a:spAutoFit/>
-          </a:bodyPr>
-          <a:lstStyle/>
-          <a:p>
-            <a:r>
-              <a:rPr lang="en-US" altLang="ja-JP" sz="1400" dirty="0">
-                <a:latin typeface="Tahoma" panose="020B0604030504040204" pitchFamily="34" charset="0"/>
-                <a:ea typeface="Tahoma" panose="020B0604030504040204" pitchFamily="34" charset="0"/>
-                <a:cs typeface="Tahoma" panose="020B0604030504040204" pitchFamily="34" charset="0"/>
-              </a:rPr>
-              <a:t>folder: C:\appserv\php_lesson\    file name: lesson01_2.php</a:t>
-            </a:r>
-            <a:endParaRPr lang="ja-JP" altLang="en-US" sz="1400" dirty="0">
-              <a:latin typeface="Tahoma" panose="020B0604030504040204" pitchFamily="34" charset="0"/>
-              <a:cs typeface="Tahoma" panose="020B0604030504040204" pitchFamily="34" charset="0"/>
-            </a:endParaRPr>
-          </a:p>
-        </p:txBody>
-      </p:sp>
-      <p:sp>
-        <p:nvSpPr>
-          <p:cNvPr id="11" name="Rectangle 10">
-            <a:extLst>
-              <a:ext uri="{FF2B5EF4-FFF2-40B4-BE49-F238E27FC236}">
-                <a16:creationId xmlns:a16="http://schemas.microsoft.com/office/drawing/2014/main" id="{9A099E03-7F5D-40B5-AF83-8B36D2DA594B}"/>
-              </a:ext>
-            </a:extLst>
-          </p:cNvPr>
-          <p:cNvSpPr/>
-          <p:nvPr/>
-        </p:nvSpPr>
-        <p:spPr>
-          <a:xfrm>
-            <a:off x="1629860" y="3803085"/>
-            <a:ext cx="848309" cy="369332"/>
-          </a:xfrm>
-          <a:prstGeom prst="rect">
-            <a:avLst/>
-          </a:prstGeom>
-        </p:spPr>
-        <p:txBody>
-          <a:bodyPr wrap="none">
-            <a:spAutoFit/>
-          </a:bodyPr>
-          <a:lstStyle/>
-          <a:p>
-            <a:pPr algn="ctr"/>
-            <a:r>
-              <a:rPr lang="en-US" altLang="ja-JP" dirty="0">
-                <a:latin typeface="Tahoma" panose="020B0604030504040204" pitchFamily="34" charset="0"/>
-                <a:ea typeface="Tahoma" panose="020B0604030504040204" pitchFamily="34" charset="0"/>
-                <a:cs typeface="Tahoma" panose="020B0604030504040204" pitchFamily="34" charset="0"/>
-              </a:rPr>
-              <a:t>output</a:t>
-            </a:r>
-            <a:endParaRPr lang="ja-JP" altLang="en-US" dirty="0">
-              <a:latin typeface="Tahoma" panose="020B0604030504040204" pitchFamily="34" charset="0"/>
-              <a:cs typeface="Tahoma" panose="020B0604030504040204" pitchFamily="34" charset="0"/>
-            </a:endParaRPr>
-          </a:p>
-        </p:txBody>
-      </p:sp>
-      <p:sp>
-        <p:nvSpPr>
-          <p:cNvPr id="12" name="Rectangle 11">
-            <a:extLst>
-              <a:ext uri="{FF2B5EF4-FFF2-40B4-BE49-F238E27FC236}">
-                <a16:creationId xmlns:a16="http://schemas.microsoft.com/office/drawing/2014/main" id="{C77AA99F-01CF-4155-B9C5-78FDAE28F61E}"/>
-              </a:ext>
-            </a:extLst>
-          </p:cNvPr>
-          <p:cNvSpPr/>
-          <p:nvPr/>
-        </p:nvSpPr>
-        <p:spPr>
-          <a:xfrm>
-            <a:off x="1375784" y="705600"/>
-            <a:ext cx="1356462" cy="369332"/>
-          </a:xfrm>
-          <a:prstGeom prst="rect">
-            <a:avLst/>
-          </a:prstGeom>
-        </p:spPr>
-        <p:txBody>
-          <a:bodyPr wrap="none">
-            <a:spAutoFit/>
-          </a:bodyPr>
-          <a:lstStyle/>
-          <a:p>
-            <a:pPr algn="ctr"/>
-            <a:r>
-              <a:rPr lang="en-US" altLang="ja-JP" dirty="0">
-                <a:latin typeface="Tahoma" panose="020B0604030504040204" pitchFamily="34" charset="0"/>
-                <a:ea typeface="Tahoma" panose="020B0604030504040204" pitchFamily="34" charset="0"/>
-                <a:cs typeface="Tahoma" panose="020B0604030504040204" pitchFamily="34" charset="0"/>
-              </a:rPr>
-              <a:t>explanation</a:t>
-            </a:r>
-            <a:endParaRPr lang="ja-JP" altLang="en-US" dirty="0">
-              <a:latin typeface="Tahoma" panose="020B0604030504040204" pitchFamily="34" charset="0"/>
-              <a:cs typeface="Tahoma" panose="020B0604030504040204" pitchFamily="34" charset="0"/>
-            </a:endParaRPr>
-          </a:p>
-        </p:txBody>
-      </p:sp>
-      <p:pic>
-        <p:nvPicPr>
-          <p:cNvPr id="13" name="Graphic 12">
-            <a:extLst>
-              <a:ext uri="{FF2B5EF4-FFF2-40B4-BE49-F238E27FC236}">
-                <a16:creationId xmlns:a16="http://schemas.microsoft.com/office/drawing/2014/main" id="{C0A1D308-1A10-46EC-BC7B-E1F8BE698AEE}"/>
-              </a:ext>
-            </a:extLst>
-          </p:cNvPr>
-          <p:cNvPicPr>
-            <a:picLocks noChangeAspect="1"/>
-          </p:cNvPicPr>
-          <p:nvPr/>
-        </p:nvPicPr>
-        <p:blipFill>
-          <a:blip r:embed="rId4">
-            <a:extLst>
-              <a:ext uri="{28A0092B-C50C-407E-A947-70E740481C1C}">
-                <a14:useLocalDpi xmlns:a14="http://schemas.microsoft.com/office/drawing/2010/main" val="0"/>
-              </a:ext>
-              <a:ext uri="{96DAC541-7B7A-43D3-8B79-37D633B846F1}">
-                <asvg:svgBlip xmlns:asvg="http://schemas.microsoft.com/office/drawing/2016/SVG/main" r:embed="rId5"/>
-              </a:ext>
-            </a:extLst>
-          </a:blip>
-          <a:stretch>
-            <a:fillRect/>
-          </a:stretch>
-        </p:blipFill>
-        <p:spPr>
-          <a:xfrm>
-            <a:off x="100076" y="6369742"/>
-            <a:ext cx="683948" cy="369332"/>
-          </a:xfrm>
-          <a:prstGeom prst="rect">
-            <a:avLst/>
-          </a:prstGeom>
-        </p:spPr>
-      </p:pic>
-      <p:pic>
-        <p:nvPicPr>
-          <p:cNvPr id="5" name="Picture 4">
-            <a:extLst>
-              <a:ext uri="{FF2B5EF4-FFF2-40B4-BE49-F238E27FC236}">
-                <a16:creationId xmlns:a16="http://schemas.microsoft.com/office/drawing/2014/main" id="{C6AABDE1-156D-43A1-A9F2-54067C0B6AC6}"/>
+                <a16:creationId xmlns:a16="http://schemas.microsoft.com/office/drawing/2014/main" id="{3BA061A5-3DD6-47C5-BBDD-995FFF373930}"/>
               </a:ext>
             </a:extLst>
           </p:cNvPr>
@@ -6207,24 +6746,35 @@
           <p:nvPr/>
         </p:nvPicPr>
         <p:blipFill rotWithShape="1">
-          <a:blip r:embed="rId6"/>
-          <a:srcRect t="16467"/>
+          <a:blip r:embed="rId6" cstate="email">
+            <a:extLst>
+              <a:ext uri="{28A0092B-C50C-407E-A947-70E740481C1C}">
+                <a14:useLocalDpi xmlns:a14="http://schemas.microsoft.com/office/drawing/2010/main"/>
+              </a:ext>
+            </a:extLst>
+          </a:blip>
+          <a:srcRect/>
           <a:stretch/>
         </p:blipFill>
         <p:spPr>
           <a:xfrm>
-            <a:off x="0" y="4223660"/>
-            <a:ext cx="4522629" cy="1997971"/>
+            <a:off x="0" y="2690949"/>
+            <a:ext cx="4522629" cy="1626951"/>
           </a:xfrm>
           <a:prstGeom prst="rect">
             <a:avLst/>
           </a:prstGeom>
+          <a:ln>
+            <a:solidFill>
+              <a:schemeClr val="accent1"/>
+            </a:solidFill>
+          </a:ln>
         </p:spPr>
       </p:pic>
     </p:spTree>
     <p:extLst>
       <p:ext uri="{BB962C8B-B14F-4D97-AF65-F5344CB8AC3E}">
-        <p14:creationId xmlns:p14="http://schemas.microsoft.com/office/powerpoint/2010/main" val="2875468892"/>
+        <p14:creationId xmlns:p14="http://schemas.microsoft.com/office/powerpoint/2010/main" val="3882067587"/>
       </p:ext>
     </p:extLst>
   </p:cSld>
@@ -6259,6 +6809,45 @@
           <a:chExt cx="0" cy="0"/>
         </a:xfrm>
       </p:grpSpPr>
+      <p:pic>
+        <p:nvPicPr>
+          <p:cNvPr id="13" name="Graphic 12">
+            <a:extLst>
+              <a:ext uri="{FF2B5EF4-FFF2-40B4-BE49-F238E27FC236}">
+                <a16:creationId xmlns:a16="http://schemas.microsoft.com/office/drawing/2014/main" id="{C0A1D308-1A10-46EC-BC7B-E1F8BE698AEE}"/>
+              </a:ext>
+            </a:extLst>
+          </p:cNvPr>
+          <p:cNvPicPr>
+            <a:picLocks noChangeAspect="1"/>
+          </p:cNvPicPr>
+          <p:nvPr/>
+        </p:nvPicPr>
+        <p:blipFill>
+          <a:blip r:embed="rId2" cstate="email">
+            <a:extLst>
+              <a:ext uri="{28A0092B-C50C-407E-A947-70E740481C1C}">
+                <a14:useLocalDpi xmlns:a14="http://schemas.microsoft.com/office/drawing/2010/main"/>
+              </a:ext>
+              <a:ext uri="{96DAC541-7B7A-43D3-8B79-37D633B846F1}">
+                <asvg:svgBlip xmlns:asvg="http://schemas.microsoft.com/office/drawing/2016/SVG/main" r:embed="rId3"/>
+              </a:ext>
+            </a:extLst>
+          </a:blip>
+          <a:stretch>
+            <a:fillRect/>
+          </a:stretch>
+        </p:blipFill>
+        <p:spPr>
+          <a:xfrm>
+            <a:off x="100076" y="6369742"/>
+            <a:ext cx="683948" cy="369332"/>
+          </a:xfrm>
+          <a:prstGeom prst="rect">
+            <a:avLst/>
+          </a:prstGeom>
+        </p:spPr>
+      </p:pic>
       <p:sp>
         <p:nvSpPr>
           <p:cNvPr id="10" name="Rectangle 9">
@@ -6344,7 +6933,7 @@
         <p:spPr>
           <a:xfrm>
             <a:off x="251967" y="13232"/>
-            <a:ext cx="3915950" cy="787957"/>
+            <a:ext cx="3479292" cy="787957"/>
           </a:xfrm>
         </p:spPr>
         <p:txBody>
@@ -6379,7 +6968,7 @@
         </p:nvSpPr>
         <p:spPr>
           <a:xfrm>
-            <a:off x="319678" y="1102857"/>
+            <a:off x="598356" y="4690788"/>
             <a:ext cx="3926617" cy="3773010"/>
           </a:xfrm>
         </p:spPr>
@@ -6463,39 +7052,409 @@
             </a:r>
           </a:p>
           <a:p>
-            <a:pPr marL="457200" lvl="1" indent="0">
-              <a:buNone/>
-            </a:pPr>
-            <a:endParaRPr lang="en-US" sz="1300" dirty="0">
+            <a:pPr marL="285744" indent="-285744"/>
+            <a:r>
+              <a:rPr lang="en-US" sz="1700" dirty="0">
+                <a:latin typeface="Tahoma" panose="020B0604030504040204" pitchFamily="34" charset="0"/>
+                <a:ea typeface="Tahoma" panose="020B0604030504040204" pitchFamily="34" charset="0"/>
+                <a:cs typeface="Tahoma" panose="020B0604030504040204" pitchFamily="34" charset="0"/>
+              </a:rPr>
+              <a:t>L23-24: HTML footer</a:t>
+            </a:r>
+          </a:p>
+        </p:txBody>
+      </p:sp>
+      <p:sp>
+        <p:nvSpPr>
+          <p:cNvPr id="6" name="Rectangle 5">
+            <a:extLst>
+              <a:ext uri="{FF2B5EF4-FFF2-40B4-BE49-F238E27FC236}">
+                <a16:creationId xmlns:a16="http://schemas.microsoft.com/office/drawing/2014/main" id="{56CF89B6-45BF-4C70-B4FA-B3D5F715A11A}"/>
+              </a:ext>
+            </a:extLst>
+          </p:cNvPr>
+          <p:cNvSpPr/>
+          <p:nvPr/>
+        </p:nvSpPr>
+        <p:spPr>
+          <a:xfrm>
+            <a:off x="3251582" y="0"/>
+            <a:ext cx="5819285" cy="307777"/>
+          </a:xfrm>
+          <a:prstGeom prst="rect">
+            <a:avLst/>
+          </a:prstGeom>
+          <a:solidFill>
+            <a:schemeClr val="bg1"/>
+          </a:solidFill>
+          <a:ln>
+            <a:solidFill>
+              <a:schemeClr val="accent1"/>
+            </a:solidFill>
+          </a:ln>
+        </p:spPr>
+        <p:txBody>
+          <a:bodyPr wrap="none">
+            <a:spAutoFit/>
+          </a:bodyPr>
+          <a:lstStyle/>
+          <a:p>
+            <a:r>
+              <a:rPr lang="en-US" altLang="ja-JP" sz="1400" dirty="0">
+                <a:latin typeface="Tahoma" panose="020B0604030504040204" pitchFamily="34" charset="0"/>
+                <a:ea typeface="Tahoma" panose="020B0604030504040204" pitchFamily="34" charset="0"/>
+                <a:cs typeface="Tahoma" panose="020B0604030504040204" pitchFamily="34" charset="0"/>
+              </a:rPr>
+              <a:t>3. folder: C:\appserv\www\php_lesson\    file name: lesson01_4.php</a:t>
+            </a:r>
+            <a:endParaRPr lang="ja-JP" altLang="en-US" sz="1400" dirty="0">
               <a:latin typeface="Tahoma" panose="020B0604030504040204" pitchFamily="34" charset="0"/>
-              <a:ea typeface="Tahoma" panose="020B0604030504040204" pitchFamily="34" charset="0"/>
               <a:cs typeface="Tahoma" panose="020B0604030504040204" pitchFamily="34" charset="0"/>
             </a:endParaRPr>
           </a:p>
-          <a:p>
-            <a:pPr marL="285744" indent="-285744"/>
-            <a:r>
-              <a:rPr lang="en-US" sz="1700" dirty="0">
-                <a:latin typeface="Tahoma" panose="020B0604030504040204" pitchFamily="34" charset="0"/>
-                <a:ea typeface="Tahoma" panose="020B0604030504040204" pitchFamily="34" charset="0"/>
-                <a:cs typeface="Tahoma" panose="020B0604030504040204" pitchFamily="34" charset="0"/>
-              </a:rPr>
-              <a:t>L23-24: HTML footer</a:t>
-            </a:r>
-          </a:p>
-          <a:p>
-            <a:endParaRPr lang="en-US" sz="1700" dirty="0"/>
-          </a:p>
-        </p:txBody>
-      </p:sp>
-      <mc:AlternateContent xmlns:mc="http://schemas.openxmlformats.org/markup-compatibility/2006" xmlns:we="http://schemas.microsoft.com/office/webextensions/webextension/2010/11" xmlns:pca="http://schemas.microsoft.com/office/powerpoint/2013/contentapp">
-        <mc:Choice Requires="we pca">
+        </p:txBody>
+      </p:sp>
+      <p:sp>
+        <p:nvSpPr>
+          <p:cNvPr id="11" name="Rectangle 10">
+            <a:extLst>
+              <a:ext uri="{FF2B5EF4-FFF2-40B4-BE49-F238E27FC236}">
+                <a16:creationId xmlns:a16="http://schemas.microsoft.com/office/drawing/2014/main" id="{9A099E03-7F5D-40B5-AF83-8B36D2DA594B}"/>
+              </a:ext>
+            </a:extLst>
+          </p:cNvPr>
+          <p:cNvSpPr/>
+          <p:nvPr/>
+        </p:nvSpPr>
+        <p:spPr>
+          <a:xfrm>
+            <a:off x="82551" y="2339325"/>
+            <a:ext cx="4463081" cy="338554"/>
+          </a:xfrm>
+          <a:prstGeom prst="rect">
+            <a:avLst/>
+          </a:prstGeom>
+        </p:spPr>
+        <p:txBody>
+          <a:bodyPr wrap="none">
+            <a:spAutoFit/>
+          </a:bodyPr>
+          <a:lstStyle/>
+          <a:p>
+            <a:pPr algn="ctr"/>
+            <a:r>
+              <a:rPr lang="en-US" altLang="ja-JP" sz="1600" dirty="0">
+                <a:latin typeface="Tahoma" panose="020B0604030504040204" pitchFamily="34" charset="0"/>
+                <a:ea typeface="Tahoma" panose="020B0604030504040204" pitchFamily="34" charset="0"/>
+                <a:cs typeface="Tahoma" panose="020B0604030504040204" pitchFamily="34" charset="0"/>
+              </a:rPr>
+              <a:t>3.http://localhost/php_lesson/ lesson01_4.php </a:t>
+            </a:r>
+          </a:p>
+        </p:txBody>
+      </p:sp>
+      <p:sp>
+        <p:nvSpPr>
+          <p:cNvPr id="12" name="Rectangle 11">
+            <a:extLst>
+              <a:ext uri="{FF2B5EF4-FFF2-40B4-BE49-F238E27FC236}">
+                <a16:creationId xmlns:a16="http://schemas.microsoft.com/office/drawing/2014/main" id="{C77AA99F-01CF-4155-B9C5-78FDAE28F61E}"/>
+              </a:ext>
+            </a:extLst>
+          </p:cNvPr>
+          <p:cNvSpPr/>
+          <p:nvPr/>
+        </p:nvSpPr>
+        <p:spPr>
+          <a:xfrm>
+            <a:off x="1375784" y="4293531"/>
+            <a:ext cx="1356462" cy="369332"/>
+          </a:xfrm>
+          <a:prstGeom prst="rect">
+            <a:avLst/>
+          </a:prstGeom>
+        </p:spPr>
+        <p:txBody>
+          <a:bodyPr wrap="none">
+            <a:spAutoFit/>
+          </a:bodyPr>
+          <a:lstStyle/>
+          <a:p>
+            <a:pPr algn="ctr"/>
+            <a:r>
+              <a:rPr lang="en-US" altLang="ja-JP" dirty="0">
+                <a:latin typeface="Tahoma" panose="020B0604030504040204" pitchFamily="34" charset="0"/>
+                <a:ea typeface="Tahoma" panose="020B0604030504040204" pitchFamily="34" charset="0"/>
+                <a:cs typeface="Tahoma" panose="020B0604030504040204" pitchFamily="34" charset="0"/>
+              </a:rPr>
+              <a:t>explanation</a:t>
+            </a:r>
+            <a:endParaRPr lang="ja-JP" altLang="en-US" dirty="0">
+              <a:latin typeface="Tahoma" panose="020B0604030504040204" pitchFamily="34" charset="0"/>
+              <a:cs typeface="Tahoma" panose="020B0604030504040204" pitchFamily="34" charset="0"/>
+            </a:endParaRPr>
+          </a:p>
+        </p:txBody>
+      </p:sp>
+      <p:sp>
+        <p:nvSpPr>
+          <p:cNvPr id="14" name="Content Placeholder 2">
+            <a:extLst>
+              <a:ext uri="{FF2B5EF4-FFF2-40B4-BE49-F238E27FC236}">
+                <a16:creationId xmlns:a16="http://schemas.microsoft.com/office/drawing/2014/main" id="{F0528EC4-574A-49AF-BF35-6486232B5792}"/>
+              </a:ext>
+            </a:extLst>
+          </p:cNvPr>
+          <p:cNvSpPr txBox="1">
+            <a:spLocks/>
+          </p:cNvSpPr>
+          <p:nvPr/>
+        </p:nvSpPr>
+        <p:spPr>
+          <a:xfrm>
+            <a:off x="314369" y="944302"/>
+            <a:ext cx="3479292" cy="3785419"/>
+          </a:xfrm>
+          <a:prstGeom prst="rect">
+            <a:avLst/>
+          </a:prstGeom>
+        </p:spPr>
+        <p:txBody>
+          <a:bodyPr vert="horz" lIns="91440" tIns="45720" rIns="91440" bIns="45720" rtlCol="0">
+            <a:normAutofit/>
+          </a:bodyPr>
+          <a:lstStyle>
+            <a:lvl1pPr marL="228600" indent="-228600" algn="l" defTabSz="914400" rtl="0" eaLnBrk="1" latinLnBrk="0" hangingPunct="1">
+              <a:lnSpc>
+                <a:spcPct val="90000"/>
+              </a:lnSpc>
+              <a:spcBef>
+                <a:spcPts val="1000"/>
+              </a:spcBef>
+              <a:buFont typeface="Arial" panose="020B0604020202020204" pitchFamily="34" charset="0"/>
+              <a:buChar char="•"/>
+              <a:defRPr sz="2800" kern="1200">
+                <a:solidFill>
+                  <a:schemeClr val="tx1"/>
+                </a:solidFill>
+                <a:latin typeface="+mn-lt"/>
+                <a:ea typeface="+mn-ea"/>
+                <a:cs typeface="+mn-cs"/>
+              </a:defRPr>
+            </a:lvl1pPr>
+            <a:lvl2pPr marL="685800" indent="-228600" algn="l" defTabSz="914400" rtl="0" eaLnBrk="1" latinLnBrk="0" hangingPunct="1">
+              <a:lnSpc>
+                <a:spcPct val="90000"/>
+              </a:lnSpc>
+              <a:spcBef>
+                <a:spcPts val="500"/>
+              </a:spcBef>
+              <a:buFont typeface="Arial" panose="020B0604020202020204" pitchFamily="34" charset="0"/>
+              <a:buChar char="•"/>
+              <a:defRPr sz="2400" kern="1200">
+                <a:solidFill>
+                  <a:schemeClr val="tx1"/>
+                </a:solidFill>
+                <a:latin typeface="+mn-lt"/>
+                <a:ea typeface="+mn-ea"/>
+                <a:cs typeface="+mn-cs"/>
+              </a:defRPr>
+            </a:lvl2pPr>
+            <a:lvl3pPr marL="1143000" indent="-228600" algn="l" defTabSz="914400" rtl="0" eaLnBrk="1" latinLnBrk="0" hangingPunct="1">
+              <a:lnSpc>
+                <a:spcPct val="90000"/>
+              </a:lnSpc>
+              <a:spcBef>
+                <a:spcPts val="500"/>
+              </a:spcBef>
+              <a:buFont typeface="Arial" panose="020B0604020202020204" pitchFamily="34" charset="0"/>
+              <a:buChar char="•"/>
+              <a:defRPr sz="2000" kern="1200">
+                <a:solidFill>
+                  <a:schemeClr val="tx1"/>
+                </a:solidFill>
+                <a:latin typeface="+mn-lt"/>
+                <a:ea typeface="+mn-ea"/>
+                <a:cs typeface="+mn-cs"/>
+              </a:defRPr>
+            </a:lvl3pPr>
+            <a:lvl4pPr marL="1600200" indent="-228600" algn="l" defTabSz="914400" rtl="0" eaLnBrk="1" latinLnBrk="0" hangingPunct="1">
+              <a:lnSpc>
+                <a:spcPct val="90000"/>
+              </a:lnSpc>
+              <a:spcBef>
+                <a:spcPts val="500"/>
+              </a:spcBef>
+              <a:buFont typeface="Arial" panose="020B0604020202020204" pitchFamily="34" charset="0"/>
+              <a:buChar char="•"/>
+              <a:defRPr sz="1800" kern="1200">
+                <a:solidFill>
+                  <a:schemeClr val="tx1"/>
+                </a:solidFill>
+                <a:latin typeface="+mn-lt"/>
+                <a:ea typeface="+mn-ea"/>
+                <a:cs typeface="+mn-cs"/>
+              </a:defRPr>
+            </a:lvl4pPr>
+            <a:lvl5pPr marL="2057400" indent="-228600" algn="l" defTabSz="914400" rtl="0" eaLnBrk="1" latinLnBrk="0" hangingPunct="1">
+              <a:lnSpc>
+                <a:spcPct val="90000"/>
+              </a:lnSpc>
+              <a:spcBef>
+                <a:spcPts val="500"/>
+              </a:spcBef>
+              <a:buFont typeface="Arial" panose="020B0604020202020204" pitchFamily="34" charset="0"/>
+              <a:buChar char="•"/>
+              <a:defRPr sz="1800" kern="1200">
+                <a:solidFill>
+                  <a:schemeClr val="tx1"/>
+                </a:solidFill>
+                <a:latin typeface="+mn-lt"/>
+                <a:ea typeface="+mn-ea"/>
+                <a:cs typeface="+mn-cs"/>
+              </a:defRPr>
+            </a:lvl5pPr>
+            <a:lvl6pPr marL="2514600" indent="-228600" algn="l" defTabSz="914400" rtl="0" eaLnBrk="1" latinLnBrk="0" hangingPunct="1">
+              <a:lnSpc>
+                <a:spcPct val="90000"/>
+              </a:lnSpc>
+              <a:spcBef>
+                <a:spcPts val="500"/>
+              </a:spcBef>
+              <a:buFont typeface="Arial" panose="020B0604020202020204" pitchFamily="34" charset="0"/>
+              <a:buChar char="•"/>
+              <a:defRPr sz="1800" kern="1200">
+                <a:solidFill>
+                  <a:schemeClr val="tx1"/>
+                </a:solidFill>
+                <a:latin typeface="+mn-lt"/>
+                <a:ea typeface="+mn-ea"/>
+                <a:cs typeface="+mn-cs"/>
+              </a:defRPr>
+            </a:lvl6pPr>
+            <a:lvl7pPr marL="2971800" indent="-228600" algn="l" defTabSz="914400" rtl="0" eaLnBrk="1" latinLnBrk="0" hangingPunct="1">
+              <a:lnSpc>
+                <a:spcPct val="90000"/>
+              </a:lnSpc>
+              <a:spcBef>
+                <a:spcPts val="500"/>
+              </a:spcBef>
+              <a:buFont typeface="Arial" panose="020B0604020202020204" pitchFamily="34" charset="0"/>
+              <a:buChar char="•"/>
+              <a:defRPr sz="1800" kern="1200">
+                <a:solidFill>
+                  <a:schemeClr val="tx1"/>
+                </a:solidFill>
+                <a:latin typeface="+mn-lt"/>
+                <a:ea typeface="+mn-ea"/>
+                <a:cs typeface="+mn-cs"/>
+              </a:defRPr>
+            </a:lvl7pPr>
+            <a:lvl8pPr marL="3429000" indent="-228600" algn="l" defTabSz="914400" rtl="0" eaLnBrk="1" latinLnBrk="0" hangingPunct="1">
+              <a:lnSpc>
+                <a:spcPct val="90000"/>
+              </a:lnSpc>
+              <a:spcBef>
+                <a:spcPts val="500"/>
+              </a:spcBef>
+              <a:buFont typeface="Arial" panose="020B0604020202020204" pitchFamily="34" charset="0"/>
+              <a:buChar char="•"/>
+              <a:defRPr sz="1800" kern="1200">
+                <a:solidFill>
+                  <a:schemeClr val="tx1"/>
+                </a:solidFill>
+                <a:latin typeface="+mn-lt"/>
+                <a:ea typeface="+mn-ea"/>
+                <a:cs typeface="+mn-cs"/>
+              </a:defRPr>
+            </a:lvl8pPr>
+            <a:lvl9pPr marL="3886200" indent="-228600" algn="l" defTabSz="914400" rtl="0" eaLnBrk="1" latinLnBrk="0" hangingPunct="1">
+              <a:lnSpc>
+                <a:spcPct val="90000"/>
+              </a:lnSpc>
+              <a:spcBef>
+                <a:spcPts val="500"/>
+              </a:spcBef>
+              <a:buFont typeface="Arial" panose="020B0604020202020204" pitchFamily="34" charset="0"/>
+              <a:buChar char="•"/>
+              <a:defRPr sz="1800" kern="1200">
+                <a:solidFill>
+                  <a:schemeClr val="tx1"/>
+                </a:solidFill>
+                <a:latin typeface="+mn-lt"/>
+                <a:ea typeface="+mn-ea"/>
+                <a:cs typeface="+mn-cs"/>
+              </a:defRPr>
+            </a:lvl9pPr>
+          </a:lstStyle>
+          <a:p>
+            <a:pPr marL="342891" indent="-342891">
+              <a:buFont typeface="+mj-lt"/>
+              <a:buAutoNum type="arabicPeriod"/>
+            </a:pPr>
+            <a:r>
+              <a:rPr lang="en-US" altLang="ja-JP" sz="1700" dirty="0">
+                <a:latin typeface="Tahoma" panose="020B0604030504040204" pitchFamily="34" charset="0"/>
+                <a:ea typeface="Tahoma" panose="020B0604030504040204" pitchFamily="34" charset="0"/>
+                <a:cs typeface="Tahoma" panose="020B0604030504040204" pitchFamily="34" charset="0"/>
+              </a:rPr>
+              <a:t>download "</a:t>
+            </a:r>
+            <a:r>
+              <a:rPr lang="en-US" altLang="ja-JP" sz="1800" dirty="0">
+                <a:latin typeface="Tahoma" panose="020B0604030504040204" pitchFamily="34" charset="0"/>
+                <a:ea typeface="Tahoma" panose="020B0604030504040204" pitchFamily="34" charset="0"/>
+                <a:cs typeface="Tahoma" panose="020B0604030504040204" pitchFamily="34" charset="0"/>
+              </a:rPr>
+              <a:t>lesson01_4</a:t>
+            </a:r>
+            <a:r>
+              <a:rPr lang="en-US" altLang="ja-JP" sz="1700" dirty="0">
+                <a:latin typeface="Tahoma" panose="020B0604030504040204" pitchFamily="34" charset="0"/>
+                <a:ea typeface="Tahoma" panose="020B0604030504040204" pitchFamily="34" charset="0"/>
+                <a:cs typeface="Tahoma" panose="020B0604030504040204" pitchFamily="34" charset="0"/>
+              </a:rPr>
+              <a:t>.php"</a:t>
+            </a:r>
+          </a:p>
+          <a:p>
+            <a:pPr marL="342891" indent="-342891">
+              <a:buFont typeface="+mj-lt"/>
+              <a:buAutoNum type="arabicPeriod"/>
+            </a:pPr>
+            <a:r>
+              <a:rPr lang="en-US" altLang="ja-JP" sz="1700" dirty="0">
+                <a:latin typeface="Tahoma" panose="020B0604030504040204" pitchFamily="34" charset="0"/>
+                <a:ea typeface="Tahoma" panose="020B0604030504040204" pitchFamily="34" charset="0"/>
+                <a:cs typeface="Tahoma" panose="020B0604030504040204" pitchFamily="34" charset="0"/>
+              </a:rPr>
+              <a:t>add program and save file.</a:t>
+            </a:r>
+          </a:p>
+          <a:p>
+            <a:pPr marL="342891" indent="-342891">
+              <a:buFont typeface="+mj-lt"/>
+              <a:buAutoNum type="arabicPeriod"/>
+            </a:pPr>
+            <a:r>
+              <a:rPr lang="en-US" altLang="ja-JP" sz="1700" dirty="0">
+                <a:latin typeface="Tahoma" panose="020B0604030504040204" pitchFamily="34" charset="0"/>
+                <a:ea typeface="Tahoma" panose="020B0604030504040204" pitchFamily="34" charset="0"/>
+                <a:cs typeface="Tahoma" panose="020B0604030504040204" pitchFamily="34" charset="0"/>
+              </a:rPr>
+              <a:t>show browser</a:t>
+            </a:r>
+          </a:p>
+        </p:txBody>
+      </p:sp>
+      <mc:AlternateContent xmlns:mc="http://schemas.openxmlformats.org/markup-compatibility/2006">
+        <mc:Choice xmlns:we="http://schemas.microsoft.com/office/webextensions/webextension/2010/11" xmlns:pca="http://schemas.microsoft.com/office/powerpoint/2013/contentapp" Requires="we pca">
           <p:graphicFrame>
             <p:nvGraphicFramePr>
-              <p:cNvPr id="7" name="Add-in 6" title="Code Presenter Pro">
+              <p:cNvPr id="17" name="Add-in 16" title="Code Presenter Pro">
                 <a:extLst>
                   <a:ext uri="{FF2B5EF4-FFF2-40B4-BE49-F238E27FC236}">
-                    <a16:creationId xmlns:a16="http://schemas.microsoft.com/office/drawing/2014/main" id="{08B2A02E-54C7-48BA-8B6F-AF9CCA1E0E47}"/>
+                    <a16:creationId xmlns:a16="http://schemas.microsoft.com/office/drawing/2014/main" id="{D1000F09-2D62-4652-B5C8-A8487ED48DAE}"/>
                   </a:ext>
                 </a:extLst>
               </p:cNvPr>
@@ -6512,18 +7471,18 @@
             </p:xfrm>
             <a:graphic>
               <a:graphicData uri="http://schemas.microsoft.com/office/webextensions/webextension/2010/11">
-                <we:webextensionref xmlns:we="http://schemas.microsoft.com/office/webextensions/webextension/2010/11" xmlns:r="http://schemas.openxmlformats.org/officeDocument/2006/relationships" r:id="rId2"/>
+                <we:webextensionref xmlns:we="http://schemas.microsoft.com/office/webextensions/webextension/2010/11" xmlns:r="http://schemas.openxmlformats.org/officeDocument/2006/relationships" r:id="rId4"/>
               </a:graphicData>
             </a:graphic>
           </p:graphicFrame>
         </mc:Choice>
-        <mc:Fallback xmlns="">
+        <mc:Fallback>
           <p:pic>
             <p:nvPicPr>
-              <p:cNvPr id="7" name="Add-in 6" title="Code Presenter Pro">
+              <p:cNvPr id="17" name="Add-in 16" title="Code Presenter Pro">
                 <a:extLst>
                   <a:ext uri="{FF2B5EF4-FFF2-40B4-BE49-F238E27FC236}">
-                    <a16:creationId xmlns:a16="http://schemas.microsoft.com/office/drawing/2014/main" id="{08B2A02E-54C7-48BA-8B6F-AF9CCA1E0E47}"/>
+                    <a16:creationId xmlns:a16="http://schemas.microsoft.com/office/drawing/2014/main" id="{D1000F09-2D62-4652-B5C8-A8487ED48DAE}"/>
                   </a:ext>
                 </a:extLst>
               </p:cNvPr>
@@ -6533,7 +7492,7 @@
               <p:nvPr/>
             </p:nvPicPr>
             <p:blipFill>
-              <a:blip r:embed="rId3"/>
+              <a:blip r:embed="rId5"/>
               <a:stretch>
                 <a:fillRect/>
               </a:stretch>
@@ -6550,179 +7509,12 @@
           </p:pic>
         </mc:Fallback>
       </mc:AlternateContent>
-      <p:sp>
-        <p:nvSpPr>
-          <p:cNvPr id="6" name="Rectangle 5">
+      <p:pic>
+        <p:nvPicPr>
+          <p:cNvPr id="18" name="Picture 17">
             <a:extLst>
               <a:ext uri="{FF2B5EF4-FFF2-40B4-BE49-F238E27FC236}">
-                <a16:creationId xmlns:a16="http://schemas.microsoft.com/office/drawing/2014/main" id="{56CF89B6-45BF-4C70-B4FA-B3D5F715A11A}"/>
-              </a:ext>
-            </a:extLst>
-          </p:cNvPr>
-          <p:cNvSpPr/>
-          <p:nvPr/>
-        </p:nvSpPr>
-        <p:spPr>
-          <a:xfrm>
-            <a:off x="4007594" y="6400520"/>
-            <a:ext cx="5024196" cy="307777"/>
-          </a:xfrm>
-          <a:prstGeom prst="rect">
-            <a:avLst/>
-          </a:prstGeom>
-        </p:spPr>
-        <p:txBody>
-          <a:bodyPr wrap="none">
-            <a:spAutoFit/>
-          </a:bodyPr>
-          <a:lstStyle/>
-          <a:p>
-            <a:r>
-              <a:rPr lang="en-US" altLang="ja-JP" sz="1400" dirty="0">
-                <a:latin typeface="Tahoma" panose="020B0604030504040204" pitchFamily="34" charset="0"/>
-                <a:ea typeface="Tahoma" panose="020B0604030504040204" pitchFamily="34" charset="0"/>
-                <a:cs typeface="Tahoma" panose="020B0604030504040204" pitchFamily="34" charset="0"/>
-              </a:rPr>
-              <a:t>folder: C:\appserv\php_lesson\    file name: lesson01_2.php</a:t>
-            </a:r>
-            <a:endParaRPr lang="ja-JP" altLang="en-US" sz="1400" dirty="0">
-              <a:latin typeface="Tahoma" panose="020B0604030504040204" pitchFamily="34" charset="0"/>
-              <a:cs typeface="Tahoma" panose="020B0604030504040204" pitchFamily="34" charset="0"/>
-            </a:endParaRPr>
-          </a:p>
-        </p:txBody>
-      </p:sp>
-      <p:sp>
-        <p:nvSpPr>
-          <p:cNvPr id="11" name="Rectangle 10">
-            <a:extLst>
-              <a:ext uri="{FF2B5EF4-FFF2-40B4-BE49-F238E27FC236}">
-                <a16:creationId xmlns:a16="http://schemas.microsoft.com/office/drawing/2014/main" id="{9A099E03-7F5D-40B5-AF83-8B36D2DA594B}"/>
-              </a:ext>
-            </a:extLst>
-          </p:cNvPr>
-          <p:cNvSpPr/>
-          <p:nvPr/>
-        </p:nvSpPr>
-        <p:spPr>
-          <a:xfrm>
-            <a:off x="1629860" y="3803085"/>
-            <a:ext cx="848309" cy="369332"/>
-          </a:xfrm>
-          <a:prstGeom prst="rect">
-            <a:avLst/>
-          </a:prstGeom>
-        </p:spPr>
-        <p:txBody>
-          <a:bodyPr wrap="none">
-            <a:spAutoFit/>
-          </a:bodyPr>
-          <a:lstStyle/>
-          <a:p>
-            <a:pPr algn="ctr"/>
-            <a:r>
-              <a:rPr lang="en-US" altLang="ja-JP" dirty="0">
-                <a:latin typeface="Tahoma" panose="020B0604030504040204" pitchFamily="34" charset="0"/>
-                <a:ea typeface="Tahoma" panose="020B0604030504040204" pitchFamily="34" charset="0"/>
-                <a:cs typeface="Tahoma" panose="020B0604030504040204" pitchFamily="34" charset="0"/>
-              </a:rPr>
-              <a:t>output</a:t>
-            </a:r>
-            <a:endParaRPr lang="ja-JP" altLang="en-US" dirty="0">
-              <a:latin typeface="Tahoma" panose="020B0604030504040204" pitchFamily="34" charset="0"/>
-              <a:cs typeface="Tahoma" panose="020B0604030504040204" pitchFamily="34" charset="0"/>
-            </a:endParaRPr>
-          </a:p>
-        </p:txBody>
-      </p:sp>
-      <p:sp>
-        <p:nvSpPr>
-          <p:cNvPr id="12" name="Rectangle 11">
-            <a:extLst>
-              <a:ext uri="{FF2B5EF4-FFF2-40B4-BE49-F238E27FC236}">
-                <a16:creationId xmlns:a16="http://schemas.microsoft.com/office/drawing/2014/main" id="{C77AA99F-01CF-4155-B9C5-78FDAE28F61E}"/>
-              </a:ext>
-            </a:extLst>
-          </p:cNvPr>
-          <p:cNvSpPr/>
-          <p:nvPr/>
-        </p:nvSpPr>
-        <p:spPr>
-          <a:xfrm>
-            <a:off x="1375784" y="705600"/>
-            <a:ext cx="1356462" cy="369332"/>
-          </a:xfrm>
-          <a:prstGeom prst="rect">
-            <a:avLst/>
-          </a:prstGeom>
-        </p:spPr>
-        <p:txBody>
-          <a:bodyPr wrap="none">
-            <a:spAutoFit/>
-          </a:bodyPr>
-          <a:lstStyle/>
-          <a:p>
-            <a:pPr algn="ctr"/>
-            <a:r>
-              <a:rPr lang="en-US" altLang="ja-JP" dirty="0">
-                <a:latin typeface="Tahoma" panose="020B0604030504040204" pitchFamily="34" charset="0"/>
-                <a:ea typeface="Tahoma" panose="020B0604030504040204" pitchFamily="34" charset="0"/>
-                <a:cs typeface="Tahoma" panose="020B0604030504040204" pitchFamily="34" charset="0"/>
-              </a:rPr>
-              <a:t>explanation</a:t>
-            </a:r>
-            <a:endParaRPr lang="ja-JP" altLang="en-US" dirty="0">
-              <a:latin typeface="Tahoma" panose="020B0604030504040204" pitchFamily="34" charset="0"/>
-              <a:cs typeface="Tahoma" panose="020B0604030504040204" pitchFamily="34" charset="0"/>
-            </a:endParaRPr>
-          </a:p>
-        </p:txBody>
-      </p:sp>
-      <p:pic>
-        <p:nvPicPr>
-          <p:cNvPr id="13" name="Graphic 12">
-            <a:extLst>
-              <a:ext uri="{FF2B5EF4-FFF2-40B4-BE49-F238E27FC236}">
-                <a16:creationId xmlns:a16="http://schemas.microsoft.com/office/drawing/2014/main" id="{C0A1D308-1A10-46EC-BC7B-E1F8BE698AEE}"/>
-              </a:ext>
-            </a:extLst>
-          </p:cNvPr>
-          <p:cNvPicPr>
-            <a:picLocks noChangeAspect="1"/>
-          </p:cNvPicPr>
-          <p:nvPr/>
-        </p:nvPicPr>
-        <p:blipFill>
-          <a:blip r:embed="rId4">
-            <a:extLst>
-              <a:ext uri="{28A0092B-C50C-407E-A947-70E740481C1C}">
-                <a14:useLocalDpi xmlns:a14="http://schemas.microsoft.com/office/drawing/2010/main" val="0"/>
-              </a:ext>
-              <a:ext uri="{96DAC541-7B7A-43D3-8B79-37D633B846F1}">
-                <asvg:svgBlip xmlns:asvg="http://schemas.microsoft.com/office/drawing/2016/SVG/main" r:embed="rId5"/>
-              </a:ext>
-            </a:extLst>
-          </a:blip>
-          <a:stretch>
-            <a:fillRect/>
-          </a:stretch>
-        </p:blipFill>
-        <p:spPr>
-          <a:xfrm>
-            <a:off x="100076" y="6369742"/>
-            <a:ext cx="683948" cy="369332"/>
-          </a:xfrm>
-          <a:prstGeom prst="rect">
-            <a:avLst/>
-          </a:prstGeom>
-        </p:spPr>
-      </p:pic>
-      <p:pic>
-        <p:nvPicPr>
-          <p:cNvPr id="4" name="Picture 3">
-            <a:extLst>
-              <a:ext uri="{FF2B5EF4-FFF2-40B4-BE49-F238E27FC236}">
-                <a16:creationId xmlns:a16="http://schemas.microsoft.com/office/drawing/2014/main" id="{C32F17B8-4D50-41CE-BB01-EC78925C30E1}"/>
+                <a16:creationId xmlns:a16="http://schemas.microsoft.com/office/drawing/2014/main" id="{908AA42F-D1D9-44E5-B366-2DBFCD28DF0D}"/>
               </a:ext>
             </a:extLst>
           </p:cNvPr>
@@ -6732,24 +7524,35 @@
           <p:nvPr/>
         </p:nvPicPr>
         <p:blipFill rotWithShape="1">
-          <a:blip r:embed="rId6"/>
-          <a:srcRect t="40453"/>
+          <a:blip r:embed="rId6" cstate="email">
+            <a:extLst>
+              <a:ext uri="{28A0092B-C50C-407E-A947-70E740481C1C}">
+                <a14:useLocalDpi xmlns:a14="http://schemas.microsoft.com/office/drawing/2010/main"/>
+              </a:ext>
+            </a:extLst>
+          </a:blip>
+          <a:srcRect/>
           <a:stretch/>
         </p:blipFill>
         <p:spPr>
           <a:xfrm>
-            <a:off x="0" y="4236256"/>
-            <a:ext cx="4458789" cy="1679594"/>
+            <a:off x="0" y="2694843"/>
+            <a:ext cx="4458789" cy="910507"/>
           </a:xfrm>
           <a:prstGeom prst="rect">
             <a:avLst/>
           </a:prstGeom>
+          <a:ln>
+            <a:solidFill>
+              <a:schemeClr val="accent1"/>
+            </a:solidFill>
+          </a:ln>
         </p:spPr>
       </p:pic>
     </p:spTree>
     <p:extLst>
       <p:ext uri="{BB962C8B-B14F-4D97-AF65-F5344CB8AC3E}">
-        <p14:creationId xmlns:p14="http://schemas.microsoft.com/office/powerpoint/2010/main" val="4247377309"/>
+        <p14:creationId xmlns:p14="http://schemas.microsoft.com/office/powerpoint/2010/main" val="2292823950"/>
       </p:ext>
     </p:extLst>
   </p:cSld>
@@ -7035,7 +7838,7 @@
 </file>
 
 <file path=ppt/webextensions/webextension2.xml><?xml version="1.0" encoding="utf-8"?>
-<we:webextension xmlns:we="http://schemas.microsoft.com/office/webextensions/webextension/2010/11" id="{4B7C5246-1C33-4483-BFAF-081BFB40B5BA}" frozen="1">
+<we:webextension xmlns:we="http://schemas.microsoft.com/office/webextensions/webextension/2010/11" id="{003BC127-AF23-40A0-A919-FE1DB7144DBD}" frozen="1">
   <we:reference id="wa104379263" version="1.0.0.1" store="en-US" storeType="OMEX"/>
   <we:alternateReferences>
     <we:reference id="wa104379263" version="1.0.0.1" store="wa104379263" storeType="OMEX"/>
@@ -7049,7 +7852,7 @@
 </file>
 
 <file path=ppt/webextensions/webextension3.xml><?xml version="1.0" encoding="utf-8"?>
-<we:webextension xmlns:we="http://schemas.microsoft.com/office/webextensions/webextension/2010/11" id="{4B7C5246-1C33-4483-BFAF-081BFB40B5BA}" frozen="1">
+<we:webextension xmlns:we="http://schemas.microsoft.com/office/webextensions/webextension/2010/11" id="{4C94C252-4171-4D0E-BD57-E5D10A3E9D54}" frozen="1">
   <we:reference id="wa104379263" version="1.0.0.1" store="en-US" storeType="OMEX"/>
   <we:alternateReferences>
     <we:reference id="wa104379263" version="1.0.0.1" store="wa104379263" storeType="OMEX"/>
@@ -7063,7 +7866,7 @@
 </file>
 
 <file path=ppt/webextensions/webextension4.xml><?xml version="1.0" encoding="utf-8"?>
-<we:webextension xmlns:we="http://schemas.microsoft.com/office/webextensions/webextension/2010/11" id="{4B7C5246-1C33-4483-BFAF-081BFB40B5BA}" frozen="1">
+<we:webextension xmlns:we="http://schemas.microsoft.com/office/webextensions/webextension/2010/11" id="{BD014209-F109-4FBE-A33C-3F7F3A890419}" frozen="1">
   <we:reference id="wa104379263" version="1.0.0.1" store="en-US" storeType="OMEX"/>
   <we:alternateReferences>
     <we:reference id="wa104379263" version="1.0.0.1" store="wa104379263" storeType="OMEX"/>

--- a/ppt/lesson01.pptx
+++ b/ppt/lesson01.pptx
@@ -3897,8 +3897,8 @@
         </p:nvSpPr>
         <p:spPr>
           <a:xfrm>
-            <a:off x="0" y="1536351"/>
-            <a:ext cx="3479292" cy="3785419"/>
+            <a:off x="-1" y="1156970"/>
+            <a:ext cx="3810735" cy="4981181"/>
           </a:xfrm>
         </p:spPr>
         <p:txBody>
@@ -3934,7 +3934,127 @@
             </a:r>
           </a:p>
           <a:p>
+            <a:pPr marL="800091" lvl="1" indent="-342891">
+              <a:buFont typeface="+mj-lt"/>
+              <a:buAutoNum type="arabicPeriod"/>
+            </a:pPr>
+            <a:endParaRPr lang="en-US" altLang="ja-JP" sz="1300" dirty="0">
+              <a:latin typeface="Tahoma" panose="020B0604030504040204" pitchFamily="34" charset="0"/>
+              <a:ea typeface="Tahoma" panose="020B0604030504040204" pitchFamily="34" charset="0"/>
+              <a:cs typeface="Tahoma" panose="020B0604030504040204" pitchFamily="34" charset="0"/>
+            </a:endParaRPr>
+          </a:p>
+          <a:p>
             <a:pPr marL="342891" indent="-342891">
+              <a:buFont typeface="+mj-lt"/>
+              <a:buAutoNum type="arabicPeriod"/>
+            </a:pPr>
+            <a:r>
+              <a:rPr lang="en-US" altLang="ja-JP" sz="1700" dirty="0">
+                <a:latin typeface="Tahoma" panose="020B0604030504040204" pitchFamily="34" charset="0"/>
+                <a:ea typeface="Tahoma" panose="020B0604030504040204" pitchFamily="34" charset="0"/>
+                <a:cs typeface="Tahoma" panose="020B0604030504040204" pitchFamily="34" charset="0"/>
+              </a:rPr>
+              <a:t>install</a:t>
+            </a:r>
+          </a:p>
+          <a:p>
+            <a:pPr marL="457189" lvl="1" indent="0">
+              <a:buNone/>
+            </a:pPr>
+            <a:r>
+              <a:rPr lang="en-US" altLang="ja-JP" sz="1700" dirty="0" err="1">
+                <a:latin typeface="Tahoma" panose="020B0604030504040204" pitchFamily="34" charset="0"/>
+                <a:ea typeface="Tahoma" panose="020B0604030504040204" pitchFamily="34" charset="0"/>
+                <a:cs typeface="Tahoma" panose="020B0604030504040204" pitchFamily="34" charset="0"/>
+              </a:rPr>
+              <a:t>mysql</a:t>
+            </a:r>
+            <a:r>
+              <a:rPr lang="en-US" altLang="ja-JP" sz="1700" dirty="0">
+                <a:latin typeface="Tahoma" panose="020B0604030504040204" pitchFamily="34" charset="0"/>
+                <a:ea typeface="Tahoma" panose="020B0604030504040204" pitchFamily="34" charset="0"/>
+                <a:cs typeface="Tahoma" panose="020B0604030504040204" pitchFamily="34" charset="0"/>
+              </a:rPr>
+              <a:t> server password "12345678"</a:t>
+            </a:r>
+          </a:p>
+          <a:p>
+            <a:pPr marL="800091" lvl="1" indent="-342891">
+              <a:buFont typeface="+mj-lt"/>
+              <a:buAutoNum type="arabicPeriod"/>
+            </a:pPr>
+            <a:endParaRPr lang="en-US" altLang="ja-JP" sz="1300" dirty="0">
+              <a:latin typeface="Tahoma" panose="020B0604030504040204" pitchFamily="34" charset="0"/>
+              <a:ea typeface="Tahoma" panose="020B0604030504040204" pitchFamily="34" charset="0"/>
+              <a:cs typeface="Tahoma" panose="020B0604030504040204" pitchFamily="34" charset="0"/>
+            </a:endParaRPr>
+          </a:p>
+          <a:p>
+            <a:pPr marL="342891" indent="-342891">
+              <a:buFont typeface="+mj-lt"/>
+              <a:buAutoNum type="arabicPeriod"/>
+            </a:pPr>
+            <a:r>
+              <a:rPr lang="en-US" altLang="ja-JP" sz="1700" dirty="0">
+                <a:latin typeface="Tahoma" panose="020B0604030504040204" pitchFamily="34" charset="0"/>
+                <a:ea typeface="Tahoma" panose="020B0604030504040204" pitchFamily="34" charset="0"/>
+                <a:cs typeface="Tahoma" panose="020B0604030504040204" pitchFamily="34" charset="0"/>
+              </a:rPr>
+              <a:t>start </a:t>
+            </a:r>
+            <a:r>
+              <a:rPr lang="en-US" altLang="ja-JP" sz="1700" dirty="0" err="1">
+                <a:latin typeface="Tahoma" panose="020B0604030504040204" pitchFamily="34" charset="0"/>
+                <a:ea typeface="Tahoma" panose="020B0604030504040204" pitchFamily="34" charset="0"/>
+                <a:cs typeface="Tahoma" panose="020B0604030504040204" pitchFamily="34" charset="0"/>
+              </a:rPr>
+              <a:t>appserv</a:t>
+            </a:r>
+            <a:endParaRPr lang="en-US" altLang="ja-JP" sz="1700" dirty="0">
+              <a:latin typeface="Tahoma" panose="020B0604030504040204" pitchFamily="34" charset="0"/>
+              <a:ea typeface="Tahoma" panose="020B0604030504040204" pitchFamily="34" charset="0"/>
+              <a:cs typeface="Tahoma" panose="020B0604030504040204" pitchFamily="34" charset="0"/>
+            </a:endParaRPr>
+          </a:p>
+          <a:p>
+            <a:pPr marL="800080" lvl="1" indent="-342891">
+              <a:buFont typeface="+mj-lt"/>
+              <a:buAutoNum type="arabicPeriod"/>
+            </a:pPr>
+            <a:r>
+              <a:rPr lang="en-US" altLang="ja-JP" sz="1700" dirty="0">
+                <a:latin typeface="Tahoma" panose="020B0604030504040204" pitchFamily="34" charset="0"/>
+                <a:ea typeface="Tahoma" panose="020B0604030504040204" pitchFamily="34" charset="0"/>
+                <a:cs typeface="Tahoma" panose="020B0604030504040204" pitchFamily="34" charset="0"/>
+              </a:rPr>
+              <a:t>apache start</a:t>
+            </a:r>
+          </a:p>
+          <a:p>
+            <a:pPr marL="800080" lvl="1" indent="-342891">
+              <a:buFont typeface="+mj-lt"/>
+              <a:buAutoNum type="arabicPeriod"/>
+            </a:pPr>
+            <a:r>
+              <a:rPr lang="en-US" altLang="ja-JP" sz="1700" dirty="0" err="1">
+                <a:latin typeface="Tahoma" panose="020B0604030504040204" pitchFamily="34" charset="0"/>
+                <a:ea typeface="Tahoma" panose="020B0604030504040204" pitchFamily="34" charset="0"/>
+                <a:cs typeface="Tahoma" panose="020B0604030504040204" pitchFamily="34" charset="0"/>
+              </a:rPr>
+              <a:t>mysql</a:t>
+            </a:r>
+            <a:r>
+              <a:rPr lang="en-US" altLang="ja-JP" sz="1700" dirty="0">
+                <a:latin typeface="Tahoma" panose="020B0604030504040204" pitchFamily="34" charset="0"/>
+                <a:ea typeface="Tahoma" panose="020B0604030504040204" pitchFamily="34" charset="0"/>
+                <a:cs typeface="Tahoma" panose="020B0604030504040204" pitchFamily="34" charset="0"/>
+              </a:rPr>
+              <a:t> start</a:t>
+            </a:r>
+          </a:p>
+          <a:p>
+            <a:pPr marL="800080" lvl="1" indent="-342891">
               <a:buFont typeface="+mj-lt"/>
               <a:buAutoNum type="arabicPeriod"/>
             </a:pPr>
@@ -3945,17 +4065,30 @@
             </a:endParaRPr>
           </a:p>
           <a:p>
-            <a:pPr marL="342891" indent="-342891">
+            <a:pPr marL="342880" indent="-342891">
               <a:buFont typeface="+mj-lt"/>
               <a:buAutoNum type="arabicPeriod"/>
             </a:pPr>
             <a:r>
+              <a:rPr lang="en-US" altLang="ja-JP" sz="2100" dirty="0">
+                <a:latin typeface="Tahoma" panose="020B0604030504040204" pitchFamily="34" charset="0"/>
+                <a:ea typeface="Tahoma" panose="020B0604030504040204" pitchFamily="34" charset="0"/>
+                <a:cs typeface="Tahoma" panose="020B0604030504040204" pitchFamily="34" charset="0"/>
+              </a:rPr>
+              <a:t>Use browser to follow URL.</a:t>
+            </a:r>
+          </a:p>
+          <a:p>
+            <a:pPr marL="457189" lvl="1" indent="0">
+              <a:buNone/>
+            </a:pPr>
+            <a:r>
               <a:rPr lang="en-US" altLang="ja-JP" sz="1700" dirty="0">
                 <a:latin typeface="Tahoma" panose="020B0604030504040204" pitchFamily="34" charset="0"/>
                 <a:ea typeface="Tahoma" panose="020B0604030504040204" pitchFamily="34" charset="0"/>
                 <a:cs typeface="Tahoma" panose="020B0604030504040204" pitchFamily="34" charset="0"/>
               </a:rPr>
-              <a:t>install</a:t>
+              <a:t>http://localhost/</a:t>
             </a:r>
           </a:p>
           <a:p>
@@ -3963,111 +4096,26 @@
               <a:buNone/>
             </a:pPr>
             <a:r>
-              <a:rPr lang="en-US" altLang="ja-JP" sz="1700" dirty="0" err="1">
-                <a:latin typeface="Tahoma" panose="020B0604030504040204" pitchFamily="34" charset="0"/>
-                <a:ea typeface="Tahoma" panose="020B0604030504040204" pitchFamily="34" charset="0"/>
-                <a:cs typeface="Tahoma" panose="020B0604030504040204" pitchFamily="34" charset="0"/>
-              </a:rPr>
-              <a:t>mysql</a:t>
-            </a:r>
-            <a:r>
               <a:rPr lang="en-US" altLang="ja-JP" sz="1700" dirty="0">
                 <a:latin typeface="Tahoma" panose="020B0604030504040204" pitchFamily="34" charset="0"/>
                 <a:ea typeface="Tahoma" panose="020B0604030504040204" pitchFamily="34" charset="0"/>
                 <a:cs typeface="Tahoma" panose="020B0604030504040204" pitchFamily="34" charset="0"/>
               </a:rPr>
-              <a:t> server password "12345678"</a:t>
-            </a:r>
-          </a:p>
-          <a:p>
-            <a:pPr marL="342891" indent="-342891">
-              <a:buFont typeface="+mj-lt"/>
-              <a:buAutoNum type="arabicPeriod"/>
+              <a:t>or</a:t>
+            </a:r>
+          </a:p>
+          <a:p>
+            <a:pPr marL="457189" lvl="1" indent="0">
+              <a:buNone/>
             </a:pPr>
-            <a:endParaRPr lang="en-US" altLang="ja-JP" sz="1700" dirty="0">
-              <a:latin typeface="Tahoma" panose="020B0604030504040204" pitchFamily="34" charset="0"/>
-              <a:ea typeface="Tahoma" panose="020B0604030504040204" pitchFamily="34" charset="0"/>
-              <a:cs typeface="Tahoma" panose="020B0604030504040204" pitchFamily="34" charset="0"/>
-            </a:endParaRPr>
-          </a:p>
-          <a:p>
-            <a:pPr marL="342891" indent="-342891">
-              <a:buFont typeface="+mj-lt"/>
-              <a:buAutoNum type="arabicPeriod"/>
-            </a:pPr>
             <a:r>
               <a:rPr lang="en-US" altLang="ja-JP" sz="1700" dirty="0">
                 <a:latin typeface="Tahoma" panose="020B0604030504040204" pitchFamily="34" charset="0"/>
                 <a:ea typeface="Tahoma" panose="020B0604030504040204" pitchFamily="34" charset="0"/>
                 <a:cs typeface="Tahoma" panose="020B0604030504040204" pitchFamily="34" charset="0"/>
               </a:rPr>
-              <a:t>start </a:t>
-            </a:r>
-            <a:r>
-              <a:rPr lang="en-US" altLang="ja-JP" sz="1700" dirty="0" err="1">
-                <a:latin typeface="Tahoma" panose="020B0604030504040204" pitchFamily="34" charset="0"/>
-                <a:ea typeface="Tahoma" panose="020B0604030504040204" pitchFamily="34" charset="0"/>
-                <a:cs typeface="Tahoma" panose="020B0604030504040204" pitchFamily="34" charset="0"/>
-              </a:rPr>
-              <a:t>appserv</a:t>
-            </a:r>
-            <a:endParaRPr lang="en-US" altLang="ja-JP" sz="1700" dirty="0">
-              <a:latin typeface="Tahoma" panose="020B0604030504040204" pitchFamily="34" charset="0"/>
-              <a:ea typeface="Tahoma" panose="020B0604030504040204" pitchFamily="34" charset="0"/>
-              <a:cs typeface="Tahoma" panose="020B0604030504040204" pitchFamily="34" charset="0"/>
-            </a:endParaRPr>
-          </a:p>
-          <a:p>
-            <a:pPr marL="800080" lvl="1" indent="-342891">
-              <a:buFont typeface="+mj-lt"/>
-              <a:buAutoNum type="arabicPeriod"/>
-            </a:pPr>
-            <a:r>
-              <a:rPr lang="en-US" altLang="ja-JP" sz="1700" dirty="0">
-                <a:latin typeface="Tahoma" panose="020B0604030504040204" pitchFamily="34" charset="0"/>
-                <a:ea typeface="Tahoma" panose="020B0604030504040204" pitchFamily="34" charset="0"/>
-                <a:cs typeface="Tahoma" panose="020B0604030504040204" pitchFamily="34" charset="0"/>
-              </a:rPr>
-              <a:t>start apache</a:t>
-            </a:r>
-          </a:p>
-          <a:p>
-            <a:pPr marL="800080" lvl="1" indent="-342891">
-              <a:buFont typeface="+mj-lt"/>
-              <a:buAutoNum type="arabicPeriod"/>
-            </a:pPr>
-            <a:r>
-              <a:rPr lang="en-US" altLang="ja-JP" sz="1700" dirty="0">
-                <a:latin typeface="Tahoma" panose="020B0604030504040204" pitchFamily="34" charset="0"/>
-                <a:ea typeface="Tahoma" panose="020B0604030504040204" pitchFamily="34" charset="0"/>
-                <a:cs typeface="Tahoma" panose="020B0604030504040204" pitchFamily="34" charset="0"/>
-              </a:rPr>
-              <a:t>start </a:t>
-            </a:r>
-            <a:r>
-              <a:rPr lang="en-US" altLang="ja-JP" sz="1700" dirty="0" err="1">
-                <a:latin typeface="Tahoma" panose="020B0604030504040204" pitchFamily="34" charset="0"/>
-                <a:ea typeface="Tahoma" panose="020B0604030504040204" pitchFamily="34" charset="0"/>
-                <a:cs typeface="Tahoma" panose="020B0604030504040204" pitchFamily="34" charset="0"/>
-              </a:rPr>
-              <a:t>mysql</a:t>
-            </a:r>
-            <a:endParaRPr lang="en-US" altLang="ja-JP" sz="1700" dirty="0">
-              <a:latin typeface="Tahoma" panose="020B0604030504040204" pitchFamily="34" charset="0"/>
-              <a:ea typeface="Tahoma" panose="020B0604030504040204" pitchFamily="34" charset="0"/>
-              <a:cs typeface="Tahoma" panose="020B0604030504040204" pitchFamily="34" charset="0"/>
-            </a:endParaRPr>
-          </a:p>
-          <a:p>
-            <a:pPr marL="342891" indent="-342891">
-              <a:buFont typeface="+mj-lt"/>
-              <a:buAutoNum type="arabicPeriod"/>
-            </a:pPr>
-            <a:endParaRPr lang="en-US" altLang="ja-JP" sz="1700" dirty="0">
-              <a:latin typeface="Tahoma" panose="020B0604030504040204" pitchFamily="34" charset="0"/>
-              <a:ea typeface="Tahoma" panose="020B0604030504040204" pitchFamily="34" charset="0"/>
-              <a:cs typeface="Tahoma" panose="020B0604030504040204" pitchFamily="34" charset="0"/>
-            </a:endParaRPr>
+              <a:t>http://127.0.0.1/</a:t>
+            </a:r>
           </a:p>
           <a:p>
             <a:pPr marL="342891" indent="-342891">
@@ -4238,7 +4286,7 @@
         <p:spPr>
           <a:xfrm>
             <a:off x="0" y="1536351"/>
-            <a:ext cx="3479292" cy="3785419"/>
+            <a:ext cx="5029200" cy="3785419"/>
           </a:xfrm>
         </p:spPr>
         <p:txBody>
@@ -4265,7 +4313,10 @@
               <a:buNone/>
             </a:pPr>
             <a:r>
-              <a:rPr lang="en-US" altLang="ja-JP" sz="1700" dirty="0">
+              <a:rPr lang="en-US" altLang="ja-JP" sz="3200" dirty="0">
+                <a:solidFill>
+                  <a:srgbClr val="FF0000"/>
+                </a:solidFill>
                 <a:latin typeface="Tahoma" panose="020B0604030504040204" pitchFamily="34" charset="0"/>
                 <a:ea typeface="Tahoma" panose="020B0604030504040204" pitchFamily="34" charset="0"/>
                 <a:cs typeface="Tahoma" panose="020B0604030504040204" pitchFamily="34" charset="0"/>
@@ -4325,8 +4376,8 @@
         </p:blipFill>
         <p:spPr>
           <a:xfrm>
-            <a:off x="3164943" y="710781"/>
-            <a:ext cx="5909388" cy="3953791"/>
+            <a:off x="4597281" y="710781"/>
+            <a:ext cx="4477049" cy="2995457"/>
           </a:xfrm>
           <a:prstGeom prst="rect">
             <a:avLst/>
@@ -5837,8 +5888,8 @@
           </a:prstGeom>
         </p:spPr>
       </p:pic>
-      <mc:AlternateContent xmlns:mc="http://schemas.openxmlformats.org/markup-compatibility/2006">
-        <mc:Choice xmlns:we="http://schemas.microsoft.com/office/webextensions/webextension/2010/11" xmlns:pca="http://schemas.microsoft.com/office/powerpoint/2013/contentapp" Requires="we pca">
+      <mc:AlternateContent xmlns:mc="http://schemas.openxmlformats.org/markup-compatibility/2006" xmlns:we="http://schemas.microsoft.com/office/webextensions/webextension/2010/11" xmlns:pca="http://schemas.microsoft.com/office/powerpoint/2013/contentapp">
+        <mc:Choice Requires="we pca">
           <p:graphicFrame>
             <p:nvGraphicFramePr>
               <p:cNvPr id="16" name="Add-in 15" title="Code Presenter Pro">
@@ -5870,7 +5921,7 @@
             </a:graphic>
           </p:graphicFrame>
         </mc:Choice>
-        <mc:Fallback>
+        <mc:Fallback xmlns="">
           <p:pic>
             <p:nvPicPr>
               <p:cNvPr id="16" name="Add-in 15" title="Code Presenter Pro">
@@ -6669,8 +6720,8 @@
           </a:p>
         </p:txBody>
       </p:sp>
-      <mc:AlternateContent xmlns:mc="http://schemas.openxmlformats.org/markup-compatibility/2006">
-        <mc:Choice xmlns:we="http://schemas.microsoft.com/office/webextensions/webextension/2010/11" xmlns:pca="http://schemas.microsoft.com/office/powerpoint/2013/contentapp" Requires="we pca">
+      <mc:AlternateContent xmlns:mc="http://schemas.openxmlformats.org/markup-compatibility/2006" xmlns:we="http://schemas.microsoft.com/office/webextensions/webextension/2010/11" xmlns:pca="http://schemas.microsoft.com/office/powerpoint/2013/contentapp">
+        <mc:Choice Requires="we pca">
           <p:graphicFrame>
             <p:nvGraphicFramePr>
               <p:cNvPr id="17" name="Add-in 16" title="Code Presenter Pro">
@@ -6698,7 +6749,7 @@
             </a:graphic>
           </p:graphicFrame>
         </mc:Choice>
-        <mc:Fallback>
+        <mc:Fallback xmlns="">
           <p:pic>
             <p:nvPicPr>
               <p:cNvPr id="17" name="Add-in 16" title="Code Presenter Pro">
@@ -7447,8 +7498,8 @@
           </a:p>
         </p:txBody>
       </p:sp>
-      <mc:AlternateContent xmlns:mc="http://schemas.openxmlformats.org/markup-compatibility/2006">
-        <mc:Choice xmlns:we="http://schemas.microsoft.com/office/webextensions/webextension/2010/11" xmlns:pca="http://schemas.microsoft.com/office/powerpoint/2013/contentapp" Requires="we pca">
+      <mc:AlternateContent xmlns:mc="http://schemas.openxmlformats.org/markup-compatibility/2006" xmlns:we="http://schemas.microsoft.com/office/webextensions/webextension/2010/11" xmlns:pca="http://schemas.microsoft.com/office/powerpoint/2013/contentapp">
+        <mc:Choice Requires="we pca">
           <p:graphicFrame>
             <p:nvGraphicFramePr>
               <p:cNvPr id="17" name="Add-in 16" title="Code Presenter Pro">
@@ -7476,7 +7527,7 @@
             </a:graphic>
           </p:graphicFrame>
         </mc:Choice>
-        <mc:Fallback>
+        <mc:Fallback xmlns="">
           <p:pic>
             <p:nvPicPr>
               <p:cNvPr id="17" name="Add-in 16" title="Code Presenter Pro">

--- a/ppt/lesson01.pptx
+++ b/ppt/lesson01.pptx
@@ -8,11 +8,16 @@
     <p:sldId id="256" r:id="rId2"/>
     <p:sldId id="261" r:id="rId3"/>
     <p:sldId id="262" r:id="rId4"/>
-    <p:sldId id="270" r:id="rId5"/>
-    <p:sldId id="264" r:id="rId6"/>
-    <p:sldId id="271" r:id="rId7"/>
-    <p:sldId id="273" r:id="rId8"/>
-    <p:sldId id="272" r:id="rId9"/>
+    <p:sldId id="274" r:id="rId5"/>
+    <p:sldId id="275" r:id="rId6"/>
+    <p:sldId id="364" r:id="rId7"/>
+    <p:sldId id="365" r:id="rId8"/>
+    <p:sldId id="276" r:id="rId9"/>
+    <p:sldId id="270" r:id="rId10"/>
+    <p:sldId id="264" r:id="rId11"/>
+    <p:sldId id="271" r:id="rId12"/>
+    <p:sldId id="273" r:id="rId13"/>
+    <p:sldId id="272" r:id="rId14"/>
   </p:sldIdLst>
   <p:sldSz cx="9144000" cy="6858000" type="screen4x3"/>
   <p:notesSz cx="7104063" cy="10234613"/>
@@ -119,10 +124,6 @@
 </p:presentation>
 </file>
 
-<file path=ppt/revisionInfo.xml><?xml version="1.0" encoding="utf-8"?>
-<p1510:revInfo xmlns:a="http://schemas.openxmlformats.org/drawingml/2006/main" xmlns:r="http://schemas.openxmlformats.org/officeDocument/2006/relationships" xmlns:p1510="http://schemas.microsoft.com/office/powerpoint/2015/10/main"/>
-</file>
-
 <file path=ppt/slideLayouts/slideLayout1.xml><?xml version="1.0" encoding="utf-8"?>
 <p:sldLayout xmlns:a="http://schemas.openxmlformats.org/drawingml/2006/main" xmlns:r="http://schemas.openxmlformats.org/officeDocument/2006/relationships" xmlns:p="http://schemas.openxmlformats.org/presentationml/2006/main" type="title" preserve="1">
   <p:cSld name="Title Slide">
@@ -254,7 +255,7 @@
           <a:p>
             <a:fld id="{E1BA411A-197C-4FAE-AAA1-E05F9BAD9EAC}" type="datetimeFigureOut">
               <a:rPr lang="en-US" smtClean="0"/>
-              <a:t>11/28/2017</a:t>
+              <a:t>5/21/2018</a:t>
             </a:fld>
             <a:endParaRPr lang="en-US"/>
           </a:p>
@@ -424,7 +425,7 @@
           <a:p>
             <a:fld id="{E1BA411A-197C-4FAE-AAA1-E05F9BAD9EAC}" type="datetimeFigureOut">
               <a:rPr lang="en-US" smtClean="0"/>
-              <a:t>11/28/2017</a:t>
+              <a:t>5/21/2018</a:t>
             </a:fld>
             <a:endParaRPr lang="en-US"/>
           </a:p>
@@ -604,7 +605,7 @@
           <a:p>
             <a:fld id="{E1BA411A-197C-4FAE-AAA1-E05F9BAD9EAC}" type="datetimeFigureOut">
               <a:rPr lang="en-US" smtClean="0"/>
-              <a:t>11/28/2017</a:t>
+              <a:t>5/21/2018</a:t>
             </a:fld>
             <a:endParaRPr lang="en-US"/>
           </a:p>
@@ -774,7 +775,7 @@
           <a:p>
             <a:fld id="{E1BA411A-197C-4FAE-AAA1-E05F9BAD9EAC}" type="datetimeFigureOut">
               <a:rPr lang="en-US" smtClean="0"/>
-              <a:t>11/28/2017</a:t>
+              <a:t>5/21/2018</a:t>
             </a:fld>
             <a:endParaRPr lang="en-US"/>
           </a:p>
@@ -1018,7 +1019,7 @@
           <a:p>
             <a:fld id="{E1BA411A-197C-4FAE-AAA1-E05F9BAD9EAC}" type="datetimeFigureOut">
               <a:rPr lang="en-US" smtClean="0"/>
-              <a:t>11/28/2017</a:t>
+              <a:t>5/21/2018</a:t>
             </a:fld>
             <a:endParaRPr lang="en-US"/>
           </a:p>
@@ -1250,7 +1251,7 @@
           <a:p>
             <a:fld id="{E1BA411A-197C-4FAE-AAA1-E05F9BAD9EAC}" type="datetimeFigureOut">
               <a:rPr lang="en-US" smtClean="0"/>
-              <a:t>11/28/2017</a:t>
+              <a:t>5/21/2018</a:t>
             </a:fld>
             <a:endParaRPr lang="en-US"/>
           </a:p>
@@ -1617,7 +1618,7 @@
           <a:p>
             <a:fld id="{E1BA411A-197C-4FAE-AAA1-E05F9BAD9EAC}" type="datetimeFigureOut">
               <a:rPr lang="en-US" smtClean="0"/>
-              <a:t>11/28/2017</a:t>
+              <a:t>5/21/2018</a:t>
             </a:fld>
             <a:endParaRPr lang="en-US"/>
           </a:p>
@@ -1735,7 +1736,7 @@
           <a:p>
             <a:fld id="{E1BA411A-197C-4FAE-AAA1-E05F9BAD9EAC}" type="datetimeFigureOut">
               <a:rPr lang="en-US" smtClean="0"/>
-              <a:t>11/28/2017</a:t>
+              <a:t>5/21/2018</a:t>
             </a:fld>
             <a:endParaRPr lang="en-US"/>
           </a:p>
@@ -1830,7 +1831,7 @@
           <a:p>
             <a:fld id="{E1BA411A-197C-4FAE-AAA1-E05F9BAD9EAC}" type="datetimeFigureOut">
               <a:rPr lang="en-US" smtClean="0"/>
-              <a:t>11/28/2017</a:t>
+              <a:t>5/21/2018</a:t>
             </a:fld>
             <a:endParaRPr lang="en-US"/>
           </a:p>
@@ -2107,7 +2108,7 @@
           <a:p>
             <a:fld id="{E1BA411A-197C-4FAE-AAA1-E05F9BAD9EAC}" type="datetimeFigureOut">
               <a:rPr lang="en-US" smtClean="0"/>
-              <a:t>11/28/2017</a:t>
+              <a:t>5/21/2018</a:t>
             </a:fld>
             <a:endParaRPr lang="en-US"/>
           </a:p>
@@ -2364,7 +2365,7 @@
           <a:p>
             <a:fld id="{E1BA411A-197C-4FAE-AAA1-E05F9BAD9EAC}" type="datetimeFigureOut">
               <a:rPr lang="en-US" smtClean="0"/>
-              <a:t>11/28/2017</a:t>
+              <a:t>5/21/2018</a:t>
             </a:fld>
             <a:endParaRPr lang="en-US"/>
           </a:p>
@@ -2577,7 +2578,7 @@
           <a:p>
             <a:fld id="{E1BA411A-197C-4FAE-AAA1-E05F9BAD9EAC}" type="datetimeFigureOut">
               <a:rPr lang="en-US" smtClean="0"/>
-              <a:t>11/28/2017</a:t>
+              <a:t>5/21/2018</a:t>
             </a:fld>
             <a:endParaRPr lang="en-US"/>
           </a:p>
@@ -3065,6 +3066,3222 @@
 </p:sld>
 </file>
 
+<file path=ppt/slides/slide10.xml><?xml version="1.0" encoding="utf-8"?>
+<p:sld xmlns:a="http://schemas.openxmlformats.org/drawingml/2006/main" xmlns:r="http://schemas.openxmlformats.org/officeDocument/2006/relationships" xmlns:p="http://schemas.openxmlformats.org/presentationml/2006/main">
+  <p:cSld>
+    <p:bg>
+      <p:bgPr>
+        <a:solidFill>
+          <a:schemeClr val="bg1"/>
+        </a:solidFill>
+        <a:effectLst/>
+      </p:bgPr>
+    </p:bg>
+    <p:spTree>
+      <p:nvGrpSpPr>
+        <p:cNvPr id="1" name=""/>
+        <p:cNvGrpSpPr/>
+        <p:nvPr/>
+      </p:nvGrpSpPr>
+      <p:grpSpPr>
+        <a:xfrm>
+          <a:off x="0" y="0"/>
+          <a:ext cx="0" cy="0"/>
+          <a:chOff x="0" y="0"/>
+          <a:chExt cx="0" cy="0"/>
+        </a:xfrm>
+      </p:grpSpPr>
+      <p:sp>
+        <p:nvSpPr>
+          <p:cNvPr id="10" name="Rectangle 9">
+            <a:extLst>
+              <a:ext uri="{FF2B5EF4-FFF2-40B4-BE49-F238E27FC236}">
+                <a16:creationId xmlns:a16="http://schemas.microsoft.com/office/drawing/2014/main" id="{CEB41C5C-0F34-4DDA-9D7C-5E717F35F60C}"/>
+              </a:ext>
+            </a:extLst>
+          </p:cNvPr>
+          <p:cNvSpPr>
+            <a:spLocks noGrp="1" noRot="1" noChangeAspect="1" noMove="1" noResize="1" noEditPoints="1" noAdjustHandles="1" noChangeArrowheads="1" noChangeShapeType="1" noTextEdit="1"/>
+          </p:cNvSpPr>
+          <p:nvPr>
+            <p:extLst>
+              <p:ext uri="{386F3935-93C4-4BCD-93E2-E3B085C9AB24}">
+                <p16:designElem xmlns:p16="http://schemas.microsoft.com/office/powerpoint/2015/main" val="1"/>
+              </p:ext>
+            </p:extLst>
+          </p:nvPr>
+        </p:nvSpPr>
+        <p:spPr bwMode="ltGray">
+          <a:xfrm>
+            <a:off x="4601007" y="303591"/>
+            <a:ext cx="4301693" cy="5896743"/>
+          </a:xfrm>
+          <a:prstGeom prst="rect">
+            <a:avLst/>
+          </a:prstGeom>
+          <a:solidFill>
+            <a:schemeClr val="tx1">
+              <a:alpha val="15000"/>
+            </a:schemeClr>
+          </a:solidFill>
+          <a:ln w="127000" cap="sq" cmpd="thinThick">
+            <a:solidFill>
+              <a:schemeClr val="tx1">
+                <a:alpha val="10000"/>
+              </a:schemeClr>
+            </a:solidFill>
+          </a:ln>
+        </p:spPr>
+        <p:style>
+          <a:lnRef idx="2">
+            <a:schemeClr val="accent1">
+              <a:shade val="50000"/>
+            </a:schemeClr>
+          </a:lnRef>
+          <a:fillRef idx="1">
+            <a:schemeClr val="accent1"/>
+          </a:fillRef>
+          <a:effectRef idx="0">
+            <a:schemeClr val="accent1"/>
+          </a:effectRef>
+          <a:fontRef idx="minor">
+            <a:schemeClr val="lt1"/>
+          </a:fontRef>
+        </p:style>
+        <p:txBody>
+          <a:bodyPr rtlCol="0" anchor="ctr"/>
+          <a:lstStyle/>
+          <a:p>
+            <a:pPr algn="ctr"/>
+            <a:endParaRPr lang="en-US"/>
+          </a:p>
+        </p:txBody>
+      </p:sp>
+      <p:sp>
+        <p:nvSpPr>
+          <p:cNvPr id="2" name="Title 1">
+            <a:extLst>
+              <a:ext uri="{FF2B5EF4-FFF2-40B4-BE49-F238E27FC236}">
+                <a16:creationId xmlns:a16="http://schemas.microsoft.com/office/drawing/2014/main" id="{E44D6F80-BF44-4B52-9DF2-B11355DE48D4}"/>
+              </a:ext>
+            </a:extLst>
+          </p:cNvPr>
+          <p:cNvSpPr>
+            <a:spLocks noGrp="1"/>
+          </p:cNvSpPr>
+          <p:nvPr>
+            <p:ph type="title"/>
+          </p:nvPr>
+        </p:nvSpPr>
+        <p:spPr>
+          <a:xfrm>
+            <a:off x="251967" y="13232"/>
+            <a:ext cx="3479292" cy="787957"/>
+          </a:xfrm>
+        </p:spPr>
+        <p:txBody>
+          <a:bodyPr>
+            <a:normAutofit/>
+          </a:bodyPr>
+          <a:lstStyle/>
+          <a:p>
+            <a:pPr algn="ctr"/>
+            <a:r>
+              <a:rPr lang="en-US" sz="3500" dirty="0"/>
+              <a:t>lesson01_1</a:t>
+            </a:r>
+          </a:p>
+        </p:txBody>
+      </p:sp>
+      <p:sp>
+        <p:nvSpPr>
+          <p:cNvPr id="3" name="Content Placeholder 2">
+            <a:extLst>
+              <a:ext uri="{FF2B5EF4-FFF2-40B4-BE49-F238E27FC236}">
+                <a16:creationId xmlns:a16="http://schemas.microsoft.com/office/drawing/2014/main" id="{DDF43F30-1DCF-4886-AE1F-6373FF92B3E1}"/>
+              </a:ext>
+            </a:extLst>
+          </p:cNvPr>
+          <p:cNvSpPr>
+            <a:spLocks noGrp="1"/>
+          </p:cNvSpPr>
+          <p:nvPr>
+            <p:ph idx="1"/>
+          </p:nvPr>
+        </p:nvSpPr>
+        <p:spPr>
+          <a:xfrm>
+            <a:off x="319678" y="4690788"/>
+            <a:ext cx="3926617" cy="3773010"/>
+          </a:xfrm>
+        </p:spPr>
+        <p:txBody>
+          <a:bodyPr>
+            <a:normAutofit/>
+          </a:bodyPr>
+          <a:lstStyle/>
+          <a:p>
+            <a:pPr marL="285744" indent="-285744"/>
+            <a:r>
+              <a:rPr lang="en-US" sz="1700" dirty="0">
+                <a:latin typeface="Tahoma" panose="020B0604030504040204" pitchFamily="34" charset="0"/>
+                <a:ea typeface="Tahoma" panose="020B0604030504040204" pitchFamily="34" charset="0"/>
+                <a:cs typeface="Tahoma" panose="020B0604030504040204" pitchFamily="34" charset="0"/>
+              </a:rPr>
+              <a:t>L1-6: HTML header</a:t>
+            </a:r>
+          </a:p>
+          <a:p>
+            <a:pPr marL="285744" indent="-285744"/>
+            <a:r>
+              <a:rPr lang="en-US" sz="1700" dirty="0">
+                <a:latin typeface="Tahoma" panose="020B0604030504040204" pitchFamily="34" charset="0"/>
+                <a:ea typeface="Tahoma" panose="020B0604030504040204" pitchFamily="34" charset="0"/>
+                <a:cs typeface="Tahoma" panose="020B0604030504040204" pitchFamily="34" charset="0"/>
+              </a:rPr>
+              <a:t>L8-10: PHP program code</a:t>
+            </a:r>
+          </a:p>
+          <a:p>
+            <a:pPr marL="457200" lvl="1" indent="0">
+              <a:buNone/>
+            </a:pPr>
+            <a:r>
+              <a:rPr lang="en-US" sz="1300" dirty="0">
+                <a:latin typeface="Tahoma" panose="020B0604030504040204" pitchFamily="34" charset="0"/>
+                <a:ea typeface="Tahoma" panose="020B0604030504040204" pitchFamily="34" charset="0"/>
+                <a:cs typeface="Tahoma" panose="020B0604030504040204" pitchFamily="34" charset="0"/>
+              </a:rPr>
+              <a:t>must write </a:t>
+            </a:r>
+            <a:r>
+              <a:rPr lang="en-US" sz="1300" dirty="0">
+                <a:solidFill>
+                  <a:srgbClr val="FF0000"/>
+                </a:solidFill>
+                <a:latin typeface="Tahoma" panose="020B0604030504040204" pitchFamily="34" charset="0"/>
+                <a:ea typeface="Tahoma" panose="020B0604030504040204" pitchFamily="34" charset="0"/>
+                <a:cs typeface="Tahoma" panose="020B0604030504040204" pitchFamily="34" charset="0"/>
+              </a:rPr>
+              <a:t>&lt;?</a:t>
+            </a:r>
+            <a:r>
+              <a:rPr lang="en-US" sz="1300" dirty="0" err="1">
+                <a:solidFill>
+                  <a:srgbClr val="FF0000"/>
+                </a:solidFill>
+                <a:latin typeface="Tahoma" panose="020B0604030504040204" pitchFamily="34" charset="0"/>
+                <a:ea typeface="Tahoma" panose="020B0604030504040204" pitchFamily="34" charset="0"/>
+                <a:cs typeface="Tahoma" panose="020B0604030504040204" pitchFamily="34" charset="0"/>
+              </a:rPr>
+              <a:t>php</a:t>
+            </a:r>
+            <a:r>
+              <a:rPr lang="en-US" sz="1300" dirty="0">
+                <a:solidFill>
+                  <a:srgbClr val="FF0000"/>
+                </a:solidFill>
+                <a:latin typeface="Tahoma" panose="020B0604030504040204" pitchFamily="34" charset="0"/>
+                <a:ea typeface="Tahoma" panose="020B0604030504040204" pitchFamily="34" charset="0"/>
+                <a:cs typeface="Tahoma" panose="020B0604030504040204" pitchFamily="34" charset="0"/>
+              </a:rPr>
+              <a:t> </a:t>
+            </a:r>
+            <a:r>
+              <a:rPr lang="en-US" sz="1300" dirty="0">
+                <a:latin typeface="Tahoma" panose="020B0604030504040204" pitchFamily="34" charset="0"/>
+                <a:ea typeface="Tahoma" panose="020B0604030504040204" pitchFamily="34" charset="0"/>
+                <a:cs typeface="Tahoma" panose="020B0604030504040204" pitchFamily="34" charset="0"/>
+              </a:rPr>
+              <a:t>and </a:t>
+            </a:r>
+            <a:r>
+              <a:rPr lang="en-US" sz="1300" dirty="0">
+                <a:solidFill>
+                  <a:srgbClr val="FF0000"/>
+                </a:solidFill>
+                <a:latin typeface="Tahoma" panose="020B0604030504040204" pitchFamily="34" charset="0"/>
+                <a:ea typeface="Tahoma" panose="020B0604030504040204" pitchFamily="34" charset="0"/>
+                <a:cs typeface="Tahoma" panose="020B0604030504040204" pitchFamily="34" charset="0"/>
+              </a:rPr>
+              <a:t>?&gt;</a:t>
+            </a:r>
+          </a:p>
+          <a:p>
+            <a:pPr marL="457200" lvl="1" indent="0">
+              <a:buNone/>
+            </a:pPr>
+            <a:r>
+              <a:rPr lang="en-US" sz="1300" dirty="0">
+                <a:latin typeface="Tahoma" panose="020B0604030504040204" pitchFamily="34" charset="0"/>
+                <a:ea typeface="Tahoma" panose="020B0604030504040204" pitchFamily="34" charset="0"/>
+                <a:cs typeface="Tahoma" panose="020B0604030504040204" pitchFamily="34" charset="0"/>
+              </a:rPr>
+              <a:t>command </a:t>
+            </a:r>
+            <a:r>
+              <a:rPr lang="en-US" sz="1300" dirty="0">
+                <a:solidFill>
+                  <a:srgbClr val="FF0000"/>
+                </a:solidFill>
+                <a:latin typeface="Tahoma" panose="020B0604030504040204" pitchFamily="34" charset="0"/>
+                <a:ea typeface="Tahoma" panose="020B0604030504040204" pitchFamily="34" charset="0"/>
+                <a:cs typeface="Tahoma" panose="020B0604030504040204" pitchFamily="34" charset="0"/>
+              </a:rPr>
+              <a:t>print </a:t>
+            </a:r>
+          </a:p>
+          <a:p>
+            <a:pPr marL="285744" indent="-285744"/>
+            <a:r>
+              <a:rPr lang="en-US" sz="1700" dirty="0">
+                <a:latin typeface="Tahoma" panose="020B0604030504040204" pitchFamily="34" charset="0"/>
+                <a:ea typeface="Tahoma" panose="020B0604030504040204" pitchFamily="34" charset="0"/>
+                <a:cs typeface="Tahoma" panose="020B0604030504040204" pitchFamily="34" charset="0"/>
+              </a:rPr>
+              <a:t>L12-13: HTML footer</a:t>
+            </a:r>
+          </a:p>
+          <a:p>
+            <a:endParaRPr lang="en-US" sz="1700" dirty="0"/>
+          </a:p>
+        </p:txBody>
+      </p:sp>
+      <mc:AlternateContent xmlns:mc="http://schemas.openxmlformats.org/markup-compatibility/2006" xmlns:we="http://schemas.microsoft.com/office/webextensions/webextension/2010/11" xmlns:pca="http://schemas.microsoft.com/office/powerpoint/2013/contentapp">
+        <mc:Choice Requires="we pca">
+          <p:graphicFrame>
+            <p:nvGraphicFramePr>
+              <p:cNvPr id="7" name="Add-in 6" title="Code Presenter Pro">
+                <a:extLst>
+                  <a:ext uri="{FF2B5EF4-FFF2-40B4-BE49-F238E27FC236}">
+                    <a16:creationId xmlns:a16="http://schemas.microsoft.com/office/drawing/2014/main" id="{08B2A02E-54C7-48BA-8B6F-AF9CCA1E0E47}"/>
+                  </a:ext>
+                </a:extLst>
+              </p:cNvPr>
+              <p:cNvGraphicFramePr>
+                <a:graphicFrameLocks noGrp="1"/>
+              </p:cNvGraphicFramePr>
+              <p:nvPr>
+                <p:extLst>
+                  <p:ext uri="{D42A27DB-BD31-4B8C-83A1-F6EECF244321}">
+                    <p14:modId xmlns:p14="http://schemas.microsoft.com/office/powerpoint/2010/main" val="4279784659"/>
+                  </p:ext>
+                </p:extLst>
+              </p:nvPr>
+            </p:nvGraphicFramePr>
+            <p:xfrm>
+              <a:off x="4679385" y="394462"/>
+              <a:ext cx="4144937" cy="5715000"/>
+            </p:xfrm>
+            <a:graphic>
+              <a:graphicData uri="http://schemas.microsoft.com/office/webextensions/webextension/2010/11">
+                <we:webextensionref xmlns:we="http://schemas.microsoft.com/office/webextensions/webextension/2010/11" xmlns:r="http://schemas.openxmlformats.org/officeDocument/2006/relationships" r:id="rId2"/>
+              </a:graphicData>
+            </a:graphic>
+          </p:graphicFrame>
+        </mc:Choice>
+        <mc:Fallback xmlns="">
+          <p:pic>
+            <p:nvPicPr>
+              <p:cNvPr id="7" name="Add-in 6" title="Code Presenter Pro">
+                <a:extLst>
+                  <a:ext uri="{FF2B5EF4-FFF2-40B4-BE49-F238E27FC236}">
+                    <a16:creationId xmlns:a16="http://schemas.microsoft.com/office/drawing/2014/main" id="{08B2A02E-54C7-48BA-8B6F-AF9CCA1E0E47}"/>
+                  </a:ext>
+                </a:extLst>
+              </p:cNvPr>
+              <p:cNvPicPr>
+                <a:picLocks noGrp="1" noRot="1" noChangeAspect="1" noMove="1" noResize="1" noEditPoints="1" noAdjustHandles="1" noChangeArrowheads="1" noChangeShapeType="1"/>
+              </p:cNvPicPr>
+              <p:nvPr/>
+            </p:nvPicPr>
+            <p:blipFill>
+              <a:blip r:embed="rId3"/>
+              <a:stretch>
+                <a:fillRect/>
+              </a:stretch>
+            </p:blipFill>
+            <p:spPr>
+              <a:xfrm>
+                <a:off x="4679385" y="394462"/>
+                <a:ext cx="4144937" cy="5715000"/>
+              </a:xfrm>
+              <a:prstGeom prst="rect">
+                <a:avLst/>
+              </a:prstGeom>
+            </p:spPr>
+          </p:pic>
+        </mc:Fallback>
+      </mc:AlternateContent>
+      <p:sp>
+        <p:nvSpPr>
+          <p:cNvPr id="6" name="Rectangle 5">
+            <a:extLst>
+              <a:ext uri="{FF2B5EF4-FFF2-40B4-BE49-F238E27FC236}">
+                <a16:creationId xmlns:a16="http://schemas.microsoft.com/office/drawing/2014/main" id="{56CF89B6-45BF-4C70-B4FA-B3D5F715A11A}"/>
+              </a:ext>
+            </a:extLst>
+          </p:cNvPr>
+          <p:cNvSpPr/>
+          <p:nvPr/>
+        </p:nvSpPr>
+        <p:spPr>
+          <a:xfrm>
+            <a:off x="3251582" y="0"/>
+            <a:ext cx="5721503" cy="307777"/>
+          </a:xfrm>
+          <a:prstGeom prst="rect">
+            <a:avLst/>
+          </a:prstGeom>
+          <a:solidFill>
+            <a:schemeClr val="bg1"/>
+          </a:solidFill>
+          <a:ln>
+            <a:solidFill>
+              <a:schemeClr val="accent1"/>
+            </a:solidFill>
+          </a:ln>
+        </p:spPr>
+        <p:txBody>
+          <a:bodyPr wrap="none">
+            <a:spAutoFit/>
+          </a:bodyPr>
+          <a:lstStyle/>
+          <a:p>
+            <a:r>
+              <a:rPr lang="en-US" altLang="ja-JP" sz="1400" dirty="0">
+                <a:latin typeface="Tahoma" panose="020B0604030504040204" pitchFamily="34" charset="0"/>
+                <a:ea typeface="Tahoma" panose="020B0604030504040204" pitchFamily="34" charset="0"/>
+                <a:cs typeface="Tahoma" panose="020B0604030504040204" pitchFamily="34" charset="0"/>
+              </a:rPr>
+              <a:t>3. folder: C:\appserv\www\php_lesson\    file name: lesson01_1.php</a:t>
+            </a:r>
+            <a:endParaRPr lang="ja-JP" altLang="en-US" sz="1400" dirty="0">
+              <a:latin typeface="Tahoma" panose="020B0604030504040204" pitchFamily="34" charset="0"/>
+              <a:cs typeface="Tahoma" panose="020B0604030504040204" pitchFamily="34" charset="0"/>
+            </a:endParaRPr>
+          </a:p>
+        </p:txBody>
+      </p:sp>
+      <p:pic>
+        <p:nvPicPr>
+          <p:cNvPr id="9" name="Picture 8">
+            <a:extLst>
+              <a:ext uri="{FF2B5EF4-FFF2-40B4-BE49-F238E27FC236}">
+                <a16:creationId xmlns:a16="http://schemas.microsoft.com/office/drawing/2014/main" id="{8C9C5863-4F2B-4780-81E3-1E688F516C00}"/>
+              </a:ext>
+            </a:extLst>
+          </p:cNvPr>
+          <p:cNvPicPr>
+            <a:picLocks noChangeAspect="1"/>
+          </p:cNvPicPr>
+          <p:nvPr/>
+        </p:nvPicPr>
+        <p:blipFill rotWithShape="1">
+          <a:blip r:embed="rId4" cstate="email">
+            <a:extLst>
+              <a:ext uri="{28A0092B-C50C-407E-A947-70E740481C1C}">
+                <a14:useLocalDpi xmlns:a14="http://schemas.microsoft.com/office/drawing/2010/main"/>
+              </a:ext>
+            </a:extLst>
+          </a:blip>
+          <a:srcRect/>
+          <a:stretch/>
+        </p:blipFill>
+        <p:spPr>
+          <a:xfrm>
+            <a:off x="241300" y="2770404"/>
+            <a:ext cx="3907881" cy="1258463"/>
+          </a:xfrm>
+          <a:prstGeom prst="rect">
+            <a:avLst/>
+          </a:prstGeom>
+          <a:ln>
+            <a:solidFill>
+              <a:schemeClr val="accent1"/>
+            </a:solidFill>
+          </a:ln>
+        </p:spPr>
+      </p:pic>
+      <p:sp>
+        <p:nvSpPr>
+          <p:cNvPr id="11" name="Rectangle 10">
+            <a:extLst>
+              <a:ext uri="{FF2B5EF4-FFF2-40B4-BE49-F238E27FC236}">
+                <a16:creationId xmlns:a16="http://schemas.microsoft.com/office/drawing/2014/main" id="{9A099E03-7F5D-40B5-AF83-8B36D2DA594B}"/>
+              </a:ext>
+            </a:extLst>
+          </p:cNvPr>
+          <p:cNvSpPr/>
+          <p:nvPr/>
+        </p:nvSpPr>
+        <p:spPr>
+          <a:xfrm>
+            <a:off x="82551" y="2339325"/>
+            <a:ext cx="4463081" cy="338554"/>
+          </a:xfrm>
+          <a:prstGeom prst="rect">
+            <a:avLst/>
+          </a:prstGeom>
+        </p:spPr>
+        <p:txBody>
+          <a:bodyPr wrap="none">
+            <a:spAutoFit/>
+          </a:bodyPr>
+          <a:lstStyle/>
+          <a:p>
+            <a:pPr algn="ctr"/>
+            <a:r>
+              <a:rPr lang="en-US" altLang="ja-JP" sz="1600" dirty="0">
+                <a:latin typeface="Tahoma" panose="020B0604030504040204" pitchFamily="34" charset="0"/>
+                <a:ea typeface="Tahoma" panose="020B0604030504040204" pitchFamily="34" charset="0"/>
+                <a:cs typeface="Tahoma" panose="020B0604030504040204" pitchFamily="34" charset="0"/>
+              </a:rPr>
+              <a:t>3. http://localhost/php_lesson/lesson01_1.php </a:t>
+            </a:r>
+          </a:p>
+        </p:txBody>
+      </p:sp>
+      <p:sp>
+        <p:nvSpPr>
+          <p:cNvPr id="12" name="Rectangle 11">
+            <a:extLst>
+              <a:ext uri="{FF2B5EF4-FFF2-40B4-BE49-F238E27FC236}">
+                <a16:creationId xmlns:a16="http://schemas.microsoft.com/office/drawing/2014/main" id="{C77AA99F-01CF-4155-B9C5-78FDAE28F61E}"/>
+              </a:ext>
+            </a:extLst>
+          </p:cNvPr>
+          <p:cNvSpPr/>
+          <p:nvPr/>
+        </p:nvSpPr>
+        <p:spPr>
+          <a:xfrm>
+            <a:off x="1375784" y="4293531"/>
+            <a:ext cx="1356462" cy="369332"/>
+          </a:xfrm>
+          <a:prstGeom prst="rect">
+            <a:avLst/>
+          </a:prstGeom>
+        </p:spPr>
+        <p:txBody>
+          <a:bodyPr wrap="none">
+            <a:spAutoFit/>
+          </a:bodyPr>
+          <a:lstStyle/>
+          <a:p>
+            <a:pPr algn="ctr"/>
+            <a:r>
+              <a:rPr lang="en-US" altLang="ja-JP" dirty="0">
+                <a:latin typeface="Tahoma" panose="020B0604030504040204" pitchFamily="34" charset="0"/>
+                <a:ea typeface="Tahoma" panose="020B0604030504040204" pitchFamily="34" charset="0"/>
+                <a:cs typeface="Tahoma" panose="020B0604030504040204" pitchFamily="34" charset="0"/>
+              </a:rPr>
+              <a:t>explanation</a:t>
+            </a:r>
+            <a:endParaRPr lang="ja-JP" altLang="en-US" dirty="0">
+              <a:latin typeface="Tahoma" panose="020B0604030504040204" pitchFamily="34" charset="0"/>
+              <a:cs typeface="Tahoma" panose="020B0604030504040204" pitchFamily="34" charset="0"/>
+            </a:endParaRPr>
+          </a:p>
+        </p:txBody>
+      </p:sp>
+      <p:pic>
+        <p:nvPicPr>
+          <p:cNvPr id="13" name="Graphic 12">
+            <a:extLst>
+              <a:ext uri="{FF2B5EF4-FFF2-40B4-BE49-F238E27FC236}">
+                <a16:creationId xmlns:a16="http://schemas.microsoft.com/office/drawing/2014/main" id="{C0A1D308-1A10-46EC-BC7B-E1F8BE698AEE}"/>
+              </a:ext>
+            </a:extLst>
+          </p:cNvPr>
+          <p:cNvPicPr>
+            <a:picLocks noChangeAspect="1"/>
+          </p:cNvPicPr>
+          <p:nvPr/>
+        </p:nvPicPr>
+        <p:blipFill>
+          <a:blip r:embed="rId5" cstate="email">
+            <a:extLst>
+              <a:ext uri="{28A0092B-C50C-407E-A947-70E740481C1C}">
+                <a14:useLocalDpi xmlns:a14="http://schemas.microsoft.com/office/drawing/2010/main"/>
+              </a:ext>
+              <a:ext uri="{96DAC541-7B7A-43D3-8B79-37D633B846F1}">
+                <asvg:svgBlip xmlns:asvg="http://schemas.microsoft.com/office/drawing/2016/SVG/main" r:embed="rId6"/>
+              </a:ext>
+            </a:extLst>
+          </a:blip>
+          <a:stretch>
+            <a:fillRect/>
+          </a:stretch>
+        </p:blipFill>
+        <p:spPr>
+          <a:xfrm>
+            <a:off x="100076" y="6369742"/>
+            <a:ext cx="683948" cy="369332"/>
+          </a:xfrm>
+          <a:prstGeom prst="rect">
+            <a:avLst/>
+          </a:prstGeom>
+        </p:spPr>
+      </p:pic>
+      <p:sp>
+        <p:nvSpPr>
+          <p:cNvPr id="14" name="Content Placeholder 2">
+            <a:extLst>
+              <a:ext uri="{FF2B5EF4-FFF2-40B4-BE49-F238E27FC236}">
+                <a16:creationId xmlns:a16="http://schemas.microsoft.com/office/drawing/2014/main" id="{F0528EC4-574A-49AF-BF35-6486232B5792}"/>
+              </a:ext>
+            </a:extLst>
+          </p:cNvPr>
+          <p:cNvSpPr txBox="1">
+            <a:spLocks/>
+          </p:cNvSpPr>
+          <p:nvPr/>
+        </p:nvSpPr>
+        <p:spPr>
+          <a:xfrm>
+            <a:off x="314369" y="944302"/>
+            <a:ext cx="3479292" cy="3785419"/>
+          </a:xfrm>
+          <a:prstGeom prst="rect">
+            <a:avLst/>
+          </a:prstGeom>
+        </p:spPr>
+        <p:txBody>
+          <a:bodyPr vert="horz" lIns="91440" tIns="45720" rIns="91440" bIns="45720" rtlCol="0">
+            <a:normAutofit/>
+          </a:bodyPr>
+          <a:lstStyle>
+            <a:lvl1pPr marL="228600" indent="-228600" algn="l" defTabSz="914400" rtl="0" eaLnBrk="1" latinLnBrk="0" hangingPunct="1">
+              <a:lnSpc>
+                <a:spcPct val="90000"/>
+              </a:lnSpc>
+              <a:spcBef>
+                <a:spcPts val="1000"/>
+              </a:spcBef>
+              <a:buFont typeface="Arial" panose="020B0604020202020204" pitchFamily="34" charset="0"/>
+              <a:buChar char="•"/>
+              <a:defRPr sz="2800" kern="1200">
+                <a:solidFill>
+                  <a:schemeClr val="tx1"/>
+                </a:solidFill>
+                <a:latin typeface="+mn-lt"/>
+                <a:ea typeface="+mn-ea"/>
+                <a:cs typeface="+mn-cs"/>
+              </a:defRPr>
+            </a:lvl1pPr>
+            <a:lvl2pPr marL="685800" indent="-228600" algn="l" defTabSz="914400" rtl="0" eaLnBrk="1" latinLnBrk="0" hangingPunct="1">
+              <a:lnSpc>
+                <a:spcPct val="90000"/>
+              </a:lnSpc>
+              <a:spcBef>
+                <a:spcPts val="500"/>
+              </a:spcBef>
+              <a:buFont typeface="Arial" panose="020B0604020202020204" pitchFamily="34" charset="0"/>
+              <a:buChar char="•"/>
+              <a:defRPr sz="2400" kern="1200">
+                <a:solidFill>
+                  <a:schemeClr val="tx1"/>
+                </a:solidFill>
+                <a:latin typeface="+mn-lt"/>
+                <a:ea typeface="+mn-ea"/>
+                <a:cs typeface="+mn-cs"/>
+              </a:defRPr>
+            </a:lvl2pPr>
+            <a:lvl3pPr marL="1143000" indent="-228600" algn="l" defTabSz="914400" rtl="0" eaLnBrk="1" latinLnBrk="0" hangingPunct="1">
+              <a:lnSpc>
+                <a:spcPct val="90000"/>
+              </a:lnSpc>
+              <a:spcBef>
+                <a:spcPts val="500"/>
+              </a:spcBef>
+              <a:buFont typeface="Arial" panose="020B0604020202020204" pitchFamily="34" charset="0"/>
+              <a:buChar char="•"/>
+              <a:defRPr sz="2000" kern="1200">
+                <a:solidFill>
+                  <a:schemeClr val="tx1"/>
+                </a:solidFill>
+                <a:latin typeface="+mn-lt"/>
+                <a:ea typeface="+mn-ea"/>
+                <a:cs typeface="+mn-cs"/>
+              </a:defRPr>
+            </a:lvl3pPr>
+            <a:lvl4pPr marL="1600200" indent="-228600" algn="l" defTabSz="914400" rtl="0" eaLnBrk="1" latinLnBrk="0" hangingPunct="1">
+              <a:lnSpc>
+                <a:spcPct val="90000"/>
+              </a:lnSpc>
+              <a:spcBef>
+                <a:spcPts val="500"/>
+              </a:spcBef>
+              <a:buFont typeface="Arial" panose="020B0604020202020204" pitchFamily="34" charset="0"/>
+              <a:buChar char="•"/>
+              <a:defRPr sz="1800" kern="1200">
+                <a:solidFill>
+                  <a:schemeClr val="tx1"/>
+                </a:solidFill>
+                <a:latin typeface="+mn-lt"/>
+                <a:ea typeface="+mn-ea"/>
+                <a:cs typeface="+mn-cs"/>
+              </a:defRPr>
+            </a:lvl4pPr>
+            <a:lvl5pPr marL="2057400" indent="-228600" algn="l" defTabSz="914400" rtl="0" eaLnBrk="1" latinLnBrk="0" hangingPunct="1">
+              <a:lnSpc>
+                <a:spcPct val="90000"/>
+              </a:lnSpc>
+              <a:spcBef>
+                <a:spcPts val="500"/>
+              </a:spcBef>
+              <a:buFont typeface="Arial" panose="020B0604020202020204" pitchFamily="34" charset="0"/>
+              <a:buChar char="•"/>
+              <a:defRPr sz="1800" kern="1200">
+                <a:solidFill>
+                  <a:schemeClr val="tx1"/>
+                </a:solidFill>
+                <a:latin typeface="+mn-lt"/>
+                <a:ea typeface="+mn-ea"/>
+                <a:cs typeface="+mn-cs"/>
+              </a:defRPr>
+            </a:lvl5pPr>
+            <a:lvl6pPr marL="2514600" indent="-228600" algn="l" defTabSz="914400" rtl="0" eaLnBrk="1" latinLnBrk="0" hangingPunct="1">
+              <a:lnSpc>
+                <a:spcPct val="90000"/>
+              </a:lnSpc>
+              <a:spcBef>
+                <a:spcPts val="500"/>
+              </a:spcBef>
+              <a:buFont typeface="Arial" panose="020B0604020202020204" pitchFamily="34" charset="0"/>
+              <a:buChar char="•"/>
+              <a:defRPr sz="1800" kern="1200">
+                <a:solidFill>
+                  <a:schemeClr val="tx1"/>
+                </a:solidFill>
+                <a:latin typeface="+mn-lt"/>
+                <a:ea typeface="+mn-ea"/>
+                <a:cs typeface="+mn-cs"/>
+              </a:defRPr>
+            </a:lvl6pPr>
+            <a:lvl7pPr marL="2971800" indent="-228600" algn="l" defTabSz="914400" rtl="0" eaLnBrk="1" latinLnBrk="0" hangingPunct="1">
+              <a:lnSpc>
+                <a:spcPct val="90000"/>
+              </a:lnSpc>
+              <a:spcBef>
+                <a:spcPts val="500"/>
+              </a:spcBef>
+              <a:buFont typeface="Arial" panose="020B0604020202020204" pitchFamily="34" charset="0"/>
+              <a:buChar char="•"/>
+              <a:defRPr sz="1800" kern="1200">
+                <a:solidFill>
+                  <a:schemeClr val="tx1"/>
+                </a:solidFill>
+                <a:latin typeface="+mn-lt"/>
+                <a:ea typeface="+mn-ea"/>
+                <a:cs typeface="+mn-cs"/>
+              </a:defRPr>
+            </a:lvl7pPr>
+            <a:lvl8pPr marL="3429000" indent="-228600" algn="l" defTabSz="914400" rtl="0" eaLnBrk="1" latinLnBrk="0" hangingPunct="1">
+              <a:lnSpc>
+                <a:spcPct val="90000"/>
+              </a:lnSpc>
+              <a:spcBef>
+                <a:spcPts val="500"/>
+              </a:spcBef>
+              <a:buFont typeface="Arial" panose="020B0604020202020204" pitchFamily="34" charset="0"/>
+              <a:buChar char="•"/>
+              <a:defRPr sz="1800" kern="1200">
+                <a:solidFill>
+                  <a:schemeClr val="tx1"/>
+                </a:solidFill>
+                <a:latin typeface="+mn-lt"/>
+                <a:ea typeface="+mn-ea"/>
+                <a:cs typeface="+mn-cs"/>
+              </a:defRPr>
+            </a:lvl8pPr>
+            <a:lvl9pPr marL="3886200" indent="-228600" algn="l" defTabSz="914400" rtl="0" eaLnBrk="1" latinLnBrk="0" hangingPunct="1">
+              <a:lnSpc>
+                <a:spcPct val="90000"/>
+              </a:lnSpc>
+              <a:spcBef>
+                <a:spcPts val="500"/>
+              </a:spcBef>
+              <a:buFont typeface="Arial" panose="020B0604020202020204" pitchFamily="34" charset="0"/>
+              <a:buChar char="•"/>
+              <a:defRPr sz="1800" kern="1200">
+                <a:solidFill>
+                  <a:schemeClr val="tx1"/>
+                </a:solidFill>
+                <a:latin typeface="+mn-lt"/>
+                <a:ea typeface="+mn-ea"/>
+                <a:cs typeface="+mn-cs"/>
+              </a:defRPr>
+            </a:lvl9pPr>
+          </a:lstStyle>
+          <a:p>
+            <a:pPr marL="342891" indent="-342891">
+              <a:buFont typeface="+mj-lt"/>
+              <a:buAutoNum type="arabicPeriod"/>
+            </a:pPr>
+            <a:r>
+              <a:rPr lang="en-US" altLang="ja-JP" sz="1700" dirty="0">
+                <a:latin typeface="Tahoma" panose="020B0604030504040204" pitchFamily="34" charset="0"/>
+                <a:ea typeface="Tahoma" panose="020B0604030504040204" pitchFamily="34" charset="0"/>
+                <a:cs typeface="Tahoma" panose="020B0604030504040204" pitchFamily="34" charset="0"/>
+              </a:rPr>
+              <a:t>download "lesson01_1.php"</a:t>
+            </a:r>
+          </a:p>
+          <a:p>
+            <a:pPr marL="342891" indent="-342891">
+              <a:buFont typeface="+mj-lt"/>
+              <a:buAutoNum type="arabicPeriod"/>
+            </a:pPr>
+            <a:r>
+              <a:rPr lang="en-US" altLang="ja-JP" sz="1700" dirty="0">
+                <a:latin typeface="Tahoma" panose="020B0604030504040204" pitchFamily="34" charset="0"/>
+                <a:ea typeface="Tahoma" panose="020B0604030504040204" pitchFamily="34" charset="0"/>
+                <a:cs typeface="Tahoma" panose="020B0604030504040204" pitchFamily="34" charset="0"/>
+              </a:rPr>
+              <a:t>add program and save file.</a:t>
+            </a:r>
+          </a:p>
+          <a:p>
+            <a:pPr marL="342891" indent="-342891">
+              <a:buFont typeface="+mj-lt"/>
+              <a:buAutoNum type="arabicPeriod"/>
+            </a:pPr>
+            <a:r>
+              <a:rPr lang="en-US" altLang="ja-JP" sz="1700" dirty="0">
+                <a:latin typeface="Tahoma" panose="020B0604030504040204" pitchFamily="34" charset="0"/>
+                <a:ea typeface="Tahoma" panose="020B0604030504040204" pitchFamily="34" charset="0"/>
+                <a:cs typeface="Tahoma" panose="020B0604030504040204" pitchFamily="34" charset="0"/>
+              </a:rPr>
+              <a:t>show browser</a:t>
+            </a:r>
+          </a:p>
+        </p:txBody>
+      </p:sp>
+    </p:spTree>
+    <p:extLst>
+      <p:ext uri="{BB962C8B-B14F-4D97-AF65-F5344CB8AC3E}">
+        <p14:creationId xmlns:p14="http://schemas.microsoft.com/office/powerpoint/2010/main" val="2942690972"/>
+      </p:ext>
+    </p:extLst>
+  </p:cSld>
+  <p:clrMapOvr>
+    <a:masterClrMapping/>
+  </p:clrMapOvr>
+</p:sld>
+</file>
+
+<file path=ppt/slides/slide11.xml><?xml version="1.0" encoding="utf-8"?>
+<p:sld xmlns:a="http://schemas.openxmlformats.org/drawingml/2006/main" xmlns:r="http://schemas.openxmlformats.org/officeDocument/2006/relationships" xmlns:p="http://schemas.openxmlformats.org/presentationml/2006/main">
+  <p:cSld>
+    <p:bg>
+      <p:bgPr>
+        <a:solidFill>
+          <a:schemeClr val="bg1"/>
+        </a:solidFill>
+        <a:effectLst/>
+      </p:bgPr>
+    </p:bg>
+    <p:spTree>
+      <p:nvGrpSpPr>
+        <p:cNvPr id="1" name=""/>
+        <p:cNvGrpSpPr/>
+        <p:nvPr/>
+      </p:nvGrpSpPr>
+      <p:grpSpPr>
+        <a:xfrm>
+          <a:off x="0" y="0"/>
+          <a:ext cx="0" cy="0"/>
+          <a:chOff x="0" y="0"/>
+          <a:chExt cx="0" cy="0"/>
+        </a:xfrm>
+      </p:grpSpPr>
+      <p:sp>
+        <p:nvSpPr>
+          <p:cNvPr id="10" name="Rectangle 9">
+            <a:extLst>
+              <a:ext uri="{FF2B5EF4-FFF2-40B4-BE49-F238E27FC236}">
+                <a16:creationId xmlns:a16="http://schemas.microsoft.com/office/drawing/2014/main" id="{CEB41C5C-0F34-4DDA-9D7C-5E717F35F60C}"/>
+              </a:ext>
+            </a:extLst>
+          </p:cNvPr>
+          <p:cNvSpPr>
+            <a:spLocks noGrp="1" noRot="1" noChangeAspect="1" noMove="1" noResize="1" noEditPoints="1" noAdjustHandles="1" noChangeArrowheads="1" noChangeShapeType="1" noTextEdit="1"/>
+          </p:cNvSpPr>
+          <p:nvPr>
+            <p:extLst>
+              <p:ext uri="{386F3935-93C4-4BCD-93E2-E3B085C9AB24}">
+                <p16:designElem xmlns:p16="http://schemas.microsoft.com/office/powerpoint/2015/main" val="1"/>
+              </p:ext>
+            </p:extLst>
+          </p:nvPr>
+        </p:nvSpPr>
+        <p:spPr bwMode="ltGray">
+          <a:xfrm>
+            <a:off x="4601007" y="303591"/>
+            <a:ext cx="4301693" cy="5896743"/>
+          </a:xfrm>
+          <a:prstGeom prst="rect">
+            <a:avLst/>
+          </a:prstGeom>
+          <a:solidFill>
+            <a:schemeClr val="tx1">
+              <a:alpha val="15000"/>
+            </a:schemeClr>
+          </a:solidFill>
+          <a:ln w="127000" cap="sq" cmpd="thinThick">
+            <a:solidFill>
+              <a:schemeClr val="tx1">
+                <a:alpha val="10000"/>
+              </a:schemeClr>
+            </a:solidFill>
+          </a:ln>
+        </p:spPr>
+        <p:style>
+          <a:lnRef idx="2">
+            <a:schemeClr val="accent1">
+              <a:shade val="50000"/>
+            </a:schemeClr>
+          </a:lnRef>
+          <a:fillRef idx="1">
+            <a:schemeClr val="accent1"/>
+          </a:fillRef>
+          <a:effectRef idx="0">
+            <a:schemeClr val="accent1"/>
+          </a:effectRef>
+          <a:fontRef idx="minor">
+            <a:schemeClr val="lt1"/>
+          </a:fontRef>
+        </p:style>
+        <p:txBody>
+          <a:bodyPr rtlCol="0" anchor="ctr"/>
+          <a:lstStyle/>
+          <a:p>
+            <a:pPr algn="ctr"/>
+            <a:endParaRPr lang="en-US"/>
+          </a:p>
+        </p:txBody>
+      </p:sp>
+      <p:sp>
+        <p:nvSpPr>
+          <p:cNvPr id="2" name="Title 1">
+            <a:extLst>
+              <a:ext uri="{FF2B5EF4-FFF2-40B4-BE49-F238E27FC236}">
+                <a16:creationId xmlns:a16="http://schemas.microsoft.com/office/drawing/2014/main" id="{E44D6F80-BF44-4B52-9DF2-B11355DE48D4}"/>
+              </a:ext>
+            </a:extLst>
+          </p:cNvPr>
+          <p:cNvSpPr>
+            <a:spLocks noGrp="1"/>
+          </p:cNvSpPr>
+          <p:nvPr>
+            <p:ph type="title"/>
+          </p:nvPr>
+        </p:nvSpPr>
+        <p:spPr>
+          <a:xfrm>
+            <a:off x="251967" y="13232"/>
+            <a:ext cx="3479292" cy="787957"/>
+          </a:xfrm>
+        </p:spPr>
+        <p:txBody>
+          <a:bodyPr>
+            <a:normAutofit/>
+          </a:bodyPr>
+          <a:lstStyle/>
+          <a:p>
+            <a:pPr algn="ctr"/>
+            <a:r>
+              <a:rPr lang="en-US" sz="3500" dirty="0"/>
+              <a:t>lesson01_2</a:t>
+            </a:r>
+          </a:p>
+        </p:txBody>
+      </p:sp>
+      <p:sp>
+        <p:nvSpPr>
+          <p:cNvPr id="3" name="Content Placeholder 2">
+            <a:extLst>
+              <a:ext uri="{FF2B5EF4-FFF2-40B4-BE49-F238E27FC236}">
+                <a16:creationId xmlns:a16="http://schemas.microsoft.com/office/drawing/2014/main" id="{DDF43F30-1DCF-4886-AE1F-6373FF92B3E1}"/>
+              </a:ext>
+            </a:extLst>
+          </p:cNvPr>
+          <p:cNvSpPr>
+            <a:spLocks noGrp="1"/>
+          </p:cNvSpPr>
+          <p:nvPr>
+            <p:ph idx="1"/>
+          </p:nvPr>
+        </p:nvSpPr>
+        <p:spPr>
+          <a:xfrm>
+            <a:off x="319678" y="4690788"/>
+            <a:ext cx="3926617" cy="3773010"/>
+          </a:xfrm>
+        </p:spPr>
+        <p:txBody>
+          <a:bodyPr>
+            <a:normAutofit/>
+          </a:bodyPr>
+          <a:lstStyle/>
+          <a:p>
+            <a:pPr marL="285744" indent="-285744"/>
+            <a:r>
+              <a:rPr lang="en-US" sz="1700" dirty="0">
+                <a:latin typeface="Tahoma" panose="020B0604030504040204" pitchFamily="34" charset="0"/>
+                <a:ea typeface="Tahoma" panose="020B0604030504040204" pitchFamily="34" charset="0"/>
+                <a:cs typeface="Tahoma" panose="020B0604030504040204" pitchFamily="34" charset="0"/>
+              </a:rPr>
+              <a:t>L1-6: HTML header</a:t>
+            </a:r>
+          </a:p>
+          <a:p>
+            <a:pPr marL="285744" indent="-285744"/>
+            <a:r>
+              <a:rPr lang="en-US" sz="1700" dirty="0">
+                <a:latin typeface="Tahoma" panose="020B0604030504040204" pitchFamily="34" charset="0"/>
+                <a:ea typeface="Tahoma" panose="020B0604030504040204" pitchFamily="34" charset="0"/>
+                <a:cs typeface="Tahoma" panose="020B0604030504040204" pitchFamily="34" charset="0"/>
+              </a:rPr>
+              <a:t>L8-10: PHP program code</a:t>
+            </a:r>
+          </a:p>
+          <a:p>
+            <a:pPr marL="457200" lvl="1" indent="0">
+              <a:buNone/>
+            </a:pPr>
+            <a:r>
+              <a:rPr lang="en-US" sz="1300" dirty="0">
+                <a:latin typeface="Tahoma" panose="020B0604030504040204" pitchFamily="34" charset="0"/>
+                <a:ea typeface="Tahoma" panose="020B0604030504040204" pitchFamily="34" charset="0"/>
+                <a:cs typeface="Tahoma" panose="020B0604030504040204" pitchFamily="34" charset="0"/>
+              </a:rPr>
+              <a:t>L9,10: define variables</a:t>
+            </a:r>
+          </a:p>
+          <a:p>
+            <a:pPr marL="457200" lvl="1" indent="0">
+              <a:buNone/>
+            </a:pPr>
+            <a:r>
+              <a:rPr lang="en-US" sz="1300" dirty="0">
+                <a:latin typeface="Tahoma" panose="020B0604030504040204" pitchFamily="34" charset="0"/>
+                <a:ea typeface="Tahoma" panose="020B0604030504040204" pitchFamily="34" charset="0"/>
+                <a:cs typeface="Tahoma" panose="020B0604030504040204" pitchFamily="34" charset="0"/>
+              </a:rPr>
+              <a:t>L11,12: print variables</a:t>
+            </a:r>
+          </a:p>
+          <a:p>
+            <a:pPr marL="457200" lvl="1" indent="0">
+              <a:buNone/>
+            </a:pPr>
+            <a:endParaRPr lang="en-US" sz="1300" dirty="0">
+              <a:latin typeface="Tahoma" panose="020B0604030504040204" pitchFamily="34" charset="0"/>
+              <a:ea typeface="Tahoma" panose="020B0604030504040204" pitchFamily="34" charset="0"/>
+              <a:cs typeface="Tahoma" panose="020B0604030504040204" pitchFamily="34" charset="0"/>
+            </a:endParaRPr>
+          </a:p>
+          <a:p>
+            <a:pPr marL="285744" indent="-285744"/>
+            <a:r>
+              <a:rPr lang="en-US" sz="1700" dirty="0">
+                <a:latin typeface="Tahoma" panose="020B0604030504040204" pitchFamily="34" charset="0"/>
+                <a:ea typeface="Tahoma" panose="020B0604030504040204" pitchFamily="34" charset="0"/>
+                <a:cs typeface="Tahoma" panose="020B0604030504040204" pitchFamily="34" charset="0"/>
+              </a:rPr>
+              <a:t>L15-16: HTML footer</a:t>
+            </a:r>
+          </a:p>
+          <a:p>
+            <a:endParaRPr lang="en-US" sz="1700" dirty="0"/>
+          </a:p>
+        </p:txBody>
+      </p:sp>
+      <p:sp>
+        <p:nvSpPr>
+          <p:cNvPr id="6" name="Rectangle 5">
+            <a:extLst>
+              <a:ext uri="{FF2B5EF4-FFF2-40B4-BE49-F238E27FC236}">
+                <a16:creationId xmlns:a16="http://schemas.microsoft.com/office/drawing/2014/main" id="{56CF89B6-45BF-4C70-B4FA-B3D5F715A11A}"/>
+              </a:ext>
+            </a:extLst>
+          </p:cNvPr>
+          <p:cNvSpPr/>
+          <p:nvPr/>
+        </p:nvSpPr>
+        <p:spPr>
+          <a:xfrm>
+            <a:off x="3251582" y="0"/>
+            <a:ext cx="5721503" cy="307777"/>
+          </a:xfrm>
+          <a:prstGeom prst="rect">
+            <a:avLst/>
+          </a:prstGeom>
+          <a:solidFill>
+            <a:schemeClr val="bg1"/>
+          </a:solidFill>
+          <a:ln>
+            <a:solidFill>
+              <a:schemeClr val="accent1"/>
+            </a:solidFill>
+          </a:ln>
+        </p:spPr>
+        <p:txBody>
+          <a:bodyPr wrap="none">
+            <a:spAutoFit/>
+          </a:bodyPr>
+          <a:lstStyle/>
+          <a:p>
+            <a:r>
+              <a:rPr lang="en-US" altLang="ja-JP" sz="1400" dirty="0">
+                <a:latin typeface="Tahoma" panose="020B0604030504040204" pitchFamily="34" charset="0"/>
+                <a:ea typeface="Tahoma" panose="020B0604030504040204" pitchFamily="34" charset="0"/>
+                <a:cs typeface="Tahoma" panose="020B0604030504040204" pitchFamily="34" charset="0"/>
+              </a:rPr>
+              <a:t>3. folder: C:\appserv\www\php_lesson\    file name: lesson01_2.php</a:t>
+            </a:r>
+            <a:endParaRPr lang="ja-JP" altLang="en-US" sz="1400" dirty="0">
+              <a:latin typeface="Tahoma" panose="020B0604030504040204" pitchFamily="34" charset="0"/>
+              <a:cs typeface="Tahoma" panose="020B0604030504040204" pitchFamily="34" charset="0"/>
+            </a:endParaRPr>
+          </a:p>
+        </p:txBody>
+      </p:sp>
+      <p:sp>
+        <p:nvSpPr>
+          <p:cNvPr id="11" name="Rectangle 10">
+            <a:extLst>
+              <a:ext uri="{FF2B5EF4-FFF2-40B4-BE49-F238E27FC236}">
+                <a16:creationId xmlns:a16="http://schemas.microsoft.com/office/drawing/2014/main" id="{9A099E03-7F5D-40B5-AF83-8B36D2DA594B}"/>
+              </a:ext>
+            </a:extLst>
+          </p:cNvPr>
+          <p:cNvSpPr/>
+          <p:nvPr/>
+        </p:nvSpPr>
+        <p:spPr>
+          <a:xfrm>
+            <a:off x="82551" y="2339325"/>
+            <a:ext cx="4463081" cy="338554"/>
+          </a:xfrm>
+          <a:prstGeom prst="rect">
+            <a:avLst/>
+          </a:prstGeom>
+        </p:spPr>
+        <p:txBody>
+          <a:bodyPr wrap="none">
+            <a:spAutoFit/>
+          </a:bodyPr>
+          <a:lstStyle/>
+          <a:p>
+            <a:pPr algn="ctr"/>
+            <a:r>
+              <a:rPr lang="en-US" altLang="ja-JP" sz="1600" dirty="0">
+                <a:latin typeface="Tahoma" panose="020B0604030504040204" pitchFamily="34" charset="0"/>
+                <a:ea typeface="Tahoma" panose="020B0604030504040204" pitchFamily="34" charset="0"/>
+                <a:cs typeface="Tahoma" panose="020B0604030504040204" pitchFamily="34" charset="0"/>
+              </a:rPr>
+              <a:t>3.http://localhost/php_lesson/ lesson01_2.php </a:t>
+            </a:r>
+          </a:p>
+        </p:txBody>
+      </p:sp>
+      <p:sp>
+        <p:nvSpPr>
+          <p:cNvPr id="12" name="Rectangle 11">
+            <a:extLst>
+              <a:ext uri="{FF2B5EF4-FFF2-40B4-BE49-F238E27FC236}">
+                <a16:creationId xmlns:a16="http://schemas.microsoft.com/office/drawing/2014/main" id="{C77AA99F-01CF-4155-B9C5-78FDAE28F61E}"/>
+              </a:ext>
+            </a:extLst>
+          </p:cNvPr>
+          <p:cNvSpPr/>
+          <p:nvPr/>
+        </p:nvSpPr>
+        <p:spPr>
+          <a:xfrm>
+            <a:off x="1375784" y="4293531"/>
+            <a:ext cx="1356462" cy="369332"/>
+          </a:xfrm>
+          <a:prstGeom prst="rect">
+            <a:avLst/>
+          </a:prstGeom>
+        </p:spPr>
+        <p:txBody>
+          <a:bodyPr wrap="none">
+            <a:spAutoFit/>
+          </a:bodyPr>
+          <a:lstStyle/>
+          <a:p>
+            <a:pPr algn="ctr"/>
+            <a:r>
+              <a:rPr lang="en-US" altLang="ja-JP" dirty="0">
+                <a:latin typeface="Tahoma" panose="020B0604030504040204" pitchFamily="34" charset="0"/>
+                <a:ea typeface="Tahoma" panose="020B0604030504040204" pitchFamily="34" charset="0"/>
+                <a:cs typeface="Tahoma" panose="020B0604030504040204" pitchFamily="34" charset="0"/>
+              </a:rPr>
+              <a:t>explanation</a:t>
+            </a:r>
+            <a:endParaRPr lang="ja-JP" altLang="en-US" dirty="0">
+              <a:latin typeface="Tahoma" panose="020B0604030504040204" pitchFamily="34" charset="0"/>
+              <a:cs typeface="Tahoma" panose="020B0604030504040204" pitchFamily="34" charset="0"/>
+            </a:endParaRPr>
+          </a:p>
+        </p:txBody>
+      </p:sp>
+      <p:pic>
+        <p:nvPicPr>
+          <p:cNvPr id="13" name="Graphic 12">
+            <a:extLst>
+              <a:ext uri="{FF2B5EF4-FFF2-40B4-BE49-F238E27FC236}">
+                <a16:creationId xmlns:a16="http://schemas.microsoft.com/office/drawing/2014/main" id="{C0A1D308-1A10-46EC-BC7B-E1F8BE698AEE}"/>
+              </a:ext>
+            </a:extLst>
+          </p:cNvPr>
+          <p:cNvPicPr>
+            <a:picLocks noChangeAspect="1"/>
+          </p:cNvPicPr>
+          <p:nvPr/>
+        </p:nvPicPr>
+        <p:blipFill>
+          <a:blip r:embed="rId2" cstate="email">
+            <a:extLst>
+              <a:ext uri="{28A0092B-C50C-407E-A947-70E740481C1C}">
+                <a14:useLocalDpi xmlns:a14="http://schemas.microsoft.com/office/drawing/2010/main"/>
+              </a:ext>
+              <a:ext uri="{96DAC541-7B7A-43D3-8B79-37D633B846F1}">
+                <asvg:svgBlip xmlns:asvg="http://schemas.microsoft.com/office/drawing/2016/SVG/main" r:embed="rId3"/>
+              </a:ext>
+            </a:extLst>
+          </a:blip>
+          <a:stretch>
+            <a:fillRect/>
+          </a:stretch>
+        </p:blipFill>
+        <p:spPr>
+          <a:xfrm>
+            <a:off x="100076" y="6369742"/>
+            <a:ext cx="683948" cy="369332"/>
+          </a:xfrm>
+          <a:prstGeom prst="rect">
+            <a:avLst/>
+          </a:prstGeom>
+        </p:spPr>
+      </p:pic>
+      <p:sp>
+        <p:nvSpPr>
+          <p:cNvPr id="14" name="Content Placeholder 2">
+            <a:extLst>
+              <a:ext uri="{FF2B5EF4-FFF2-40B4-BE49-F238E27FC236}">
+                <a16:creationId xmlns:a16="http://schemas.microsoft.com/office/drawing/2014/main" id="{F0528EC4-574A-49AF-BF35-6486232B5792}"/>
+              </a:ext>
+            </a:extLst>
+          </p:cNvPr>
+          <p:cNvSpPr txBox="1">
+            <a:spLocks/>
+          </p:cNvSpPr>
+          <p:nvPr/>
+        </p:nvSpPr>
+        <p:spPr>
+          <a:xfrm>
+            <a:off x="314369" y="944302"/>
+            <a:ext cx="3479292" cy="3785419"/>
+          </a:xfrm>
+          <a:prstGeom prst="rect">
+            <a:avLst/>
+          </a:prstGeom>
+        </p:spPr>
+        <p:txBody>
+          <a:bodyPr vert="horz" lIns="91440" tIns="45720" rIns="91440" bIns="45720" rtlCol="0">
+            <a:normAutofit/>
+          </a:bodyPr>
+          <a:lstStyle>
+            <a:lvl1pPr marL="228600" indent="-228600" algn="l" defTabSz="914400" rtl="0" eaLnBrk="1" latinLnBrk="0" hangingPunct="1">
+              <a:lnSpc>
+                <a:spcPct val="90000"/>
+              </a:lnSpc>
+              <a:spcBef>
+                <a:spcPts val="1000"/>
+              </a:spcBef>
+              <a:buFont typeface="Arial" panose="020B0604020202020204" pitchFamily="34" charset="0"/>
+              <a:buChar char="•"/>
+              <a:defRPr sz="2800" kern="1200">
+                <a:solidFill>
+                  <a:schemeClr val="tx1"/>
+                </a:solidFill>
+                <a:latin typeface="+mn-lt"/>
+                <a:ea typeface="+mn-ea"/>
+                <a:cs typeface="+mn-cs"/>
+              </a:defRPr>
+            </a:lvl1pPr>
+            <a:lvl2pPr marL="685800" indent="-228600" algn="l" defTabSz="914400" rtl="0" eaLnBrk="1" latinLnBrk="0" hangingPunct="1">
+              <a:lnSpc>
+                <a:spcPct val="90000"/>
+              </a:lnSpc>
+              <a:spcBef>
+                <a:spcPts val="500"/>
+              </a:spcBef>
+              <a:buFont typeface="Arial" panose="020B0604020202020204" pitchFamily="34" charset="0"/>
+              <a:buChar char="•"/>
+              <a:defRPr sz="2400" kern="1200">
+                <a:solidFill>
+                  <a:schemeClr val="tx1"/>
+                </a:solidFill>
+                <a:latin typeface="+mn-lt"/>
+                <a:ea typeface="+mn-ea"/>
+                <a:cs typeface="+mn-cs"/>
+              </a:defRPr>
+            </a:lvl2pPr>
+            <a:lvl3pPr marL="1143000" indent="-228600" algn="l" defTabSz="914400" rtl="0" eaLnBrk="1" latinLnBrk="0" hangingPunct="1">
+              <a:lnSpc>
+                <a:spcPct val="90000"/>
+              </a:lnSpc>
+              <a:spcBef>
+                <a:spcPts val="500"/>
+              </a:spcBef>
+              <a:buFont typeface="Arial" panose="020B0604020202020204" pitchFamily="34" charset="0"/>
+              <a:buChar char="•"/>
+              <a:defRPr sz="2000" kern="1200">
+                <a:solidFill>
+                  <a:schemeClr val="tx1"/>
+                </a:solidFill>
+                <a:latin typeface="+mn-lt"/>
+                <a:ea typeface="+mn-ea"/>
+                <a:cs typeface="+mn-cs"/>
+              </a:defRPr>
+            </a:lvl3pPr>
+            <a:lvl4pPr marL="1600200" indent="-228600" algn="l" defTabSz="914400" rtl="0" eaLnBrk="1" latinLnBrk="0" hangingPunct="1">
+              <a:lnSpc>
+                <a:spcPct val="90000"/>
+              </a:lnSpc>
+              <a:spcBef>
+                <a:spcPts val="500"/>
+              </a:spcBef>
+              <a:buFont typeface="Arial" panose="020B0604020202020204" pitchFamily="34" charset="0"/>
+              <a:buChar char="•"/>
+              <a:defRPr sz="1800" kern="1200">
+                <a:solidFill>
+                  <a:schemeClr val="tx1"/>
+                </a:solidFill>
+                <a:latin typeface="+mn-lt"/>
+                <a:ea typeface="+mn-ea"/>
+                <a:cs typeface="+mn-cs"/>
+              </a:defRPr>
+            </a:lvl4pPr>
+            <a:lvl5pPr marL="2057400" indent="-228600" algn="l" defTabSz="914400" rtl="0" eaLnBrk="1" latinLnBrk="0" hangingPunct="1">
+              <a:lnSpc>
+                <a:spcPct val="90000"/>
+              </a:lnSpc>
+              <a:spcBef>
+                <a:spcPts val="500"/>
+              </a:spcBef>
+              <a:buFont typeface="Arial" panose="020B0604020202020204" pitchFamily="34" charset="0"/>
+              <a:buChar char="•"/>
+              <a:defRPr sz="1800" kern="1200">
+                <a:solidFill>
+                  <a:schemeClr val="tx1"/>
+                </a:solidFill>
+                <a:latin typeface="+mn-lt"/>
+                <a:ea typeface="+mn-ea"/>
+                <a:cs typeface="+mn-cs"/>
+              </a:defRPr>
+            </a:lvl5pPr>
+            <a:lvl6pPr marL="2514600" indent="-228600" algn="l" defTabSz="914400" rtl="0" eaLnBrk="1" latinLnBrk="0" hangingPunct="1">
+              <a:lnSpc>
+                <a:spcPct val="90000"/>
+              </a:lnSpc>
+              <a:spcBef>
+                <a:spcPts val="500"/>
+              </a:spcBef>
+              <a:buFont typeface="Arial" panose="020B0604020202020204" pitchFamily="34" charset="0"/>
+              <a:buChar char="•"/>
+              <a:defRPr sz="1800" kern="1200">
+                <a:solidFill>
+                  <a:schemeClr val="tx1"/>
+                </a:solidFill>
+                <a:latin typeface="+mn-lt"/>
+                <a:ea typeface="+mn-ea"/>
+                <a:cs typeface="+mn-cs"/>
+              </a:defRPr>
+            </a:lvl6pPr>
+            <a:lvl7pPr marL="2971800" indent="-228600" algn="l" defTabSz="914400" rtl="0" eaLnBrk="1" latinLnBrk="0" hangingPunct="1">
+              <a:lnSpc>
+                <a:spcPct val="90000"/>
+              </a:lnSpc>
+              <a:spcBef>
+                <a:spcPts val="500"/>
+              </a:spcBef>
+              <a:buFont typeface="Arial" panose="020B0604020202020204" pitchFamily="34" charset="0"/>
+              <a:buChar char="•"/>
+              <a:defRPr sz="1800" kern="1200">
+                <a:solidFill>
+                  <a:schemeClr val="tx1"/>
+                </a:solidFill>
+                <a:latin typeface="+mn-lt"/>
+                <a:ea typeface="+mn-ea"/>
+                <a:cs typeface="+mn-cs"/>
+              </a:defRPr>
+            </a:lvl7pPr>
+            <a:lvl8pPr marL="3429000" indent="-228600" algn="l" defTabSz="914400" rtl="0" eaLnBrk="1" latinLnBrk="0" hangingPunct="1">
+              <a:lnSpc>
+                <a:spcPct val="90000"/>
+              </a:lnSpc>
+              <a:spcBef>
+                <a:spcPts val="500"/>
+              </a:spcBef>
+              <a:buFont typeface="Arial" panose="020B0604020202020204" pitchFamily="34" charset="0"/>
+              <a:buChar char="•"/>
+              <a:defRPr sz="1800" kern="1200">
+                <a:solidFill>
+                  <a:schemeClr val="tx1"/>
+                </a:solidFill>
+                <a:latin typeface="+mn-lt"/>
+                <a:ea typeface="+mn-ea"/>
+                <a:cs typeface="+mn-cs"/>
+              </a:defRPr>
+            </a:lvl8pPr>
+            <a:lvl9pPr marL="3886200" indent="-228600" algn="l" defTabSz="914400" rtl="0" eaLnBrk="1" latinLnBrk="0" hangingPunct="1">
+              <a:lnSpc>
+                <a:spcPct val="90000"/>
+              </a:lnSpc>
+              <a:spcBef>
+                <a:spcPts val="500"/>
+              </a:spcBef>
+              <a:buFont typeface="Arial" panose="020B0604020202020204" pitchFamily="34" charset="0"/>
+              <a:buChar char="•"/>
+              <a:defRPr sz="1800" kern="1200">
+                <a:solidFill>
+                  <a:schemeClr val="tx1"/>
+                </a:solidFill>
+                <a:latin typeface="+mn-lt"/>
+                <a:ea typeface="+mn-ea"/>
+                <a:cs typeface="+mn-cs"/>
+              </a:defRPr>
+            </a:lvl9pPr>
+          </a:lstStyle>
+          <a:p>
+            <a:pPr marL="342891" indent="-342891">
+              <a:buFont typeface="+mj-lt"/>
+              <a:buAutoNum type="arabicPeriod"/>
+            </a:pPr>
+            <a:r>
+              <a:rPr lang="en-US" altLang="ja-JP" sz="1700" dirty="0">
+                <a:latin typeface="Tahoma" panose="020B0604030504040204" pitchFamily="34" charset="0"/>
+                <a:ea typeface="Tahoma" panose="020B0604030504040204" pitchFamily="34" charset="0"/>
+                <a:cs typeface="Tahoma" panose="020B0604030504040204" pitchFamily="34" charset="0"/>
+              </a:rPr>
+              <a:t>download "</a:t>
+            </a:r>
+            <a:r>
+              <a:rPr lang="en-US" altLang="ja-JP" sz="1800" dirty="0">
+                <a:latin typeface="Tahoma" panose="020B0604030504040204" pitchFamily="34" charset="0"/>
+                <a:ea typeface="Tahoma" panose="020B0604030504040204" pitchFamily="34" charset="0"/>
+                <a:cs typeface="Tahoma" panose="020B0604030504040204" pitchFamily="34" charset="0"/>
+              </a:rPr>
+              <a:t>lesson01_2</a:t>
+            </a:r>
+            <a:r>
+              <a:rPr lang="en-US" altLang="ja-JP" sz="1700" dirty="0">
+                <a:latin typeface="Tahoma" panose="020B0604030504040204" pitchFamily="34" charset="0"/>
+                <a:ea typeface="Tahoma" panose="020B0604030504040204" pitchFamily="34" charset="0"/>
+                <a:cs typeface="Tahoma" panose="020B0604030504040204" pitchFamily="34" charset="0"/>
+              </a:rPr>
+              <a:t>.php"</a:t>
+            </a:r>
+          </a:p>
+          <a:p>
+            <a:pPr marL="342891" indent="-342891">
+              <a:buFont typeface="+mj-lt"/>
+              <a:buAutoNum type="arabicPeriod"/>
+            </a:pPr>
+            <a:r>
+              <a:rPr lang="en-US" altLang="ja-JP" sz="1700" dirty="0">
+                <a:latin typeface="Tahoma" panose="020B0604030504040204" pitchFamily="34" charset="0"/>
+                <a:ea typeface="Tahoma" panose="020B0604030504040204" pitchFamily="34" charset="0"/>
+                <a:cs typeface="Tahoma" panose="020B0604030504040204" pitchFamily="34" charset="0"/>
+              </a:rPr>
+              <a:t>add program and save file.</a:t>
+            </a:r>
+          </a:p>
+          <a:p>
+            <a:pPr marL="342891" indent="-342891">
+              <a:buFont typeface="+mj-lt"/>
+              <a:buAutoNum type="arabicPeriod"/>
+            </a:pPr>
+            <a:r>
+              <a:rPr lang="en-US" altLang="ja-JP" sz="1700" dirty="0">
+                <a:latin typeface="Tahoma" panose="020B0604030504040204" pitchFamily="34" charset="0"/>
+                <a:ea typeface="Tahoma" panose="020B0604030504040204" pitchFamily="34" charset="0"/>
+                <a:cs typeface="Tahoma" panose="020B0604030504040204" pitchFamily="34" charset="0"/>
+              </a:rPr>
+              <a:t>show browser</a:t>
+            </a:r>
+          </a:p>
+        </p:txBody>
+      </p:sp>
+      <p:pic>
+        <p:nvPicPr>
+          <p:cNvPr id="15" name="Picture 14">
+            <a:extLst>
+              <a:ext uri="{FF2B5EF4-FFF2-40B4-BE49-F238E27FC236}">
+                <a16:creationId xmlns:a16="http://schemas.microsoft.com/office/drawing/2014/main" id="{A47E57F9-D4C0-452A-90EE-010F62846F72}"/>
+              </a:ext>
+            </a:extLst>
+          </p:cNvPr>
+          <p:cNvPicPr>
+            <a:picLocks noChangeAspect="1"/>
+          </p:cNvPicPr>
+          <p:nvPr/>
+        </p:nvPicPr>
+        <p:blipFill rotWithShape="1">
+          <a:blip r:embed="rId4" cstate="email">
+            <a:extLst>
+              <a:ext uri="{28A0092B-C50C-407E-A947-70E740481C1C}">
+                <a14:useLocalDpi xmlns:a14="http://schemas.microsoft.com/office/drawing/2010/main"/>
+              </a:ext>
+            </a:extLst>
+          </a:blip>
+          <a:srcRect/>
+          <a:stretch/>
+        </p:blipFill>
+        <p:spPr>
+          <a:xfrm>
+            <a:off x="-13951" y="2751705"/>
+            <a:ext cx="4536580" cy="1000514"/>
+          </a:xfrm>
+          <a:prstGeom prst="rect">
+            <a:avLst/>
+          </a:prstGeom>
+        </p:spPr>
+      </p:pic>
+      <mc:AlternateContent xmlns:mc="http://schemas.openxmlformats.org/markup-compatibility/2006" xmlns:we="http://schemas.microsoft.com/office/webextensions/webextension/2010/11" xmlns:pca="http://schemas.microsoft.com/office/powerpoint/2013/contentapp">
+        <mc:Choice Requires="we pca">
+          <p:graphicFrame>
+            <p:nvGraphicFramePr>
+              <p:cNvPr id="16" name="Add-in 15" title="Code Presenter Pro">
+                <a:extLst>
+                  <a:ext uri="{FF2B5EF4-FFF2-40B4-BE49-F238E27FC236}">
+                    <a16:creationId xmlns:a16="http://schemas.microsoft.com/office/drawing/2014/main" id="{DDE5042C-5921-4831-8620-9F197382E25C}"/>
+                  </a:ext>
+                </a:extLst>
+              </p:cNvPr>
+              <p:cNvGraphicFramePr>
+                <a:graphicFrameLocks noGrp="1"/>
+              </p:cNvGraphicFramePr>
+              <p:nvPr>
+                <p:extLst>
+                  <p:ext uri="{D42A27DB-BD31-4B8C-83A1-F6EECF244321}">
+                    <p14:modId xmlns:p14="http://schemas.microsoft.com/office/powerpoint/2010/main" val="3159721536"/>
+                  </p:ext>
+                </p:extLst>
+              </p:nvPr>
+            </p:nvGraphicFramePr>
+            <p:xfrm>
+              <a:off x="4679385" y="394462"/>
+              <a:ext cx="4144937" cy="5715000"/>
+            </p:xfrm>
+            <a:graphic>
+              <a:graphicData uri="http://schemas.microsoft.com/office/webextensions/webextension/2010/11">
+                <we:webextensionref xmlns:we="http://schemas.microsoft.com/office/webextensions/webextension/2010/11" xmlns:r="http://schemas.openxmlformats.org/officeDocument/2006/relationships" r:id="rId5"/>
+              </a:graphicData>
+            </a:graphic>
+          </p:graphicFrame>
+        </mc:Choice>
+        <mc:Fallback xmlns="">
+          <p:pic>
+            <p:nvPicPr>
+              <p:cNvPr id="16" name="Add-in 15" title="Code Presenter Pro">
+                <a:extLst>
+                  <a:ext uri="{FF2B5EF4-FFF2-40B4-BE49-F238E27FC236}">
+                    <a16:creationId xmlns:a16="http://schemas.microsoft.com/office/drawing/2014/main" id="{DDE5042C-5921-4831-8620-9F197382E25C}"/>
+                  </a:ext>
+                </a:extLst>
+              </p:cNvPr>
+              <p:cNvPicPr>
+                <a:picLocks noGrp="1" noRot="1" noChangeAspect="1" noMove="1" noResize="1" noEditPoints="1" noAdjustHandles="1" noChangeArrowheads="1" noChangeShapeType="1"/>
+              </p:cNvPicPr>
+              <p:nvPr/>
+            </p:nvPicPr>
+            <p:blipFill>
+              <a:blip r:embed="rId6"/>
+              <a:stretch>
+                <a:fillRect/>
+              </a:stretch>
+            </p:blipFill>
+            <p:spPr>
+              <a:xfrm>
+                <a:off x="4679385" y="394462"/>
+                <a:ext cx="4144937" cy="5715000"/>
+              </a:xfrm>
+              <a:prstGeom prst="rect">
+                <a:avLst/>
+              </a:prstGeom>
+            </p:spPr>
+          </p:pic>
+        </mc:Fallback>
+      </mc:AlternateContent>
+    </p:spTree>
+    <p:extLst>
+      <p:ext uri="{BB962C8B-B14F-4D97-AF65-F5344CB8AC3E}">
+        <p14:creationId xmlns:p14="http://schemas.microsoft.com/office/powerpoint/2010/main" val="3529486933"/>
+      </p:ext>
+    </p:extLst>
+  </p:cSld>
+  <p:clrMapOvr>
+    <a:masterClrMapping/>
+  </p:clrMapOvr>
+</p:sld>
+</file>
+
+<file path=ppt/slides/slide12.xml><?xml version="1.0" encoding="utf-8"?>
+<p:sld xmlns:a="http://schemas.openxmlformats.org/drawingml/2006/main" xmlns:r="http://schemas.openxmlformats.org/officeDocument/2006/relationships" xmlns:p="http://schemas.openxmlformats.org/presentationml/2006/main">
+  <p:cSld>
+    <p:bg>
+      <p:bgPr>
+        <a:solidFill>
+          <a:schemeClr val="bg1"/>
+        </a:solidFill>
+        <a:effectLst/>
+      </p:bgPr>
+    </p:bg>
+    <p:spTree>
+      <p:nvGrpSpPr>
+        <p:cNvPr id="1" name=""/>
+        <p:cNvGrpSpPr/>
+        <p:nvPr/>
+      </p:nvGrpSpPr>
+      <p:grpSpPr>
+        <a:xfrm>
+          <a:off x="0" y="0"/>
+          <a:ext cx="0" cy="0"/>
+          <a:chOff x="0" y="0"/>
+          <a:chExt cx="0" cy="0"/>
+        </a:xfrm>
+      </p:grpSpPr>
+      <p:pic>
+        <p:nvPicPr>
+          <p:cNvPr id="13" name="Graphic 12">
+            <a:extLst>
+              <a:ext uri="{FF2B5EF4-FFF2-40B4-BE49-F238E27FC236}">
+                <a16:creationId xmlns:a16="http://schemas.microsoft.com/office/drawing/2014/main" id="{C0A1D308-1A10-46EC-BC7B-E1F8BE698AEE}"/>
+              </a:ext>
+            </a:extLst>
+          </p:cNvPr>
+          <p:cNvPicPr>
+            <a:picLocks noChangeAspect="1"/>
+          </p:cNvPicPr>
+          <p:nvPr/>
+        </p:nvPicPr>
+        <p:blipFill>
+          <a:blip r:embed="rId2" cstate="email">
+            <a:extLst>
+              <a:ext uri="{28A0092B-C50C-407E-A947-70E740481C1C}">
+                <a14:useLocalDpi xmlns:a14="http://schemas.microsoft.com/office/drawing/2010/main"/>
+              </a:ext>
+              <a:ext uri="{96DAC541-7B7A-43D3-8B79-37D633B846F1}">
+                <asvg:svgBlip xmlns:asvg="http://schemas.microsoft.com/office/drawing/2016/SVG/main" r:embed="rId3"/>
+              </a:ext>
+            </a:extLst>
+          </a:blip>
+          <a:stretch>
+            <a:fillRect/>
+          </a:stretch>
+        </p:blipFill>
+        <p:spPr>
+          <a:xfrm>
+            <a:off x="100076" y="6369742"/>
+            <a:ext cx="683948" cy="369332"/>
+          </a:xfrm>
+          <a:prstGeom prst="rect">
+            <a:avLst/>
+          </a:prstGeom>
+        </p:spPr>
+      </p:pic>
+      <p:sp>
+        <p:nvSpPr>
+          <p:cNvPr id="10" name="Rectangle 9">
+            <a:extLst>
+              <a:ext uri="{FF2B5EF4-FFF2-40B4-BE49-F238E27FC236}">
+                <a16:creationId xmlns:a16="http://schemas.microsoft.com/office/drawing/2014/main" id="{CEB41C5C-0F34-4DDA-9D7C-5E717F35F60C}"/>
+              </a:ext>
+            </a:extLst>
+          </p:cNvPr>
+          <p:cNvSpPr>
+            <a:spLocks noGrp="1" noRot="1" noChangeAspect="1" noMove="1" noResize="1" noEditPoints="1" noAdjustHandles="1" noChangeArrowheads="1" noChangeShapeType="1" noTextEdit="1"/>
+          </p:cNvSpPr>
+          <p:nvPr>
+            <p:extLst>
+              <p:ext uri="{386F3935-93C4-4BCD-93E2-E3B085C9AB24}">
+                <p16:designElem xmlns:p16="http://schemas.microsoft.com/office/powerpoint/2015/main" val="1"/>
+              </p:ext>
+            </p:extLst>
+          </p:nvPr>
+        </p:nvSpPr>
+        <p:spPr bwMode="ltGray">
+          <a:xfrm>
+            <a:off x="4601007" y="303591"/>
+            <a:ext cx="4301693" cy="5896743"/>
+          </a:xfrm>
+          <a:prstGeom prst="rect">
+            <a:avLst/>
+          </a:prstGeom>
+          <a:solidFill>
+            <a:schemeClr val="tx1">
+              <a:alpha val="15000"/>
+            </a:schemeClr>
+          </a:solidFill>
+          <a:ln w="127000" cap="sq" cmpd="thinThick">
+            <a:solidFill>
+              <a:schemeClr val="tx1">
+                <a:alpha val="10000"/>
+              </a:schemeClr>
+            </a:solidFill>
+          </a:ln>
+        </p:spPr>
+        <p:style>
+          <a:lnRef idx="2">
+            <a:schemeClr val="accent1">
+              <a:shade val="50000"/>
+            </a:schemeClr>
+          </a:lnRef>
+          <a:fillRef idx="1">
+            <a:schemeClr val="accent1"/>
+          </a:fillRef>
+          <a:effectRef idx="0">
+            <a:schemeClr val="accent1"/>
+          </a:effectRef>
+          <a:fontRef idx="minor">
+            <a:schemeClr val="lt1"/>
+          </a:fontRef>
+        </p:style>
+        <p:txBody>
+          <a:bodyPr rtlCol="0" anchor="ctr"/>
+          <a:lstStyle/>
+          <a:p>
+            <a:pPr algn="ctr"/>
+            <a:endParaRPr lang="en-US"/>
+          </a:p>
+        </p:txBody>
+      </p:sp>
+      <p:sp>
+        <p:nvSpPr>
+          <p:cNvPr id="2" name="Title 1">
+            <a:extLst>
+              <a:ext uri="{FF2B5EF4-FFF2-40B4-BE49-F238E27FC236}">
+                <a16:creationId xmlns:a16="http://schemas.microsoft.com/office/drawing/2014/main" id="{E44D6F80-BF44-4B52-9DF2-B11355DE48D4}"/>
+              </a:ext>
+            </a:extLst>
+          </p:cNvPr>
+          <p:cNvSpPr>
+            <a:spLocks noGrp="1"/>
+          </p:cNvSpPr>
+          <p:nvPr>
+            <p:ph type="title"/>
+          </p:nvPr>
+        </p:nvSpPr>
+        <p:spPr>
+          <a:xfrm>
+            <a:off x="251967" y="13232"/>
+            <a:ext cx="3479292" cy="787957"/>
+          </a:xfrm>
+        </p:spPr>
+        <p:txBody>
+          <a:bodyPr>
+            <a:normAutofit/>
+          </a:bodyPr>
+          <a:lstStyle/>
+          <a:p>
+            <a:pPr algn="ctr"/>
+            <a:r>
+              <a:rPr lang="en-US" sz="3500" dirty="0"/>
+              <a:t>lesson01_3</a:t>
+            </a:r>
+          </a:p>
+        </p:txBody>
+      </p:sp>
+      <p:sp>
+        <p:nvSpPr>
+          <p:cNvPr id="3" name="Content Placeholder 2">
+            <a:extLst>
+              <a:ext uri="{FF2B5EF4-FFF2-40B4-BE49-F238E27FC236}">
+                <a16:creationId xmlns:a16="http://schemas.microsoft.com/office/drawing/2014/main" id="{DDF43F30-1DCF-4886-AE1F-6373FF92B3E1}"/>
+              </a:ext>
+            </a:extLst>
+          </p:cNvPr>
+          <p:cNvSpPr>
+            <a:spLocks noGrp="1"/>
+          </p:cNvSpPr>
+          <p:nvPr>
+            <p:ph idx="1"/>
+          </p:nvPr>
+        </p:nvSpPr>
+        <p:spPr>
+          <a:xfrm>
+            <a:off x="627017" y="4690788"/>
+            <a:ext cx="3619278" cy="3773010"/>
+          </a:xfrm>
+        </p:spPr>
+        <p:txBody>
+          <a:bodyPr>
+            <a:normAutofit/>
+          </a:bodyPr>
+          <a:lstStyle/>
+          <a:p>
+            <a:pPr marL="285744" indent="-285744"/>
+            <a:r>
+              <a:rPr lang="en-US" sz="1700" dirty="0">
+                <a:latin typeface="Tahoma" panose="020B0604030504040204" pitchFamily="34" charset="0"/>
+                <a:ea typeface="Tahoma" panose="020B0604030504040204" pitchFamily="34" charset="0"/>
+                <a:cs typeface="Tahoma" panose="020B0604030504040204" pitchFamily="34" charset="0"/>
+              </a:rPr>
+              <a:t>L1-6: HTML header</a:t>
+            </a:r>
+          </a:p>
+          <a:p>
+            <a:pPr marL="285744" indent="-285744"/>
+            <a:r>
+              <a:rPr lang="en-US" sz="1700" dirty="0">
+                <a:latin typeface="Tahoma" panose="020B0604030504040204" pitchFamily="34" charset="0"/>
+                <a:ea typeface="Tahoma" panose="020B0604030504040204" pitchFamily="34" charset="0"/>
+                <a:cs typeface="Tahoma" panose="020B0604030504040204" pitchFamily="34" charset="0"/>
+              </a:rPr>
+              <a:t>L8-10: PHP program code</a:t>
+            </a:r>
+          </a:p>
+          <a:p>
+            <a:pPr marL="457200" lvl="1" indent="0">
+              <a:buNone/>
+            </a:pPr>
+            <a:r>
+              <a:rPr lang="en-US" sz="1300" dirty="0">
+                <a:latin typeface="Tahoma" panose="020B0604030504040204" pitchFamily="34" charset="0"/>
+                <a:ea typeface="Tahoma" panose="020B0604030504040204" pitchFamily="34" charset="0"/>
+                <a:cs typeface="Tahoma" panose="020B0604030504040204" pitchFamily="34" charset="0"/>
+              </a:rPr>
+              <a:t>L13,14: </a:t>
+            </a:r>
+            <a:r>
+              <a:rPr lang="en-US" sz="1300" dirty="0" err="1">
+                <a:latin typeface="Tahoma" panose="020B0604030504040204" pitchFamily="34" charset="0"/>
+                <a:ea typeface="Tahoma" panose="020B0604030504040204" pitchFamily="34" charset="0"/>
+                <a:cs typeface="Tahoma" panose="020B0604030504040204" pitchFamily="34" charset="0"/>
+              </a:rPr>
+              <a:t>int</a:t>
+            </a:r>
+            <a:r>
+              <a:rPr lang="en-US" sz="1300" dirty="0">
+                <a:latin typeface="Tahoma" panose="020B0604030504040204" pitchFamily="34" charset="0"/>
+                <a:ea typeface="Tahoma" panose="020B0604030504040204" pitchFamily="34" charset="0"/>
+                <a:cs typeface="Tahoma" panose="020B0604030504040204" pitchFamily="34" charset="0"/>
+              </a:rPr>
+              <a:t> + </a:t>
+            </a:r>
+            <a:r>
+              <a:rPr lang="en-US" sz="1300" dirty="0" err="1">
+                <a:latin typeface="Tahoma" panose="020B0604030504040204" pitchFamily="34" charset="0"/>
+                <a:ea typeface="Tahoma" panose="020B0604030504040204" pitchFamily="34" charset="0"/>
+                <a:cs typeface="Tahoma" panose="020B0604030504040204" pitchFamily="34" charset="0"/>
+              </a:rPr>
+              <a:t>int</a:t>
+            </a:r>
+            <a:endParaRPr lang="en-US" sz="1300" dirty="0">
+              <a:latin typeface="Tahoma" panose="020B0604030504040204" pitchFamily="34" charset="0"/>
+              <a:ea typeface="Tahoma" panose="020B0604030504040204" pitchFamily="34" charset="0"/>
+              <a:cs typeface="Tahoma" panose="020B0604030504040204" pitchFamily="34" charset="0"/>
+            </a:endParaRPr>
+          </a:p>
+          <a:p>
+            <a:pPr marL="457200" lvl="1" indent="0">
+              <a:buNone/>
+            </a:pPr>
+            <a:r>
+              <a:rPr lang="en-US" sz="1300" dirty="0">
+                <a:latin typeface="Tahoma" panose="020B0604030504040204" pitchFamily="34" charset="0"/>
+                <a:ea typeface="Tahoma" panose="020B0604030504040204" pitchFamily="34" charset="0"/>
+                <a:cs typeface="Tahoma" panose="020B0604030504040204" pitchFamily="34" charset="0"/>
+              </a:rPr>
+              <a:t>L15,16: </a:t>
+            </a:r>
+            <a:r>
+              <a:rPr lang="en-US" sz="1300" dirty="0" err="1">
+                <a:latin typeface="Tahoma" panose="020B0604030504040204" pitchFamily="34" charset="0"/>
+                <a:ea typeface="Tahoma" panose="020B0604030504040204" pitchFamily="34" charset="0"/>
+                <a:cs typeface="Tahoma" panose="020B0604030504040204" pitchFamily="34" charset="0"/>
+              </a:rPr>
+              <a:t>int</a:t>
+            </a:r>
+            <a:r>
+              <a:rPr lang="en-US" sz="1300" dirty="0">
+                <a:latin typeface="Tahoma" panose="020B0604030504040204" pitchFamily="34" charset="0"/>
+                <a:ea typeface="Tahoma" panose="020B0604030504040204" pitchFamily="34" charset="0"/>
+                <a:cs typeface="Tahoma" panose="020B0604030504040204" pitchFamily="34" charset="0"/>
+              </a:rPr>
+              <a:t> . </a:t>
+            </a:r>
+            <a:r>
+              <a:rPr lang="en-US" sz="1300" dirty="0" err="1">
+                <a:latin typeface="Tahoma" panose="020B0604030504040204" pitchFamily="34" charset="0"/>
+                <a:ea typeface="Tahoma" panose="020B0604030504040204" pitchFamily="34" charset="0"/>
+                <a:cs typeface="Tahoma" panose="020B0604030504040204" pitchFamily="34" charset="0"/>
+              </a:rPr>
+              <a:t>int</a:t>
+            </a:r>
+            <a:endParaRPr lang="en-US" sz="1300" dirty="0">
+              <a:latin typeface="Tahoma" panose="020B0604030504040204" pitchFamily="34" charset="0"/>
+              <a:ea typeface="Tahoma" panose="020B0604030504040204" pitchFamily="34" charset="0"/>
+              <a:cs typeface="Tahoma" panose="020B0604030504040204" pitchFamily="34" charset="0"/>
+            </a:endParaRPr>
+          </a:p>
+          <a:p>
+            <a:pPr marL="457200" lvl="1" indent="0">
+              <a:buNone/>
+            </a:pPr>
+            <a:r>
+              <a:rPr lang="en-US" sz="1300" dirty="0">
+                <a:latin typeface="Tahoma" panose="020B0604030504040204" pitchFamily="34" charset="0"/>
+                <a:ea typeface="Tahoma" panose="020B0604030504040204" pitchFamily="34" charset="0"/>
+                <a:cs typeface="Tahoma" panose="020B0604030504040204" pitchFamily="34" charset="0"/>
+              </a:rPr>
+              <a:t>L17,18: </a:t>
+            </a:r>
+            <a:r>
+              <a:rPr lang="en-US" sz="1300" dirty="0" err="1">
+                <a:latin typeface="Tahoma" panose="020B0604030504040204" pitchFamily="34" charset="0"/>
+                <a:ea typeface="Tahoma" panose="020B0604030504040204" pitchFamily="34" charset="0"/>
+                <a:cs typeface="Tahoma" panose="020B0604030504040204" pitchFamily="34" charset="0"/>
+              </a:rPr>
+              <a:t>int</a:t>
+            </a:r>
+            <a:r>
+              <a:rPr lang="en-US" sz="1300" dirty="0">
+                <a:latin typeface="Tahoma" panose="020B0604030504040204" pitchFamily="34" charset="0"/>
+                <a:ea typeface="Tahoma" panose="020B0604030504040204" pitchFamily="34" charset="0"/>
+                <a:cs typeface="Tahoma" panose="020B0604030504040204" pitchFamily="34" charset="0"/>
+              </a:rPr>
+              <a:t> + string</a:t>
+            </a:r>
+          </a:p>
+          <a:p>
+            <a:pPr marL="457200" lvl="1" indent="0">
+              <a:buNone/>
+            </a:pPr>
+            <a:r>
+              <a:rPr lang="en-US" sz="1300" dirty="0">
+                <a:latin typeface="Tahoma" panose="020B0604030504040204" pitchFamily="34" charset="0"/>
+                <a:ea typeface="Tahoma" panose="020B0604030504040204" pitchFamily="34" charset="0"/>
+                <a:cs typeface="Tahoma" panose="020B0604030504040204" pitchFamily="34" charset="0"/>
+              </a:rPr>
+              <a:t>L19,20: </a:t>
+            </a:r>
+            <a:r>
+              <a:rPr lang="en-US" sz="1300" dirty="0" err="1">
+                <a:latin typeface="Tahoma" panose="020B0604030504040204" pitchFamily="34" charset="0"/>
+                <a:ea typeface="Tahoma" panose="020B0604030504040204" pitchFamily="34" charset="0"/>
+                <a:cs typeface="Tahoma" panose="020B0604030504040204" pitchFamily="34" charset="0"/>
+              </a:rPr>
+              <a:t>int</a:t>
+            </a:r>
+            <a:r>
+              <a:rPr lang="en-US" sz="1300" dirty="0">
+                <a:latin typeface="Tahoma" panose="020B0604030504040204" pitchFamily="34" charset="0"/>
+                <a:ea typeface="Tahoma" panose="020B0604030504040204" pitchFamily="34" charset="0"/>
+                <a:cs typeface="Tahoma" panose="020B0604030504040204" pitchFamily="34" charset="0"/>
+              </a:rPr>
+              <a:t> . string</a:t>
+            </a:r>
+          </a:p>
+          <a:p>
+            <a:pPr marL="285744" indent="-285744"/>
+            <a:r>
+              <a:rPr lang="en-US" sz="1700" dirty="0">
+                <a:latin typeface="Tahoma" panose="020B0604030504040204" pitchFamily="34" charset="0"/>
+                <a:ea typeface="Tahoma" panose="020B0604030504040204" pitchFamily="34" charset="0"/>
+                <a:cs typeface="Tahoma" panose="020B0604030504040204" pitchFamily="34" charset="0"/>
+              </a:rPr>
+              <a:t>L23-24: HTML footer</a:t>
+            </a:r>
+          </a:p>
+        </p:txBody>
+      </p:sp>
+      <p:sp>
+        <p:nvSpPr>
+          <p:cNvPr id="6" name="Rectangle 5">
+            <a:extLst>
+              <a:ext uri="{FF2B5EF4-FFF2-40B4-BE49-F238E27FC236}">
+                <a16:creationId xmlns:a16="http://schemas.microsoft.com/office/drawing/2014/main" id="{56CF89B6-45BF-4C70-B4FA-B3D5F715A11A}"/>
+              </a:ext>
+            </a:extLst>
+          </p:cNvPr>
+          <p:cNvSpPr/>
+          <p:nvPr/>
+        </p:nvSpPr>
+        <p:spPr>
+          <a:xfrm>
+            <a:off x="3251582" y="0"/>
+            <a:ext cx="5819285" cy="307777"/>
+          </a:xfrm>
+          <a:prstGeom prst="rect">
+            <a:avLst/>
+          </a:prstGeom>
+          <a:solidFill>
+            <a:schemeClr val="bg1"/>
+          </a:solidFill>
+          <a:ln>
+            <a:solidFill>
+              <a:schemeClr val="accent1"/>
+            </a:solidFill>
+          </a:ln>
+        </p:spPr>
+        <p:txBody>
+          <a:bodyPr wrap="none">
+            <a:spAutoFit/>
+          </a:bodyPr>
+          <a:lstStyle/>
+          <a:p>
+            <a:r>
+              <a:rPr lang="en-US" altLang="ja-JP" sz="1400" dirty="0">
+                <a:latin typeface="Tahoma" panose="020B0604030504040204" pitchFamily="34" charset="0"/>
+                <a:ea typeface="Tahoma" panose="020B0604030504040204" pitchFamily="34" charset="0"/>
+                <a:cs typeface="Tahoma" panose="020B0604030504040204" pitchFamily="34" charset="0"/>
+              </a:rPr>
+              <a:t>3. folder: C:\appserv\www\php_lesson\    file name: lesson01_3.php</a:t>
+            </a:r>
+            <a:endParaRPr lang="ja-JP" altLang="en-US" sz="1400" dirty="0">
+              <a:latin typeface="Tahoma" panose="020B0604030504040204" pitchFamily="34" charset="0"/>
+              <a:cs typeface="Tahoma" panose="020B0604030504040204" pitchFamily="34" charset="0"/>
+            </a:endParaRPr>
+          </a:p>
+        </p:txBody>
+      </p:sp>
+      <p:sp>
+        <p:nvSpPr>
+          <p:cNvPr id="11" name="Rectangle 10">
+            <a:extLst>
+              <a:ext uri="{FF2B5EF4-FFF2-40B4-BE49-F238E27FC236}">
+                <a16:creationId xmlns:a16="http://schemas.microsoft.com/office/drawing/2014/main" id="{9A099E03-7F5D-40B5-AF83-8B36D2DA594B}"/>
+              </a:ext>
+            </a:extLst>
+          </p:cNvPr>
+          <p:cNvSpPr/>
+          <p:nvPr/>
+        </p:nvSpPr>
+        <p:spPr>
+          <a:xfrm>
+            <a:off x="82551" y="2339325"/>
+            <a:ext cx="4463081" cy="338554"/>
+          </a:xfrm>
+          <a:prstGeom prst="rect">
+            <a:avLst/>
+          </a:prstGeom>
+        </p:spPr>
+        <p:txBody>
+          <a:bodyPr wrap="none">
+            <a:spAutoFit/>
+          </a:bodyPr>
+          <a:lstStyle/>
+          <a:p>
+            <a:pPr algn="ctr"/>
+            <a:r>
+              <a:rPr lang="en-US" altLang="ja-JP" sz="1600" dirty="0">
+                <a:latin typeface="Tahoma" panose="020B0604030504040204" pitchFamily="34" charset="0"/>
+                <a:ea typeface="Tahoma" panose="020B0604030504040204" pitchFamily="34" charset="0"/>
+                <a:cs typeface="Tahoma" panose="020B0604030504040204" pitchFamily="34" charset="0"/>
+              </a:rPr>
+              <a:t>3.http://localhost/php_lesson/ lesson01_3.php </a:t>
+            </a:r>
+          </a:p>
+        </p:txBody>
+      </p:sp>
+      <p:sp>
+        <p:nvSpPr>
+          <p:cNvPr id="12" name="Rectangle 11">
+            <a:extLst>
+              <a:ext uri="{FF2B5EF4-FFF2-40B4-BE49-F238E27FC236}">
+                <a16:creationId xmlns:a16="http://schemas.microsoft.com/office/drawing/2014/main" id="{C77AA99F-01CF-4155-B9C5-78FDAE28F61E}"/>
+              </a:ext>
+            </a:extLst>
+          </p:cNvPr>
+          <p:cNvSpPr/>
+          <p:nvPr/>
+        </p:nvSpPr>
+        <p:spPr>
+          <a:xfrm>
+            <a:off x="1375784" y="4293531"/>
+            <a:ext cx="1356462" cy="369332"/>
+          </a:xfrm>
+          <a:prstGeom prst="rect">
+            <a:avLst/>
+          </a:prstGeom>
+        </p:spPr>
+        <p:txBody>
+          <a:bodyPr wrap="none">
+            <a:spAutoFit/>
+          </a:bodyPr>
+          <a:lstStyle/>
+          <a:p>
+            <a:pPr algn="ctr"/>
+            <a:r>
+              <a:rPr lang="en-US" altLang="ja-JP" dirty="0">
+                <a:latin typeface="Tahoma" panose="020B0604030504040204" pitchFamily="34" charset="0"/>
+                <a:ea typeface="Tahoma" panose="020B0604030504040204" pitchFamily="34" charset="0"/>
+                <a:cs typeface="Tahoma" panose="020B0604030504040204" pitchFamily="34" charset="0"/>
+              </a:rPr>
+              <a:t>explanation</a:t>
+            </a:r>
+            <a:endParaRPr lang="ja-JP" altLang="en-US" dirty="0">
+              <a:latin typeface="Tahoma" panose="020B0604030504040204" pitchFamily="34" charset="0"/>
+              <a:cs typeface="Tahoma" panose="020B0604030504040204" pitchFamily="34" charset="0"/>
+            </a:endParaRPr>
+          </a:p>
+        </p:txBody>
+      </p:sp>
+      <p:sp>
+        <p:nvSpPr>
+          <p:cNvPr id="14" name="Content Placeholder 2">
+            <a:extLst>
+              <a:ext uri="{FF2B5EF4-FFF2-40B4-BE49-F238E27FC236}">
+                <a16:creationId xmlns:a16="http://schemas.microsoft.com/office/drawing/2014/main" id="{F0528EC4-574A-49AF-BF35-6486232B5792}"/>
+              </a:ext>
+            </a:extLst>
+          </p:cNvPr>
+          <p:cNvSpPr txBox="1">
+            <a:spLocks/>
+          </p:cNvSpPr>
+          <p:nvPr/>
+        </p:nvSpPr>
+        <p:spPr>
+          <a:xfrm>
+            <a:off x="314369" y="944302"/>
+            <a:ext cx="3479292" cy="3785419"/>
+          </a:xfrm>
+          <a:prstGeom prst="rect">
+            <a:avLst/>
+          </a:prstGeom>
+        </p:spPr>
+        <p:txBody>
+          <a:bodyPr vert="horz" lIns="91440" tIns="45720" rIns="91440" bIns="45720" rtlCol="0">
+            <a:normAutofit/>
+          </a:bodyPr>
+          <a:lstStyle>
+            <a:lvl1pPr marL="228600" indent="-228600" algn="l" defTabSz="914400" rtl="0" eaLnBrk="1" latinLnBrk="0" hangingPunct="1">
+              <a:lnSpc>
+                <a:spcPct val="90000"/>
+              </a:lnSpc>
+              <a:spcBef>
+                <a:spcPts val="1000"/>
+              </a:spcBef>
+              <a:buFont typeface="Arial" panose="020B0604020202020204" pitchFamily="34" charset="0"/>
+              <a:buChar char="•"/>
+              <a:defRPr sz="2800" kern="1200">
+                <a:solidFill>
+                  <a:schemeClr val="tx1"/>
+                </a:solidFill>
+                <a:latin typeface="+mn-lt"/>
+                <a:ea typeface="+mn-ea"/>
+                <a:cs typeface="+mn-cs"/>
+              </a:defRPr>
+            </a:lvl1pPr>
+            <a:lvl2pPr marL="685800" indent="-228600" algn="l" defTabSz="914400" rtl="0" eaLnBrk="1" latinLnBrk="0" hangingPunct="1">
+              <a:lnSpc>
+                <a:spcPct val="90000"/>
+              </a:lnSpc>
+              <a:spcBef>
+                <a:spcPts val="500"/>
+              </a:spcBef>
+              <a:buFont typeface="Arial" panose="020B0604020202020204" pitchFamily="34" charset="0"/>
+              <a:buChar char="•"/>
+              <a:defRPr sz="2400" kern="1200">
+                <a:solidFill>
+                  <a:schemeClr val="tx1"/>
+                </a:solidFill>
+                <a:latin typeface="+mn-lt"/>
+                <a:ea typeface="+mn-ea"/>
+                <a:cs typeface="+mn-cs"/>
+              </a:defRPr>
+            </a:lvl2pPr>
+            <a:lvl3pPr marL="1143000" indent="-228600" algn="l" defTabSz="914400" rtl="0" eaLnBrk="1" latinLnBrk="0" hangingPunct="1">
+              <a:lnSpc>
+                <a:spcPct val="90000"/>
+              </a:lnSpc>
+              <a:spcBef>
+                <a:spcPts val="500"/>
+              </a:spcBef>
+              <a:buFont typeface="Arial" panose="020B0604020202020204" pitchFamily="34" charset="0"/>
+              <a:buChar char="•"/>
+              <a:defRPr sz="2000" kern="1200">
+                <a:solidFill>
+                  <a:schemeClr val="tx1"/>
+                </a:solidFill>
+                <a:latin typeface="+mn-lt"/>
+                <a:ea typeface="+mn-ea"/>
+                <a:cs typeface="+mn-cs"/>
+              </a:defRPr>
+            </a:lvl3pPr>
+            <a:lvl4pPr marL="1600200" indent="-228600" algn="l" defTabSz="914400" rtl="0" eaLnBrk="1" latinLnBrk="0" hangingPunct="1">
+              <a:lnSpc>
+                <a:spcPct val="90000"/>
+              </a:lnSpc>
+              <a:spcBef>
+                <a:spcPts val="500"/>
+              </a:spcBef>
+              <a:buFont typeface="Arial" panose="020B0604020202020204" pitchFamily="34" charset="0"/>
+              <a:buChar char="•"/>
+              <a:defRPr sz="1800" kern="1200">
+                <a:solidFill>
+                  <a:schemeClr val="tx1"/>
+                </a:solidFill>
+                <a:latin typeface="+mn-lt"/>
+                <a:ea typeface="+mn-ea"/>
+                <a:cs typeface="+mn-cs"/>
+              </a:defRPr>
+            </a:lvl4pPr>
+            <a:lvl5pPr marL="2057400" indent="-228600" algn="l" defTabSz="914400" rtl="0" eaLnBrk="1" latinLnBrk="0" hangingPunct="1">
+              <a:lnSpc>
+                <a:spcPct val="90000"/>
+              </a:lnSpc>
+              <a:spcBef>
+                <a:spcPts val="500"/>
+              </a:spcBef>
+              <a:buFont typeface="Arial" panose="020B0604020202020204" pitchFamily="34" charset="0"/>
+              <a:buChar char="•"/>
+              <a:defRPr sz="1800" kern="1200">
+                <a:solidFill>
+                  <a:schemeClr val="tx1"/>
+                </a:solidFill>
+                <a:latin typeface="+mn-lt"/>
+                <a:ea typeface="+mn-ea"/>
+                <a:cs typeface="+mn-cs"/>
+              </a:defRPr>
+            </a:lvl5pPr>
+            <a:lvl6pPr marL="2514600" indent="-228600" algn="l" defTabSz="914400" rtl="0" eaLnBrk="1" latinLnBrk="0" hangingPunct="1">
+              <a:lnSpc>
+                <a:spcPct val="90000"/>
+              </a:lnSpc>
+              <a:spcBef>
+                <a:spcPts val="500"/>
+              </a:spcBef>
+              <a:buFont typeface="Arial" panose="020B0604020202020204" pitchFamily="34" charset="0"/>
+              <a:buChar char="•"/>
+              <a:defRPr sz="1800" kern="1200">
+                <a:solidFill>
+                  <a:schemeClr val="tx1"/>
+                </a:solidFill>
+                <a:latin typeface="+mn-lt"/>
+                <a:ea typeface="+mn-ea"/>
+                <a:cs typeface="+mn-cs"/>
+              </a:defRPr>
+            </a:lvl6pPr>
+            <a:lvl7pPr marL="2971800" indent="-228600" algn="l" defTabSz="914400" rtl="0" eaLnBrk="1" latinLnBrk="0" hangingPunct="1">
+              <a:lnSpc>
+                <a:spcPct val="90000"/>
+              </a:lnSpc>
+              <a:spcBef>
+                <a:spcPts val="500"/>
+              </a:spcBef>
+              <a:buFont typeface="Arial" panose="020B0604020202020204" pitchFamily="34" charset="0"/>
+              <a:buChar char="•"/>
+              <a:defRPr sz="1800" kern="1200">
+                <a:solidFill>
+                  <a:schemeClr val="tx1"/>
+                </a:solidFill>
+                <a:latin typeface="+mn-lt"/>
+                <a:ea typeface="+mn-ea"/>
+                <a:cs typeface="+mn-cs"/>
+              </a:defRPr>
+            </a:lvl7pPr>
+            <a:lvl8pPr marL="3429000" indent="-228600" algn="l" defTabSz="914400" rtl="0" eaLnBrk="1" latinLnBrk="0" hangingPunct="1">
+              <a:lnSpc>
+                <a:spcPct val="90000"/>
+              </a:lnSpc>
+              <a:spcBef>
+                <a:spcPts val="500"/>
+              </a:spcBef>
+              <a:buFont typeface="Arial" panose="020B0604020202020204" pitchFamily="34" charset="0"/>
+              <a:buChar char="•"/>
+              <a:defRPr sz="1800" kern="1200">
+                <a:solidFill>
+                  <a:schemeClr val="tx1"/>
+                </a:solidFill>
+                <a:latin typeface="+mn-lt"/>
+                <a:ea typeface="+mn-ea"/>
+                <a:cs typeface="+mn-cs"/>
+              </a:defRPr>
+            </a:lvl8pPr>
+            <a:lvl9pPr marL="3886200" indent="-228600" algn="l" defTabSz="914400" rtl="0" eaLnBrk="1" latinLnBrk="0" hangingPunct="1">
+              <a:lnSpc>
+                <a:spcPct val="90000"/>
+              </a:lnSpc>
+              <a:spcBef>
+                <a:spcPts val="500"/>
+              </a:spcBef>
+              <a:buFont typeface="Arial" panose="020B0604020202020204" pitchFamily="34" charset="0"/>
+              <a:buChar char="•"/>
+              <a:defRPr sz="1800" kern="1200">
+                <a:solidFill>
+                  <a:schemeClr val="tx1"/>
+                </a:solidFill>
+                <a:latin typeface="+mn-lt"/>
+                <a:ea typeface="+mn-ea"/>
+                <a:cs typeface="+mn-cs"/>
+              </a:defRPr>
+            </a:lvl9pPr>
+          </a:lstStyle>
+          <a:p>
+            <a:pPr marL="342891" indent="-342891">
+              <a:buFont typeface="+mj-lt"/>
+              <a:buAutoNum type="arabicPeriod"/>
+            </a:pPr>
+            <a:r>
+              <a:rPr lang="en-US" altLang="ja-JP" sz="1700" dirty="0">
+                <a:latin typeface="Tahoma" panose="020B0604030504040204" pitchFamily="34" charset="0"/>
+                <a:ea typeface="Tahoma" panose="020B0604030504040204" pitchFamily="34" charset="0"/>
+                <a:cs typeface="Tahoma" panose="020B0604030504040204" pitchFamily="34" charset="0"/>
+              </a:rPr>
+              <a:t>download "</a:t>
+            </a:r>
+            <a:r>
+              <a:rPr lang="en-US" altLang="ja-JP" sz="1800" dirty="0">
+                <a:latin typeface="Tahoma" panose="020B0604030504040204" pitchFamily="34" charset="0"/>
+                <a:ea typeface="Tahoma" panose="020B0604030504040204" pitchFamily="34" charset="0"/>
+                <a:cs typeface="Tahoma" panose="020B0604030504040204" pitchFamily="34" charset="0"/>
+              </a:rPr>
+              <a:t>lesson01_3</a:t>
+            </a:r>
+            <a:r>
+              <a:rPr lang="en-US" altLang="ja-JP" sz="1700" dirty="0">
+                <a:latin typeface="Tahoma" panose="020B0604030504040204" pitchFamily="34" charset="0"/>
+                <a:ea typeface="Tahoma" panose="020B0604030504040204" pitchFamily="34" charset="0"/>
+                <a:cs typeface="Tahoma" panose="020B0604030504040204" pitchFamily="34" charset="0"/>
+              </a:rPr>
+              <a:t>.php"</a:t>
+            </a:r>
+          </a:p>
+          <a:p>
+            <a:pPr marL="342891" indent="-342891">
+              <a:buFont typeface="+mj-lt"/>
+              <a:buAutoNum type="arabicPeriod"/>
+            </a:pPr>
+            <a:r>
+              <a:rPr lang="en-US" altLang="ja-JP" sz="1700" dirty="0">
+                <a:latin typeface="Tahoma" panose="020B0604030504040204" pitchFamily="34" charset="0"/>
+                <a:ea typeface="Tahoma" panose="020B0604030504040204" pitchFamily="34" charset="0"/>
+                <a:cs typeface="Tahoma" panose="020B0604030504040204" pitchFamily="34" charset="0"/>
+              </a:rPr>
+              <a:t>add program and save file.</a:t>
+            </a:r>
+          </a:p>
+          <a:p>
+            <a:pPr marL="342891" indent="-342891">
+              <a:buFont typeface="+mj-lt"/>
+              <a:buAutoNum type="arabicPeriod"/>
+            </a:pPr>
+            <a:r>
+              <a:rPr lang="en-US" altLang="ja-JP" sz="1700" dirty="0">
+                <a:latin typeface="Tahoma" panose="020B0604030504040204" pitchFamily="34" charset="0"/>
+                <a:ea typeface="Tahoma" panose="020B0604030504040204" pitchFamily="34" charset="0"/>
+                <a:cs typeface="Tahoma" panose="020B0604030504040204" pitchFamily="34" charset="0"/>
+              </a:rPr>
+              <a:t>show browser</a:t>
+            </a:r>
+          </a:p>
+        </p:txBody>
+      </p:sp>
+      <mc:AlternateContent xmlns:mc="http://schemas.openxmlformats.org/markup-compatibility/2006" xmlns:we="http://schemas.microsoft.com/office/webextensions/webextension/2010/11" xmlns:pca="http://schemas.microsoft.com/office/powerpoint/2013/contentapp">
+        <mc:Choice Requires="we pca">
+          <p:graphicFrame>
+            <p:nvGraphicFramePr>
+              <p:cNvPr id="17" name="Add-in 16" title="Code Presenter Pro">
+                <a:extLst>
+                  <a:ext uri="{FF2B5EF4-FFF2-40B4-BE49-F238E27FC236}">
+                    <a16:creationId xmlns:a16="http://schemas.microsoft.com/office/drawing/2014/main" id="{19F4A681-5A48-4969-A196-C5F6B0F85EE2}"/>
+                  </a:ext>
+                </a:extLst>
+              </p:cNvPr>
+              <p:cNvGraphicFramePr>
+                <a:graphicFrameLocks noGrp="1"/>
+              </p:cNvGraphicFramePr>
+              <p:nvPr>
+                <p:extLst/>
+              </p:nvPr>
+            </p:nvGraphicFramePr>
+            <p:xfrm>
+              <a:off x="4679385" y="394462"/>
+              <a:ext cx="4144937" cy="5715000"/>
+            </p:xfrm>
+            <a:graphic>
+              <a:graphicData uri="http://schemas.microsoft.com/office/webextensions/webextension/2010/11">
+                <we:webextensionref xmlns:we="http://schemas.microsoft.com/office/webextensions/webextension/2010/11" xmlns:r="http://schemas.openxmlformats.org/officeDocument/2006/relationships" r:id="rId4"/>
+              </a:graphicData>
+            </a:graphic>
+          </p:graphicFrame>
+        </mc:Choice>
+        <mc:Fallback xmlns="">
+          <p:pic>
+            <p:nvPicPr>
+              <p:cNvPr id="17" name="Add-in 16" title="Code Presenter Pro">
+                <a:extLst>
+                  <a:ext uri="{FF2B5EF4-FFF2-40B4-BE49-F238E27FC236}">
+                    <a16:creationId xmlns:a16="http://schemas.microsoft.com/office/drawing/2014/main" id="{19F4A681-5A48-4969-A196-C5F6B0F85EE2}"/>
+                  </a:ext>
+                </a:extLst>
+              </p:cNvPr>
+              <p:cNvPicPr>
+                <a:picLocks noGrp="1" noRot="1" noChangeAspect="1" noMove="1" noResize="1" noEditPoints="1" noAdjustHandles="1" noChangeArrowheads="1" noChangeShapeType="1"/>
+              </p:cNvPicPr>
+              <p:nvPr/>
+            </p:nvPicPr>
+            <p:blipFill>
+              <a:blip r:embed="rId5"/>
+              <a:stretch>
+                <a:fillRect/>
+              </a:stretch>
+            </p:blipFill>
+            <p:spPr>
+              <a:xfrm>
+                <a:off x="4679385" y="394462"/>
+                <a:ext cx="4144937" cy="5715000"/>
+              </a:xfrm>
+              <a:prstGeom prst="rect">
+                <a:avLst/>
+              </a:prstGeom>
+            </p:spPr>
+          </p:pic>
+        </mc:Fallback>
+      </mc:AlternateContent>
+      <p:pic>
+        <p:nvPicPr>
+          <p:cNvPr id="18" name="Picture 17">
+            <a:extLst>
+              <a:ext uri="{FF2B5EF4-FFF2-40B4-BE49-F238E27FC236}">
+                <a16:creationId xmlns:a16="http://schemas.microsoft.com/office/drawing/2014/main" id="{3BA061A5-3DD6-47C5-BBDD-995FFF373930}"/>
+              </a:ext>
+            </a:extLst>
+          </p:cNvPr>
+          <p:cNvPicPr>
+            <a:picLocks noChangeAspect="1"/>
+          </p:cNvPicPr>
+          <p:nvPr/>
+        </p:nvPicPr>
+        <p:blipFill rotWithShape="1">
+          <a:blip r:embed="rId6" cstate="email">
+            <a:extLst>
+              <a:ext uri="{28A0092B-C50C-407E-A947-70E740481C1C}">
+                <a14:useLocalDpi xmlns:a14="http://schemas.microsoft.com/office/drawing/2010/main"/>
+              </a:ext>
+            </a:extLst>
+          </a:blip>
+          <a:srcRect/>
+          <a:stretch/>
+        </p:blipFill>
+        <p:spPr>
+          <a:xfrm>
+            <a:off x="0" y="2690949"/>
+            <a:ext cx="4522629" cy="1626951"/>
+          </a:xfrm>
+          <a:prstGeom prst="rect">
+            <a:avLst/>
+          </a:prstGeom>
+          <a:ln>
+            <a:solidFill>
+              <a:schemeClr val="accent1"/>
+            </a:solidFill>
+          </a:ln>
+        </p:spPr>
+      </p:pic>
+    </p:spTree>
+    <p:extLst>
+      <p:ext uri="{BB962C8B-B14F-4D97-AF65-F5344CB8AC3E}">
+        <p14:creationId xmlns:p14="http://schemas.microsoft.com/office/powerpoint/2010/main" val="3882067587"/>
+      </p:ext>
+    </p:extLst>
+  </p:cSld>
+  <p:clrMapOvr>
+    <a:masterClrMapping/>
+  </p:clrMapOvr>
+</p:sld>
+</file>
+
+<file path=ppt/slides/slide13.xml><?xml version="1.0" encoding="utf-8"?>
+<p:sld xmlns:a="http://schemas.openxmlformats.org/drawingml/2006/main" xmlns:r="http://schemas.openxmlformats.org/officeDocument/2006/relationships" xmlns:p="http://schemas.openxmlformats.org/presentationml/2006/main">
+  <p:cSld>
+    <p:bg>
+      <p:bgPr>
+        <a:solidFill>
+          <a:schemeClr val="bg1"/>
+        </a:solidFill>
+        <a:effectLst/>
+      </p:bgPr>
+    </p:bg>
+    <p:spTree>
+      <p:nvGrpSpPr>
+        <p:cNvPr id="1" name=""/>
+        <p:cNvGrpSpPr/>
+        <p:nvPr/>
+      </p:nvGrpSpPr>
+      <p:grpSpPr>
+        <a:xfrm>
+          <a:off x="0" y="0"/>
+          <a:ext cx="0" cy="0"/>
+          <a:chOff x="0" y="0"/>
+          <a:chExt cx="0" cy="0"/>
+        </a:xfrm>
+      </p:grpSpPr>
+      <p:pic>
+        <p:nvPicPr>
+          <p:cNvPr id="13" name="Graphic 12">
+            <a:extLst>
+              <a:ext uri="{FF2B5EF4-FFF2-40B4-BE49-F238E27FC236}">
+                <a16:creationId xmlns:a16="http://schemas.microsoft.com/office/drawing/2014/main" id="{C0A1D308-1A10-46EC-BC7B-E1F8BE698AEE}"/>
+              </a:ext>
+            </a:extLst>
+          </p:cNvPr>
+          <p:cNvPicPr>
+            <a:picLocks noChangeAspect="1"/>
+          </p:cNvPicPr>
+          <p:nvPr/>
+        </p:nvPicPr>
+        <p:blipFill>
+          <a:blip r:embed="rId2" cstate="email">
+            <a:extLst>
+              <a:ext uri="{28A0092B-C50C-407E-A947-70E740481C1C}">
+                <a14:useLocalDpi xmlns:a14="http://schemas.microsoft.com/office/drawing/2010/main"/>
+              </a:ext>
+              <a:ext uri="{96DAC541-7B7A-43D3-8B79-37D633B846F1}">
+                <asvg:svgBlip xmlns:asvg="http://schemas.microsoft.com/office/drawing/2016/SVG/main" r:embed="rId3"/>
+              </a:ext>
+            </a:extLst>
+          </a:blip>
+          <a:stretch>
+            <a:fillRect/>
+          </a:stretch>
+        </p:blipFill>
+        <p:spPr>
+          <a:xfrm>
+            <a:off x="100076" y="6369742"/>
+            <a:ext cx="683948" cy="369332"/>
+          </a:xfrm>
+          <a:prstGeom prst="rect">
+            <a:avLst/>
+          </a:prstGeom>
+        </p:spPr>
+      </p:pic>
+      <p:sp>
+        <p:nvSpPr>
+          <p:cNvPr id="10" name="Rectangle 9">
+            <a:extLst>
+              <a:ext uri="{FF2B5EF4-FFF2-40B4-BE49-F238E27FC236}">
+                <a16:creationId xmlns:a16="http://schemas.microsoft.com/office/drawing/2014/main" id="{CEB41C5C-0F34-4DDA-9D7C-5E717F35F60C}"/>
+              </a:ext>
+            </a:extLst>
+          </p:cNvPr>
+          <p:cNvSpPr>
+            <a:spLocks noGrp="1" noRot="1" noChangeAspect="1" noMove="1" noResize="1" noEditPoints="1" noAdjustHandles="1" noChangeArrowheads="1" noChangeShapeType="1" noTextEdit="1"/>
+          </p:cNvSpPr>
+          <p:nvPr>
+            <p:extLst>
+              <p:ext uri="{386F3935-93C4-4BCD-93E2-E3B085C9AB24}">
+                <p16:designElem xmlns:p16="http://schemas.microsoft.com/office/powerpoint/2015/main" val="1"/>
+              </p:ext>
+            </p:extLst>
+          </p:nvPr>
+        </p:nvSpPr>
+        <p:spPr bwMode="ltGray">
+          <a:xfrm>
+            <a:off x="4601007" y="303591"/>
+            <a:ext cx="4301693" cy="5896743"/>
+          </a:xfrm>
+          <a:prstGeom prst="rect">
+            <a:avLst/>
+          </a:prstGeom>
+          <a:solidFill>
+            <a:schemeClr val="tx1">
+              <a:alpha val="15000"/>
+            </a:schemeClr>
+          </a:solidFill>
+          <a:ln w="127000" cap="sq" cmpd="thinThick">
+            <a:solidFill>
+              <a:schemeClr val="tx1">
+                <a:alpha val="10000"/>
+              </a:schemeClr>
+            </a:solidFill>
+          </a:ln>
+        </p:spPr>
+        <p:style>
+          <a:lnRef idx="2">
+            <a:schemeClr val="accent1">
+              <a:shade val="50000"/>
+            </a:schemeClr>
+          </a:lnRef>
+          <a:fillRef idx="1">
+            <a:schemeClr val="accent1"/>
+          </a:fillRef>
+          <a:effectRef idx="0">
+            <a:schemeClr val="accent1"/>
+          </a:effectRef>
+          <a:fontRef idx="minor">
+            <a:schemeClr val="lt1"/>
+          </a:fontRef>
+        </p:style>
+        <p:txBody>
+          <a:bodyPr rtlCol="0" anchor="ctr"/>
+          <a:lstStyle/>
+          <a:p>
+            <a:pPr algn="ctr"/>
+            <a:endParaRPr lang="en-US"/>
+          </a:p>
+        </p:txBody>
+      </p:sp>
+      <p:sp>
+        <p:nvSpPr>
+          <p:cNvPr id="2" name="Title 1">
+            <a:extLst>
+              <a:ext uri="{FF2B5EF4-FFF2-40B4-BE49-F238E27FC236}">
+                <a16:creationId xmlns:a16="http://schemas.microsoft.com/office/drawing/2014/main" id="{E44D6F80-BF44-4B52-9DF2-B11355DE48D4}"/>
+              </a:ext>
+            </a:extLst>
+          </p:cNvPr>
+          <p:cNvSpPr>
+            <a:spLocks noGrp="1"/>
+          </p:cNvSpPr>
+          <p:nvPr>
+            <p:ph type="title"/>
+          </p:nvPr>
+        </p:nvSpPr>
+        <p:spPr>
+          <a:xfrm>
+            <a:off x="251967" y="13232"/>
+            <a:ext cx="3479292" cy="787957"/>
+          </a:xfrm>
+        </p:spPr>
+        <p:txBody>
+          <a:bodyPr>
+            <a:normAutofit/>
+          </a:bodyPr>
+          <a:lstStyle/>
+          <a:p>
+            <a:pPr algn="ctr"/>
+            <a:r>
+              <a:rPr lang="en-US" sz="3500" dirty="0"/>
+              <a:t>lesson01_4</a:t>
+            </a:r>
+          </a:p>
+        </p:txBody>
+      </p:sp>
+      <p:sp>
+        <p:nvSpPr>
+          <p:cNvPr id="3" name="Content Placeholder 2">
+            <a:extLst>
+              <a:ext uri="{FF2B5EF4-FFF2-40B4-BE49-F238E27FC236}">
+                <a16:creationId xmlns:a16="http://schemas.microsoft.com/office/drawing/2014/main" id="{DDF43F30-1DCF-4886-AE1F-6373FF92B3E1}"/>
+              </a:ext>
+            </a:extLst>
+          </p:cNvPr>
+          <p:cNvSpPr>
+            <a:spLocks noGrp="1"/>
+          </p:cNvSpPr>
+          <p:nvPr>
+            <p:ph idx="1"/>
+          </p:nvPr>
+        </p:nvSpPr>
+        <p:spPr>
+          <a:xfrm>
+            <a:off x="598356" y="4690788"/>
+            <a:ext cx="3926617" cy="3773010"/>
+          </a:xfrm>
+        </p:spPr>
+        <p:txBody>
+          <a:bodyPr>
+            <a:normAutofit/>
+          </a:bodyPr>
+          <a:lstStyle/>
+          <a:p>
+            <a:pPr marL="285744" indent="-285744"/>
+            <a:r>
+              <a:rPr lang="en-US" sz="1700" dirty="0">
+                <a:latin typeface="Tahoma" panose="020B0604030504040204" pitchFamily="34" charset="0"/>
+                <a:ea typeface="Tahoma" panose="020B0604030504040204" pitchFamily="34" charset="0"/>
+                <a:cs typeface="Tahoma" panose="020B0604030504040204" pitchFamily="34" charset="0"/>
+              </a:rPr>
+              <a:t>L1-6: HTML header</a:t>
+            </a:r>
+          </a:p>
+          <a:p>
+            <a:pPr marL="285744" indent="-285744"/>
+            <a:r>
+              <a:rPr lang="en-US" sz="1700" dirty="0">
+                <a:latin typeface="Tahoma" panose="020B0604030504040204" pitchFamily="34" charset="0"/>
+                <a:ea typeface="Tahoma" panose="020B0604030504040204" pitchFamily="34" charset="0"/>
+                <a:cs typeface="Tahoma" panose="020B0604030504040204" pitchFamily="34" charset="0"/>
+              </a:rPr>
+              <a:t>L8-10: PHP program code</a:t>
+            </a:r>
+          </a:p>
+          <a:p>
+            <a:pPr marL="457200" lvl="1" indent="0">
+              <a:buNone/>
+            </a:pPr>
+            <a:r>
+              <a:rPr lang="en-US" sz="1300" dirty="0">
+                <a:latin typeface="Tahoma" panose="020B0604030504040204" pitchFamily="34" charset="0"/>
+                <a:ea typeface="Tahoma" panose="020B0604030504040204" pitchFamily="34" charset="0"/>
+                <a:cs typeface="Tahoma" panose="020B0604030504040204" pitchFamily="34" charset="0"/>
+              </a:rPr>
+              <a:t>L9: command rand</a:t>
+            </a:r>
+          </a:p>
+          <a:p>
+            <a:pPr marL="457200" lvl="1" indent="0">
+              <a:buNone/>
+            </a:pPr>
+            <a:r>
+              <a:rPr lang="en-US" sz="1300" dirty="0">
+                <a:latin typeface="Tahoma" panose="020B0604030504040204" pitchFamily="34" charset="0"/>
+                <a:ea typeface="Tahoma" panose="020B0604030504040204" pitchFamily="34" charset="0"/>
+                <a:cs typeface="Tahoma" panose="020B0604030504040204" pitchFamily="34" charset="0"/>
+              </a:rPr>
+              <a:t>L11: command if</a:t>
+            </a:r>
+          </a:p>
+          <a:p>
+            <a:pPr marL="457200" lvl="1" indent="0">
+              <a:buNone/>
+            </a:pPr>
+            <a:r>
+              <a:rPr lang="en-US" sz="1300" dirty="0">
+                <a:latin typeface="Tahoma" panose="020B0604030504040204" pitchFamily="34" charset="0"/>
+                <a:ea typeface="Tahoma" panose="020B0604030504040204" pitchFamily="34" charset="0"/>
+                <a:cs typeface="Tahoma" panose="020B0604030504040204" pitchFamily="34" charset="0"/>
+              </a:rPr>
+              <a:t>L13: command else if</a:t>
+            </a:r>
+          </a:p>
+          <a:p>
+            <a:pPr marL="457200" lvl="1" indent="0">
+              <a:buNone/>
+            </a:pPr>
+            <a:r>
+              <a:rPr lang="en-US" sz="1300" dirty="0">
+                <a:latin typeface="Tahoma" panose="020B0604030504040204" pitchFamily="34" charset="0"/>
+                <a:ea typeface="Tahoma" panose="020B0604030504040204" pitchFamily="34" charset="0"/>
+                <a:cs typeface="Tahoma" panose="020B0604030504040204" pitchFamily="34" charset="0"/>
+              </a:rPr>
+              <a:t>L15: command else</a:t>
+            </a:r>
+          </a:p>
+          <a:p>
+            <a:pPr marL="285744" indent="-285744"/>
+            <a:r>
+              <a:rPr lang="en-US" sz="1700" dirty="0">
+                <a:latin typeface="Tahoma" panose="020B0604030504040204" pitchFamily="34" charset="0"/>
+                <a:ea typeface="Tahoma" panose="020B0604030504040204" pitchFamily="34" charset="0"/>
+                <a:cs typeface="Tahoma" panose="020B0604030504040204" pitchFamily="34" charset="0"/>
+              </a:rPr>
+              <a:t>L23-24: HTML footer</a:t>
+            </a:r>
+          </a:p>
+        </p:txBody>
+      </p:sp>
+      <p:sp>
+        <p:nvSpPr>
+          <p:cNvPr id="6" name="Rectangle 5">
+            <a:extLst>
+              <a:ext uri="{FF2B5EF4-FFF2-40B4-BE49-F238E27FC236}">
+                <a16:creationId xmlns:a16="http://schemas.microsoft.com/office/drawing/2014/main" id="{56CF89B6-45BF-4C70-B4FA-B3D5F715A11A}"/>
+              </a:ext>
+            </a:extLst>
+          </p:cNvPr>
+          <p:cNvSpPr/>
+          <p:nvPr/>
+        </p:nvSpPr>
+        <p:spPr>
+          <a:xfrm>
+            <a:off x="3251582" y="0"/>
+            <a:ext cx="5819285" cy="307777"/>
+          </a:xfrm>
+          <a:prstGeom prst="rect">
+            <a:avLst/>
+          </a:prstGeom>
+          <a:solidFill>
+            <a:schemeClr val="bg1"/>
+          </a:solidFill>
+          <a:ln>
+            <a:solidFill>
+              <a:schemeClr val="accent1"/>
+            </a:solidFill>
+          </a:ln>
+        </p:spPr>
+        <p:txBody>
+          <a:bodyPr wrap="none">
+            <a:spAutoFit/>
+          </a:bodyPr>
+          <a:lstStyle/>
+          <a:p>
+            <a:r>
+              <a:rPr lang="en-US" altLang="ja-JP" sz="1400" dirty="0">
+                <a:latin typeface="Tahoma" panose="020B0604030504040204" pitchFamily="34" charset="0"/>
+                <a:ea typeface="Tahoma" panose="020B0604030504040204" pitchFamily="34" charset="0"/>
+                <a:cs typeface="Tahoma" panose="020B0604030504040204" pitchFamily="34" charset="0"/>
+              </a:rPr>
+              <a:t>3. folder: C:\appserv\www\php_lesson\    file name: lesson01_4.php</a:t>
+            </a:r>
+            <a:endParaRPr lang="ja-JP" altLang="en-US" sz="1400" dirty="0">
+              <a:latin typeface="Tahoma" panose="020B0604030504040204" pitchFamily="34" charset="0"/>
+              <a:cs typeface="Tahoma" panose="020B0604030504040204" pitchFamily="34" charset="0"/>
+            </a:endParaRPr>
+          </a:p>
+        </p:txBody>
+      </p:sp>
+      <p:sp>
+        <p:nvSpPr>
+          <p:cNvPr id="11" name="Rectangle 10">
+            <a:extLst>
+              <a:ext uri="{FF2B5EF4-FFF2-40B4-BE49-F238E27FC236}">
+                <a16:creationId xmlns:a16="http://schemas.microsoft.com/office/drawing/2014/main" id="{9A099E03-7F5D-40B5-AF83-8B36D2DA594B}"/>
+              </a:ext>
+            </a:extLst>
+          </p:cNvPr>
+          <p:cNvSpPr/>
+          <p:nvPr/>
+        </p:nvSpPr>
+        <p:spPr>
+          <a:xfrm>
+            <a:off x="82551" y="2339325"/>
+            <a:ext cx="4463081" cy="338554"/>
+          </a:xfrm>
+          <a:prstGeom prst="rect">
+            <a:avLst/>
+          </a:prstGeom>
+        </p:spPr>
+        <p:txBody>
+          <a:bodyPr wrap="none">
+            <a:spAutoFit/>
+          </a:bodyPr>
+          <a:lstStyle/>
+          <a:p>
+            <a:pPr algn="ctr"/>
+            <a:r>
+              <a:rPr lang="en-US" altLang="ja-JP" sz="1600" dirty="0">
+                <a:latin typeface="Tahoma" panose="020B0604030504040204" pitchFamily="34" charset="0"/>
+                <a:ea typeface="Tahoma" panose="020B0604030504040204" pitchFamily="34" charset="0"/>
+                <a:cs typeface="Tahoma" panose="020B0604030504040204" pitchFamily="34" charset="0"/>
+              </a:rPr>
+              <a:t>3.http://localhost/php_lesson/ lesson01_4.php </a:t>
+            </a:r>
+          </a:p>
+        </p:txBody>
+      </p:sp>
+      <p:sp>
+        <p:nvSpPr>
+          <p:cNvPr id="12" name="Rectangle 11">
+            <a:extLst>
+              <a:ext uri="{FF2B5EF4-FFF2-40B4-BE49-F238E27FC236}">
+                <a16:creationId xmlns:a16="http://schemas.microsoft.com/office/drawing/2014/main" id="{C77AA99F-01CF-4155-B9C5-78FDAE28F61E}"/>
+              </a:ext>
+            </a:extLst>
+          </p:cNvPr>
+          <p:cNvSpPr/>
+          <p:nvPr/>
+        </p:nvSpPr>
+        <p:spPr>
+          <a:xfrm>
+            <a:off x="1375784" y="4293531"/>
+            <a:ext cx="1356462" cy="369332"/>
+          </a:xfrm>
+          <a:prstGeom prst="rect">
+            <a:avLst/>
+          </a:prstGeom>
+        </p:spPr>
+        <p:txBody>
+          <a:bodyPr wrap="none">
+            <a:spAutoFit/>
+          </a:bodyPr>
+          <a:lstStyle/>
+          <a:p>
+            <a:pPr algn="ctr"/>
+            <a:r>
+              <a:rPr lang="en-US" altLang="ja-JP" dirty="0">
+                <a:latin typeface="Tahoma" panose="020B0604030504040204" pitchFamily="34" charset="0"/>
+                <a:ea typeface="Tahoma" panose="020B0604030504040204" pitchFamily="34" charset="0"/>
+                <a:cs typeface="Tahoma" panose="020B0604030504040204" pitchFamily="34" charset="0"/>
+              </a:rPr>
+              <a:t>explanation</a:t>
+            </a:r>
+            <a:endParaRPr lang="ja-JP" altLang="en-US" dirty="0">
+              <a:latin typeface="Tahoma" panose="020B0604030504040204" pitchFamily="34" charset="0"/>
+              <a:cs typeface="Tahoma" panose="020B0604030504040204" pitchFamily="34" charset="0"/>
+            </a:endParaRPr>
+          </a:p>
+        </p:txBody>
+      </p:sp>
+      <p:sp>
+        <p:nvSpPr>
+          <p:cNvPr id="14" name="Content Placeholder 2">
+            <a:extLst>
+              <a:ext uri="{FF2B5EF4-FFF2-40B4-BE49-F238E27FC236}">
+                <a16:creationId xmlns:a16="http://schemas.microsoft.com/office/drawing/2014/main" id="{F0528EC4-574A-49AF-BF35-6486232B5792}"/>
+              </a:ext>
+            </a:extLst>
+          </p:cNvPr>
+          <p:cNvSpPr txBox="1">
+            <a:spLocks/>
+          </p:cNvSpPr>
+          <p:nvPr/>
+        </p:nvSpPr>
+        <p:spPr>
+          <a:xfrm>
+            <a:off x="314369" y="944302"/>
+            <a:ext cx="3479292" cy="3785419"/>
+          </a:xfrm>
+          <a:prstGeom prst="rect">
+            <a:avLst/>
+          </a:prstGeom>
+        </p:spPr>
+        <p:txBody>
+          <a:bodyPr vert="horz" lIns="91440" tIns="45720" rIns="91440" bIns="45720" rtlCol="0">
+            <a:normAutofit/>
+          </a:bodyPr>
+          <a:lstStyle>
+            <a:lvl1pPr marL="228600" indent="-228600" algn="l" defTabSz="914400" rtl="0" eaLnBrk="1" latinLnBrk="0" hangingPunct="1">
+              <a:lnSpc>
+                <a:spcPct val="90000"/>
+              </a:lnSpc>
+              <a:spcBef>
+                <a:spcPts val="1000"/>
+              </a:spcBef>
+              <a:buFont typeface="Arial" panose="020B0604020202020204" pitchFamily="34" charset="0"/>
+              <a:buChar char="•"/>
+              <a:defRPr sz="2800" kern="1200">
+                <a:solidFill>
+                  <a:schemeClr val="tx1"/>
+                </a:solidFill>
+                <a:latin typeface="+mn-lt"/>
+                <a:ea typeface="+mn-ea"/>
+                <a:cs typeface="+mn-cs"/>
+              </a:defRPr>
+            </a:lvl1pPr>
+            <a:lvl2pPr marL="685800" indent="-228600" algn="l" defTabSz="914400" rtl="0" eaLnBrk="1" latinLnBrk="0" hangingPunct="1">
+              <a:lnSpc>
+                <a:spcPct val="90000"/>
+              </a:lnSpc>
+              <a:spcBef>
+                <a:spcPts val="500"/>
+              </a:spcBef>
+              <a:buFont typeface="Arial" panose="020B0604020202020204" pitchFamily="34" charset="0"/>
+              <a:buChar char="•"/>
+              <a:defRPr sz="2400" kern="1200">
+                <a:solidFill>
+                  <a:schemeClr val="tx1"/>
+                </a:solidFill>
+                <a:latin typeface="+mn-lt"/>
+                <a:ea typeface="+mn-ea"/>
+                <a:cs typeface="+mn-cs"/>
+              </a:defRPr>
+            </a:lvl2pPr>
+            <a:lvl3pPr marL="1143000" indent="-228600" algn="l" defTabSz="914400" rtl="0" eaLnBrk="1" latinLnBrk="0" hangingPunct="1">
+              <a:lnSpc>
+                <a:spcPct val="90000"/>
+              </a:lnSpc>
+              <a:spcBef>
+                <a:spcPts val="500"/>
+              </a:spcBef>
+              <a:buFont typeface="Arial" panose="020B0604020202020204" pitchFamily="34" charset="0"/>
+              <a:buChar char="•"/>
+              <a:defRPr sz="2000" kern="1200">
+                <a:solidFill>
+                  <a:schemeClr val="tx1"/>
+                </a:solidFill>
+                <a:latin typeface="+mn-lt"/>
+                <a:ea typeface="+mn-ea"/>
+                <a:cs typeface="+mn-cs"/>
+              </a:defRPr>
+            </a:lvl3pPr>
+            <a:lvl4pPr marL="1600200" indent="-228600" algn="l" defTabSz="914400" rtl="0" eaLnBrk="1" latinLnBrk="0" hangingPunct="1">
+              <a:lnSpc>
+                <a:spcPct val="90000"/>
+              </a:lnSpc>
+              <a:spcBef>
+                <a:spcPts val="500"/>
+              </a:spcBef>
+              <a:buFont typeface="Arial" panose="020B0604020202020204" pitchFamily="34" charset="0"/>
+              <a:buChar char="•"/>
+              <a:defRPr sz="1800" kern="1200">
+                <a:solidFill>
+                  <a:schemeClr val="tx1"/>
+                </a:solidFill>
+                <a:latin typeface="+mn-lt"/>
+                <a:ea typeface="+mn-ea"/>
+                <a:cs typeface="+mn-cs"/>
+              </a:defRPr>
+            </a:lvl4pPr>
+            <a:lvl5pPr marL="2057400" indent="-228600" algn="l" defTabSz="914400" rtl="0" eaLnBrk="1" latinLnBrk="0" hangingPunct="1">
+              <a:lnSpc>
+                <a:spcPct val="90000"/>
+              </a:lnSpc>
+              <a:spcBef>
+                <a:spcPts val="500"/>
+              </a:spcBef>
+              <a:buFont typeface="Arial" panose="020B0604020202020204" pitchFamily="34" charset="0"/>
+              <a:buChar char="•"/>
+              <a:defRPr sz="1800" kern="1200">
+                <a:solidFill>
+                  <a:schemeClr val="tx1"/>
+                </a:solidFill>
+                <a:latin typeface="+mn-lt"/>
+                <a:ea typeface="+mn-ea"/>
+                <a:cs typeface="+mn-cs"/>
+              </a:defRPr>
+            </a:lvl5pPr>
+            <a:lvl6pPr marL="2514600" indent="-228600" algn="l" defTabSz="914400" rtl="0" eaLnBrk="1" latinLnBrk="0" hangingPunct="1">
+              <a:lnSpc>
+                <a:spcPct val="90000"/>
+              </a:lnSpc>
+              <a:spcBef>
+                <a:spcPts val="500"/>
+              </a:spcBef>
+              <a:buFont typeface="Arial" panose="020B0604020202020204" pitchFamily="34" charset="0"/>
+              <a:buChar char="•"/>
+              <a:defRPr sz="1800" kern="1200">
+                <a:solidFill>
+                  <a:schemeClr val="tx1"/>
+                </a:solidFill>
+                <a:latin typeface="+mn-lt"/>
+                <a:ea typeface="+mn-ea"/>
+                <a:cs typeface="+mn-cs"/>
+              </a:defRPr>
+            </a:lvl6pPr>
+            <a:lvl7pPr marL="2971800" indent="-228600" algn="l" defTabSz="914400" rtl="0" eaLnBrk="1" latinLnBrk="0" hangingPunct="1">
+              <a:lnSpc>
+                <a:spcPct val="90000"/>
+              </a:lnSpc>
+              <a:spcBef>
+                <a:spcPts val="500"/>
+              </a:spcBef>
+              <a:buFont typeface="Arial" panose="020B0604020202020204" pitchFamily="34" charset="0"/>
+              <a:buChar char="•"/>
+              <a:defRPr sz="1800" kern="1200">
+                <a:solidFill>
+                  <a:schemeClr val="tx1"/>
+                </a:solidFill>
+                <a:latin typeface="+mn-lt"/>
+                <a:ea typeface="+mn-ea"/>
+                <a:cs typeface="+mn-cs"/>
+              </a:defRPr>
+            </a:lvl7pPr>
+            <a:lvl8pPr marL="3429000" indent="-228600" algn="l" defTabSz="914400" rtl="0" eaLnBrk="1" latinLnBrk="0" hangingPunct="1">
+              <a:lnSpc>
+                <a:spcPct val="90000"/>
+              </a:lnSpc>
+              <a:spcBef>
+                <a:spcPts val="500"/>
+              </a:spcBef>
+              <a:buFont typeface="Arial" panose="020B0604020202020204" pitchFamily="34" charset="0"/>
+              <a:buChar char="•"/>
+              <a:defRPr sz="1800" kern="1200">
+                <a:solidFill>
+                  <a:schemeClr val="tx1"/>
+                </a:solidFill>
+                <a:latin typeface="+mn-lt"/>
+                <a:ea typeface="+mn-ea"/>
+                <a:cs typeface="+mn-cs"/>
+              </a:defRPr>
+            </a:lvl8pPr>
+            <a:lvl9pPr marL="3886200" indent="-228600" algn="l" defTabSz="914400" rtl="0" eaLnBrk="1" latinLnBrk="0" hangingPunct="1">
+              <a:lnSpc>
+                <a:spcPct val="90000"/>
+              </a:lnSpc>
+              <a:spcBef>
+                <a:spcPts val="500"/>
+              </a:spcBef>
+              <a:buFont typeface="Arial" panose="020B0604020202020204" pitchFamily="34" charset="0"/>
+              <a:buChar char="•"/>
+              <a:defRPr sz="1800" kern="1200">
+                <a:solidFill>
+                  <a:schemeClr val="tx1"/>
+                </a:solidFill>
+                <a:latin typeface="+mn-lt"/>
+                <a:ea typeface="+mn-ea"/>
+                <a:cs typeface="+mn-cs"/>
+              </a:defRPr>
+            </a:lvl9pPr>
+          </a:lstStyle>
+          <a:p>
+            <a:pPr marL="342891" indent="-342891">
+              <a:buFont typeface="+mj-lt"/>
+              <a:buAutoNum type="arabicPeriod"/>
+            </a:pPr>
+            <a:r>
+              <a:rPr lang="en-US" altLang="ja-JP" sz="1700" dirty="0">
+                <a:latin typeface="Tahoma" panose="020B0604030504040204" pitchFamily="34" charset="0"/>
+                <a:ea typeface="Tahoma" panose="020B0604030504040204" pitchFamily="34" charset="0"/>
+                <a:cs typeface="Tahoma" panose="020B0604030504040204" pitchFamily="34" charset="0"/>
+              </a:rPr>
+              <a:t>download "</a:t>
+            </a:r>
+            <a:r>
+              <a:rPr lang="en-US" altLang="ja-JP" sz="1800" dirty="0">
+                <a:latin typeface="Tahoma" panose="020B0604030504040204" pitchFamily="34" charset="0"/>
+                <a:ea typeface="Tahoma" panose="020B0604030504040204" pitchFamily="34" charset="0"/>
+                <a:cs typeface="Tahoma" panose="020B0604030504040204" pitchFamily="34" charset="0"/>
+              </a:rPr>
+              <a:t>lesson01_4</a:t>
+            </a:r>
+            <a:r>
+              <a:rPr lang="en-US" altLang="ja-JP" sz="1700" dirty="0">
+                <a:latin typeface="Tahoma" panose="020B0604030504040204" pitchFamily="34" charset="0"/>
+                <a:ea typeface="Tahoma" panose="020B0604030504040204" pitchFamily="34" charset="0"/>
+                <a:cs typeface="Tahoma" panose="020B0604030504040204" pitchFamily="34" charset="0"/>
+              </a:rPr>
+              <a:t>.php"</a:t>
+            </a:r>
+          </a:p>
+          <a:p>
+            <a:pPr marL="342891" indent="-342891">
+              <a:buFont typeface="+mj-lt"/>
+              <a:buAutoNum type="arabicPeriod"/>
+            </a:pPr>
+            <a:r>
+              <a:rPr lang="en-US" altLang="ja-JP" sz="1700" dirty="0">
+                <a:latin typeface="Tahoma" panose="020B0604030504040204" pitchFamily="34" charset="0"/>
+                <a:ea typeface="Tahoma" panose="020B0604030504040204" pitchFamily="34" charset="0"/>
+                <a:cs typeface="Tahoma" panose="020B0604030504040204" pitchFamily="34" charset="0"/>
+              </a:rPr>
+              <a:t>add program and save file.</a:t>
+            </a:r>
+          </a:p>
+          <a:p>
+            <a:pPr marL="342891" indent="-342891">
+              <a:buFont typeface="+mj-lt"/>
+              <a:buAutoNum type="arabicPeriod"/>
+            </a:pPr>
+            <a:r>
+              <a:rPr lang="en-US" altLang="ja-JP" sz="1700" dirty="0">
+                <a:latin typeface="Tahoma" panose="020B0604030504040204" pitchFamily="34" charset="0"/>
+                <a:ea typeface="Tahoma" panose="020B0604030504040204" pitchFamily="34" charset="0"/>
+                <a:cs typeface="Tahoma" panose="020B0604030504040204" pitchFamily="34" charset="0"/>
+              </a:rPr>
+              <a:t>show browser</a:t>
+            </a:r>
+          </a:p>
+        </p:txBody>
+      </p:sp>
+      <mc:AlternateContent xmlns:mc="http://schemas.openxmlformats.org/markup-compatibility/2006" xmlns:we="http://schemas.microsoft.com/office/webextensions/webextension/2010/11" xmlns:pca="http://schemas.microsoft.com/office/powerpoint/2013/contentapp">
+        <mc:Choice Requires="we pca">
+          <p:graphicFrame>
+            <p:nvGraphicFramePr>
+              <p:cNvPr id="17" name="Add-in 16" title="Code Presenter Pro">
+                <a:extLst>
+                  <a:ext uri="{FF2B5EF4-FFF2-40B4-BE49-F238E27FC236}">
+                    <a16:creationId xmlns:a16="http://schemas.microsoft.com/office/drawing/2014/main" id="{D1000F09-2D62-4652-B5C8-A8487ED48DAE}"/>
+                  </a:ext>
+                </a:extLst>
+              </p:cNvPr>
+              <p:cNvGraphicFramePr>
+                <a:graphicFrameLocks noGrp="1"/>
+              </p:cNvGraphicFramePr>
+              <p:nvPr>
+                <p:extLst/>
+              </p:nvPr>
+            </p:nvGraphicFramePr>
+            <p:xfrm>
+              <a:off x="4679385" y="394462"/>
+              <a:ext cx="4144937" cy="5715000"/>
+            </p:xfrm>
+            <a:graphic>
+              <a:graphicData uri="http://schemas.microsoft.com/office/webextensions/webextension/2010/11">
+                <we:webextensionref xmlns:we="http://schemas.microsoft.com/office/webextensions/webextension/2010/11" xmlns:r="http://schemas.openxmlformats.org/officeDocument/2006/relationships" r:id="rId4"/>
+              </a:graphicData>
+            </a:graphic>
+          </p:graphicFrame>
+        </mc:Choice>
+        <mc:Fallback xmlns="">
+          <p:pic>
+            <p:nvPicPr>
+              <p:cNvPr id="17" name="Add-in 16" title="Code Presenter Pro">
+                <a:extLst>
+                  <a:ext uri="{FF2B5EF4-FFF2-40B4-BE49-F238E27FC236}">
+                    <a16:creationId xmlns:a16="http://schemas.microsoft.com/office/drawing/2014/main" id="{D1000F09-2D62-4652-B5C8-A8487ED48DAE}"/>
+                  </a:ext>
+                </a:extLst>
+              </p:cNvPr>
+              <p:cNvPicPr>
+                <a:picLocks noGrp="1" noRot="1" noChangeAspect="1" noMove="1" noResize="1" noEditPoints="1" noAdjustHandles="1" noChangeArrowheads="1" noChangeShapeType="1"/>
+              </p:cNvPicPr>
+              <p:nvPr/>
+            </p:nvPicPr>
+            <p:blipFill>
+              <a:blip r:embed="rId5"/>
+              <a:stretch>
+                <a:fillRect/>
+              </a:stretch>
+            </p:blipFill>
+            <p:spPr>
+              <a:xfrm>
+                <a:off x="4679385" y="394462"/>
+                <a:ext cx="4144937" cy="5715000"/>
+              </a:xfrm>
+              <a:prstGeom prst="rect">
+                <a:avLst/>
+              </a:prstGeom>
+            </p:spPr>
+          </p:pic>
+        </mc:Fallback>
+      </mc:AlternateContent>
+      <p:pic>
+        <p:nvPicPr>
+          <p:cNvPr id="18" name="Picture 17">
+            <a:extLst>
+              <a:ext uri="{FF2B5EF4-FFF2-40B4-BE49-F238E27FC236}">
+                <a16:creationId xmlns:a16="http://schemas.microsoft.com/office/drawing/2014/main" id="{908AA42F-D1D9-44E5-B366-2DBFCD28DF0D}"/>
+              </a:ext>
+            </a:extLst>
+          </p:cNvPr>
+          <p:cNvPicPr>
+            <a:picLocks noChangeAspect="1"/>
+          </p:cNvPicPr>
+          <p:nvPr/>
+        </p:nvPicPr>
+        <p:blipFill rotWithShape="1">
+          <a:blip r:embed="rId6" cstate="email">
+            <a:extLst>
+              <a:ext uri="{28A0092B-C50C-407E-A947-70E740481C1C}">
+                <a14:useLocalDpi xmlns:a14="http://schemas.microsoft.com/office/drawing/2010/main"/>
+              </a:ext>
+            </a:extLst>
+          </a:blip>
+          <a:srcRect/>
+          <a:stretch/>
+        </p:blipFill>
+        <p:spPr>
+          <a:xfrm>
+            <a:off x="0" y="2694843"/>
+            <a:ext cx="4458789" cy="910507"/>
+          </a:xfrm>
+          <a:prstGeom prst="rect">
+            <a:avLst/>
+          </a:prstGeom>
+          <a:ln>
+            <a:solidFill>
+              <a:schemeClr val="accent1"/>
+            </a:solidFill>
+          </a:ln>
+        </p:spPr>
+      </p:pic>
+    </p:spTree>
+    <p:extLst>
+      <p:ext uri="{BB962C8B-B14F-4D97-AF65-F5344CB8AC3E}">
+        <p14:creationId xmlns:p14="http://schemas.microsoft.com/office/powerpoint/2010/main" val="2292823950"/>
+      </p:ext>
+    </p:extLst>
+  </p:cSld>
+  <p:clrMapOvr>
+    <a:masterClrMapping/>
+  </p:clrMapOvr>
+</p:sld>
+</file>
+
 <file path=ppt/slides/slide2.xml><?xml version="1.0" encoding="utf-8"?>
 <p:sld xmlns:a="http://schemas.openxmlformats.org/drawingml/2006/main" xmlns:r="http://schemas.openxmlformats.org/officeDocument/2006/relationships" xmlns:p="http://schemas.openxmlformats.org/presentationml/2006/main">
   <p:cSld>
@@ -3995,133 +7212,6 @@
               <a:buFont typeface="+mj-lt"/>
               <a:buAutoNum type="arabicPeriod"/>
             </a:pPr>
-            <a:r>
-              <a:rPr lang="en-US" altLang="ja-JP" sz="1700" dirty="0">
-                <a:latin typeface="Tahoma" panose="020B0604030504040204" pitchFamily="34" charset="0"/>
-                <a:ea typeface="Tahoma" panose="020B0604030504040204" pitchFamily="34" charset="0"/>
-                <a:cs typeface="Tahoma" panose="020B0604030504040204" pitchFamily="34" charset="0"/>
-              </a:rPr>
-              <a:t>start </a:t>
-            </a:r>
-            <a:r>
-              <a:rPr lang="en-US" altLang="ja-JP" sz="1700" dirty="0" err="1">
-                <a:latin typeface="Tahoma" panose="020B0604030504040204" pitchFamily="34" charset="0"/>
-                <a:ea typeface="Tahoma" panose="020B0604030504040204" pitchFamily="34" charset="0"/>
-                <a:cs typeface="Tahoma" panose="020B0604030504040204" pitchFamily="34" charset="0"/>
-              </a:rPr>
-              <a:t>appserv</a:t>
-            </a:r>
-            <a:endParaRPr lang="en-US" altLang="ja-JP" sz="1700" dirty="0">
-              <a:latin typeface="Tahoma" panose="020B0604030504040204" pitchFamily="34" charset="0"/>
-              <a:ea typeface="Tahoma" panose="020B0604030504040204" pitchFamily="34" charset="0"/>
-              <a:cs typeface="Tahoma" panose="020B0604030504040204" pitchFamily="34" charset="0"/>
-            </a:endParaRPr>
-          </a:p>
-          <a:p>
-            <a:pPr marL="800080" lvl="1" indent="-342891">
-              <a:buFont typeface="+mj-lt"/>
-              <a:buAutoNum type="arabicPeriod"/>
-            </a:pPr>
-            <a:r>
-              <a:rPr lang="en-US" altLang="ja-JP" sz="1700" dirty="0">
-                <a:latin typeface="Tahoma" panose="020B0604030504040204" pitchFamily="34" charset="0"/>
-                <a:ea typeface="Tahoma" panose="020B0604030504040204" pitchFamily="34" charset="0"/>
-                <a:cs typeface="Tahoma" panose="020B0604030504040204" pitchFamily="34" charset="0"/>
-              </a:rPr>
-              <a:t>apache start</a:t>
-            </a:r>
-          </a:p>
-          <a:p>
-            <a:pPr marL="800080" lvl="1" indent="-342891">
-              <a:buFont typeface="+mj-lt"/>
-              <a:buAutoNum type="arabicPeriod"/>
-            </a:pPr>
-            <a:r>
-              <a:rPr lang="en-US" altLang="ja-JP" sz="1700" dirty="0" err="1">
-                <a:latin typeface="Tahoma" panose="020B0604030504040204" pitchFamily="34" charset="0"/>
-                <a:ea typeface="Tahoma" panose="020B0604030504040204" pitchFamily="34" charset="0"/>
-                <a:cs typeface="Tahoma" panose="020B0604030504040204" pitchFamily="34" charset="0"/>
-              </a:rPr>
-              <a:t>mysql</a:t>
-            </a:r>
-            <a:r>
-              <a:rPr lang="en-US" altLang="ja-JP" sz="1700" dirty="0">
-                <a:latin typeface="Tahoma" panose="020B0604030504040204" pitchFamily="34" charset="0"/>
-                <a:ea typeface="Tahoma" panose="020B0604030504040204" pitchFamily="34" charset="0"/>
-                <a:cs typeface="Tahoma" panose="020B0604030504040204" pitchFamily="34" charset="0"/>
-              </a:rPr>
-              <a:t> start</a:t>
-            </a:r>
-          </a:p>
-          <a:p>
-            <a:pPr marL="800080" lvl="1" indent="-342891">
-              <a:buFont typeface="+mj-lt"/>
-              <a:buAutoNum type="arabicPeriod"/>
-            </a:pPr>
-            <a:endParaRPr lang="en-US" altLang="ja-JP" sz="1700" dirty="0">
-              <a:latin typeface="Tahoma" panose="020B0604030504040204" pitchFamily="34" charset="0"/>
-              <a:ea typeface="Tahoma" panose="020B0604030504040204" pitchFamily="34" charset="0"/>
-              <a:cs typeface="Tahoma" panose="020B0604030504040204" pitchFamily="34" charset="0"/>
-            </a:endParaRPr>
-          </a:p>
-          <a:p>
-            <a:pPr marL="342880" indent="-342891">
-              <a:buFont typeface="+mj-lt"/>
-              <a:buAutoNum type="arabicPeriod"/>
-            </a:pPr>
-            <a:r>
-              <a:rPr lang="en-US" altLang="ja-JP" sz="2100" dirty="0">
-                <a:latin typeface="Tahoma" panose="020B0604030504040204" pitchFamily="34" charset="0"/>
-                <a:ea typeface="Tahoma" panose="020B0604030504040204" pitchFamily="34" charset="0"/>
-                <a:cs typeface="Tahoma" panose="020B0604030504040204" pitchFamily="34" charset="0"/>
-              </a:rPr>
-              <a:t>Use browser to follow URL.</a:t>
-            </a:r>
-          </a:p>
-          <a:p>
-            <a:pPr marL="457189" lvl="1" indent="0">
-              <a:buNone/>
-            </a:pPr>
-            <a:r>
-              <a:rPr lang="en-US" altLang="ja-JP" sz="1700" dirty="0">
-                <a:latin typeface="Tahoma" panose="020B0604030504040204" pitchFamily="34" charset="0"/>
-                <a:ea typeface="Tahoma" panose="020B0604030504040204" pitchFamily="34" charset="0"/>
-                <a:cs typeface="Tahoma" panose="020B0604030504040204" pitchFamily="34" charset="0"/>
-              </a:rPr>
-              <a:t>http://localhost/</a:t>
-            </a:r>
-          </a:p>
-          <a:p>
-            <a:pPr marL="457189" lvl="1" indent="0">
-              <a:buNone/>
-            </a:pPr>
-            <a:r>
-              <a:rPr lang="en-US" altLang="ja-JP" sz="1700" dirty="0">
-                <a:latin typeface="Tahoma" panose="020B0604030504040204" pitchFamily="34" charset="0"/>
-                <a:ea typeface="Tahoma" panose="020B0604030504040204" pitchFamily="34" charset="0"/>
-                <a:cs typeface="Tahoma" panose="020B0604030504040204" pitchFamily="34" charset="0"/>
-              </a:rPr>
-              <a:t>or</a:t>
-            </a:r>
-          </a:p>
-          <a:p>
-            <a:pPr marL="457189" lvl="1" indent="0">
-              <a:buNone/>
-            </a:pPr>
-            <a:r>
-              <a:rPr lang="en-US" altLang="ja-JP" sz="1700" dirty="0">
-                <a:latin typeface="Tahoma" panose="020B0604030504040204" pitchFamily="34" charset="0"/>
-                <a:ea typeface="Tahoma" panose="020B0604030504040204" pitchFamily="34" charset="0"/>
-                <a:cs typeface="Tahoma" panose="020B0604030504040204" pitchFamily="34" charset="0"/>
-              </a:rPr>
-              <a:t>http://127.0.0.1/</a:t>
-            </a:r>
-          </a:p>
-          <a:p>
-            <a:pPr marL="342891" indent="-342891">
-              <a:buFont typeface="+mj-lt"/>
-              <a:buAutoNum type="arabicPeriod"/>
-            </a:pPr>
             <a:endParaRPr lang="ja-JP" altLang="en-US" sz="1700" dirty="0">
               <a:latin typeface="Tahoma" panose="020B0604030504040204" pitchFamily="34" charset="0"/>
               <a:cs typeface="Tahoma" panose="020B0604030504040204" pitchFamily="34" charset="0"/>
@@ -4257,7 +7347,15 @@
                 <a:ea typeface="Tahoma" panose="020B0604030504040204" pitchFamily="34" charset="0"/>
                 <a:cs typeface="Tahoma" panose="020B0604030504040204" pitchFamily="34" charset="0"/>
               </a:rPr>
-              <a:t>lesson document &amp; program template</a:t>
+              <a:t>how to start </a:t>
+            </a:r>
+            <a:r>
+              <a:rPr lang="en-US" altLang="ja-JP" sz="2400" dirty="0" err="1">
+                <a:latin typeface="Tahoma" panose="020B0604030504040204" pitchFamily="34" charset="0"/>
+                <a:ea typeface="Tahoma" panose="020B0604030504040204" pitchFamily="34" charset="0"/>
+                <a:cs typeface="Tahoma" panose="020B0604030504040204" pitchFamily="34" charset="0"/>
+              </a:rPr>
+              <a:t>appserv</a:t>
             </a:r>
             <a:endParaRPr lang="en-US" sz="2400" dirty="0">
               <a:latin typeface="Tahoma" panose="020B0604030504040204" pitchFamily="34" charset="0"/>
@@ -4285,8 +7383,8 @@
         </p:nvSpPr>
         <p:spPr>
           <a:xfrm>
-            <a:off x="0" y="1536351"/>
-            <a:ext cx="5029200" cy="3785419"/>
+            <a:off x="-1" y="1156970"/>
+            <a:ext cx="5112328" cy="4981181"/>
           </a:xfrm>
         </p:spPr>
         <p:txBody>
@@ -4295,39 +7393,118 @@
           </a:bodyPr>
           <a:lstStyle/>
           <a:p>
-            <a:pPr marL="342891" indent="-342891">
+            <a:pPr marL="342880" indent="-342891">
               <a:buFont typeface="+mj-lt"/>
               <a:buAutoNum type="arabicPeriod"/>
             </a:pPr>
             <a:r>
+              <a:rPr lang="en-US" altLang="ja-JP" sz="2100" dirty="0">
+                <a:latin typeface="Tahoma" panose="020B0604030504040204" pitchFamily="34" charset="0"/>
+                <a:ea typeface="Tahoma" panose="020B0604030504040204" pitchFamily="34" charset="0"/>
+                <a:cs typeface="Tahoma" panose="020B0604030504040204" pitchFamily="34" charset="0"/>
+              </a:rPr>
+              <a:t>Start </a:t>
+            </a:r>
+            <a:r>
+              <a:rPr lang="en-US" altLang="ja-JP" sz="2100" dirty="0" err="1">
+                <a:latin typeface="Tahoma" panose="020B0604030504040204" pitchFamily="34" charset="0"/>
+                <a:ea typeface="Tahoma" panose="020B0604030504040204" pitchFamily="34" charset="0"/>
+                <a:cs typeface="Tahoma" panose="020B0604030504040204" pitchFamily="34" charset="0"/>
+              </a:rPr>
+              <a:t>AppServ</a:t>
+            </a:r>
+            <a:endParaRPr lang="en-US" altLang="ja-JP" sz="2100" dirty="0">
+              <a:latin typeface="Tahoma" panose="020B0604030504040204" pitchFamily="34" charset="0"/>
+              <a:ea typeface="Tahoma" panose="020B0604030504040204" pitchFamily="34" charset="0"/>
+              <a:cs typeface="Tahoma" panose="020B0604030504040204" pitchFamily="34" charset="0"/>
+            </a:endParaRPr>
+          </a:p>
+          <a:p>
+            <a:pPr marL="800080" lvl="1" indent="-342891">
+              <a:buFont typeface="+mj-lt"/>
+              <a:buAutoNum type="arabicPeriod"/>
+            </a:pPr>
+            <a:r>
               <a:rPr lang="en-US" altLang="ja-JP" sz="1700" dirty="0">
                 <a:latin typeface="Tahoma" panose="020B0604030504040204" pitchFamily="34" charset="0"/>
                 <a:ea typeface="Tahoma" panose="020B0604030504040204" pitchFamily="34" charset="0"/>
                 <a:cs typeface="Tahoma" panose="020B0604030504040204" pitchFamily="34" charset="0"/>
               </a:rPr>
-              <a:t>download from follow URL.</a:t>
+              <a:t>apache start</a:t>
+            </a:r>
+          </a:p>
+          <a:p>
+            <a:pPr marL="800080" lvl="1" indent="-342891">
+              <a:buFont typeface="+mj-lt"/>
+              <a:buAutoNum type="arabicPeriod"/>
+            </a:pPr>
+            <a:r>
+              <a:rPr lang="en-US" altLang="ja-JP" sz="1700" dirty="0" err="1">
+                <a:latin typeface="Tahoma" panose="020B0604030504040204" pitchFamily="34" charset="0"/>
+                <a:ea typeface="Tahoma" panose="020B0604030504040204" pitchFamily="34" charset="0"/>
+                <a:cs typeface="Tahoma" panose="020B0604030504040204" pitchFamily="34" charset="0"/>
+              </a:rPr>
+              <a:t>mysql</a:t>
+            </a:r>
+            <a:r>
+              <a:rPr lang="en-US" altLang="ja-JP" sz="1700" dirty="0">
+                <a:latin typeface="Tahoma" panose="020B0604030504040204" pitchFamily="34" charset="0"/>
+                <a:ea typeface="Tahoma" panose="020B0604030504040204" pitchFamily="34" charset="0"/>
+                <a:cs typeface="Tahoma" panose="020B0604030504040204" pitchFamily="34" charset="0"/>
+              </a:rPr>
+              <a:t> start</a:t>
+            </a:r>
+          </a:p>
+          <a:p>
+            <a:pPr marL="342880" indent="-342891">
+              <a:buFont typeface="+mj-lt"/>
+              <a:buAutoNum type="arabicPeriod"/>
+            </a:pPr>
+            <a:endParaRPr lang="en-US" altLang="ja-JP" sz="2100" dirty="0">
+              <a:latin typeface="Tahoma" panose="020B0604030504040204" pitchFamily="34" charset="0"/>
+              <a:ea typeface="Tahoma" panose="020B0604030504040204" pitchFamily="34" charset="0"/>
+              <a:cs typeface="Tahoma" panose="020B0604030504040204" pitchFamily="34" charset="0"/>
+            </a:endParaRPr>
+          </a:p>
+          <a:p>
+            <a:pPr marL="342880" indent="-342891">
+              <a:buFont typeface="+mj-lt"/>
+              <a:buAutoNum type="arabicPeriod"/>
+            </a:pPr>
+            <a:endParaRPr lang="en-US" altLang="ja-JP" sz="2100" dirty="0">
+              <a:latin typeface="Tahoma" panose="020B0604030504040204" pitchFamily="34" charset="0"/>
+              <a:ea typeface="Tahoma" panose="020B0604030504040204" pitchFamily="34" charset="0"/>
+              <a:cs typeface="Tahoma" panose="020B0604030504040204" pitchFamily="34" charset="0"/>
+            </a:endParaRPr>
+          </a:p>
+          <a:p>
+            <a:pPr marL="342880" indent="-342891">
+              <a:buFont typeface="+mj-lt"/>
+              <a:buAutoNum type="arabicPeriod"/>
+            </a:pPr>
+            <a:endParaRPr lang="en-US" altLang="ja-JP" sz="2100" dirty="0">
+              <a:latin typeface="Tahoma" panose="020B0604030504040204" pitchFamily="34" charset="0"/>
+              <a:ea typeface="Tahoma" panose="020B0604030504040204" pitchFamily="34" charset="0"/>
+              <a:cs typeface="Tahoma" panose="020B0604030504040204" pitchFamily="34" charset="0"/>
+            </a:endParaRPr>
+          </a:p>
+          <a:p>
+            <a:pPr marL="342880" indent="-342891">
+              <a:buFont typeface="+mj-lt"/>
+              <a:buAutoNum type="arabicPeriod"/>
+            </a:pPr>
+            <a:r>
+              <a:rPr lang="en-US" altLang="ja-JP" sz="2100" dirty="0">
+                <a:latin typeface="Tahoma" panose="020B0604030504040204" pitchFamily="34" charset="0"/>
+                <a:ea typeface="Tahoma" panose="020B0604030504040204" pitchFamily="34" charset="0"/>
+                <a:cs typeface="Tahoma" panose="020B0604030504040204" pitchFamily="34" charset="0"/>
+              </a:rPr>
+              <a:t>Access by Chrome.</a:t>
             </a:r>
           </a:p>
           <a:p>
             <a:pPr marL="457189" lvl="1" indent="0">
               <a:buNone/>
-            </a:pPr>
-            <a:r>
-              <a:rPr lang="en-US" altLang="ja-JP" sz="3200" dirty="0">
-                <a:solidFill>
-                  <a:srgbClr val="FF0000"/>
-                </a:solidFill>
-                <a:latin typeface="Tahoma" panose="020B0604030504040204" pitchFamily="34" charset="0"/>
-                <a:ea typeface="Tahoma" panose="020B0604030504040204" pitchFamily="34" charset="0"/>
-                <a:cs typeface="Tahoma" panose="020B0604030504040204" pitchFamily="34" charset="0"/>
-              </a:rPr>
-              <a:t>https://goo.gl/U1z3sL</a:t>
-            </a:r>
-          </a:p>
-          <a:p>
-            <a:pPr marL="342891" indent="-342891">
-              <a:buFont typeface="+mj-lt"/>
-              <a:buAutoNum type="arabicPeriod"/>
             </a:pPr>
             <a:endParaRPr lang="en-US" altLang="ja-JP" sz="1700" dirty="0">
               <a:latin typeface="Tahoma" panose="020B0604030504040204" pitchFamily="34" charset="0"/>
@@ -4336,9 +7513,47 @@
             </a:endParaRPr>
           </a:p>
           <a:p>
-            <a:pPr marL="342891" indent="-342891">
-              <a:buFont typeface="+mj-lt"/>
-              <a:buAutoNum type="arabicPeriod"/>
+            <a:pPr marL="457189" lvl="1" indent="0">
+              <a:buNone/>
+            </a:pPr>
+            <a:r>
+              <a:rPr lang="en-US" altLang="ja-JP" sz="1700" dirty="0">
+                <a:latin typeface="Tahoma" panose="020B0604030504040204" pitchFamily="34" charset="0"/>
+                <a:ea typeface="Tahoma" panose="020B0604030504040204" pitchFamily="34" charset="0"/>
+                <a:cs typeface="Tahoma" panose="020B0604030504040204" pitchFamily="34" charset="0"/>
+              </a:rPr>
+              <a:t>http://localhost/</a:t>
+            </a:r>
+          </a:p>
+          <a:p>
+            <a:pPr marL="457189" lvl="1" indent="0">
+              <a:buNone/>
+            </a:pPr>
+            <a:r>
+              <a:rPr lang="en-US" altLang="ja-JP" sz="1700" dirty="0">
+                <a:latin typeface="Tahoma" panose="020B0604030504040204" pitchFamily="34" charset="0"/>
+                <a:ea typeface="Tahoma" panose="020B0604030504040204" pitchFamily="34" charset="0"/>
+                <a:cs typeface="Tahoma" panose="020B0604030504040204" pitchFamily="34" charset="0"/>
+              </a:rPr>
+              <a:t>or</a:t>
+            </a:r>
+          </a:p>
+          <a:p>
+            <a:pPr marL="457189" lvl="1" indent="0">
+              <a:buNone/>
+            </a:pPr>
+            <a:r>
+              <a:rPr lang="en-US" altLang="ja-JP" sz="1700" dirty="0">
+                <a:latin typeface="Tahoma" panose="020B0604030504040204" pitchFamily="34" charset="0"/>
+                <a:ea typeface="Tahoma" panose="020B0604030504040204" pitchFamily="34" charset="0"/>
+                <a:cs typeface="Tahoma" panose="020B0604030504040204" pitchFamily="34" charset="0"/>
+              </a:rPr>
+              <a:t>http://127.0.0.1/</a:t>
+            </a:r>
+          </a:p>
+          <a:p>
+            <a:pPr marL="457189" lvl="1" indent="0">
+              <a:buNone/>
             </a:pPr>
             <a:endParaRPr lang="en-US" altLang="ja-JP" sz="1700" dirty="0">
               <a:latin typeface="Tahoma" panose="020B0604030504040204" pitchFamily="34" charset="0"/>
@@ -4346,6 +7561,52 @@
               <a:cs typeface="Tahoma" panose="020B0604030504040204" pitchFamily="34" charset="0"/>
             </a:endParaRPr>
           </a:p>
+          <a:p>
+            <a:pPr marL="457189" lvl="1" indent="0">
+              <a:buNone/>
+            </a:pPr>
+            <a:r>
+              <a:rPr lang="en-US" altLang="ja-JP" sz="1700" dirty="0">
+                <a:latin typeface="Tahoma" panose="020B0604030504040204" pitchFamily="34" charset="0"/>
+                <a:ea typeface="Tahoma" panose="020B0604030504040204" pitchFamily="34" charset="0"/>
+                <a:cs typeface="Tahoma" panose="020B0604030504040204" pitchFamily="34" charset="0"/>
+              </a:rPr>
+              <a:t>It means that webserver(</a:t>
+            </a:r>
+            <a:r>
+              <a:rPr lang="en-US" altLang="ja-JP" sz="1700" dirty="0" err="1">
+                <a:latin typeface="Tahoma" panose="020B0604030504040204" pitchFamily="34" charset="0"/>
+                <a:ea typeface="Tahoma" panose="020B0604030504040204" pitchFamily="34" charset="0"/>
+                <a:cs typeface="Tahoma" panose="020B0604030504040204" pitchFamily="34" charset="0"/>
+              </a:rPr>
+              <a:t>AppServ</a:t>
+            </a:r>
+            <a:r>
+              <a:rPr lang="en-US" altLang="ja-JP" sz="1700" dirty="0">
+                <a:latin typeface="Tahoma" panose="020B0604030504040204" pitchFamily="34" charset="0"/>
+                <a:ea typeface="Tahoma" panose="020B0604030504040204" pitchFamily="34" charset="0"/>
+                <a:cs typeface="Tahoma" panose="020B0604030504040204" pitchFamily="34" charset="0"/>
+              </a:rPr>
+              <a:t>) is started.</a:t>
+            </a:r>
+          </a:p>
+          <a:p>
+            <a:pPr marL="342891" indent="-342891">
+              <a:buFont typeface="+mj-lt"/>
+              <a:buAutoNum type="arabicPeriod"/>
+            </a:pPr>
+            <a:endParaRPr lang="ja-JP" altLang="en-US" sz="1700" dirty="0">
+              <a:latin typeface="Tahoma" panose="020B0604030504040204" pitchFamily="34" charset="0"/>
+              <a:cs typeface="Tahoma" panose="020B0604030504040204" pitchFamily="34" charset="0"/>
+            </a:endParaRPr>
+          </a:p>
+          <a:p>
+            <a:endParaRPr lang="en-US" sz="1700" dirty="0">
+              <a:latin typeface="Tahoma" panose="020B0604030504040204" pitchFamily="34" charset="0"/>
+              <a:ea typeface="Tahoma" panose="020B0604030504040204" pitchFamily="34" charset="0"/>
+              <a:cs typeface="Tahoma" panose="020B0604030504040204" pitchFamily="34" charset="0"/>
+            </a:endParaRPr>
+          </a:p>
         </p:txBody>
       </p:sp>
       <p:pic>
@@ -4353,7 +7614,7 @@
           <p:cNvPr id="5" name="Picture 4">
             <a:extLst>
               <a:ext uri="{FF2B5EF4-FFF2-40B4-BE49-F238E27FC236}">
-                <a16:creationId xmlns:a16="http://schemas.microsoft.com/office/drawing/2014/main" id="{227EB2E5-59F2-404C-A68C-EDB6161654E6}"/>
+                <a16:creationId xmlns:a16="http://schemas.microsoft.com/office/drawing/2014/main" id="{2BE28B56-D01B-4229-86A5-BF7EDCD219F7}"/>
               </a:ext>
             </a:extLst>
           </p:cNvPr>
@@ -4362,104 +7623,74 @@
           </p:cNvPicPr>
           <p:nvPr/>
         </p:nvPicPr>
-        <p:blipFill>
-          <a:blip r:embed="rId2" cstate="email">
-            <a:extLst>
-              <a:ext uri="{28A0092B-C50C-407E-A947-70E740481C1C}">
-                <a14:useLocalDpi xmlns:a14="http://schemas.microsoft.com/office/drawing/2010/main"/>
-              </a:ext>
-            </a:extLst>
-          </a:blip>
-          <a:stretch>
-            <a:fillRect/>
-          </a:stretch>
+        <p:blipFill rotWithShape="1">
+          <a:blip r:embed="rId2"/>
+          <a:srcRect l="33545" t="25031" r="49000" b="27616"/>
+          <a:stretch/>
         </p:blipFill>
         <p:spPr>
           <a:xfrm>
-            <a:off x="4597281" y="710781"/>
-            <a:ext cx="4477049" cy="2995457"/>
+            <a:off x="5311829" y="440575"/>
+            <a:ext cx="1596044" cy="2435629"/>
           </a:xfrm>
           <a:prstGeom prst="rect">
             <a:avLst/>
           </a:prstGeom>
         </p:spPr>
       </p:pic>
-    </p:spTree>
-    <p:extLst>
-      <p:ext uri="{BB962C8B-B14F-4D97-AF65-F5344CB8AC3E}">
-        <p14:creationId xmlns:p14="http://schemas.microsoft.com/office/powerpoint/2010/main" val="687318697"/>
-      </p:ext>
-    </p:extLst>
-  </p:cSld>
-  <p:clrMapOvr>
-    <a:masterClrMapping/>
-  </p:clrMapOvr>
-</p:sld>
-</file>
-
-<file path=ppt/slides/slide5.xml><?xml version="1.0" encoding="utf-8"?>
-<p:sld xmlns:a="http://schemas.openxmlformats.org/drawingml/2006/main" xmlns:r="http://schemas.openxmlformats.org/officeDocument/2006/relationships" xmlns:p="http://schemas.openxmlformats.org/presentationml/2006/main">
-  <p:cSld>
-    <p:bg>
-      <p:bgPr>
-        <a:solidFill>
-          <a:schemeClr val="bg1"/>
-        </a:solidFill>
-        <a:effectLst/>
-      </p:bgPr>
-    </p:bg>
-    <p:spTree>
-      <p:nvGrpSpPr>
-        <p:cNvPr id="1" name=""/>
-        <p:cNvGrpSpPr/>
-        <p:nvPr/>
-      </p:nvGrpSpPr>
-      <p:grpSpPr>
-        <a:xfrm>
-          <a:off x="0" y="0"/>
-          <a:ext cx="0" cy="0"/>
-          <a:chOff x="0" y="0"/>
-          <a:chExt cx="0" cy="0"/>
-        </a:xfrm>
-      </p:grpSpPr>
-      <p:sp>
-        <p:nvSpPr>
-          <p:cNvPr id="10" name="Rectangle 9">
+      <p:pic>
+        <p:nvPicPr>
+          <p:cNvPr id="6" name="Picture 5">
             <a:extLst>
               <a:ext uri="{FF2B5EF4-FFF2-40B4-BE49-F238E27FC236}">
-                <a16:creationId xmlns:a16="http://schemas.microsoft.com/office/drawing/2014/main" id="{CEB41C5C-0F34-4DDA-9D7C-5E717F35F60C}"/>
+                <a16:creationId xmlns:a16="http://schemas.microsoft.com/office/drawing/2014/main" id="{C06220E0-C7BC-40DA-BDD5-9DFCA9A3F790}"/>
               </a:ext>
             </a:extLst>
           </p:cNvPr>
-          <p:cNvSpPr>
-            <a:spLocks noGrp="1" noRot="1" noChangeAspect="1" noMove="1" noResize="1" noEditPoints="1" noAdjustHandles="1" noChangeArrowheads="1" noChangeShapeType="1" noTextEdit="1"/>
-          </p:cNvSpPr>
-          <p:nvPr>
-            <p:extLst>
-              <p:ext uri="{386F3935-93C4-4BCD-93E2-E3B085C9AB24}">
-                <p16:designElem xmlns:p16="http://schemas.microsoft.com/office/powerpoint/2015/main" val="1"/>
-              </p:ext>
-            </p:extLst>
-          </p:nvPr>
-        </p:nvSpPr>
-        <p:spPr bwMode="ltGray">
+          <p:cNvPicPr>
+            <a:picLocks noChangeAspect="1"/>
+          </p:cNvPicPr>
+          <p:nvPr/>
+        </p:nvPicPr>
+        <p:blipFill rotWithShape="1">
+          <a:blip r:embed="rId3"/>
+          <a:srcRect t="6424"/>
+          <a:stretch/>
+        </p:blipFill>
+        <p:spPr>
           <a:xfrm>
-            <a:off x="4601007" y="303591"/>
-            <a:ext cx="4301693" cy="5896743"/>
+            <a:off x="5232647" y="3495085"/>
+            <a:ext cx="3810735" cy="3022093"/>
           </a:xfrm>
           <a:prstGeom prst="rect">
             <a:avLst/>
           </a:prstGeom>
-          <a:solidFill>
-            <a:schemeClr val="tx1">
-              <a:alpha val="15000"/>
-            </a:schemeClr>
-          </a:solidFill>
-          <a:ln w="127000" cap="sq" cmpd="thinThick">
+        </p:spPr>
+      </p:pic>
+      <p:sp>
+        <p:nvSpPr>
+          <p:cNvPr id="8" name="Rectangle 7">
+            <a:extLst>
+              <a:ext uri="{FF2B5EF4-FFF2-40B4-BE49-F238E27FC236}">
+                <a16:creationId xmlns:a16="http://schemas.microsoft.com/office/drawing/2014/main" id="{8178B323-9E8E-4CFF-830C-315EC40D3ED3}"/>
+              </a:ext>
+            </a:extLst>
+          </p:cNvPr>
+          <p:cNvSpPr/>
+          <p:nvPr/>
+        </p:nvSpPr>
+        <p:spPr>
+          <a:xfrm>
+            <a:off x="5416615" y="872837"/>
+            <a:ext cx="1512916" cy="284133"/>
+          </a:xfrm>
+          <a:prstGeom prst="rect">
+            <a:avLst/>
+          </a:prstGeom>
+          <a:noFill/>
+          <a:ln w="38100">
             <a:solidFill>
-              <a:schemeClr val="tx1">
-                <a:alpha val="10000"/>
-              </a:schemeClr>
+              <a:srgbClr val="FF0000"/>
             </a:solidFill>
           </a:ln>
         </p:spPr>
@@ -4484,10 +7715,1697 @@
           <a:lstStyle/>
           <a:p>
             <a:pPr algn="ctr"/>
-            <a:endParaRPr lang="en-US"/>
-          </a:p>
-        </p:txBody>
-      </p:sp>
+            <a:endParaRPr lang="en-US" dirty="0"/>
+          </a:p>
+        </p:txBody>
+      </p:sp>
+      <p:sp>
+        <p:nvSpPr>
+          <p:cNvPr id="13" name="Rectangle 12">
+            <a:extLst>
+              <a:ext uri="{FF2B5EF4-FFF2-40B4-BE49-F238E27FC236}">
+                <a16:creationId xmlns:a16="http://schemas.microsoft.com/office/drawing/2014/main" id="{D4323997-ABB9-4156-9C3E-C1A250D2131C}"/>
+              </a:ext>
+            </a:extLst>
+          </p:cNvPr>
+          <p:cNvSpPr/>
+          <p:nvPr/>
+        </p:nvSpPr>
+        <p:spPr>
+          <a:xfrm>
+            <a:off x="5421647" y="1734286"/>
+            <a:ext cx="1512916" cy="284133"/>
+          </a:xfrm>
+          <a:prstGeom prst="rect">
+            <a:avLst/>
+          </a:prstGeom>
+          <a:noFill/>
+          <a:ln w="38100">
+            <a:solidFill>
+              <a:srgbClr val="FF0000"/>
+            </a:solidFill>
+          </a:ln>
+        </p:spPr>
+        <p:style>
+          <a:lnRef idx="2">
+            <a:schemeClr val="accent1">
+              <a:shade val="50000"/>
+            </a:schemeClr>
+          </a:lnRef>
+          <a:fillRef idx="1">
+            <a:schemeClr val="accent1"/>
+          </a:fillRef>
+          <a:effectRef idx="0">
+            <a:schemeClr val="accent1"/>
+          </a:effectRef>
+          <a:fontRef idx="minor">
+            <a:schemeClr val="lt1"/>
+          </a:fontRef>
+        </p:style>
+        <p:txBody>
+          <a:bodyPr rtlCol="0" anchor="ctr"/>
+          <a:lstStyle/>
+          <a:p>
+            <a:pPr algn="ctr"/>
+            <a:endParaRPr lang="en-US" dirty="0"/>
+          </a:p>
+        </p:txBody>
+      </p:sp>
+    </p:spTree>
+    <p:extLst>
+      <p:ext uri="{BB962C8B-B14F-4D97-AF65-F5344CB8AC3E}">
+        <p14:creationId xmlns:p14="http://schemas.microsoft.com/office/powerpoint/2010/main" val="981839172"/>
+      </p:ext>
+    </p:extLst>
+  </p:cSld>
+  <p:clrMapOvr>
+    <a:masterClrMapping/>
+  </p:clrMapOvr>
+</p:sld>
+</file>
+
+<file path=ppt/slides/slide5.xml><?xml version="1.0" encoding="utf-8"?>
+<p:sld xmlns:a="http://schemas.openxmlformats.org/drawingml/2006/main" xmlns:r="http://schemas.openxmlformats.org/officeDocument/2006/relationships" xmlns:p="http://schemas.openxmlformats.org/presentationml/2006/main">
+  <p:cSld>
+    <p:spTree>
+      <p:nvGrpSpPr>
+        <p:cNvPr id="1" name=""/>
+        <p:cNvGrpSpPr/>
+        <p:nvPr/>
+      </p:nvGrpSpPr>
+      <p:grpSpPr>
+        <a:xfrm>
+          <a:off x="0" y="0"/>
+          <a:ext cx="0" cy="0"/>
+          <a:chOff x="0" y="0"/>
+          <a:chExt cx="0" cy="0"/>
+        </a:xfrm>
+      </p:grpSpPr>
+      <p:sp>
+        <p:nvSpPr>
+          <p:cNvPr id="2" name="Title 1">
+            <a:extLst>
+              <a:ext uri="{FF2B5EF4-FFF2-40B4-BE49-F238E27FC236}">
+                <a16:creationId xmlns:a16="http://schemas.microsoft.com/office/drawing/2014/main" id="{0F1B9B9F-9AC6-424B-A41A-F15714BE8EC6}"/>
+              </a:ext>
+            </a:extLst>
+          </p:cNvPr>
+          <p:cNvSpPr>
+            <a:spLocks noGrp="1"/>
+          </p:cNvSpPr>
+          <p:nvPr>
+            <p:ph type="title"/>
+          </p:nvPr>
+        </p:nvSpPr>
+        <p:spPr>
+          <a:xfrm>
+            <a:off x="0" y="185885"/>
+            <a:ext cx="3479292" cy="1049792"/>
+          </a:xfrm>
+        </p:spPr>
+        <p:txBody>
+          <a:bodyPr>
+            <a:normAutofit/>
+          </a:bodyPr>
+          <a:lstStyle/>
+          <a:p>
+            <a:r>
+              <a:rPr lang="en-US" altLang="ja-JP" sz="2400" dirty="0" err="1">
+                <a:latin typeface="Tahoma" panose="020B0604030504040204" pitchFamily="34" charset="0"/>
+                <a:ea typeface="Tahoma" panose="020B0604030504040204" pitchFamily="34" charset="0"/>
+                <a:cs typeface="Tahoma" panose="020B0604030504040204" pitchFamily="34" charset="0"/>
+              </a:rPr>
+              <a:t>TextEditor</a:t>
+            </a:r>
+            <a:r>
+              <a:rPr lang="en-US" altLang="ja-JP" sz="2400" dirty="0">
+                <a:latin typeface="Tahoma" panose="020B0604030504040204" pitchFamily="34" charset="0"/>
+                <a:ea typeface="Tahoma" panose="020B0604030504040204" pitchFamily="34" charset="0"/>
+                <a:cs typeface="Tahoma" panose="020B0604030504040204" pitchFamily="34" charset="0"/>
+              </a:rPr>
+              <a:t>(Notepad)</a:t>
+            </a:r>
+            <a:endParaRPr lang="en-US" sz="2400" dirty="0">
+              <a:latin typeface="Tahoma" panose="020B0604030504040204" pitchFamily="34" charset="0"/>
+              <a:ea typeface="Tahoma" panose="020B0604030504040204" pitchFamily="34" charset="0"/>
+              <a:cs typeface="Tahoma" panose="020B0604030504040204" pitchFamily="34" charset="0"/>
+            </a:endParaRPr>
+          </a:p>
+        </p:txBody>
+      </p:sp>
+      <p:sp>
+        <p:nvSpPr>
+          <p:cNvPr id="3" name="Content Placeholder 2">
+            <a:extLst>
+              <a:ext uri="{FF2B5EF4-FFF2-40B4-BE49-F238E27FC236}">
+                <a16:creationId xmlns:a16="http://schemas.microsoft.com/office/drawing/2014/main" id="{D72E31AE-390B-4B6F-9F0B-032DBE9939FE}"/>
+              </a:ext>
+            </a:extLst>
+          </p:cNvPr>
+          <p:cNvSpPr>
+            <a:spLocks noGrp="1"/>
+          </p:cNvSpPr>
+          <p:nvPr>
+            <p:ph idx="1"/>
+          </p:nvPr>
+        </p:nvSpPr>
+        <p:spPr>
+          <a:xfrm>
+            <a:off x="-1" y="1156970"/>
+            <a:ext cx="3810735" cy="4981181"/>
+          </a:xfrm>
+        </p:spPr>
+        <p:txBody>
+          <a:bodyPr>
+            <a:normAutofit/>
+          </a:bodyPr>
+          <a:lstStyle/>
+          <a:p>
+            <a:pPr marL="342880" indent="-342891">
+              <a:buFont typeface="+mj-lt"/>
+              <a:buAutoNum type="arabicPeriod"/>
+            </a:pPr>
+            <a:r>
+              <a:rPr lang="en-US" altLang="ja-JP" sz="2100" dirty="0">
+                <a:latin typeface="Tahoma" panose="020B0604030504040204" pitchFamily="34" charset="0"/>
+                <a:ea typeface="Tahoma" panose="020B0604030504040204" pitchFamily="34" charset="0"/>
+                <a:cs typeface="Tahoma" panose="020B0604030504040204" pitchFamily="34" charset="0"/>
+              </a:rPr>
+              <a:t>Launch notepad</a:t>
+            </a:r>
+          </a:p>
+          <a:p>
+            <a:pPr marL="800080" lvl="1" indent="-342891">
+              <a:buFont typeface="+mj-lt"/>
+              <a:buAutoNum type="arabicPeriod"/>
+            </a:pPr>
+            <a:r>
+              <a:rPr lang="en-US" altLang="ja-JP" sz="1700" dirty="0">
+                <a:latin typeface="Tahoma" panose="020B0604030504040204" pitchFamily="34" charset="0"/>
+                <a:ea typeface="Tahoma" panose="020B0604030504040204" pitchFamily="34" charset="0"/>
+                <a:cs typeface="Tahoma" panose="020B0604030504040204" pitchFamily="34" charset="0"/>
+              </a:rPr>
+              <a:t>Search notepad</a:t>
+            </a:r>
+          </a:p>
+          <a:p>
+            <a:pPr marL="800080" lvl="1" indent="-342891">
+              <a:buFont typeface="+mj-lt"/>
+              <a:buAutoNum type="arabicPeriod"/>
+            </a:pPr>
+            <a:r>
+              <a:rPr lang="en-US" altLang="ja-JP" sz="1700" dirty="0">
+                <a:latin typeface="Tahoma" panose="020B0604030504040204" pitchFamily="34" charset="0"/>
+                <a:ea typeface="Tahoma" panose="020B0604030504040204" pitchFamily="34" charset="0"/>
+                <a:cs typeface="Tahoma" panose="020B0604030504040204" pitchFamily="34" charset="0"/>
+              </a:rPr>
+              <a:t>Click notepad</a:t>
+            </a:r>
+          </a:p>
+          <a:p>
+            <a:pPr marL="342880" indent="-342891">
+              <a:buFont typeface="+mj-lt"/>
+              <a:buAutoNum type="arabicPeriod"/>
+            </a:pPr>
+            <a:endParaRPr lang="en-US" altLang="ja-JP" sz="2100" dirty="0">
+              <a:latin typeface="Tahoma" panose="020B0604030504040204" pitchFamily="34" charset="0"/>
+              <a:ea typeface="Tahoma" panose="020B0604030504040204" pitchFamily="34" charset="0"/>
+              <a:cs typeface="Tahoma" panose="020B0604030504040204" pitchFamily="34" charset="0"/>
+            </a:endParaRPr>
+          </a:p>
+          <a:p>
+            <a:pPr marL="342880" indent="-342891">
+              <a:buFont typeface="+mj-lt"/>
+              <a:buAutoNum type="arabicPeriod"/>
+            </a:pPr>
+            <a:endParaRPr lang="en-US" altLang="ja-JP" sz="2100" dirty="0">
+              <a:latin typeface="Tahoma" panose="020B0604030504040204" pitchFamily="34" charset="0"/>
+              <a:ea typeface="Tahoma" panose="020B0604030504040204" pitchFamily="34" charset="0"/>
+              <a:cs typeface="Tahoma" panose="020B0604030504040204" pitchFamily="34" charset="0"/>
+            </a:endParaRPr>
+          </a:p>
+        </p:txBody>
+      </p:sp>
+      <p:pic>
+        <p:nvPicPr>
+          <p:cNvPr id="4" name="Picture 3">
+            <a:extLst>
+              <a:ext uri="{FF2B5EF4-FFF2-40B4-BE49-F238E27FC236}">
+                <a16:creationId xmlns:a16="http://schemas.microsoft.com/office/drawing/2014/main" id="{F6AD8234-D64A-475E-8D35-7716D64C9603}"/>
+              </a:ext>
+            </a:extLst>
+          </p:cNvPr>
+          <p:cNvPicPr>
+            <a:picLocks noChangeAspect="1"/>
+          </p:cNvPicPr>
+          <p:nvPr/>
+        </p:nvPicPr>
+        <p:blipFill rotWithShape="1">
+          <a:blip r:embed="rId2"/>
+          <a:srcRect l="68045" t="-4249" r="691" b="25692"/>
+          <a:stretch/>
+        </p:blipFill>
+        <p:spPr>
+          <a:xfrm>
+            <a:off x="5644926" y="415816"/>
+            <a:ext cx="2858814" cy="4040571"/>
+          </a:xfrm>
+          <a:prstGeom prst="rect">
+            <a:avLst/>
+          </a:prstGeom>
+        </p:spPr>
+      </p:pic>
+      <p:sp>
+        <p:nvSpPr>
+          <p:cNvPr id="8" name="Rectangle 7">
+            <a:extLst>
+              <a:ext uri="{FF2B5EF4-FFF2-40B4-BE49-F238E27FC236}">
+                <a16:creationId xmlns:a16="http://schemas.microsoft.com/office/drawing/2014/main" id="{8178B323-9E8E-4CFF-830C-315EC40D3ED3}"/>
+              </a:ext>
+            </a:extLst>
+          </p:cNvPr>
+          <p:cNvSpPr/>
+          <p:nvPr/>
+        </p:nvSpPr>
+        <p:spPr>
+          <a:xfrm>
+            <a:off x="5947939" y="1074602"/>
+            <a:ext cx="1993289" cy="491439"/>
+          </a:xfrm>
+          <a:prstGeom prst="rect">
+            <a:avLst/>
+          </a:prstGeom>
+          <a:noFill/>
+          <a:ln w="38100">
+            <a:solidFill>
+              <a:srgbClr val="FF0000"/>
+            </a:solidFill>
+          </a:ln>
+        </p:spPr>
+        <p:style>
+          <a:lnRef idx="2">
+            <a:schemeClr val="accent1">
+              <a:shade val="50000"/>
+            </a:schemeClr>
+          </a:lnRef>
+          <a:fillRef idx="1">
+            <a:schemeClr val="accent1"/>
+          </a:fillRef>
+          <a:effectRef idx="0">
+            <a:schemeClr val="accent1"/>
+          </a:effectRef>
+          <a:fontRef idx="minor">
+            <a:schemeClr val="lt1"/>
+          </a:fontRef>
+        </p:style>
+        <p:txBody>
+          <a:bodyPr rtlCol="0" anchor="ctr"/>
+          <a:lstStyle/>
+          <a:p>
+            <a:pPr algn="ctr"/>
+            <a:endParaRPr lang="en-US" dirty="0"/>
+          </a:p>
+        </p:txBody>
+      </p:sp>
+    </p:spTree>
+    <p:extLst>
+      <p:ext uri="{BB962C8B-B14F-4D97-AF65-F5344CB8AC3E}">
+        <p14:creationId xmlns:p14="http://schemas.microsoft.com/office/powerpoint/2010/main" val="2708635146"/>
+      </p:ext>
+    </p:extLst>
+  </p:cSld>
+  <p:clrMapOvr>
+    <a:masterClrMapping/>
+  </p:clrMapOvr>
+</p:sld>
+</file>
+
+<file path=ppt/slides/slide6.xml><?xml version="1.0" encoding="utf-8"?>
+<p:sld xmlns:a="http://schemas.openxmlformats.org/drawingml/2006/main" xmlns:r="http://schemas.openxmlformats.org/officeDocument/2006/relationships" xmlns:p="http://schemas.openxmlformats.org/presentationml/2006/main">
+  <p:cSld>
+    <p:spTree>
+      <p:nvGrpSpPr>
+        <p:cNvPr id="1" name=""/>
+        <p:cNvGrpSpPr/>
+        <p:nvPr/>
+      </p:nvGrpSpPr>
+      <p:grpSpPr>
+        <a:xfrm>
+          <a:off x="0" y="0"/>
+          <a:ext cx="0" cy="0"/>
+          <a:chOff x="0" y="0"/>
+          <a:chExt cx="0" cy="0"/>
+        </a:xfrm>
+      </p:grpSpPr>
+      <p:sp>
+        <p:nvSpPr>
+          <p:cNvPr id="2" name="Title 1">
+            <a:extLst>
+              <a:ext uri="{FF2B5EF4-FFF2-40B4-BE49-F238E27FC236}">
+                <a16:creationId xmlns:a16="http://schemas.microsoft.com/office/drawing/2014/main" id="{0F1B9B9F-9AC6-424B-A41A-F15714BE8EC6}"/>
+              </a:ext>
+            </a:extLst>
+          </p:cNvPr>
+          <p:cNvSpPr>
+            <a:spLocks noGrp="1"/>
+          </p:cNvSpPr>
+          <p:nvPr>
+            <p:ph type="title"/>
+          </p:nvPr>
+        </p:nvSpPr>
+        <p:spPr>
+          <a:xfrm>
+            <a:off x="0" y="185885"/>
+            <a:ext cx="3479292" cy="1049792"/>
+          </a:xfrm>
+        </p:spPr>
+        <p:txBody>
+          <a:bodyPr>
+            <a:normAutofit/>
+          </a:bodyPr>
+          <a:lstStyle/>
+          <a:p>
+            <a:r>
+              <a:rPr lang="en-US" altLang="ja-JP" sz="2400" dirty="0">
+                <a:latin typeface="Tahoma" panose="020B0604030504040204" pitchFamily="34" charset="0"/>
+                <a:ea typeface="Tahoma" panose="020B0604030504040204" pitchFamily="34" charset="0"/>
+                <a:cs typeface="Tahoma" panose="020B0604030504040204" pitchFamily="34" charset="0"/>
+              </a:rPr>
+              <a:t>Create php program</a:t>
+            </a:r>
+            <a:br>
+              <a:rPr lang="en-US" altLang="ja-JP" sz="2400" dirty="0">
+                <a:latin typeface="Tahoma" panose="020B0604030504040204" pitchFamily="34" charset="0"/>
+                <a:ea typeface="Tahoma" panose="020B0604030504040204" pitchFamily="34" charset="0"/>
+                <a:cs typeface="Tahoma" panose="020B0604030504040204" pitchFamily="34" charset="0"/>
+              </a:rPr>
+            </a:br>
+            <a:r>
+              <a:rPr lang="en-US" altLang="ja-JP" sz="2400" dirty="0">
+                <a:latin typeface="Tahoma" panose="020B0604030504040204" pitchFamily="34" charset="0"/>
+                <a:ea typeface="Tahoma" panose="020B0604030504040204" pitchFamily="34" charset="0"/>
+                <a:cs typeface="Tahoma" panose="020B0604030504040204" pitchFamily="34" charset="0"/>
+              </a:rPr>
+              <a:t>(lesson01_1.php)</a:t>
+            </a:r>
+            <a:endParaRPr lang="en-US" sz="2400" dirty="0">
+              <a:latin typeface="Tahoma" panose="020B0604030504040204" pitchFamily="34" charset="0"/>
+              <a:ea typeface="Tahoma" panose="020B0604030504040204" pitchFamily="34" charset="0"/>
+              <a:cs typeface="Tahoma" panose="020B0604030504040204" pitchFamily="34" charset="0"/>
+            </a:endParaRPr>
+          </a:p>
+        </p:txBody>
+      </p:sp>
+      <p:sp>
+        <p:nvSpPr>
+          <p:cNvPr id="3" name="Content Placeholder 2">
+            <a:extLst>
+              <a:ext uri="{FF2B5EF4-FFF2-40B4-BE49-F238E27FC236}">
+                <a16:creationId xmlns:a16="http://schemas.microsoft.com/office/drawing/2014/main" id="{D72E31AE-390B-4B6F-9F0B-032DBE9939FE}"/>
+              </a:ext>
+            </a:extLst>
+          </p:cNvPr>
+          <p:cNvSpPr>
+            <a:spLocks noGrp="1"/>
+          </p:cNvSpPr>
+          <p:nvPr>
+            <p:ph idx="1"/>
+          </p:nvPr>
+        </p:nvSpPr>
+        <p:spPr>
+          <a:xfrm>
+            <a:off x="-1" y="1156970"/>
+            <a:ext cx="3810735" cy="4981181"/>
+          </a:xfrm>
+        </p:spPr>
+        <p:txBody>
+          <a:bodyPr>
+            <a:normAutofit/>
+          </a:bodyPr>
+          <a:lstStyle/>
+          <a:p>
+            <a:pPr marL="342880" indent="-342891">
+              <a:buFont typeface="+mj-lt"/>
+              <a:buAutoNum type="arabicPeriod"/>
+            </a:pPr>
+            <a:r>
+              <a:rPr lang="en-US" altLang="ja-JP" sz="2100" dirty="0">
+                <a:latin typeface="Tahoma" panose="020B0604030504040204" pitchFamily="34" charset="0"/>
+                <a:ea typeface="Tahoma" panose="020B0604030504040204" pitchFamily="34" charset="0"/>
+                <a:cs typeface="Tahoma" panose="020B0604030504040204" pitchFamily="34" charset="0"/>
+              </a:rPr>
+              <a:t>Write program.</a:t>
+            </a:r>
+          </a:p>
+          <a:p>
+            <a:pPr marL="342880" indent="-342891">
+              <a:buFont typeface="+mj-lt"/>
+              <a:buAutoNum type="arabicPeriod"/>
+            </a:pPr>
+            <a:endParaRPr lang="en-US" altLang="ja-JP" sz="2100" dirty="0">
+              <a:latin typeface="Tahoma" panose="020B0604030504040204" pitchFamily="34" charset="0"/>
+              <a:ea typeface="Tahoma" panose="020B0604030504040204" pitchFamily="34" charset="0"/>
+              <a:cs typeface="Tahoma" panose="020B0604030504040204" pitchFamily="34" charset="0"/>
+            </a:endParaRPr>
+          </a:p>
+          <a:p>
+            <a:pPr marL="342880" indent="-342891">
+              <a:buFont typeface="+mj-lt"/>
+              <a:buAutoNum type="arabicPeriod"/>
+            </a:pPr>
+            <a:endParaRPr lang="en-US" altLang="ja-JP" sz="2100" dirty="0">
+              <a:latin typeface="Tahoma" panose="020B0604030504040204" pitchFamily="34" charset="0"/>
+              <a:ea typeface="Tahoma" panose="020B0604030504040204" pitchFamily="34" charset="0"/>
+              <a:cs typeface="Tahoma" panose="020B0604030504040204" pitchFamily="34" charset="0"/>
+            </a:endParaRPr>
+          </a:p>
+          <a:p>
+            <a:pPr marL="342880" indent="-342891">
+              <a:buFont typeface="+mj-lt"/>
+              <a:buAutoNum type="arabicPeriod"/>
+            </a:pPr>
+            <a:endParaRPr lang="en-US" altLang="ja-JP" sz="2100" dirty="0">
+              <a:latin typeface="Tahoma" panose="020B0604030504040204" pitchFamily="34" charset="0"/>
+              <a:ea typeface="Tahoma" panose="020B0604030504040204" pitchFamily="34" charset="0"/>
+              <a:cs typeface="Tahoma" panose="020B0604030504040204" pitchFamily="34" charset="0"/>
+            </a:endParaRPr>
+          </a:p>
+          <a:p>
+            <a:pPr marL="342880" indent="-342891">
+              <a:buFont typeface="+mj-lt"/>
+              <a:buAutoNum type="arabicPeriod"/>
+            </a:pPr>
+            <a:endParaRPr lang="en-US" altLang="ja-JP" sz="2100" dirty="0">
+              <a:latin typeface="Tahoma" panose="020B0604030504040204" pitchFamily="34" charset="0"/>
+              <a:ea typeface="Tahoma" panose="020B0604030504040204" pitchFamily="34" charset="0"/>
+              <a:cs typeface="Tahoma" panose="020B0604030504040204" pitchFamily="34" charset="0"/>
+            </a:endParaRPr>
+          </a:p>
+          <a:p>
+            <a:pPr marL="342880" indent="-342891">
+              <a:buFont typeface="+mj-lt"/>
+              <a:buAutoNum type="arabicPeriod"/>
+            </a:pPr>
+            <a:endParaRPr lang="en-US" altLang="ja-JP" sz="2100" dirty="0">
+              <a:latin typeface="Tahoma" panose="020B0604030504040204" pitchFamily="34" charset="0"/>
+              <a:ea typeface="Tahoma" panose="020B0604030504040204" pitchFamily="34" charset="0"/>
+              <a:cs typeface="Tahoma" panose="020B0604030504040204" pitchFamily="34" charset="0"/>
+            </a:endParaRPr>
+          </a:p>
+          <a:p>
+            <a:pPr marL="342880" indent="-342891">
+              <a:buFont typeface="+mj-lt"/>
+              <a:buAutoNum type="arabicPeriod"/>
+            </a:pPr>
+            <a:r>
+              <a:rPr lang="en-US" altLang="ja-JP" sz="2100" dirty="0">
+                <a:latin typeface="Tahoma" panose="020B0604030504040204" pitchFamily="34" charset="0"/>
+                <a:ea typeface="Tahoma" panose="020B0604030504040204" pitchFamily="34" charset="0"/>
+                <a:cs typeface="Tahoma" panose="020B0604030504040204" pitchFamily="34" charset="0"/>
+              </a:rPr>
+              <a:t>Save Launch notepad</a:t>
+            </a:r>
+          </a:p>
+          <a:p>
+            <a:pPr marL="800080" lvl="1" indent="-342891">
+              <a:buFont typeface="+mj-lt"/>
+              <a:buAutoNum type="arabicPeriod"/>
+            </a:pPr>
+            <a:r>
+              <a:rPr lang="en-US" altLang="ja-JP" sz="1700" dirty="0">
+                <a:latin typeface="Tahoma" panose="020B0604030504040204" pitchFamily="34" charset="0"/>
+                <a:ea typeface="Tahoma" panose="020B0604030504040204" pitchFamily="34" charset="0"/>
+                <a:cs typeface="Tahoma" panose="020B0604030504040204" pitchFamily="34" charset="0"/>
+              </a:rPr>
+              <a:t>File -&gt; Save As…</a:t>
+            </a:r>
+          </a:p>
+          <a:p>
+            <a:pPr marL="800080" lvl="1" indent="-342891">
+              <a:buFont typeface="+mj-lt"/>
+              <a:buAutoNum type="arabicPeriod"/>
+            </a:pPr>
+            <a:r>
+              <a:rPr lang="en-US" altLang="ja-JP" sz="1700" dirty="0">
+                <a:latin typeface="Tahoma" panose="020B0604030504040204" pitchFamily="34" charset="0"/>
+                <a:ea typeface="Tahoma" panose="020B0604030504040204" pitchFamily="34" charset="0"/>
+                <a:cs typeface="Tahoma" panose="020B0604030504040204" pitchFamily="34" charset="0"/>
+              </a:rPr>
+              <a:t>Folder: C:/AppServ/www</a:t>
+            </a:r>
+          </a:p>
+          <a:p>
+            <a:pPr marL="800080" lvl="1" indent="-342891">
+              <a:buFont typeface="+mj-lt"/>
+              <a:buAutoNum type="arabicPeriod"/>
+            </a:pPr>
+            <a:r>
+              <a:rPr lang="en-US" altLang="ja-JP" sz="1700" dirty="0" err="1">
+                <a:latin typeface="Tahoma" panose="020B0604030504040204" pitchFamily="34" charset="0"/>
+                <a:ea typeface="Tahoma" panose="020B0604030504040204" pitchFamily="34" charset="0"/>
+                <a:cs typeface="Tahoma" panose="020B0604030504040204" pitchFamily="34" charset="0"/>
+              </a:rPr>
+              <a:t>FileName</a:t>
+            </a:r>
+            <a:r>
+              <a:rPr lang="en-US" altLang="ja-JP" sz="1700" dirty="0">
+                <a:latin typeface="Tahoma" panose="020B0604030504040204" pitchFamily="34" charset="0"/>
+                <a:ea typeface="Tahoma" panose="020B0604030504040204" pitchFamily="34" charset="0"/>
+                <a:cs typeface="Tahoma" panose="020B0604030504040204" pitchFamily="34" charset="0"/>
+              </a:rPr>
+              <a:t>: lesson01_1.php</a:t>
+            </a:r>
+          </a:p>
+          <a:p>
+            <a:pPr marL="800080" lvl="1" indent="-342891">
+              <a:buFont typeface="+mj-lt"/>
+              <a:buAutoNum type="arabicPeriod"/>
+            </a:pPr>
+            <a:r>
+              <a:rPr lang="en-US" altLang="ja-JP" sz="1700" dirty="0">
+                <a:latin typeface="Tahoma" panose="020B0604030504040204" pitchFamily="34" charset="0"/>
+                <a:ea typeface="Tahoma" panose="020B0604030504040204" pitchFamily="34" charset="0"/>
+                <a:cs typeface="Tahoma" panose="020B0604030504040204" pitchFamily="34" charset="0"/>
+              </a:rPr>
+              <a:t>Encoding: UTF-8</a:t>
+            </a:r>
+          </a:p>
+          <a:p>
+            <a:pPr marL="800080" lvl="1" indent="-342891">
+              <a:buFont typeface="+mj-lt"/>
+              <a:buAutoNum type="arabicPeriod"/>
+            </a:pPr>
+            <a:r>
+              <a:rPr lang="en-US" altLang="ja-JP" sz="1700" dirty="0">
+                <a:latin typeface="Tahoma" panose="020B0604030504040204" pitchFamily="34" charset="0"/>
+                <a:ea typeface="Tahoma" panose="020B0604030504040204" pitchFamily="34" charset="0"/>
+                <a:cs typeface="Tahoma" panose="020B0604030504040204" pitchFamily="34" charset="0"/>
+              </a:rPr>
+              <a:t>Click “Save”</a:t>
+            </a:r>
+          </a:p>
+          <a:p>
+            <a:pPr marL="342880" indent="-342891">
+              <a:buFont typeface="+mj-lt"/>
+              <a:buAutoNum type="arabicPeriod"/>
+            </a:pPr>
+            <a:endParaRPr lang="en-US" altLang="ja-JP" sz="2100" dirty="0">
+              <a:latin typeface="Tahoma" panose="020B0604030504040204" pitchFamily="34" charset="0"/>
+              <a:ea typeface="Tahoma" panose="020B0604030504040204" pitchFamily="34" charset="0"/>
+              <a:cs typeface="Tahoma" panose="020B0604030504040204" pitchFamily="34" charset="0"/>
+            </a:endParaRPr>
+          </a:p>
+        </p:txBody>
+      </p:sp>
+      <p:sp>
+        <p:nvSpPr>
+          <p:cNvPr id="6" name="正方形/長方形 3">
+            <a:extLst>
+              <a:ext uri="{FF2B5EF4-FFF2-40B4-BE49-F238E27FC236}">
+                <a16:creationId xmlns:a16="http://schemas.microsoft.com/office/drawing/2014/main" id="{97B6DA0F-C83D-42F0-B308-DEC2540F2C96}"/>
+              </a:ext>
+            </a:extLst>
+          </p:cNvPr>
+          <p:cNvSpPr/>
+          <p:nvPr/>
+        </p:nvSpPr>
+        <p:spPr>
+          <a:xfrm>
+            <a:off x="3974477" y="256349"/>
+            <a:ext cx="4728997" cy="3172651"/>
+          </a:xfrm>
+          <a:prstGeom prst="rect">
+            <a:avLst/>
+          </a:prstGeom>
+          <a:solidFill>
+            <a:schemeClr val="bg1"/>
+          </a:solidFill>
+          <a:ln w="19050">
+            <a:solidFill>
+              <a:schemeClr val="tx1">
+                <a:lumMod val="50000"/>
+                <a:lumOff val="50000"/>
+              </a:schemeClr>
+            </a:solidFill>
+          </a:ln>
+          <a:effectLst>
+            <a:outerShdw blurRad="50800" dist="38100" dir="2700000" algn="tl" rotWithShape="0">
+              <a:prstClr val="black">
+                <a:alpha val="40000"/>
+              </a:prstClr>
+            </a:outerShdw>
+          </a:effectLst>
+        </p:spPr>
+        <p:style>
+          <a:lnRef idx="2">
+            <a:schemeClr val="accent1">
+              <a:shade val="50000"/>
+            </a:schemeClr>
+          </a:lnRef>
+          <a:fillRef idx="1">
+            <a:schemeClr val="accent1"/>
+          </a:fillRef>
+          <a:effectRef idx="0">
+            <a:schemeClr val="accent1"/>
+          </a:effectRef>
+          <a:fontRef idx="minor">
+            <a:schemeClr val="lt1"/>
+          </a:fontRef>
+        </p:style>
+        <p:txBody>
+          <a:bodyPr lIns="27000" tIns="81000" rIns="27000" bIns="81000" rtlCol="0" anchor="t" anchorCtr="0">
+            <a:noAutofit/>
+          </a:bodyPr>
+          <a:lstStyle/>
+          <a:p>
+            <a:pPr lvl="1"/>
+            <a:r>
+              <a:rPr lang="es-ES" altLang="ja-JP" sz="1500" dirty="0">
+                <a:ln w="0"/>
+                <a:solidFill>
+                  <a:schemeClr val="tx1"/>
+                </a:solidFill>
+                <a:latin typeface="Tahoma" panose="020B0604030504040204" pitchFamily="34" charset="0"/>
+                <a:ea typeface="Tahoma" panose="020B0604030504040204" pitchFamily="34" charset="0"/>
+                <a:cs typeface="Tahoma" panose="020B0604030504040204" pitchFamily="34" charset="0"/>
+              </a:rPr>
+              <a:t>&lt;!</a:t>
+            </a:r>
+            <a:r>
+              <a:rPr lang="es-ES" altLang="ja-JP" sz="1500" dirty="0" err="1">
+                <a:ln w="0"/>
+                <a:solidFill>
+                  <a:schemeClr val="tx1"/>
+                </a:solidFill>
+                <a:latin typeface="Tahoma" panose="020B0604030504040204" pitchFamily="34" charset="0"/>
+                <a:ea typeface="Tahoma" panose="020B0604030504040204" pitchFamily="34" charset="0"/>
+                <a:cs typeface="Tahoma" panose="020B0604030504040204" pitchFamily="34" charset="0"/>
+              </a:rPr>
+              <a:t>doctype</a:t>
+            </a:r>
+            <a:r>
+              <a:rPr lang="es-ES" altLang="ja-JP" sz="1500" dirty="0">
+                <a:ln w="0"/>
+                <a:solidFill>
+                  <a:schemeClr val="tx1"/>
+                </a:solidFill>
+                <a:latin typeface="Tahoma" panose="020B0604030504040204" pitchFamily="34" charset="0"/>
+                <a:ea typeface="Tahoma" panose="020B0604030504040204" pitchFamily="34" charset="0"/>
+                <a:cs typeface="Tahoma" panose="020B0604030504040204" pitchFamily="34" charset="0"/>
+              </a:rPr>
+              <a:t> </a:t>
+            </a:r>
+            <a:r>
+              <a:rPr lang="es-ES" altLang="ja-JP" sz="1500" dirty="0" err="1">
+                <a:ln w="0"/>
+                <a:solidFill>
+                  <a:schemeClr val="tx1"/>
+                </a:solidFill>
+                <a:latin typeface="Tahoma" panose="020B0604030504040204" pitchFamily="34" charset="0"/>
+                <a:ea typeface="Tahoma" panose="020B0604030504040204" pitchFamily="34" charset="0"/>
+                <a:cs typeface="Tahoma" panose="020B0604030504040204" pitchFamily="34" charset="0"/>
+              </a:rPr>
+              <a:t>html</a:t>
+            </a:r>
+            <a:r>
+              <a:rPr lang="es-ES" altLang="ja-JP" sz="1500" dirty="0">
+                <a:ln w="0"/>
+                <a:solidFill>
+                  <a:schemeClr val="tx1"/>
+                </a:solidFill>
+                <a:latin typeface="Tahoma" panose="020B0604030504040204" pitchFamily="34" charset="0"/>
+                <a:ea typeface="Tahoma" panose="020B0604030504040204" pitchFamily="34" charset="0"/>
+                <a:cs typeface="Tahoma" panose="020B0604030504040204" pitchFamily="34" charset="0"/>
+              </a:rPr>
+              <a:t>&gt;</a:t>
+            </a:r>
+          </a:p>
+          <a:p>
+            <a:pPr lvl="1"/>
+            <a:r>
+              <a:rPr lang="es-ES" altLang="ja-JP" sz="1500" dirty="0">
+                <a:ln w="0"/>
+                <a:solidFill>
+                  <a:schemeClr val="tx1"/>
+                </a:solidFill>
+                <a:latin typeface="Tahoma" panose="020B0604030504040204" pitchFamily="34" charset="0"/>
+                <a:ea typeface="Tahoma" panose="020B0604030504040204" pitchFamily="34" charset="0"/>
+                <a:cs typeface="Tahoma" panose="020B0604030504040204" pitchFamily="34" charset="0"/>
+              </a:rPr>
+              <a:t>&lt;</a:t>
+            </a:r>
+            <a:r>
+              <a:rPr lang="es-ES" altLang="ja-JP" sz="1500" dirty="0" err="1">
+                <a:ln w="0"/>
+                <a:solidFill>
+                  <a:schemeClr val="tx1"/>
+                </a:solidFill>
+                <a:latin typeface="Tahoma" panose="020B0604030504040204" pitchFamily="34" charset="0"/>
+                <a:ea typeface="Tahoma" panose="020B0604030504040204" pitchFamily="34" charset="0"/>
+                <a:cs typeface="Tahoma" panose="020B0604030504040204" pitchFamily="34" charset="0"/>
+              </a:rPr>
+              <a:t>html</a:t>
+            </a:r>
+            <a:r>
+              <a:rPr lang="es-ES" altLang="ja-JP" sz="1500" dirty="0">
+                <a:ln w="0"/>
+                <a:solidFill>
+                  <a:schemeClr val="tx1"/>
+                </a:solidFill>
+                <a:latin typeface="Tahoma" panose="020B0604030504040204" pitchFamily="34" charset="0"/>
+                <a:ea typeface="Tahoma" panose="020B0604030504040204" pitchFamily="34" charset="0"/>
+                <a:cs typeface="Tahoma" panose="020B0604030504040204" pitchFamily="34" charset="0"/>
+              </a:rPr>
+              <a:t>&gt;</a:t>
+            </a:r>
+          </a:p>
+          <a:p>
+            <a:pPr lvl="1"/>
+            <a:r>
+              <a:rPr lang="es-ES" altLang="ja-JP" sz="1500" dirty="0">
+                <a:ln w="0"/>
+                <a:solidFill>
+                  <a:schemeClr val="tx1"/>
+                </a:solidFill>
+                <a:latin typeface="Tahoma" panose="020B0604030504040204" pitchFamily="34" charset="0"/>
+                <a:ea typeface="Tahoma" panose="020B0604030504040204" pitchFamily="34" charset="0"/>
+                <a:cs typeface="Tahoma" panose="020B0604030504040204" pitchFamily="34" charset="0"/>
+              </a:rPr>
+              <a:t>&lt;head&gt;</a:t>
+            </a:r>
+          </a:p>
+          <a:p>
+            <a:pPr lvl="1"/>
+            <a:r>
+              <a:rPr lang="es-ES" altLang="ja-JP" sz="1500" dirty="0">
+                <a:ln w="0"/>
+                <a:solidFill>
+                  <a:schemeClr val="tx1"/>
+                </a:solidFill>
+                <a:latin typeface="Tahoma" panose="020B0604030504040204" pitchFamily="34" charset="0"/>
+                <a:ea typeface="Tahoma" panose="020B0604030504040204" pitchFamily="34" charset="0"/>
+                <a:cs typeface="Tahoma" panose="020B0604030504040204" pitchFamily="34" charset="0"/>
+              </a:rPr>
+              <a:t>	&lt;meta </a:t>
+            </a:r>
+            <a:r>
+              <a:rPr lang="es-ES" altLang="ja-JP" sz="1500" dirty="0" err="1">
+                <a:ln w="0"/>
+                <a:solidFill>
+                  <a:schemeClr val="tx1"/>
+                </a:solidFill>
+                <a:latin typeface="Tahoma" panose="020B0604030504040204" pitchFamily="34" charset="0"/>
+                <a:ea typeface="Tahoma" panose="020B0604030504040204" pitchFamily="34" charset="0"/>
+                <a:cs typeface="Tahoma" panose="020B0604030504040204" pitchFamily="34" charset="0"/>
+              </a:rPr>
+              <a:t>charset</a:t>
+            </a:r>
+            <a:r>
+              <a:rPr lang="es-ES" altLang="ja-JP" sz="1500" dirty="0">
+                <a:ln w="0"/>
+                <a:solidFill>
+                  <a:schemeClr val="tx1"/>
+                </a:solidFill>
+                <a:latin typeface="Tahoma" panose="020B0604030504040204" pitchFamily="34" charset="0"/>
+                <a:ea typeface="Tahoma" panose="020B0604030504040204" pitchFamily="34" charset="0"/>
+                <a:cs typeface="Tahoma" panose="020B0604030504040204" pitchFamily="34" charset="0"/>
+              </a:rPr>
+              <a:t>="utf-8"&gt;</a:t>
+            </a:r>
+          </a:p>
+          <a:p>
+            <a:pPr lvl="1"/>
+            <a:r>
+              <a:rPr lang="es-ES" altLang="ja-JP" sz="1500" dirty="0">
+                <a:ln w="0"/>
+                <a:solidFill>
+                  <a:schemeClr val="tx1"/>
+                </a:solidFill>
+                <a:latin typeface="Tahoma" panose="020B0604030504040204" pitchFamily="34" charset="0"/>
+                <a:ea typeface="Tahoma" panose="020B0604030504040204" pitchFamily="34" charset="0"/>
+                <a:cs typeface="Tahoma" panose="020B0604030504040204" pitchFamily="34" charset="0"/>
+              </a:rPr>
+              <a:t>&lt;/head&gt;</a:t>
+            </a:r>
+          </a:p>
+          <a:p>
+            <a:pPr lvl="1"/>
+            <a:r>
+              <a:rPr lang="es-ES" altLang="ja-JP" sz="1500" dirty="0">
+                <a:ln w="0"/>
+                <a:solidFill>
+                  <a:schemeClr val="tx1"/>
+                </a:solidFill>
+                <a:latin typeface="Tahoma" panose="020B0604030504040204" pitchFamily="34" charset="0"/>
+                <a:ea typeface="Tahoma" panose="020B0604030504040204" pitchFamily="34" charset="0"/>
+                <a:cs typeface="Tahoma" panose="020B0604030504040204" pitchFamily="34" charset="0"/>
+              </a:rPr>
+              <a:t>&lt;</a:t>
+            </a:r>
+            <a:r>
+              <a:rPr lang="es-ES" altLang="ja-JP" sz="1500" dirty="0" err="1">
+                <a:ln w="0"/>
+                <a:solidFill>
+                  <a:schemeClr val="tx1"/>
+                </a:solidFill>
+                <a:latin typeface="Tahoma" panose="020B0604030504040204" pitchFamily="34" charset="0"/>
+                <a:ea typeface="Tahoma" panose="020B0604030504040204" pitchFamily="34" charset="0"/>
+                <a:cs typeface="Tahoma" panose="020B0604030504040204" pitchFamily="34" charset="0"/>
+              </a:rPr>
+              <a:t>body</a:t>
+            </a:r>
+            <a:r>
+              <a:rPr lang="es-ES" altLang="ja-JP" sz="1500" dirty="0">
+                <a:ln w="0"/>
+                <a:solidFill>
+                  <a:schemeClr val="tx1"/>
+                </a:solidFill>
+                <a:latin typeface="Tahoma" panose="020B0604030504040204" pitchFamily="34" charset="0"/>
+                <a:ea typeface="Tahoma" panose="020B0604030504040204" pitchFamily="34" charset="0"/>
+                <a:cs typeface="Tahoma" panose="020B0604030504040204" pitchFamily="34" charset="0"/>
+              </a:rPr>
+              <a:t>&gt;</a:t>
+            </a:r>
+          </a:p>
+          <a:p>
+            <a:pPr lvl="1"/>
+            <a:endParaRPr lang="es-ES" altLang="ja-JP" sz="1500" dirty="0">
+              <a:ln w="0"/>
+              <a:solidFill>
+                <a:schemeClr val="tx1"/>
+              </a:solidFill>
+              <a:latin typeface="Tahoma" panose="020B0604030504040204" pitchFamily="34" charset="0"/>
+              <a:ea typeface="Tahoma" panose="020B0604030504040204" pitchFamily="34" charset="0"/>
+              <a:cs typeface="Tahoma" panose="020B0604030504040204" pitchFamily="34" charset="0"/>
+            </a:endParaRPr>
+          </a:p>
+          <a:p>
+            <a:pPr lvl="1"/>
+            <a:r>
+              <a:rPr lang="es-ES" altLang="ja-JP" sz="1500" dirty="0">
+                <a:ln w="0"/>
+                <a:solidFill>
+                  <a:schemeClr val="tx1"/>
+                </a:solidFill>
+                <a:latin typeface="Tahoma" panose="020B0604030504040204" pitchFamily="34" charset="0"/>
+                <a:ea typeface="Tahoma" panose="020B0604030504040204" pitchFamily="34" charset="0"/>
+                <a:cs typeface="Tahoma" panose="020B0604030504040204" pitchFamily="34" charset="0"/>
+              </a:rPr>
+              <a:t>&lt;?</a:t>
+            </a:r>
+            <a:r>
+              <a:rPr lang="es-ES" altLang="ja-JP" sz="1500" dirty="0" err="1">
+                <a:ln w="0"/>
+                <a:solidFill>
+                  <a:schemeClr val="tx1"/>
+                </a:solidFill>
+                <a:latin typeface="Tahoma" panose="020B0604030504040204" pitchFamily="34" charset="0"/>
+                <a:ea typeface="Tahoma" panose="020B0604030504040204" pitchFamily="34" charset="0"/>
+                <a:cs typeface="Tahoma" panose="020B0604030504040204" pitchFamily="34" charset="0"/>
+              </a:rPr>
+              <a:t>php</a:t>
+            </a:r>
+            <a:endParaRPr lang="es-ES" altLang="ja-JP" sz="1500" dirty="0">
+              <a:ln w="0"/>
+              <a:solidFill>
+                <a:schemeClr val="tx1"/>
+              </a:solidFill>
+              <a:latin typeface="Tahoma" panose="020B0604030504040204" pitchFamily="34" charset="0"/>
+              <a:ea typeface="Tahoma" panose="020B0604030504040204" pitchFamily="34" charset="0"/>
+              <a:cs typeface="Tahoma" panose="020B0604030504040204" pitchFamily="34" charset="0"/>
+            </a:endParaRPr>
+          </a:p>
+          <a:p>
+            <a:pPr lvl="1"/>
+            <a:r>
+              <a:rPr lang="es-ES" altLang="ja-JP" sz="1500" dirty="0">
+                <a:ln w="0"/>
+                <a:solidFill>
+                  <a:schemeClr val="tx1"/>
+                </a:solidFill>
+                <a:latin typeface="Tahoma" panose="020B0604030504040204" pitchFamily="34" charset="0"/>
+                <a:ea typeface="Tahoma" panose="020B0604030504040204" pitchFamily="34" charset="0"/>
+                <a:cs typeface="Tahoma" panose="020B0604030504040204" pitchFamily="34" charset="0"/>
+              </a:rPr>
+              <a:t>	</a:t>
+            </a:r>
+            <a:r>
+              <a:rPr lang="es-ES" altLang="ja-JP" sz="1500" dirty="0" err="1">
+                <a:ln w="0"/>
+                <a:solidFill>
+                  <a:schemeClr val="tx1"/>
+                </a:solidFill>
+                <a:latin typeface="Tahoma" panose="020B0604030504040204" pitchFamily="34" charset="0"/>
+                <a:ea typeface="Tahoma" panose="020B0604030504040204" pitchFamily="34" charset="0"/>
+                <a:cs typeface="Tahoma" panose="020B0604030504040204" pitchFamily="34" charset="0"/>
+              </a:rPr>
+              <a:t>print</a:t>
+            </a:r>
+            <a:r>
+              <a:rPr lang="es-ES" altLang="ja-JP" sz="1500" dirty="0">
+                <a:ln w="0"/>
+                <a:solidFill>
+                  <a:schemeClr val="tx1"/>
+                </a:solidFill>
+                <a:latin typeface="Tahoma" panose="020B0604030504040204" pitchFamily="34" charset="0"/>
+                <a:ea typeface="Tahoma" panose="020B0604030504040204" pitchFamily="34" charset="0"/>
+                <a:cs typeface="Tahoma" panose="020B0604030504040204" pitchFamily="34" charset="0"/>
+              </a:rPr>
+              <a:t> '</a:t>
+            </a:r>
+            <a:r>
+              <a:rPr lang="es-ES" altLang="ja-JP" sz="1500" dirty="0" err="1">
+                <a:ln w="0"/>
+                <a:solidFill>
+                  <a:schemeClr val="tx1"/>
+                </a:solidFill>
+                <a:latin typeface="Tahoma" panose="020B0604030504040204" pitchFamily="34" charset="0"/>
+                <a:ea typeface="Tahoma" panose="020B0604030504040204" pitchFamily="34" charset="0"/>
+                <a:cs typeface="Tahoma" panose="020B0604030504040204" pitchFamily="34" charset="0"/>
+              </a:rPr>
+              <a:t>Hello</a:t>
+            </a:r>
+            <a:r>
+              <a:rPr lang="es-ES" altLang="ja-JP" sz="1500" dirty="0">
+                <a:ln w="0"/>
+                <a:solidFill>
+                  <a:schemeClr val="tx1"/>
+                </a:solidFill>
+                <a:latin typeface="Tahoma" panose="020B0604030504040204" pitchFamily="34" charset="0"/>
+                <a:ea typeface="Tahoma" panose="020B0604030504040204" pitchFamily="34" charset="0"/>
+                <a:cs typeface="Tahoma" panose="020B0604030504040204" pitchFamily="34" charset="0"/>
+              </a:rPr>
+              <a:t> Keisuke </a:t>
+            </a:r>
+            <a:r>
+              <a:rPr lang="th-TH" altLang="ja-JP" sz="1500" dirty="0">
+                <a:ln w="0"/>
+                <a:solidFill>
+                  <a:schemeClr val="tx1"/>
+                </a:solidFill>
+                <a:latin typeface="Tahoma" panose="020B0604030504040204" pitchFamily="34" charset="0"/>
+                <a:ea typeface="Tahoma" panose="020B0604030504040204" pitchFamily="34" charset="0"/>
+                <a:cs typeface="Tahoma" panose="020B0604030504040204" pitchFamily="34" charset="0"/>
+              </a:rPr>
+              <a:t>เคสุเกะ';</a:t>
+            </a:r>
+          </a:p>
+          <a:p>
+            <a:pPr lvl="1"/>
+            <a:r>
+              <a:rPr lang="th-TH" altLang="ja-JP" sz="1500" dirty="0">
+                <a:ln w="0"/>
+                <a:solidFill>
+                  <a:schemeClr val="tx1"/>
+                </a:solidFill>
+                <a:latin typeface="Tahoma" panose="020B0604030504040204" pitchFamily="34" charset="0"/>
+                <a:ea typeface="Tahoma" panose="020B0604030504040204" pitchFamily="34" charset="0"/>
+                <a:cs typeface="Tahoma" panose="020B0604030504040204" pitchFamily="34" charset="0"/>
+              </a:rPr>
+              <a:t>?&gt;</a:t>
+            </a:r>
+          </a:p>
+          <a:p>
+            <a:pPr lvl="1"/>
+            <a:endParaRPr lang="th-TH" altLang="ja-JP" sz="1500" dirty="0">
+              <a:ln w="0"/>
+              <a:solidFill>
+                <a:schemeClr val="tx1"/>
+              </a:solidFill>
+              <a:latin typeface="Tahoma" panose="020B0604030504040204" pitchFamily="34" charset="0"/>
+              <a:ea typeface="Tahoma" panose="020B0604030504040204" pitchFamily="34" charset="0"/>
+              <a:cs typeface="Tahoma" panose="020B0604030504040204" pitchFamily="34" charset="0"/>
+            </a:endParaRPr>
+          </a:p>
+          <a:p>
+            <a:pPr lvl="1"/>
+            <a:r>
+              <a:rPr lang="th-TH" altLang="ja-JP" sz="1500" dirty="0">
+                <a:ln w="0"/>
+                <a:solidFill>
+                  <a:schemeClr val="tx1"/>
+                </a:solidFill>
+                <a:latin typeface="Tahoma" panose="020B0604030504040204" pitchFamily="34" charset="0"/>
+                <a:ea typeface="Tahoma" panose="020B0604030504040204" pitchFamily="34" charset="0"/>
+                <a:cs typeface="Tahoma" panose="020B0604030504040204" pitchFamily="34" charset="0"/>
+              </a:rPr>
+              <a:t>&lt;/</a:t>
+            </a:r>
+            <a:r>
+              <a:rPr lang="es-ES" altLang="ja-JP" sz="1500" dirty="0" err="1">
+                <a:ln w="0"/>
+                <a:solidFill>
+                  <a:schemeClr val="tx1"/>
+                </a:solidFill>
+                <a:latin typeface="Tahoma" panose="020B0604030504040204" pitchFamily="34" charset="0"/>
+                <a:ea typeface="Tahoma" panose="020B0604030504040204" pitchFamily="34" charset="0"/>
+                <a:cs typeface="Tahoma" panose="020B0604030504040204" pitchFamily="34" charset="0"/>
+              </a:rPr>
+              <a:t>body</a:t>
+            </a:r>
+            <a:r>
+              <a:rPr lang="es-ES" altLang="ja-JP" sz="1500" dirty="0">
+                <a:ln w="0"/>
+                <a:solidFill>
+                  <a:schemeClr val="tx1"/>
+                </a:solidFill>
+                <a:latin typeface="Tahoma" panose="020B0604030504040204" pitchFamily="34" charset="0"/>
+                <a:ea typeface="Tahoma" panose="020B0604030504040204" pitchFamily="34" charset="0"/>
+                <a:cs typeface="Tahoma" panose="020B0604030504040204" pitchFamily="34" charset="0"/>
+              </a:rPr>
+              <a:t>&gt;</a:t>
+            </a:r>
+          </a:p>
+          <a:p>
+            <a:pPr lvl="1"/>
+            <a:r>
+              <a:rPr lang="es-ES" altLang="ja-JP" sz="1500" dirty="0">
+                <a:ln w="0"/>
+                <a:solidFill>
+                  <a:schemeClr val="tx1"/>
+                </a:solidFill>
+                <a:latin typeface="Tahoma" panose="020B0604030504040204" pitchFamily="34" charset="0"/>
+                <a:ea typeface="Tahoma" panose="020B0604030504040204" pitchFamily="34" charset="0"/>
+                <a:cs typeface="Tahoma" panose="020B0604030504040204" pitchFamily="34" charset="0"/>
+              </a:rPr>
+              <a:t>&lt;/</a:t>
+            </a:r>
+            <a:r>
+              <a:rPr lang="es-ES" altLang="ja-JP" sz="1500" dirty="0" err="1">
+                <a:ln w="0"/>
+                <a:solidFill>
+                  <a:schemeClr val="tx1"/>
+                </a:solidFill>
+                <a:latin typeface="Tahoma" panose="020B0604030504040204" pitchFamily="34" charset="0"/>
+                <a:ea typeface="Tahoma" panose="020B0604030504040204" pitchFamily="34" charset="0"/>
+                <a:cs typeface="Tahoma" panose="020B0604030504040204" pitchFamily="34" charset="0"/>
+              </a:rPr>
+              <a:t>html</a:t>
+            </a:r>
+            <a:r>
+              <a:rPr lang="es-ES" altLang="ja-JP" sz="1500" dirty="0">
+                <a:ln w="0"/>
+                <a:solidFill>
+                  <a:schemeClr val="tx1"/>
+                </a:solidFill>
+                <a:latin typeface="Tahoma" panose="020B0604030504040204" pitchFamily="34" charset="0"/>
+                <a:ea typeface="Tahoma" panose="020B0604030504040204" pitchFamily="34" charset="0"/>
+                <a:cs typeface="Tahoma" panose="020B0604030504040204" pitchFamily="34" charset="0"/>
+              </a:rPr>
+              <a:t>&gt;</a:t>
+            </a:r>
+          </a:p>
+        </p:txBody>
+      </p:sp>
+      <p:pic>
+        <p:nvPicPr>
+          <p:cNvPr id="5" name="Picture 4">
+            <a:extLst>
+              <a:ext uri="{FF2B5EF4-FFF2-40B4-BE49-F238E27FC236}">
+                <a16:creationId xmlns:a16="http://schemas.microsoft.com/office/drawing/2014/main" id="{AE59EBE9-A8AE-4150-8AD4-6D5AC7120933}"/>
+              </a:ext>
+            </a:extLst>
+          </p:cNvPr>
+          <p:cNvPicPr>
+            <a:picLocks noChangeAspect="1"/>
+          </p:cNvPicPr>
+          <p:nvPr/>
+        </p:nvPicPr>
+        <p:blipFill rotWithShape="1">
+          <a:blip r:embed="rId2"/>
+          <a:srcRect l="34713" t="18071" r="51724" b="61519"/>
+          <a:stretch/>
+        </p:blipFill>
+        <p:spPr>
+          <a:xfrm>
+            <a:off x="3951889" y="3887147"/>
+            <a:ext cx="1240221" cy="1049792"/>
+          </a:xfrm>
+          <a:prstGeom prst="rect">
+            <a:avLst/>
+          </a:prstGeom>
+          <a:ln>
+            <a:solidFill>
+              <a:schemeClr val="accent1"/>
+            </a:solidFill>
+          </a:ln>
+        </p:spPr>
+      </p:pic>
+      <p:pic>
+        <p:nvPicPr>
+          <p:cNvPr id="7" name="Picture 6">
+            <a:extLst>
+              <a:ext uri="{FF2B5EF4-FFF2-40B4-BE49-F238E27FC236}">
+                <a16:creationId xmlns:a16="http://schemas.microsoft.com/office/drawing/2014/main" id="{3260D939-1B49-4493-BDAC-F02A1390A4F7}"/>
+              </a:ext>
+            </a:extLst>
+          </p:cNvPr>
+          <p:cNvPicPr>
+            <a:picLocks noChangeAspect="1"/>
+          </p:cNvPicPr>
+          <p:nvPr/>
+        </p:nvPicPr>
+        <p:blipFill>
+          <a:blip r:embed="rId3"/>
+          <a:stretch>
+            <a:fillRect/>
+          </a:stretch>
+        </p:blipFill>
+        <p:spPr>
+          <a:xfrm>
+            <a:off x="5333268" y="3887147"/>
+            <a:ext cx="3721646" cy="2876259"/>
+          </a:xfrm>
+          <a:prstGeom prst="rect">
+            <a:avLst/>
+          </a:prstGeom>
+        </p:spPr>
+      </p:pic>
+      <p:sp>
+        <p:nvSpPr>
+          <p:cNvPr id="10" name="Rectangle 9">
+            <a:extLst>
+              <a:ext uri="{FF2B5EF4-FFF2-40B4-BE49-F238E27FC236}">
+                <a16:creationId xmlns:a16="http://schemas.microsoft.com/office/drawing/2014/main" id="{60CD56EF-A676-4F4B-A801-3A6352421E14}"/>
+              </a:ext>
+            </a:extLst>
+          </p:cNvPr>
+          <p:cNvSpPr/>
+          <p:nvPr/>
+        </p:nvSpPr>
+        <p:spPr>
+          <a:xfrm>
+            <a:off x="6072629" y="6018415"/>
+            <a:ext cx="1993289" cy="374072"/>
+          </a:xfrm>
+          <a:prstGeom prst="rect">
+            <a:avLst/>
+          </a:prstGeom>
+          <a:noFill/>
+          <a:ln w="38100">
+            <a:solidFill>
+              <a:srgbClr val="FF0000"/>
+            </a:solidFill>
+          </a:ln>
+        </p:spPr>
+        <p:style>
+          <a:lnRef idx="2">
+            <a:schemeClr val="accent1">
+              <a:shade val="50000"/>
+            </a:schemeClr>
+          </a:lnRef>
+          <a:fillRef idx="1">
+            <a:schemeClr val="accent1"/>
+          </a:fillRef>
+          <a:effectRef idx="0">
+            <a:schemeClr val="accent1"/>
+          </a:effectRef>
+          <a:fontRef idx="minor">
+            <a:schemeClr val="lt1"/>
+          </a:fontRef>
+        </p:style>
+        <p:txBody>
+          <a:bodyPr rtlCol="0" anchor="ctr"/>
+          <a:lstStyle/>
+          <a:p>
+            <a:pPr algn="ctr"/>
+            <a:endParaRPr lang="en-US" dirty="0"/>
+          </a:p>
+        </p:txBody>
+      </p:sp>
+      <p:sp>
+        <p:nvSpPr>
+          <p:cNvPr id="11" name="Rectangle 10">
+            <a:extLst>
+              <a:ext uri="{FF2B5EF4-FFF2-40B4-BE49-F238E27FC236}">
+                <a16:creationId xmlns:a16="http://schemas.microsoft.com/office/drawing/2014/main" id="{AA90F8CB-D790-47DA-A7FF-A374EB4EA0DC}"/>
+              </a:ext>
+            </a:extLst>
+          </p:cNvPr>
+          <p:cNvSpPr/>
+          <p:nvPr/>
+        </p:nvSpPr>
+        <p:spPr>
+          <a:xfrm>
+            <a:off x="6338976" y="6457427"/>
+            <a:ext cx="1416800" cy="305980"/>
+          </a:xfrm>
+          <a:prstGeom prst="rect">
+            <a:avLst/>
+          </a:prstGeom>
+          <a:noFill/>
+          <a:ln w="38100">
+            <a:solidFill>
+              <a:srgbClr val="FF0000"/>
+            </a:solidFill>
+          </a:ln>
+        </p:spPr>
+        <p:style>
+          <a:lnRef idx="2">
+            <a:schemeClr val="accent1">
+              <a:shade val="50000"/>
+            </a:schemeClr>
+          </a:lnRef>
+          <a:fillRef idx="1">
+            <a:schemeClr val="accent1"/>
+          </a:fillRef>
+          <a:effectRef idx="0">
+            <a:schemeClr val="accent1"/>
+          </a:effectRef>
+          <a:fontRef idx="minor">
+            <a:schemeClr val="lt1"/>
+          </a:fontRef>
+        </p:style>
+        <p:txBody>
+          <a:bodyPr rtlCol="0" anchor="ctr"/>
+          <a:lstStyle/>
+          <a:p>
+            <a:pPr algn="ctr"/>
+            <a:endParaRPr lang="en-US" dirty="0"/>
+          </a:p>
+        </p:txBody>
+      </p:sp>
+    </p:spTree>
+    <p:extLst>
+      <p:ext uri="{BB962C8B-B14F-4D97-AF65-F5344CB8AC3E}">
+        <p14:creationId xmlns:p14="http://schemas.microsoft.com/office/powerpoint/2010/main" val="2120543647"/>
+      </p:ext>
+    </p:extLst>
+  </p:cSld>
+  <p:clrMapOvr>
+    <a:masterClrMapping/>
+  </p:clrMapOvr>
+</p:sld>
+</file>
+
+<file path=ppt/slides/slide7.xml><?xml version="1.0" encoding="utf-8"?>
+<p:sld xmlns:a="http://schemas.openxmlformats.org/drawingml/2006/main" xmlns:r="http://schemas.openxmlformats.org/officeDocument/2006/relationships" xmlns:p="http://schemas.openxmlformats.org/presentationml/2006/main">
+  <p:cSld>
+    <p:spTree>
+      <p:nvGrpSpPr>
+        <p:cNvPr id="1" name=""/>
+        <p:cNvGrpSpPr/>
+        <p:nvPr/>
+      </p:nvGrpSpPr>
+      <p:grpSpPr>
+        <a:xfrm>
+          <a:off x="0" y="0"/>
+          <a:ext cx="0" cy="0"/>
+          <a:chOff x="0" y="0"/>
+          <a:chExt cx="0" cy="0"/>
+        </a:xfrm>
+      </p:grpSpPr>
+      <p:sp>
+        <p:nvSpPr>
+          <p:cNvPr id="2" name="Title 1">
+            <a:extLst>
+              <a:ext uri="{FF2B5EF4-FFF2-40B4-BE49-F238E27FC236}">
+                <a16:creationId xmlns:a16="http://schemas.microsoft.com/office/drawing/2014/main" id="{0F1B9B9F-9AC6-424B-A41A-F15714BE8EC6}"/>
+              </a:ext>
+            </a:extLst>
+          </p:cNvPr>
+          <p:cNvSpPr>
+            <a:spLocks noGrp="1"/>
+          </p:cNvSpPr>
+          <p:nvPr>
+            <p:ph type="title"/>
+          </p:nvPr>
+        </p:nvSpPr>
+        <p:spPr>
+          <a:xfrm>
+            <a:off x="0" y="185885"/>
+            <a:ext cx="3479292" cy="1049792"/>
+          </a:xfrm>
+        </p:spPr>
+        <p:txBody>
+          <a:bodyPr>
+            <a:normAutofit/>
+          </a:bodyPr>
+          <a:lstStyle/>
+          <a:p>
+            <a:r>
+              <a:rPr lang="en-US" altLang="ja-JP" sz="2400" dirty="0">
+                <a:latin typeface="Tahoma" panose="020B0604030504040204" pitchFamily="34" charset="0"/>
+                <a:ea typeface="Tahoma" panose="020B0604030504040204" pitchFamily="34" charset="0"/>
+                <a:cs typeface="Tahoma" panose="020B0604030504040204" pitchFamily="34" charset="0"/>
+              </a:rPr>
+              <a:t>Show php program</a:t>
+            </a:r>
+            <a:br>
+              <a:rPr lang="en-US" altLang="ja-JP" sz="2400" dirty="0">
+                <a:latin typeface="Tahoma" panose="020B0604030504040204" pitchFamily="34" charset="0"/>
+                <a:ea typeface="Tahoma" panose="020B0604030504040204" pitchFamily="34" charset="0"/>
+                <a:cs typeface="Tahoma" panose="020B0604030504040204" pitchFamily="34" charset="0"/>
+              </a:rPr>
+            </a:br>
+            <a:r>
+              <a:rPr lang="en-US" altLang="ja-JP" sz="2400" dirty="0">
+                <a:latin typeface="Tahoma" panose="020B0604030504040204" pitchFamily="34" charset="0"/>
+                <a:ea typeface="Tahoma" panose="020B0604030504040204" pitchFamily="34" charset="0"/>
+                <a:cs typeface="Tahoma" panose="020B0604030504040204" pitchFamily="34" charset="0"/>
+              </a:rPr>
+              <a:t>(lesson01_1.php)</a:t>
+            </a:r>
+            <a:endParaRPr lang="en-US" sz="2400" dirty="0">
+              <a:latin typeface="Tahoma" panose="020B0604030504040204" pitchFamily="34" charset="0"/>
+              <a:ea typeface="Tahoma" panose="020B0604030504040204" pitchFamily="34" charset="0"/>
+              <a:cs typeface="Tahoma" panose="020B0604030504040204" pitchFamily="34" charset="0"/>
+            </a:endParaRPr>
+          </a:p>
+        </p:txBody>
+      </p:sp>
+      <p:sp>
+        <p:nvSpPr>
+          <p:cNvPr id="3" name="Content Placeholder 2">
+            <a:extLst>
+              <a:ext uri="{FF2B5EF4-FFF2-40B4-BE49-F238E27FC236}">
+                <a16:creationId xmlns:a16="http://schemas.microsoft.com/office/drawing/2014/main" id="{D72E31AE-390B-4B6F-9F0B-032DBE9939FE}"/>
+              </a:ext>
+            </a:extLst>
+          </p:cNvPr>
+          <p:cNvSpPr>
+            <a:spLocks noGrp="1"/>
+          </p:cNvSpPr>
+          <p:nvPr>
+            <p:ph idx="1"/>
+          </p:nvPr>
+        </p:nvSpPr>
+        <p:spPr>
+          <a:xfrm>
+            <a:off x="-1" y="1156970"/>
+            <a:ext cx="4344273" cy="4981181"/>
+          </a:xfrm>
+        </p:spPr>
+        <p:txBody>
+          <a:bodyPr>
+            <a:normAutofit/>
+          </a:bodyPr>
+          <a:lstStyle/>
+          <a:p>
+            <a:pPr marL="342880" indent="-342891">
+              <a:buFont typeface="+mj-lt"/>
+              <a:buAutoNum type="arabicPeriod"/>
+            </a:pPr>
+            <a:r>
+              <a:rPr lang="en-US" altLang="ja-JP" sz="2100" dirty="0">
+                <a:latin typeface="Tahoma" panose="020B0604030504040204" pitchFamily="34" charset="0"/>
+                <a:ea typeface="Tahoma" panose="020B0604030504040204" pitchFamily="34" charset="0"/>
+                <a:cs typeface="Tahoma" panose="020B0604030504040204" pitchFamily="34" charset="0"/>
+              </a:rPr>
+              <a:t>Access by </a:t>
+            </a:r>
+            <a:r>
+              <a:rPr lang="en-US" altLang="ja-JP" sz="2100" dirty="0" err="1">
+                <a:latin typeface="Tahoma" panose="020B0604030504040204" pitchFamily="34" charset="0"/>
+                <a:ea typeface="Tahoma" panose="020B0604030504040204" pitchFamily="34" charset="0"/>
+                <a:cs typeface="Tahoma" panose="020B0604030504040204" pitchFamily="34" charset="0"/>
+              </a:rPr>
+              <a:t>Chorome</a:t>
+            </a:r>
+            <a:r>
+              <a:rPr lang="en-US" altLang="ja-JP" sz="2100" dirty="0">
+                <a:latin typeface="Tahoma" panose="020B0604030504040204" pitchFamily="34" charset="0"/>
+                <a:ea typeface="Tahoma" panose="020B0604030504040204" pitchFamily="34" charset="0"/>
+                <a:cs typeface="Tahoma" panose="020B0604030504040204" pitchFamily="34" charset="0"/>
+              </a:rPr>
+              <a:t>.</a:t>
+            </a:r>
+            <a:br>
+              <a:rPr lang="en-US" altLang="ja-JP" sz="2100" dirty="0">
+                <a:latin typeface="Tahoma" panose="020B0604030504040204" pitchFamily="34" charset="0"/>
+                <a:ea typeface="Tahoma" panose="020B0604030504040204" pitchFamily="34" charset="0"/>
+                <a:cs typeface="Tahoma" panose="020B0604030504040204" pitchFamily="34" charset="0"/>
+              </a:rPr>
+            </a:br>
+            <a:br>
+              <a:rPr lang="en-US" altLang="ja-JP" sz="2100" dirty="0">
+                <a:latin typeface="Tahoma" panose="020B0604030504040204" pitchFamily="34" charset="0"/>
+                <a:ea typeface="Tahoma" panose="020B0604030504040204" pitchFamily="34" charset="0"/>
+                <a:cs typeface="Tahoma" panose="020B0604030504040204" pitchFamily="34" charset="0"/>
+              </a:rPr>
+            </a:br>
+            <a:r>
+              <a:rPr lang="en-US" altLang="ja-JP" sz="2100" dirty="0">
+                <a:latin typeface="Tahoma" panose="020B0604030504040204" pitchFamily="34" charset="0"/>
+                <a:ea typeface="Tahoma" panose="020B0604030504040204" pitchFamily="34" charset="0"/>
+                <a:cs typeface="Tahoma" panose="020B0604030504040204" pitchFamily="34" charset="0"/>
+                <a:hlinkClick r:id="rId2"/>
+              </a:rPr>
+              <a:t>http://127.0.0.1/lesson01_1.php</a:t>
+            </a:r>
+            <a:endParaRPr lang="en-US" altLang="ja-JP" sz="2100" dirty="0">
+              <a:latin typeface="Tahoma" panose="020B0604030504040204" pitchFamily="34" charset="0"/>
+              <a:ea typeface="Tahoma" panose="020B0604030504040204" pitchFamily="34" charset="0"/>
+              <a:cs typeface="Tahoma" panose="020B0604030504040204" pitchFamily="34" charset="0"/>
+            </a:endParaRPr>
+          </a:p>
+          <a:p>
+            <a:pPr marL="342880" indent="-342891">
+              <a:buFont typeface="+mj-lt"/>
+              <a:buAutoNum type="arabicPeriod"/>
+            </a:pPr>
+            <a:endParaRPr lang="en-US" altLang="ja-JP" sz="2100" dirty="0">
+              <a:latin typeface="Tahoma" panose="020B0604030504040204" pitchFamily="34" charset="0"/>
+              <a:ea typeface="Tahoma" panose="020B0604030504040204" pitchFamily="34" charset="0"/>
+              <a:cs typeface="Tahoma" panose="020B0604030504040204" pitchFamily="34" charset="0"/>
+            </a:endParaRPr>
+          </a:p>
+          <a:p>
+            <a:pPr marL="342880" indent="-342891">
+              <a:buFont typeface="+mj-lt"/>
+              <a:buAutoNum type="arabicPeriod"/>
+            </a:pPr>
+            <a:endParaRPr lang="en-US" altLang="ja-JP" sz="2100" dirty="0">
+              <a:latin typeface="Tahoma" panose="020B0604030504040204" pitchFamily="34" charset="0"/>
+              <a:ea typeface="Tahoma" panose="020B0604030504040204" pitchFamily="34" charset="0"/>
+              <a:cs typeface="Tahoma" panose="020B0604030504040204" pitchFamily="34" charset="0"/>
+            </a:endParaRPr>
+          </a:p>
+          <a:p>
+            <a:pPr marL="342880" indent="-342891">
+              <a:buFont typeface="+mj-lt"/>
+              <a:buAutoNum type="arabicPeriod"/>
+            </a:pPr>
+            <a:endParaRPr lang="en-US" altLang="ja-JP" sz="2100" dirty="0">
+              <a:latin typeface="Tahoma" panose="020B0604030504040204" pitchFamily="34" charset="0"/>
+              <a:ea typeface="Tahoma" panose="020B0604030504040204" pitchFamily="34" charset="0"/>
+              <a:cs typeface="Tahoma" panose="020B0604030504040204" pitchFamily="34" charset="0"/>
+            </a:endParaRPr>
+          </a:p>
+          <a:p>
+            <a:pPr marL="342880" indent="-342891">
+              <a:buFont typeface="+mj-lt"/>
+              <a:buAutoNum type="arabicPeriod"/>
+            </a:pPr>
+            <a:endParaRPr lang="en-US" altLang="ja-JP" sz="2100" dirty="0">
+              <a:latin typeface="Tahoma" panose="020B0604030504040204" pitchFamily="34" charset="0"/>
+              <a:ea typeface="Tahoma" panose="020B0604030504040204" pitchFamily="34" charset="0"/>
+              <a:cs typeface="Tahoma" panose="020B0604030504040204" pitchFamily="34" charset="0"/>
+            </a:endParaRPr>
+          </a:p>
+          <a:p>
+            <a:pPr marL="342880" indent="-342891">
+              <a:buFont typeface="+mj-lt"/>
+              <a:buAutoNum type="arabicPeriod"/>
+            </a:pPr>
+            <a:r>
+              <a:rPr lang="en-US" altLang="ja-JP" sz="2100" dirty="0">
+                <a:latin typeface="Tahoma" panose="020B0604030504040204" pitchFamily="34" charset="0"/>
+                <a:ea typeface="Tahoma" panose="020B0604030504040204" pitchFamily="34" charset="0"/>
+                <a:cs typeface="Tahoma" panose="020B0604030504040204" pitchFamily="34" charset="0"/>
+              </a:rPr>
+              <a:t>You can try to change program.</a:t>
+            </a:r>
+          </a:p>
+          <a:p>
+            <a:pPr marL="800080" lvl="1" indent="-342891">
+              <a:buFont typeface="+mj-lt"/>
+              <a:buAutoNum type="arabicPeriod"/>
+            </a:pPr>
+            <a:endParaRPr lang="en-US" altLang="ja-JP" sz="1700" dirty="0">
+              <a:latin typeface="Tahoma" panose="020B0604030504040204" pitchFamily="34" charset="0"/>
+              <a:ea typeface="Tahoma" panose="020B0604030504040204" pitchFamily="34" charset="0"/>
+              <a:cs typeface="Tahoma" panose="020B0604030504040204" pitchFamily="34" charset="0"/>
+            </a:endParaRPr>
+          </a:p>
+          <a:p>
+            <a:pPr marL="800080" lvl="1" indent="-342891">
+              <a:buFont typeface="+mj-lt"/>
+              <a:buAutoNum type="arabicPeriod"/>
+            </a:pPr>
+            <a:r>
+              <a:rPr lang="en-US" altLang="ja-JP" sz="1700" dirty="0">
+                <a:latin typeface="Tahoma" panose="020B0604030504040204" pitchFamily="34" charset="0"/>
+                <a:ea typeface="Tahoma" panose="020B0604030504040204" pitchFamily="34" charset="0"/>
+                <a:cs typeface="Tahoma" panose="020B0604030504040204" pitchFamily="34" charset="0"/>
+              </a:rPr>
+              <a:t>Change to your name.</a:t>
+            </a:r>
+          </a:p>
+          <a:p>
+            <a:pPr marL="800080" lvl="1" indent="-342891">
+              <a:buFont typeface="+mj-lt"/>
+              <a:buAutoNum type="arabicPeriod"/>
+            </a:pPr>
+            <a:endParaRPr lang="en-US" altLang="ja-JP" sz="1700" dirty="0">
+              <a:latin typeface="Tahoma" panose="020B0604030504040204" pitchFamily="34" charset="0"/>
+              <a:ea typeface="Tahoma" panose="020B0604030504040204" pitchFamily="34" charset="0"/>
+              <a:cs typeface="Tahoma" panose="020B0604030504040204" pitchFamily="34" charset="0"/>
+            </a:endParaRPr>
+          </a:p>
+          <a:p>
+            <a:pPr marL="800080" lvl="1" indent="-342891">
+              <a:buFont typeface="+mj-lt"/>
+              <a:buAutoNum type="arabicPeriod"/>
+            </a:pPr>
+            <a:r>
+              <a:rPr lang="es-ES" altLang="ja-JP" sz="1800" dirty="0" err="1">
+                <a:ln w="0"/>
+                <a:latin typeface="Tahoma" panose="020B0604030504040204" pitchFamily="34" charset="0"/>
+                <a:ea typeface="Tahoma" panose="020B0604030504040204" pitchFamily="34" charset="0"/>
+                <a:cs typeface="Tahoma" panose="020B0604030504040204" pitchFamily="34" charset="0"/>
+              </a:rPr>
+              <a:t>print</a:t>
+            </a:r>
+            <a:r>
+              <a:rPr lang="es-ES" altLang="ja-JP" sz="1800" dirty="0">
+                <a:ln w="0"/>
+                <a:latin typeface="Tahoma" panose="020B0604030504040204" pitchFamily="34" charset="0"/>
+                <a:ea typeface="Tahoma" panose="020B0604030504040204" pitchFamily="34" charset="0"/>
+                <a:cs typeface="Tahoma" panose="020B0604030504040204" pitchFamily="34" charset="0"/>
+              </a:rPr>
+              <a:t> 1+2</a:t>
+            </a:r>
+            <a:r>
+              <a:rPr lang="th-TH" altLang="ja-JP" sz="1800" dirty="0">
+                <a:ln w="0"/>
+                <a:latin typeface="Tahoma" panose="020B0604030504040204" pitchFamily="34" charset="0"/>
+                <a:ea typeface="Tahoma" panose="020B0604030504040204" pitchFamily="34" charset="0"/>
+                <a:cs typeface="Tahoma" panose="020B0604030504040204" pitchFamily="34" charset="0"/>
+              </a:rPr>
+              <a:t>;</a:t>
+            </a:r>
+            <a:endParaRPr lang="en-US" altLang="ja-JP" sz="1800" dirty="0">
+              <a:ln w="0"/>
+              <a:latin typeface="Tahoma" panose="020B0604030504040204" pitchFamily="34" charset="0"/>
+              <a:ea typeface="Tahoma" panose="020B0604030504040204" pitchFamily="34" charset="0"/>
+              <a:cs typeface="Tahoma" panose="020B0604030504040204" pitchFamily="34" charset="0"/>
+            </a:endParaRPr>
+          </a:p>
+          <a:p>
+            <a:pPr marL="800080" lvl="1" indent="-342891">
+              <a:buFont typeface="+mj-lt"/>
+              <a:buAutoNum type="arabicPeriod"/>
+            </a:pPr>
+            <a:endParaRPr lang="en-US" altLang="ja-JP" sz="1700" dirty="0">
+              <a:latin typeface="Tahoma" panose="020B0604030504040204" pitchFamily="34" charset="0"/>
+              <a:ea typeface="Tahoma" panose="020B0604030504040204" pitchFamily="34" charset="0"/>
+              <a:cs typeface="Tahoma" panose="020B0604030504040204" pitchFamily="34" charset="0"/>
+            </a:endParaRPr>
+          </a:p>
+          <a:p>
+            <a:pPr marL="800080" lvl="1" indent="-342891">
+              <a:buFont typeface="+mj-lt"/>
+              <a:buAutoNum type="arabicPeriod"/>
+            </a:pPr>
+            <a:endParaRPr lang="en-US" altLang="ja-JP" sz="1700" dirty="0">
+              <a:latin typeface="Tahoma" panose="020B0604030504040204" pitchFamily="34" charset="0"/>
+              <a:ea typeface="Tahoma" panose="020B0604030504040204" pitchFamily="34" charset="0"/>
+              <a:cs typeface="Tahoma" panose="020B0604030504040204" pitchFamily="34" charset="0"/>
+            </a:endParaRPr>
+          </a:p>
+        </p:txBody>
+      </p:sp>
+      <p:pic>
+        <p:nvPicPr>
+          <p:cNvPr id="8" name="Picture 7">
+            <a:extLst>
+              <a:ext uri="{FF2B5EF4-FFF2-40B4-BE49-F238E27FC236}">
+                <a16:creationId xmlns:a16="http://schemas.microsoft.com/office/drawing/2014/main" id="{4B31BB4E-31E9-48CD-A428-D6C3C9F3F382}"/>
+              </a:ext>
+            </a:extLst>
+          </p:cNvPr>
+          <p:cNvPicPr>
+            <a:picLocks noChangeAspect="1"/>
+          </p:cNvPicPr>
+          <p:nvPr/>
+        </p:nvPicPr>
+        <p:blipFill>
+          <a:blip r:embed="rId3"/>
+          <a:stretch>
+            <a:fillRect/>
+          </a:stretch>
+        </p:blipFill>
+        <p:spPr>
+          <a:xfrm>
+            <a:off x="4428352" y="251841"/>
+            <a:ext cx="4559930" cy="3177159"/>
+          </a:xfrm>
+          <a:prstGeom prst="rect">
+            <a:avLst/>
+          </a:prstGeom>
+        </p:spPr>
+      </p:pic>
+      <p:pic>
+        <p:nvPicPr>
+          <p:cNvPr id="12" name="Picture 11">
+            <a:extLst>
+              <a:ext uri="{FF2B5EF4-FFF2-40B4-BE49-F238E27FC236}">
+                <a16:creationId xmlns:a16="http://schemas.microsoft.com/office/drawing/2014/main" id="{1F349214-7C50-41E5-A6E3-2D59DB9AD272}"/>
+              </a:ext>
+            </a:extLst>
+          </p:cNvPr>
+          <p:cNvPicPr>
+            <a:picLocks noChangeAspect="1"/>
+          </p:cNvPicPr>
+          <p:nvPr/>
+        </p:nvPicPr>
+        <p:blipFill>
+          <a:blip r:embed="rId4"/>
+          <a:stretch>
+            <a:fillRect/>
+          </a:stretch>
+        </p:blipFill>
+        <p:spPr>
+          <a:xfrm>
+            <a:off x="4926337" y="4413607"/>
+            <a:ext cx="2879430" cy="2006260"/>
+          </a:xfrm>
+          <a:prstGeom prst="rect">
+            <a:avLst/>
+          </a:prstGeom>
+        </p:spPr>
+      </p:pic>
+    </p:spTree>
+    <p:extLst>
+      <p:ext uri="{BB962C8B-B14F-4D97-AF65-F5344CB8AC3E}">
+        <p14:creationId xmlns:p14="http://schemas.microsoft.com/office/powerpoint/2010/main" val="1302735403"/>
+      </p:ext>
+    </p:extLst>
+  </p:cSld>
+  <p:clrMapOvr>
+    <a:masterClrMapping/>
+  </p:clrMapOvr>
+</p:sld>
+</file>
+
+<file path=ppt/slides/slide8.xml><?xml version="1.0" encoding="utf-8"?>
+<p:sld xmlns:a="http://schemas.openxmlformats.org/drawingml/2006/main" xmlns:r="http://schemas.openxmlformats.org/officeDocument/2006/relationships" xmlns:p="http://schemas.openxmlformats.org/presentationml/2006/main">
+  <p:cSld>
+    <p:spTree>
+      <p:nvGrpSpPr>
+        <p:cNvPr id="1" name=""/>
+        <p:cNvGrpSpPr/>
+        <p:nvPr/>
+      </p:nvGrpSpPr>
+      <p:grpSpPr>
+        <a:xfrm>
+          <a:off x="0" y="0"/>
+          <a:ext cx="0" cy="0"/>
+          <a:chOff x="0" y="0"/>
+          <a:chExt cx="0" cy="0"/>
+        </a:xfrm>
+      </p:grpSpPr>
       <p:sp>
         <p:nvSpPr>
           <p:cNvPr id="2" name="Title 1">
@@ -4693,11 +9611,7 @@
                 <a:graphicFrameLocks noGrp="1"/>
               </p:cNvGraphicFramePr>
               <p:nvPr>
-                <p:extLst>
-                  <p:ext uri="{D42A27DB-BD31-4B8C-83A1-F6EECF244321}">
-                    <p14:modId xmlns:p14="http://schemas.microsoft.com/office/powerpoint/2010/main" val="4279784659"/>
-                  </p:ext>
-                </p:extLst>
+                <p:extLst/>
               </p:nvPr>
             </p:nvGraphicFramePr>
             <p:xfrm>
@@ -5193,7 +10107,7 @@
     </p:spTree>
     <p:extLst>
       <p:ext uri="{BB962C8B-B14F-4D97-AF65-F5344CB8AC3E}">
-        <p14:creationId xmlns:p14="http://schemas.microsoft.com/office/powerpoint/2010/main" val="2942690972"/>
+        <p14:creationId xmlns:p14="http://schemas.microsoft.com/office/powerpoint/2010/main" val="3261869826"/>
       </p:ext>
     </p:extLst>
   </p:cSld>
@@ -5203,17 +10117,9 @@
 </p:sld>
 </file>
 
-<file path=ppt/slides/slide6.xml><?xml version="1.0" encoding="utf-8"?>
+<file path=ppt/slides/slide9.xml><?xml version="1.0" encoding="utf-8"?>
 <p:sld xmlns:a="http://schemas.openxmlformats.org/drawingml/2006/main" xmlns:r="http://schemas.openxmlformats.org/officeDocument/2006/relationships" xmlns:p="http://schemas.openxmlformats.org/presentationml/2006/main">
   <p:cSld>
-    <p:bg>
-      <p:bgPr>
-        <a:solidFill>
-          <a:schemeClr val="bg1"/>
-        </a:solidFill>
-        <a:effectLst/>
-      </p:bgPr>
-    </p:bg>
     <p:spTree>
       <p:nvGrpSpPr>
         <p:cNvPr id="1" name=""/>
@@ -5230,76 +10136,10 @@
       </p:grpSpPr>
       <p:sp>
         <p:nvSpPr>
-          <p:cNvPr id="10" name="Rectangle 9">
-            <a:extLst>
-              <a:ext uri="{FF2B5EF4-FFF2-40B4-BE49-F238E27FC236}">
-                <a16:creationId xmlns:a16="http://schemas.microsoft.com/office/drawing/2014/main" id="{CEB41C5C-0F34-4DDA-9D7C-5E717F35F60C}"/>
-              </a:ext>
-            </a:extLst>
-          </p:cNvPr>
-          <p:cNvSpPr>
-            <a:spLocks noGrp="1" noRot="1" noChangeAspect="1" noMove="1" noResize="1" noEditPoints="1" noAdjustHandles="1" noChangeArrowheads="1" noChangeShapeType="1" noTextEdit="1"/>
-          </p:cNvSpPr>
-          <p:nvPr>
-            <p:extLst>
-              <p:ext uri="{386F3935-93C4-4BCD-93E2-E3B085C9AB24}">
-                <p16:designElem xmlns:p16="http://schemas.microsoft.com/office/powerpoint/2015/main" val="1"/>
-              </p:ext>
-            </p:extLst>
-          </p:nvPr>
-        </p:nvSpPr>
-        <p:spPr bwMode="ltGray">
-          <a:xfrm>
-            <a:off x="4601007" y="303591"/>
-            <a:ext cx="4301693" cy="5896743"/>
-          </a:xfrm>
-          <a:prstGeom prst="rect">
-            <a:avLst/>
-          </a:prstGeom>
-          <a:solidFill>
-            <a:schemeClr val="tx1">
-              <a:alpha val="15000"/>
-            </a:schemeClr>
-          </a:solidFill>
-          <a:ln w="127000" cap="sq" cmpd="thinThick">
-            <a:solidFill>
-              <a:schemeClr val="tx1">
-                <a:alpha val="10000"/>
-              </a:schemeClr>
-            </a:solidFill>
-          </a:ln>
-        </p:spPr>
-        <p:style>
-          <a:lnRef idx="2">
-            <a:schemeClr val="accent1">
-              <a:shade val="50000"/>
-            </a:schemeClr>
-          </a:lnRef>
-          <a:fillRef idx="1">
-            <a:schemeClr val="accent1"/>
-          </a:fillRef>
-          <a:effectRef idx="0">
-            <a:schemeClr val="accent1"/>
-          </a:effectRef>
-          <a:fontRef idx="minor">
-            <a:schemeClr val="lt1"/>
-          </a:fontRef>
-        </p:style>
-        <p:txBody>
-          <a:bodyPr rtlCol="0" anchor="ctr"/>
-          <a:lstStyle/>
-          <a:p>
-            <a:pPr algn="ctr"/>
-            <a:endParaRPr lang="en-US"/>
-          </a:p>
-        </p:txBody>
-      </p:sp>
-      <p:sp>
-        <p:nvSpPr>
           <p:cNvPr id="2" name="Title 1">
             <a:extLst>
               <a:ext uri="{FF2B5EF4-FFF2-40B4-BE49-F238E27FC236}">
-                <a16:creationId xmlns:a16="http://schemas.microsoft.com/office/drawing/2014/main" id="{E44D6F80-BF44-4B52-9DF2-B11355DE48D4}"/>
+                <a16:creationId xmlns:a16="http://schemas.microsoft.com/office/drawing/2014/main" id="{0F1B9B9F-9AC6-424B-A41A-F15714BE8EC6}"/>
               </a:ext>
             </a:extLst>
           </p:cNvPr>
@@ -5312,8 +10152,8 @@
         </p:nvSpPr>
         <p:spPr>
           <a:xfrm>
-            <a:off x="251967" y="13232"/>
-            <a:ext cx="3479292" cy="787957"/>
+            <a:off x="0" y="185885"/>
+            <a:ext cx="3479292" cy="1049792"/>
           </a:xfrm>
         </p:spPr>
         <p:txBody>
@@ -5322,11 +10162,19 @@
           </a:bodyPr>
           <a:lstStyle/>
           <a:p>
-            <a:pPr algn="ctr"/>
-            <a:r>
-              <a:rPr lang="en-US" sz="3500" dirty="0"/>
-              <a:t>lesson01_2</a:t>
-            </a:r>
+            <a:r>
+              <a:rPr lang="en-US" altLang="ja-JP" sz="2400" dirty="0">
+                <a:latin typeface="Tahoma" panose="020B0604030504040204" pitchFamily="34" charset="0"/>
+                <a:ea typeface="Tahoma" panose="020B0604030504040204" pitchFamily="34" charset="0"/>
+                <a:cs typeface="Tahoma" panose="020B0604030504040204" pitchFamily="34" charset="0"/>
+              </a:rPr>
+              <a:t>lesson document &amp; program template</a:t>
+            </a:r>
+            <a:endParaRPr lang="en-US" sz="2400" dirty="0">
+              <a:latin typeface="Tahoma" panose="020B0604030504040204" pitchFamily="34" charset="0"/>
+              <a:ea typeface="Tahoma" panose="020B0604030504040204" pitchFamily="34" charset="0"/>
+              <a:cs typeface="Tahoma" panose="020B0604030504040204" pitchFamily="34" charset="0"/>
+            </a:endParaRPr>
           </a:p>
         </p:txBody>
       </p:sp>
@@ -5335,7 +10183,7 @@
           <p:cNvPr id="3" name="Content Placeholder 2">
             <a:extLst>
               <a:ext uri="{FF2B5EF4-FFF2-40B4-BE49-F238E27FC236}">
-                <a16:creationId xmlns:a16="http://schemas.microsoft.com/office/drawing/2014/main" id="{DDF43F30-1DCF-4886-AE1F-6373FF92B3E1}"/>
+                <a16:creationId xmlns:a16="http://schemas.microsoft.com/office/drawing/2014/main" id="{D72E31AE-390B-4B6F-9F0B-032DBE9939FE}"/>
               </a:ext>
             </a:extLst>
           </p:cNvPr>
@@ -5348,8 +10196,8 @@
         </p:nvSpPr>
         <p:spPr>
           <a:xfrm>
-            <a:off x="319678" y="4690788"/>
-            <a:ext cx="3926617" cy="3773010"/>
+            <a:off x="0" y="1536351"/>
+            <a:ext cx="5029200" cy="3785419"/>
           </a:xfrm>
         </p:spPr>
         <p:txBody>
@@ -5358,217 +10206,65 @@
           </a:bodyPr>
           <a:lstStyle/>
           <a:p>
-            <a:pPr marL="285744" indent="-285744"/>
-            <a:r>
-              <a:rPr lang="en-US" sz="1700" dirty="0">
-                <a:latin typeface="Tahoma" panose="020B0604030504040204" pitchFamily="34" charset="0"/>
-                <a:ea typeface="Tahoma" panose="020B0604030504040204" pitchFamily="34" charset="0"/>
-                <a:cs typeface="Tahoma" panose="020B0604030504040204" pitchFamily="34" charset="0"/>
-              </a:rPr>
-              <a:t>L1-6: HTML header</a:t>
-            </a:r>
-          </a:p>
-          <a:p>
-            <a:pPr marL="285744" indent="-285744"/>
-            <a:r>
-              <a:rPr lang="en-US" sz="1700" dirty="0">
-                <a:latin typeface="Tahoma" panose="020B0604030504040204" pitchFamily="34" charset="0"/>
-                <a:ea typeface="Tahoma" panose="020B0604030504040204" pitchFamily="34" charset="0"/>
-                <a:cs typeface="Tahoma" panose="020B0604030504040204" pitchFamily="34" charset="0"/>
-              </a:rPr>
-              <a:t>L8-10: PHP program code</a:t>
-            </a:r>
-          </a:p>
-          <a:p>
-            <a:pPr marL="457200" lvl="1" indent="0">
+            <a:pPr marL="342891" indent="-342891">
+              <a:buFont typeface="+mj-lt"/>
+              <a:buAutoNum type="arabicPeriod"/>
+            </a:pPr>
+            <a:r>
+              <a:rPr lang="en-US" altLang="ja-JP" sz="1700" dirty="0">
+                <a:latin typeface="Tahoma" panose="020B0604030504040204" pitchFamily="34" charset="0"/>
+                <a:ea typeface="Tahoma" panose="020B0604030504040204" pitchFamily="34" charset="0"/>
+                <a:cs typeface="Tahoma" panose="020B0604030504040204" pitchFamily="34" charset="0"/>
+              </a:rPr>
+              <a:t>download from follow URL.</a:t>
+            </a:r>
+          </a:p>
+          <a:p>
+            <a:pPr marL="457189" lvl="1" indent="0">
               <a:buNone/>
             </a:pPr>
             <a:r>
-              <a:rPr lang="en-US" sz="1300" dirty="0">
-                <a:latin typeface="Tahoma" panose="020B0604030504040204" pitchFamily="34" charset="0"/>
-                <a:ea typeface="Tahoma" panose="020B0604030504040204" pitchFamily="34" charset="0"/>
-                <a:cs typeface="Tahoma" panose="020B0604030504040204" pitchFamily="34" charset="0"/>
-              </a:rPr>
-              <a:t>L9,10: define variables</a:t>
-            </a:r>
-          </a:p>
-          <a:p>
-            <a:pPr marL="457200" lvl="1" indent="0">
-              <a:buNone/>
+              <a:rPr lang="en-US" altLang="ja-JP" sz="3200" dirty="0">
+                <a:solidFill>
+                  <a:srgbClr val="FF0000"/>
+                </a:solidFill>
+                <a:latin typeface="Tahoma" panose="020B0604030504040204" pitchFamily="34" charset="0"/>
+                <a:ea typeface="Tahoma" panose="020B0604030504040204" pitchFamily="34" charset="0"/>
+                <a:cs typeface="Tahoma" panose="020B0604030504040204" pitchFamily="34" charset="0"/>
+              </a:rPr>
+              <a:t>https://goo.gl/U1z3sL</a:t>
+            </a:r>
+          </a:p>
+          <a:p>
+            <a:pPr marL="342891" indent="-342891">
+              <a:buFont typeface="+mj-lt"/>
+              <a:buAutoNum type="arabicPeriod"/>
             </a:pPr>
-            <a:r>
-              <a:rPr lang="en-US" sz="1300" dirty="0">
-                <a:latin typeface="Tahoma" panose="020B0604030504040204" pitchFamily="34" charset="0"/>
-                <a:ea typeface="Tahoma" panose="020B0604030504040204" pitchFamily="34" charset="0"/>
-                <a:cs typeface="Tahoma" panose="020B0604030504040204" pitchFamily="34" charset="0"/>
-              </a:rPr>
-              <a:t>L11,12: print variables</a:t>
-            </a:r>
-          </a:p>
-          <a:p>
-            <a:pPr marL="457200" lvl="1" indent="0">
-              <a:buNone/>
-            </a:pPr>
-            <a:endParaRPr lang="en-US" sz="1300" dirty="0">
+            <a:endParaRPr lang="en-US" altLang="ja-JP" sz="1700" dirty="0">
               <a:latin typeface="Tahoma" panose="020B0604030504040204" pitchFamily="34" charset="0"/>
               <a:ea typeface="Tahoma" panose="020B0604030504040204" pitchFamily="34" charset="0"/>
               <a:cs typeface="Tahoma" panose="020B0604030504040204" pitchFamily="34" charset="0"/>
             </a:endParaRPr>
           </a:p>
           <a:p>
-            <a:pPr marL="285744" indent="-285744"/>
-            <a:r>
-              <a:rPr lang="en-US" sz="1700" dirty="0">
-                <a:latin typeface="Tahoma" panose="020B0604030504040204" pitchFamily="34" charset="0"/>
-                <a:ea typeface="Tahoma" panose="020B0604030504040204" pitchFamily="34" charset="0"/>
-                <a:cs typeface="Tahoma" panose="020B0604030504040204" pitchFamily="34" charset="0"/>
-              </a:rPr>
-              <a:t>L15-16: HTML footer</a:t>
-            </a:r>
-          </a:p>
-          <a:p>
-            <a:endParaRPr lang="en-US" sz="1700" dirty="0"/>
-          </a:p>
-        </p:txBody>
-      </p:sp>
-      <p:sp>
-        <p:nvSpPr>
-          <p:cNvPr id="6" name="Rectangle 5">
+            <a:pPr marL="342891" indent="-342891">
+              <a:buFont typeface="+mj-lt"/>
+              <a:buAutoNum type="arabicPeriod"/>
+            </a:pPr>
+            <a:endParaRPr lang="en-US" altLang="ja-JP" sz="1700" dirty="0">
+              <a:latin typeface="Tahoma" panose="020B0604030504040204" pitchFamily="34" charset="0"/>
+              <a:ea typeface="Tahoma" panose="020B0604030504040204" pitchFamily="34" charset="0"/>
+              <a:cs typeface="Tahoma" panose="020B0604030504040204" pitchFamily="34" charset="0"/>
+            </a:endParaRPr>
+          </a:p>
+        </p:txBody>
+      </p:sp>
+      <p:pic>
+        <p:nvPicPr>
+          <p:cNvPr id="5" name="Picture 4">
             <a:extLst>
               <a:ext uri="{FF2B5EF4-FFF2-40B4-BE49-F238E27FC236}">
-                <a16:creationId xmlns:a16="http://schemas.microsoft.com/office/drawing/2014/main" id="{56CF89B6-45BF-4C70-B4FA-B3D5F715A11A}"/>
-              </a:ext>
-            </a:extLst>
-          </p:cNvPr>
-          <p:cNvSpPr/>
-          <p:nvPr/>
-        </p:nvSpPr>
-        <p:spPr>
-          <a:xfrm>
-            <a:off x="3251582" y="0"/>
-            <a:ext cx="5721503" cy="307777"/>
-          </a:xfrm>
-          <a:prstGeom prst="rect">
-            <a:avLst/>
-          </a:prstGeom>
-          <a:solidFill>
-            <a:schemeClr val="bg1"/>
-          </a:solidFill>
-          <a:ln>
-            <a:solidFill>
-              <a:schemeClr val="accent1"/>
-            </a:solidFill>
-          </a:ln>
-        </p:spPr>
-        <p:txBody>
-          <a:bodyPr wrap="none">
-            <a:spAutoFit/>
-          </a:bodyPr>
-          <a:lstStyle/>
-          <a:p>
-            <a:r>
-              <a:rPr lang="en-US" altLang="ja-JP" sz="1400" dirty="0">
-                <a:latin typeface="Tahoma" panose="020B0604030504040204" pitchFamily="34" charset="0"/>
-                <a:ea typeface="Tahoma" panose="020B0604030504040204" pitchFamily="34" charset="0"/>
-                <a:cs typeface="Tahoma" panose="020B0604030504040204" pitchFamily="34" charset="0"/>
-              </a:rPr>
-              <a:t>3. folder: C:\appserv\www\php_lesson\    file name: lesson01_2.php</a:t>
-            </a:r>
-            <a:endParaRPr lang="ja-JP" altLang="en-US" sz="1400" dirty="0">
-              <a:latin typeface="Tahoma" panose="020B0604030504040204" pitchFamily="34" charset="0"/>
-              <a:cs typeface="Tahoma" panose="020B0604030504040204" pitchFamily="34" charset="0"/>
-            </a:endParaRPr>
-          </a:p>
-        </p:txBody>
-      </p:sp>
-      <p:sp>
-        <p:nvSpPr>
-          <p:cNvPr id="11" name="Rectangle 10">
-            <a:extLst>
-              <a:ext uri="{FF2B5EF4-FFF2-40B4-BE49-F238E27FC236}">
-                <a16:creationId xmlns:a16="http://schemas.microsoft.com/office/drawing/2014/main" id="{9A099E03-7F5D-40B5-AF83-8B36D2DA594B}"/>
-              </a:ext>
-            </a:extLst>
-          </p:cNvPr>
-          <p:cNvSpPr/>
-          <p:nvPr/>
-        </p:nvSpPr>
-        <p:spPr>
-          <a:xfrm>
-            <a:off x="82551" y="2339325"/>
-            <a:ext cx="4463081" cy="338554"/>
-          </a:xfrm>
-          <a:prstGeom prst="rect">
-            <a:avLst/>
-          </a:prstGeom>
-        </p:spPr>
-        <p:txBody>
-          <a:bodyPr wrap="none">
-            <a:spAutoFit/>
-          </a:bodyPr>
-          <a:lstStyle/>
-          <a:p>
-            <a:pPr algn="ctr"/>
-            <a:r>
-              <a:rPr lang="en-US" altLang="ja-JP" sz="1600" dirty="0">
-                <a:latin typeface="Tahoma" panose="020B0604030504040204" pitchFamily="34" charset="0"/>
-                <a:ea typeface="Tahoma" panose="020B0604030504040204" pitchFamily="34" charset="0"/>
-                <a:cs typeface="Tahoma" panose="020B0604030504040204" pitchFamily="34" charset="0"/>
-              </a:rPr>
-              <a:t>3.http://localhost/php_lesson/ lesson01_2.php </a:t>
-            </a:r>
-          </a:p>
-        </p:txBody>
-      </p:sp>
-      <p:sp>
-        <p:nvSpPr>
-          <p:cNvPr id="12" name="Rectangle 11">
-            <a:extLst>
-              <a:ext uri="{FF2B5EF4-FFF2-40B4-BE49-F238E27FC236}">
-                <a16:creationId xmlns:a16="http://schemas.microsoft.com/office/drawing/2014/main" id="{C77AA99F-01CF-4155-B9C5-78FDAE28F61E}"/>
-              </a:ext>
-            </a:extLst>
-          </p:cNvPr>
-          <p:cNvSpPr/>
-          <p:nvPr/>
-        </p:nvSpPr>
-        <p:spPr>
-          <a:xfrm>
-            <a:off x="1375784" y="4293531"/>
-            <a:ext cx="1356462" cy="369332"/>
-          </a:xfrm>
-          <a:prstGeom prst="rect">
-            <a:avLst/>
-          </a:prstGeom>
-        </p:spPr>
-        <p:txBody>
-          <a:bodyPr wrap="none">
-            <a:spAutoFit/>
-          </a:bodyPr>
-          <a:lstStyle/>
-          <a:p>
-            <a:pPr algn="ctr"/>
-            <a:r>
-              <a:rPr lang="en-US" altLang="ja-JP" dirty="0">
-                <a:latin typeface="Tahoma" panose="020B0604030504040204" pitchFamily="34" charset="0"/>
-                <a:ea typeface="Tahoma" panose="020B0604030504040204" pitchFamily="34" charset="0"/>
-                <a:cs typeface="Tahoma" panose="020B0604030504040204" pitchFamily="34" charset="0"/>
-              </a:rPr>
-              <a:t>explanation</a:t>
-            </a:r>
-            <a:endParaRPr lang="ja-JP" altLang="en-US" dirty="0">
-              <a:latin typeface="Tahoma" panose="020B0604030504040204" pitchFamily="34" charset="0"/>
-              <a:cs typeface="Tahoma" panose="020B0604030504040204" pitchFamily="34" charset="0"/>
-            </a:endParaRPr>
-          </a:p>
-        </p:txBody>
-      </p:sp>
-      <p:pic>
-        <p:nvPicPr>
-          <p:cNvPr id="13" name="Graphic 12">
-            <a:extLst>
-              <a:ext uri="{FF2B5EF4-FFF2-40B4-BE49-F238E27FC236}">
-                <a16:creationId xmlns:a16="http://schemas.microsoft.com/office/drawing/2014/main" id="{C0A1D308-1A10-46EC-BC7B-E1F8BE698AEE}"/>
+                <a16:creationId xmlns:a16="http://schemas.microsoft.com/office/drawing/2014/main" id="{227EB2E5-59F2-404C-A68C-EDB6161654E6}"/>
               </a:ext>
             </a:extLst>
           </p:cNvPr>
@@ -5583,9 +10279,6 @@
               <a:ext uri="{28A0092B-C50C-407E-A947-70E740481C1C}">
                 <a14:useLocalDpi xmlns:a14="http://schemas.microsoft.com/office/drawing/2010/main"/>
               </a:ext>
-              <a:ext uri="{96DAC541-7B7A-43D3-8B79-37D633B846F1}">
-                <asvg:svgBlip xmlns:asvg="http://schemas.microsoft.com/office/drawing/2016/SVG/main" r:embed="rId3"/>
-              </a:ext>
             </a:extLst>
           </a:blip>
           <a:stretch>
@@ -5594,2016 +10287,18 @@
         </p:blipFill>
         <p:spPr>
           <a:xfrm>
-            <a:off x="100076" y="6369742"/>
-            <a:ext cx="683948" cy="369332"/>
+            <a:off x="4597281" y="710781"/>
+            <a:ext cx="4477049" cy="2995457"/>
           </a:xfrm>
           <a:prstGeom prst="rect">
             <a:avLst/>
           </a:prstGeom>
         </p:spPr>
       </p:pic>
-      <p:sp>
-        <p:nvSpPr>
-          <p:cNvPr id="14" name="Content Placeholder 2">
-            <a:extLst>
-              <a:ext uri="{FF2B5EF4-FFF2-40B4-BE49-F238E27FC236}">
-                <a16:creationId xmlns:a16="http://schemas.microsoft.com/office/drawing/2014/main" id="{F0528EC4-574A-49AF-BF35-6486232B5792}"/>
-              </a:ext>
-            </a:extLst>
-          </p:cNvPr>
-          <p:cNvSpPr txBox="1">
-            <a:spLocks/>
-          </p:cNvSpPr>
-          <p:nvPr/>
-        </p:nvSpPr>
-        <p:spPr>
-          <a:xfrm>
-            <a:off x="314369" y="944302"/>
-            <a:ext cx="3479292" cy="3785419"/>
-          </a:xfrm>
-          <a:prstGeom prst="rect">
-            <a:avLst/>
-          </a:prstGeom>
-        </p:spPr>
-        <p:txBody>
-          <a:bodyPr vert="horz" lIns="91440" tIns="45720" rIns="91440" bIns="45720" rtlCol="0">
-            <a:normAutofit/>
-          </a:bodyPr>
-          <a:lstStyle>
-            <a:lvl1pPr marL="228600" indent="-228600" algn="l" defTabSz="914400" rtl="0" eaLnBrk="1" latinLnBrk="0" hangingPunct="1">
-              <a:lnSpc>
-                <a:spcPct val="90000"/>
-              </a:lnSpc>
-              <a:spcBef>
-                <a:spcPts val="1000"/>
-              </a:spcBef>
-              <a:buFont typeface="Arial" panose="020B0604020202020204" pitchFamily="34" charset="0"/>
-              <a:buChar char="•"/>
-              <a:defRPr sz="2800" kern="1200">
-                <a:solidFill>
-                  <a:schemeClr val="tx1"/>
-                </a:solidFill>
-                <a:latin typeface="+mn-lt"/>
-                <a:ea typeface="+mn-ea"/>
-                <a:cs typeface="+mn-cs"/>
-              </a:defRPr>
-            </a:lvl1pPr>
-            <a:lvl2pPr marL="685800" indent="-228600" algn="l" defTabSz="914400" rtl="0" eaLnBrk="1" latinLnBrk="0" hangingPunct="1">
-              <a:lnSpc>
-                <a:spcPct val="90000"/>
-              </a:lnSpc>
-              <a:spcBef>
-                <a:spcPts val="500"/>
-              </a:spcBef>
-              <a:buFont typeface="Arial" panose="020B0604020202020204" pitchFamily="34" charset="0"/>
-              <a:buChar char="•"/>
-              <a:defRPr sz="2400" kern="1200">
-                <a:solidFill>
-                  <a:schemeClr val="tx1"/>
-                </a:solidFill>
-                <a:latin typeface="+mn-lt"/>
-                <a:ea typeface="+mn-ea"/>
-                <a:cs typeface="+mn-cs"/>
-              </a:defRPr>
-            </a:lvl2pPr>
-            <a:lvl3pPr marL="1143000" indent="-228600" algn="l" defTabSz="914400" rtl="0" eaLnBrk="1" latinLnBrk="0" hangingPunct="1">
-              <a:lnSpc>
-                <a:spcPct val="90000"/>
-              </a:lnSpc>
-              <a:spcBef>
-                <a:spcPts val="500"/>
-              </a:spcBef>
-              <a:buFont typeface="Arial" panose="020B0604020202020204" pitchFamily="34" charset="0"/>
-              <a:buChar char="•"/>
-              <a:defRPr sz="2000" kern="1200">
-                <a:solidFill>
-                  <a:schemeClr val="tx1"/>
-                </a:solidFill>
-                <a:latin typeface="+mn-lt"/>
-                <a:ea typeface="+mn-ea"/>
-                <a:cs typeface="+mn-cs"/>
-              </a:defRPr>
-            </a:lvl3pPr>
-            <a:lvl4pPr marL="1600200" indent="-228600" algn="l" defTabSz="914400" rtl="0" eaLnBrk="1" latinLnBrk="0" hangingPunct="1">
-              <a:lnSpc>
-                <a:spcPct val="90000"/>
-              </a:lnSpc>
-              <a:spcBef>
-                <a:spcPts val="500"/>
-              </a:spcBef>
-              <a:buFont typeface="Arial" panose="020B0604020202020204" pitchFamily="34" charset="0"/>
-              <a:buChar char="•"/>
-              <a:defRPr sz="1800" kern="1200">
-                <a:solidFill>
-                  <a:schemeClr val="tx1"/>
-                </a:solidFill>
-                <a:latin typeface="+mn-lt"/>
-                <a:ea typeface="+mn-ea"/>
-                <a:cs typeface="+mn-cs"/>
-              </a:defRPr>
-            </a:lvl4pPr>
-            <a:lvl5pPr marL="2057400" indent="-228600" algn="l" defTabSz="914400" rtl="0" eaLnBrk="1" latinLnBrk="0" hangingPunct="1">
-              <a:lnSpc>
-                <a:spcPct val="90000"/>
-              </a:lnSpc>
-              <a:spcBef>
-                <a:spcPts val="500"/>
-              </a:spcBef>
-              <a:buFont typeface="Arial" panose="020B0604020202020204" pitchFamily="34" charset="0"/>
-              <a:buChar char="•"/>
-              <a:defRPr sz="1800" kern="1200">
-                <a:solidFill>
-                  <a:schemeClr val="tx1"/>
-                </a:solidFill>
-                <a:latin typeface="+mn-lt"/>
-                <a:ea typeface="+mn-ea"/>
-                <a:cs typeface="+mn-cs"/>
-              </a:defRPr>
-            </a:lvl5pPr>
-            <a:lvl6pPr marL="2514600" indent="-228600" algn="l" defTabSz="914400" rtl="0" eaLnBrk="1" latinLnBrk="0" hangingPunct="1">
-              <a:lnSpc>
-                <a:spcPct val="90000"/>
-              </a:lnSpc>
-              <a:spcBef>
-                <a:spcPts val="500"/>
-              </a:spcBef>
-              <a:buFont typeface="Arial" panose="020B0604020202020204" pitchFamily="34" charset="0"/>
-              <a:buChar char="•"/>
-              <a:defRPr sz="1800" kern="1200">
-                <a:solidFill>
-                  <a:schemeClr val="tx1"/>
-                </a:solidFill>
-                <a:latin typeface="+mn-lt"/>
-                <a:ea typeface="+mn-ea"/>
-                <a:cs typeface="+mn-cs"/>
-              </a:defRPr>
-            </a:lvl6pPr>
-            <a:lvl7pPr marL="2971800" indent="-228600" algn="l" defTabSz="914400" rtl="0" eaLnBrk="1" latinLnBrk="0" hangingPunct="1">
-              <a:lnSpc>
-                <a:spcPct val="90000"/>
-              </a:lnSpc>
-              <a:spcBef>
-                <a:spcPts val="500"/>
-              </a:spcBef>
-              <a:buFont typeface="Arial" panose="020B0604020202020204" pitchFamily="34" charset="0"/>
-              <a:buChar char="•"/>
-              <a:defRPr sz="1800" kern="1200">
-                <a:solidFill>
-                  <a:schemeClr val="tx1"/>
-                </a:solidFill>
-                <a:latin typeface="+mn-lt"/>
-                <a:ea typeface="+mn-ea"/>
-                <a:cs typeface="+mn-cs"/>
-              </a:defRPr>
-            </a:lvl7pPr>
-            <a:lvl8pPr marL="3429000" indent="-228600" algn="l" defTabSz="914400" rtl="0" eaLnBrk="1" latinLnBrk="0" hangingPunct="1">
-              <a:lnSpc>
-                <a:spcPct val="90000"/>
-              </a:lnSpc>
-              <a:spcBef>
-                <a:spcPts val="500"/>
-              </a:spcBef>
-              <a:buFont typeface="Arial" panose="020B0604020202020204" pitchFamily="34" charset="0"/>
-              <a:buChar char="•"/>
-              <a:defRPr sz="1800" kern="1200">
-                <a:solidFill>
-                  <a:schemeClr val="tx1"/>
-                </a:solidFill>
-                <a:latin typeface="+mn-lt"/>
-                <a:ea typeface="+mn-ea"/>
-                <a:cs typeface="+mn-cs"/>
-              </a:defRPr>
-            </a:lvl8pPr>
-            <a:lvl9pPr marL="3886200" indent="-228600" algn="l" defTabSz="914400" rtl="0" eaLnBrk="1" latinLnBrk="0" hangingPunct="1">
-              <a:lnSpc>
-                <a:spcPct val="90000"/>
-              </a:lnSpc>
-              <a:spcBef>
-                <a:spcPts val="500"/>
-              </a:spcBef>
-              <a:buFont typeface="Arial" panose="020B0604020202020204" pitchFamily="34" charset="0"/>
-              <a:buChar char="•"/>
-              <a:defRPr sz="1800" kern="1200">
-                <a:solidFill>
-                  <a:schemeClr val="tx1"/>
-                </a:solidFill>
-                <a:latin typeface="+mn-lt"/>
-                <a:ea typeface="+mn-ea"/>
-                <a:cs typeface="+mn-cs"/>
-              </a:defRPr>
-            </a:lvl9pPr>
-          </a:lstStyle>
-          <a:p>
-            <a:pPr marL="342891" indent="-342891">
-              <a:buFont typeface="+mj-lt"/>
-              <a:buAutoNum type="arabicPeriod"/>
-            </a:pPr>
-            <a:r>
-              <a:rPr lang="en-US" altLang="ja-JP" sz="1700" dirty="0">
-                <a:latin typeface="Tahoma" panose="020B0604030504040204" pitchFamily="34" charset="0"/>
-                <a:ea typeface="Tahoma" panose="020B0604030504040204" pitchFamily="34" charset="0"/>
-                <a:cs typeface="Tahoma" panose="020B0604030504040204" pitchFamily="34" charset="0"/>
-              </a:rPr>
-              <a:t>download "</a:t>
-            </a:r>
-            <a:r>
-              <a:rPr lang="en-US" altLang="ja-JP" sz="1800" dirty="0">
-                <a:latin typeface="Tahoma" panose="020B0604030504040204" pitchFamily="34" charset="0"/>
-                <a:ea typeface="Tahoma" panose="020B0604030504040204" pitchFamily="34" charset="0"/>
-                <a:cs typeface="Tahoma" panose="020B0604030504040204" pitchFamily="34" charset="0"/>
-              </a:rPr>
-              <a:t>lesson01_2</a:t>
-            </a:r>
-            <a:r>
-              <a:rPr lang="en-US" altLang="ja-JP" sz="1700" dirty="0">
-                <a:latin typeface="Tahoma" panose="020B0604030504040204" pitchFamily="34" charset="0"/>
-                <a:ea typeface="Tahoma" panose="020B0604030504040204" pitchFamily="34" charset="0"/>
-                <a:cs typeface="Tahoma" panose="020B0604030504040204" pitchFamily="34" charset="0"/>
-              </a:rPr>
-              <a:t>.php"</a:t>
-            </a:r>
-          </a:p>
-          <a:p>
-            <a:pPr marL="342891" indent="-342891">
-              <a:buFont typeface="+mj-lt"/>
-              <a:buAutoNum type="arabicPeriod"/>
-            </a:pPr>
-            <a:r>
-              <a:rPr lang="en-US" altLang="ja-JP" sz="1700" dirty="0">
-                <a:latin typeface="Tahoma" panose="020B0604030504040204" pitchFamily="34" charset="0"/>
-                <a:ea typeface="Tahoma" panose="020B0604030504040204" pitchFamily="34" charset="0"/>
-                <a:cs typeface="Tahoma" panose="020B0604030504040204" pitchFamily="34" charset="0"/>
-              </a:rPr>
-              <a:t>add program and save file.</a:t>
-            </a:r>
-          </a:p>
-          <a:p>
-            <a:pPr marL="342891" indent="-342891">
-              <a:buFont typeface="+mj-lt"/>
-              <a:buAutoNum type="arabicPeriod"/>
-            </a:pPr>
-            <a:r>
-              <a:rPr lang="en-US" altLang="ja-JP" sz="1700" dirty="0">
-                <a:latin typeface="Tahoma" panose="020B0604030504040204" pitchFamily="34" charset="0"/>
-                <a:ea typeface="Tahoma" panose="020B0604030504040204" pitchFamily="34" charset="0"/>
-                <a:cs typeface="Tahoma" panose="020B0604030504040204" pitchFamily="34" charset="0"/>
-              </a:rPr>
-              <a:t>show browser</a:t>
-            </a:r>
-          </a:p>
-        </p:txBody>
-      </p:sp>
-      <p:pic>
-        <p:nvPicPr>
-          <p:cNvPr id="15" name="Picture 14">
-            <a:extLst>
-              <a:ext uri="{FF2B5EF4-FFF2-40B4-BE49-F238E27FC236}">
-                <a16:creationId xmlns:a16="http://schemas.microsoft.com/office/drawing/2014/main" id="{A47E57F9-D4C0-452A-90EE-010F62846F72}"/>
-              </a:ext>
-            </a:extLst>
-          </p:cNvPr>
-          <p:cNvPicPr>
-            <a:picLocks noChangeAspect="1"/>
-          </p:cNvPicPr>
-          <p:nvPr/>
-        </p:nvPicPr>
-        <p:blipFill rotWithShape="1">
-          <a:blip r:embed="rId4" cstate="email">
-            <a:extLst>
-              <a:ext uri="{28A0092B-C50C-407E-A947-70E740481C1C}">
-                <a14:useLocalDpi xmlns:a14="http://schemas.microsoft.com/office/drawing/2010/main"/>
-              </a:ext>
-            </a:extLst>
-          </a:blip>
-          <a:srcRect/>
-          <a:stretch/>
-        </p:blipFill>
-        <p:spPr>
-          <a:xfrm>
-            <a:off x="-13951" y="2751705"/>
-            <a:ext cx="4536580" cy="1000514"/>
-          </a:xfrm>
-          <a:prstGeom prst="rect">
-            <a:avLst/>
-          </a:prstGeom>
-        </p:spPr>
-      </p:pic>
-      <mc:AlternateContent xmlns:mc="http://schemas.openxmlformats.org/markup-compatibility/2006" xmlns:we="http://schemas.microsoft.com/office/webextensions/webextension/2010/11" xmlns:pca="http://schemas.microsoft.com/office/powerpoint/2013/contentapp">
-        <mc:Choice Requires="we pca">
-          <p:graphicFrame>
-            <p:nvGraphicFramePr>
-              <p:cNvPr id="16" name="Add-in 15" title="Code Presenter Pro">
-                <a:extLst>
-                  <a:ext uri="{FF2B5EF4-FFF2-40B4-BE49-F238E27FC236}">
-                    <a16:creationId xmlns:a16="http://schemas.microsoft.com/office/drawing/2014/main" id="{DDE5042C-5921-4831-8620-9F197382E25C}"/>
-                  </a:ext>
-                </a:extLst>
-              </p:cNvPr>
-              <p:cNvGraphicFramePr>
-                <a:graphicFrameLocks noGrp="1"/>
-              </p:cNvGraphicFramePr>
-              <p:nvPr>
-                <p:extLst>
-                  <p:ext uri="{D42A27DB-BD31-4B8C-83A1-F6EECF244321}">
-                    <p14:modId xmlns:p14="http://schemas.microsoft.com/office/powerpoint/2010/main" val="3159721536"/>
-                  </p:ext>
-                </p:extLst>
-              </p:nvPr>
-            </p:nvGraphicFramePr>
-            <p:xfrm>
-              <a:off x="4679385" y="394462"/>
-              <a:ext cx="4144937" cy="5715000"/>
-            </p:xfrm>
-            <a:graphic>
-              <a:graphicData uri="http://schemas.microsoft.com/office/webextensions/webextension/2010/11">
-                <we:webextensionref xmlns:we="http://schemas.microsoft.com/office/webextensions/webextension/2010/11" xmlns:r="http://schemas.openxmlformats.org/officeDocument/2006/relationships" r:id="rId5"/>
-              </a:graphicData>
-            </a:graphic>
-          </p:graphicFrame>
-        </mc:Choice>
-        <mc:Fallback xmlns="">
-          <p:pic>
-            <p:nvPicPr>
-              <p:cNvPr id="16" name="Add-in 15" title="Code Presenter Pro">
-                <a:extLst>
-                  <a:ext uri="{FF2B5EF4-FFF2-40B4-BE49-F238E27FC236}">
-                    <a16:creationId xmlns:a16="http://schemas.microsoft.com/office/drawing/2014/main" id="{DDE5042C-5921-4831-8620-9F197382E25C}"/>
-                  </a:ext>
-                </a:extLst>
-              </p:cNvPr>
-              <p:cNvPicPr>
-                <a:picLocks noGrp="1" noRot="1" noChangeAspect="1" noMove="1" noResize="1" noEditPoints="1" noAdjustHandles="1" noChangeArrowheads="1" noChangeShapeType="1"/>
-              </p:cNvPicPr>
-              <p:nvPr/>
-            </p:nvPicPr>
-            <p:blipFill>
-              <a:blip r:embed="rId6"/>
-              <a:stretch>
-                <a:fillRect/>
-              </a:stretch>
-            </p:blipFill>
-            <p:spPr>
-              <a:xfrm>
-                <a:off x="4679385" y="394462"/>
-                <a:ext cx="4144937" cy="5715000"/>
-              </a:xfrm>
-              <a:prstGeom prst="rect">
-                <a:avLst/>
-              </a:prstGeom>
-            </p:spPr>
-          </p:pic>
-        </mc:Fallback>
-      </mc:AlternateContent>
     </p:spTree>
     <p:extLst>
       <p:ext uri="{BB962C8B-B14F-4D97-AF65-F5344CB8AC3E}">
-        <p14:creationId xmlns:p14="http://schemas.microsoft.com/office/powerpoint/2010/main" val="3529486933"/>
-      </p:ext>
-    </p:extLst>
-  </p:cSld>
-  <p:clrMapOvr>
-    <a:masterClrMapping/>
-  </p:clrMapOvr>
-</p:sld>
-</file>
-
-<file path=ppt/slides/slide7.xml><?xml version="1.0" encoding="utf-8"?>
-<p:sld xmlns:a="http://schemas.openxmlformats.org/drawingml/2006/main" xmlns:r="http://schemas.openxmlformats.org/officeDocument/2006/relationships" xmlns:p="http://schemas.openxmlformats.org/presentationml/2006/main">
-  <p:cSld>
-    <p:bg>
-      <p:bgPr>
-        <a:solidFill>
-          <a:schemeClr val="bg1"/>
-        </a:solidFill>
-        <a:effectLst/>
-      </p:bgPr>
-    </p:bg>
-    <p:spTree>
-      <p:nvGrpSpPr>
-        <p:cNvPr id="1" name=""/>
-        <p:cNvGrpSpPr/>
-        <p:nvPr/>
-      </p:nvGrpSpPr>
-      <p:grpSpPr>
-        <a:xfrm>
-          <a:off x="0" y="0"/>
-          <a:ext cx="0" cy="0"/>
-          <a:chOff x="0" y="0"/>
-          <a:chExt cx="0" cy="0"/>
-        </a:xfrm>
-      </p:grpSpPr>
-      <p:pic>
-        <p:nvPicPr>
-          <p:cNvPr id="13" name="Graphic 12">
-            <a:extLst>
-              <a:ext uri="{FF2B5EF4-FFF2-40B4-BE49-F238E27FC236}">
-                <a16:creationId xmlns:a16="http://schemas.microsoft.com/office/drawing/2014/main" id="{C0A1D308-1A10-46EC-BC7B-E1F8BE698AEE}"/>
-              </a:ext>
-            </a:extLst>
-          </p:cNvPr>
-          <p:cNvPicPr>
-            <a:picLocks noChangeAspect="1"/>
-          </p:cNvPicPr>
-          <p:nvPr/>
-        </p:nvPicPr>
-        <p:blipFill>
-          <a:blip r:embed="rId2" cstate="email">
-            <a:extLst>
-              <a:ext uri="{28A0092B-C50C-407E-A947-70E740481C1C}">
-                <a14:useLocalDpi xmlns:a14="http://schemas.microsoft.com/office/drawing/2010/main"/>
-              </a:ext>
-              <a:ext uri="{96DAC541-7B7A-43D3-8B79-37D633B846F1}">
-                <asvg:svgBlip xmlns:asvg="http://schemas.microsoft.com/office/drawing/2016/SVG/main" r:embed="rId3"/>
-              </a:ext>
-            </a:extLst>
-          </a:blip>
-          <a:stretch>
-            <a:fillRect/>
-          </a:stretch>
-        </p:blipFill>
-        <p:spPr>
-          <a:xfrm>
-            <a:off x="100076" y="6369742"/>
-            <a:ext cx="683948" cy="369332"/>
-          </a:xfrm>
-          <a:prstGeom prst="rect">
-            <a:avLst/>
-          </a:prstGeom>
-        </p:spPr>
-      </p:pic>
-      <p:sp>
-        <p:nvSpPr>
-          <p:cNvPr id="10" name="Rectangle 9">
-            <a:extLst>
-              <a:ext uri="{FF2B5EF4-FFF2-40B4-BE49-F238E27FC236}">
-                <a16:creationId xmlns:a16="http://schemas.microsoft.com/office/drawing/2014/main" id="{CEB41C5C-0F34-4DDA-9D7C-5E717F35F60C}"/>
-              </a:ext>
-            </a:extLst>
-          </p:cNvPr>
-          <p:cNvSpPr>
-            <a:spLocks noGrp="1" noRot="1" noChangeAspect="1" noMove="1" noResize="1" noEditPoints="1" noAdjustHandles="1" noChangeArrowheads="1" noChangeShapeType="1" noTextEdit="1"/>
-          </p:cNvSpPr>
-          <p:nvPr>
-            <p:extLst>
-              <p:ext uri="{386F3935-93C4-4BCD-93E2-E3B085C9AB24}">
-                <p16:designElem xmlns:p16="http://schemas.microsoft.com/office/powerpoint/2015/main" val="1"/>
-              </p:ext>
-            </p:extLst>
-          </p:nvPr>
-        </p:nvSpPr>
-        <p:spPr bwMode="ltGray">
-          <a:xfrm>
-            <a:off x="4601007" y="303591"/>
-            <a:ext cx="4301693" cy="5896743"/>
-          </a:xfrm>
-          <a:prstGeom prst="rect">
-            <a:avLst/>
-          </a:prstGeom>
-          <a:solidFill>
-            <a:schemeClr val="tx1">
-              <a:alpha val="15000"/>
-            </a:schemeClr>
-          </a:solidFill>
-          <a:ln w="127000" cap="sq" cmpd="thinThick">
-            <a:solidFill>
-              <a:schemeClr val="tx1">
-                <a:alpha val="10000"/>
-              </a:schemeClr>
-            </a:solidFill>
-          </a:ln>
-        </p:spPr>
-        <p:style>
-          <a:lnRef idx="2">
-            <a:schemeClr val="accent1">
-              <a:shade val="50000"/>
-            </a:schemeClr>
-          </a:lnRef>
-          <a:fillRef idx="1">
-            <a:schemeClr val="accent1"/>
-          </a:fillRef>
-          <a:effectRef idx="0">
-            <a:schemeClr val="accent1"/>
-          </a:effectRef>
-          <a:fontRef idx="minor">
-            <a:schemeClr val="lt1"/>
-          </a:fontRef>
-        </p:style>
-        <p:txBody>
-          <a:bodyPr rtlCol="0" anchor="ctr"/>
-          <a:lstStyle/>
-          <a:p>
-            <a:pPr algn="ctr"/>
-            <a:endParaRPr lang="en-US"/>
-          </a:p>
-        </p:txBody>
-      </p:sp>
-      <p:sp>
-        <p:nvSpPr>
-          <p:cNvPr id="2" name="Title 1">
-            <a:extLst>
-              <a:ext uri="{FF2B5EF4-FFF2-40B4-BE49-F238E27FC236}">
-                <a16:creationId xmlns:a16="http://schemas.microsoft.com/office/drawing/2014/main" id="{E44D6F80-BF44-4B52-9DF2-B11355DE48D4}"/>
-              </a:ext>
-            </a:extLst>
-          </p:cNvPr>
-          <p:cNvSpPr>
-            <a:spLocks noGrp="1"/>
-          </p:cNvSpPr>
-          <p:nvPr>
-            <p:ph type="title"/>
-          </p:nvPr>
-        </p:nvSpPr>
-        <p:spPr>
-          <a:xfrm>
-            <a:off x="251967" y="13232"/>
-            <a:ext cx="3479292" cy="787957"/>
-          </a:xfrm>
-        </p:spPr>
-        <p:txBody>
-          <a:bodyPr>
-            <a:normAutofit/>
-          </a:bodyPr>
-          <a:lstStyle/>
-          <a:p>
-            <a:pPr algn="ctr"/>
-            <a:r>
-              <a:rPr lang="en-US" sz="3500" dirty="0"/>
-              <a:t>lesson01_3</a:t>
-            </a:r>
-          </a:p>
-        </p:txBody>
-      </p:sp>
-      <p:sp>
-        <p:nvSpPr>
-          <p:cNvPr id="3" name="Content Placeholder 2">
-            <a:extLst>
-              <a:ext uri="{FF2B5EF4-FFF2-40B4-BE49-F238E27FC236}">
-                <a16:creationId xmlns:a16="http://schemas.microsoft.com/office/drawing/2014/main" id="{DDF43F30-1DCF-4886-AE1F-6373FF92B3E1}"/>
-              </a:ext>
-            </a:extLst>
-          </p:cNvPr>
-          <p:cNvSpPr>
-            <a:spLocks noGrp="1"/>
-          </p:cNvSpPr>
-          <p:nvPr>
-            <p:ph idx="1"/>
-          </p:nvPr>
-        </p:nvSpPr>
-        <p:spPr>
-          <a:xfrm>
-            <a:off x="627017" y="4690788"/>
-            <a:ext cx="3619278" cy="3773010"/>
-          </a:xfrm>
-        </p:spPr>
-        <p:txBody>
-          <a:bodyPr>
-            <a:normAutofit/>
-          </a:bodyPr>
-          <a:lstStyle/>
-          <a:p>
-            <a:pPr marL="285744" indent="-285744"/>
-            <a:r>
-              <a:rPr lang="en-US" sz="1700" dirty="0">
-                <a:latin typeface="Tahoma" panose="020B0604030504040204" pitchFamily="34" charset="0"/>
-                <a:ea typeface="Tahoma" panose="020B0604030504040204" pitchFamily="34" charset="0"/>
-                <a:cs typeface="Tahoma" panose="020B0604030504040204" pitchFamily="34" charset="0"/>
-              </a:rPr>
-              <a:t>L1-6: HTML header</a:t>
-            </a:r>
-          </a:p>
-          <a:p>
-            <a:pPr marL="285744" indent="-285744"/>
-            <a:r>
-              <a:rPr lang="en-US" sz="1700" dirty="0">
-                <a:latin typeface="Tahoma" panose="020B0604030504040204" pitchFamily="34" charset="0"/>
-                <a:ea typeface="Tahoma" panose="020B0604030504040204" pitchFamily="34" charset="0"/>
-                <a:cs typeface="Tahoma" panose="020B0604030504040204" pitchFamily="34" charset="0"/>
-              </a:rPr>
-              <a:t>L8-10: PHP program code</a:t>
-            </a:r>
-          </a:p>
-          <a:p>
-            <a:pPr marL="457200" lvl="1" indent="0">
-              <a:buNone/>
-            </a:pPr>
-            <a:r>
-              <a:rPr lang="en-US" sz="1300" dirty="0">
-                <a:latin typeface="Tahoma" panose="020B0604030504040204" pitchFamily="34" charset="0"/>
-                <a:ea typeface="Tahoma" panose="020B0604030504040204" pitchFamily="34" charset="0"/>
-                <a:cs typeface="Tahoma" panose="020B0604030504040204" pitchFamily="34" charset="0"/>
-              </a:rPr>
-              <a:t>L13,14: </a:t>
-            </a:r>
-            <a:r>
-              <a:rPr lang="en-US" sz="1300" dirty="0" err="1">
-                <a:latin typeface="Tahoma" panose="020B0604030504040204" pitchFamily="34" charset="0"/>
-                <a:ea typeface="Tahoma" panose="020B0604030504040204" pitchFamily="34" charset="0"/>
-                <a:cs typeface="Tahoma" panose="020B0604030504040204" pitchFamily="34" charset="0"/>
-              </a:rPr>
-              <a:t>int</a:t>
-            </a:r>
-            <a:r>
-              <a:rPr lang="en-US" sz="1300" dirty="0">
-                <a:latin typeface="Tahoma" panose="020B0604030504040204" pitchFamily="34" charset="0"/>
-                <a:ea typeface="Tahoma" panose="020B0604030504040204" pitchFamily="34" charset="0"/>
-                <a:cs typeface="Tahoma" panose="020B0604030504040204" pitchFamily="34" charset="0"/>
-              </a:rPr>
-              <a:t> + </a:t>
-            </a:r>
-            <a:r>
-              <a:rPr lang="en-US" sz="1300" dirty="0" err="1">
-                <a:latin typeface="Tahoma" panose="020B0604030504040204" pitchFamily="34" charset="0"/>
-                <a:ea typeface="Tahoma" panose="020B0604030504040204" pitchFamily="34" charset="0"/>
-                <a:cs typeface="Tahoma" panose="020B0604030504040204" pitchFamily="34" charset="0"/>
-              </a:rPr>
-              <a:t>int</a:t>
-            </a:r>
-            <a:endParaRPr lang="en-US" sz="1300" dirty="0">
-              <a:latin typeface="Tahoma" panose="020B0604030504040204" pitchFamily="34" charset="0"/>
-              <a:ea typeface="Tahoma" panose="020B0604030504040204" pitchFamily="34" charset="0"/>
-              <a:cs typeface="Tahoma" panose="020B0604030504040204" pitchFamily="34" charset="0"/>
-            </a:endParaRPr>
-          </a:p>
-          <a:p>
-            <a:pPr marL="457200" lvl="1" indent="0">
-              <a:buNone/>
-            </a:pPr>
-            <a:r>
-              <a:rPr lang="en-US" sz="1300" dirty="0">
-                <a:latin typeface="Tahoma" panose="020B0604030504040204" pitchFamily="34" charset="0"/>
-                <a:ea typeface="Tahoma" panose="020B0604030504040204" pitchFamily="34" charset="0"/>
-                <a:cs typeface="Tahoma" panose="020B0604030504040204" pitchFamily="34" charset="0"/>
-              </a:rPr>
-              <a:t>L15,16: </a:t>
-            </a:r>
-            <a:r>
-              <a:rPr lang="en-US" sz="1300" dirty="0" err="1">
-                <a:latin typeface="Tahoma" panose="020B0604030504040204" pitchFamily="34" charset="0"/>
-                <a:ea typeface="Tahoma" panose="020B0604030504040204" pitchFamily="34" charset="0"/>
-                <a:cs typeface="Tahoma" panose="020B0604030504040204" pitchFamily="34" charset="0"/>
-              </a:rPr>
-              <a:t>int</a:t>
-            </a:r>
-            <a:r>
-              <a:rPr lang="en-US" sz="1300" dirty="0">
-                <a:latin typeface="Tahoma" panose="020B0604030504040204" pitchFamily="34" charset="0"/>
-                <a:ea typeface="Tahoma" panose="020B0604030504040204" pitchFamily="34" charset="0"/>
-                <a:cs typeface="Tahoma" panose="020B0604030504040204" pitchFamily="34" charset="0"/>
-              </a:rPr>
-              <a:t> . </a:t>
-            </a:r>
-            <a:r>
-              <a:rPr lang="en-US" sz="1300" dirty="0" err="1">
-                <a:latin typeface="Tahoma" panose="020B0604030504040204" pitchFamily="34" charset="0"/>
-                <a:ea typeface="Tahoma" panose="020B0604030504040204" pitchFamily="34" charset="0"/>
-                <a:cs typeface="Tahoma" panose="020B0604030504040204" pitchFamily="34" charset="0"/>
-              </a:rPr>
-              <a:t>int</a:t>
-            </a:r>
-            <a:endParaRPr lang="en-US" sz="1300" dirty="0">
-              <a:latin typeface="Tahoma" panose="020B0604030504040204" pitchFamily="34" charset="0"/>
-              <a:ea typeface="Tahoma" panose="020B0604030504040204" pitchFamily="34" charset="0"/>
-              <a:cs typeface="Tahoma" panose="020B0604030504040204" pitchFamily="34" charset="0"/>
-            </a:endParaRPr>
-          </a:p>
-          <a:p>
-            <a:pPr marL="457200" lvl="1" indent="0">
-              <a:buNone/>
-            </a:pPr>
-            <a:r>
-              <a:rPr lang="en-US" sz="1300" dirty="0">
-                <a:latin typeface="Tahoma" panose="020B0604030504040204" pitchFamily="34" charset="0"/>
-                <a:ea typeface="Tahoma" panose="020B0604030504040204" pitchFamily="34" charset="0"/>
-                <a:cs typeface="Tahoma" panose="020B0604030504040204" pitchFamily="34" charset="0"/>
-              </a:rPr>
-              <a:t>L17,18: </a:t>
-            </a:r>
-            <a:r>
-              <a:rPr lang="en-US" sz="1300" dirty="0" err="1">
-                <a:latin typeface="Tahoma" panose="020B0604030504040204" pitchFamily="34" charset="0"/>
-                <a:ea typeface="Tahoma" panose="020B0604030504040204" pitchFamily="34" charset="0"/>
-                <a:cs typeface="Tahoma" panose="020B0604030504040204" pitchFamily="34" charset="0"/>
-              </a:rPr>
-              <a:t>int</a:t>
-            </a:r>
-            <a:r>
-              <a:rPr lang="en-US" sz="1300" dirty="0">
-                <a:latin typeface="Tahoma" panose="020B0604030504040204" pitchFamily="34" charset="0"/>
-                <a:ea typeface="Tahoma" panose="020B0604030504040204" pitchFamily="34" charset="0"/>
-                <a:cs typeface="Tahoma" panose="020B0604030504040204" pitchFamily="34" charset="0"/>
-              </a:rPr>
-              <a:t> + string</a:t>
-            </a:r>
-          </a:p>
-          <a:p>
-            <a:pPr marL="457200" lvl="1" indent="0">
-              <a:buNone/>
-            </a:pPr>
-            <a:r>
-              <a:rPr lang="en-US" sz="1300" dirty="0">
-                <a:latin typeface="Tahoma" panose="020B0604030504040204" pitchFamily="34" charset="0"/>
-                <a:ea typeface="Tahoma" panose="020B0604030504040204" pitchFamily="34" charset="0"/>
-                <a:cs typeface="Tahoma" panose="020B0604030504040204" pitchFamily="34" charset="0"/>
-              </a:rPr>
-              <a:t>L19,20: </a:t>
-            </a:r>
-            <a:r>
-              <a:rPr lang="en-US" sz="1300" dirty="0" err="1">
-                <a:latin typeface="Tahoma" panose="020B0604030504040204" pitchFamily="34" charset="0"/>
-                <a:ea typeface="Tahoma" panose="020B0604030504040204" pitchFamily="34" charset="0"/>
-                <a:cs typeface="Tahoma" panose="020B0604030504040204" pitchFamily="34" charset="0"/>
-              </a:rPr>
-              <a:t>int</a:t>
-            </a:r>
-            <a:r>
-              <a:rPr lang="en-US" sz="1300" dirty="0">
-                <a:latin typeface="Tahoma" panose="020B0604030504040204" pitchFamily="34" charset="0"/>
-                <a:ea typeface="Tahoma" panose="020B0604030504040204" pitchFamily="34" charset="0"/>
-                <a:cs typeface="Tahoma" panose="020B0604030504040204" pitchFamily="34" charset="0"/>
-              </a:rPr>
-              <a:t> . string</a:t>
-            </a:r>
-          </a:p>
-          <a:p>
-            <a:pPr marL="285744" indent="-285744"/>
-            <a:r>
-              <a:rPr lang="en-US" sz="1700" dirty="0">
-                <a:latin typeface="Tahoma" panose="020B0604030504040204" pitchFamily="34" charset="0"/>
-                <a:ea typeface="Tahoma" panose="020B0604030504040204" pitchFamily="34" charset="0"/>
-                <a:cs typeface="Tahoma" panose="020B0604030504040204" pitchFamily="34" charset="0"/>
-              </a:rPr>
-              <a:t>L23-24: HTML footer</a:t>
-            </a:r>
-          </a:p>
-        </p:txBody>
-      </p:sp>
-      <p:sp>
-        <p:nvSpPr>
-          <p:cNvPr id="6" name="Rectangle 5">
-            <a:extLst>
-              <a:ext uri="{FF2B5EF4-FFF2-40B4-BE49-F238E27FC236}">
-                <a16:creationId xmlns:a16="http://schemas.microsoft.com/office/drawing/2014/main" id="{56CF89B6-45BF-4C70-B4FA-B3D5F715A11A}"/>
-              </a:ext>
-            </a:extLst>
-          </p:cNvPr>
-          <p:cNvSpPr/>
-          <p:nvPr/>
-        </p:nvSpPr>
-        <p:spPr>
-          <a:xfrm>
-            <a:off x="3251582" y="0"/>
-            <a:ext cx="5819285" cy="307777"/>
-          </a:xfrm>
-          <a:prstGeom prst="rect">
-            <a:avLst/>
-          </a:prstGeom>
-          <a:solidFill>
-            <a:schemeClr val="bg1"/>
-          </a:solidFill>
-          <a:ln>
-            <a:solidFill>
-              <a:schemeClr val="accent1"/>
-            </a:solidFill>
-          </a:ln>
-        </p:spPr>
-        <p:txBody>
-          <a:bodyPr wrap="none">
-            <a:spAutoFit/>
-          </a:bodyPr>
-          <a:lstStyle/>
-          <a:p>
-            <a:r>
-              <a:rPr lang="en-US" altLang="ja-JP" sz="1400" dirty="0">
-                <a:latin typeface="Tahoma" panose="020B0604030504040204" pitchFamily="34" charset="0"/>
-                <a:ea typeface="Tahoma" panose="020B0604030504040204" pitchFamily="34" charset="0"/>
-                <a:cs typeface="Tahoma" panose="020B0604030504040204" pitchFamily="34" charset="0"/>
-              </a:rPr>
-              <a:t>3. folder: C:\appserv\www\php_lesson\    file name: lesson01_3.php</a:t>
-            </a:r>
-            <a:endParaRPr lang="ja-JP" altLang="en-US" sz="1400" dirty="0">
-              <a:latin typeface="Tahoma" panose="020B0604030504040204" pitchFamily="34" charset="0"/>
-              <a:cs typeface="Tahoma" panose="020B0604030504040204" pitchFamily="34" charset="0"/>
-            </a:endParaRPr>
-          </a:p>
-        </p:txBody>
-      </p:sp>
-      <p:sp>
-        <p:nvSpPr>
-          <p:cNvPr id="11" name="Rectangle 10">
-            <a:extLst>
-              <a:ext uri="{FF2B5EF4-FFF2-40B4-BE49-F238E27FC236}">
-                <a16:creationId xmlns:a16="http://schemas.microsoft.com/office/drawing/2014/main" id="{9A099E03-7F5D-40B5-AF83-8B36D2DA594B}"/>
-              </a:ext>
-            </a:extLst>
-          </p:cNvPr>
-          <p:cNvSpPr/>
-          <p:nvPr/>
-        </p:nvSpPr>
-        <p:spPr>
-          <a:xfrm>
-            <a:off x="82551" y="2339325"/>
-            <a:ext cx="4463081" cy="338554"/>
-          </a:xfrm>
-          <a:prstGeom prst="rect">
-            <a:avLst/>
-          </a:prstGeom>
-        </p:spPr>
-        <p:txBody>
-          <a:bodyPr wrap="none">
-            <a:spAutoFit/>
-          </a:bodyPr>
-          <a:lstStyle/>
-          <a:p>
-            <a:pPr algn="ctr"/>
-            <a:r>
-              <a:rPr lang="en-US" altLang="ja-JP" sz="1600" dirty="0">
-                <a:latin typeface="Tahoma" panose="020B0604030504040204" pitchFamily="34" charset="0"/>
-                <a:ea typeface="Tahoma" panose="020B0604030504040204" pitchFamily="34" charset="0"/>
-                <a:cs typeface="Tahoma" panose="020B0604030504040204" pitchFamily="34" charset="0"/>
-              </a:rPr>
-              <a:t>3.http://localhost/php_lesson/ lesson01_3.php </a:t>
-            </a:r>
-          </a:p>
-        </p:txBody>
-      </p:sp>
-      <p:sp>
-        <p:nvSpPr>
-          <p:cNvPr id="12" name="Rectangle 11">
-            <a:extLst>
-              <a:ext uri="{FF2B5EF4-FFF2-40B4-BE49-F238E27FC236}">
-                <a16:creationId xmlns:a16="http://schemas.microsoft.com/office/drawing/2014/main" id="{C77AA99F-01CF-4155-B9C5-78FDAE28F61E}"/>
-              </a:ext>
-            </a:extLst>
-          </p:cNvPr>
-          <p:cNvSpPr/>
-          <p:nvPr/>
-        </p:nvSpPr>
-        <p:spPr>
-          <a:xfrm>
-            <a:off x="1375784" y="4293531"/>
-            <a:ext cx="1356462" cy="369332"/>
-          </a:xfrm>
-          <a:prstGeom prst="rect">
-            <a:avLst/>
-          </a:prstGeom>
-        </p:spPr>
-        <p:txBody>
-          <a:bodyPr wrap="none">
-            <a:spAutoFit/>
-          </a:bodyPr>
-          <a:lstStyle/>
-          <a:p>
-            <a:pPr algn="ctr"/>
-            <a:r>
-              <a:rPr lang="en-US" altLang="ja-JP" dirty="0">
-                <a:latin typeface="Tahoma" panose="020B0604030504040204" pitchFamily="34" charset="0"/>
-                <a:ea typeface="Tahoma" panose="020B0604030504040204" pitchFamily="34" charset="0"/>
-                <a:cs typeface="Tahoma" panose="020B0604030504040204" pitchFamily="34" charset="0"/>
-              </a:rPr>
-              <a:t>explanation</a:t>
-            </a:r>
-            <a:endParaRPr lang="ja-JP" altLang="en-US" dirty="0">
-              <a:latin typeface="Tahoma" panose="020B0604030504040204" pitchFamily="34" charset="0"/>
-              <a:cs typeface="Tahoma" panose="020B0604030504040204" pitchFamily="34" charset="0"/>
-            </a:endParaRPr>
-          </a:p>
-        </p:txBody>
-      </p:sp>
-      <p:sp>
-        <p:nvSpPr>
-          <p:cNvPr id="14" name="Content Placeholder 2">
-            <a:extLst>
-              <a:ext uri="{FF2B5EF4-FFF2-40B4-BE49-F238E27FC236}">
-                <a16:creationId xmlns:a16="http://schemas.microsoft.com/office/drawing/2014/main" id="{F0528EC4-574A-49AF-BF35-6486232B5792}"/>
-              </a:ext>
-            </a:extLst>
-          </p:cNvPr>
-          <p:cNvSpPr txBox="1">
-            <a:spLocks/>
-          </p:cNvSpPr>
-          <p:nvPr/>
-        </p:nvSpPr>
-        <p:spPr>
-          <a:xfrm>
-            <a:off x="314369" y="944302"/>
-            <a:ext cx="3479292" cy="3785419"/>
-          </a:xfrm>
-          <a:prstGeom prst="rect">
-            <a:avLst/>
-          </a:prstGeom>
-        </p:spPr>
-        <p:txBody>
-          <a:bodyPr vert="horz" lIns="91440" tIns="45720" rIns="91440" bIns="45720" rtlCol="0">
-            <a:normAutofit/>
-          </a:bodyPr>
-          <a:lstStyle>
-            <a:lvl1pPr marL="228600" indent="-228600" algn="l" defTabSz="914400" rtl="0" eaLnBrk="1" latinLnBrk="0" hangingPunct="1">
-              <a:lnSpc>
-                <a:spcPct val="90000"/>
-              </a:lnSpc>
-              <a:spcBef>
-                <a:spcPts val="1000"/>
-              </a:spcBef>
-              <a:buFont typeface="Arial" panose="020B0604020202020204" pitchFamily="34" charset="0"/>
-              <a:buChar char="•"/>
-              <a:defRPr sz="2800" kern="1200">
-                <a:solidFill>
-                  <a:schemeClr val="tx1"/>
-                </a:solidFill>
-                <a:latin typeface="+mn-lt"/>
-                <a:ea typeface="+mn-ea"/>
-                <a:cs typeface="+mn-cs"/>
-              </a:defRPr>
-            </a:lvl1pPr>
-            <a:lvl2pPr marL="685800" indent="-228600" algn="l" defTabSz="914400" rtl="0" eaLnBrk="1" latinLnBrk="0" hangingPunct="1">
-              <a:lnSpc>
-                <a:spcPct val="90000"/>
-              </a:lnSpc>
-              <a:spcBef>
-                <a:spcPts val="500"/>
-              </a:spcBef>
-              <a:buFont typeface="Arial" panose="020B0604020202020204" pitchFamily="34" charset="0"/>
-              <a:buChar char="•"/>
-              <a:defRPr sz="2400" kern="1200">
-                <a:solidFill>
-                  <a:schemeClr val="tx1"/>
-                </a:solidFill>
-                <a:latin typeface="+mn-lt"/>
-                <a:ea typeface="+mn-ea"/>
-                <a:cs typeface="+mn-cs"/>
-              </a:defRPr>
-            </a:lvl2pPr>
-            <a:lvl3pPr marL="1143000" indent="-228600" algn="l" defTabSz="914400" rtl="0" eaLnBrk="1" latinLnBrk="0" hangingPunct="1">
-              <a:lnSpc>
-                <a:spcPct val="90000"/>
-              </a:lnSpc>
-              <a:spcBef>
-                <a:spcPts val="500"/>
-              </a:spcBef>
-              <a:buFont typeface="Arial" panose="020B0604020202020204" pitchFamily="34" charset="0"/>
-              <a:buChar char="•"/>
-              <a:defRPr sz="2000" kern="1200">
-                <a:solidFill>
-                  <a:schemeClr val="tx1"/>
-                </a:solidFill>
-                <a:latin typeface="+mn-lt"/>
-                <a:ea typeface="+mn-ea"/>
-                <a:cs typeface="+mn-cs"/>
-              </a:defRPr>
-            </a:lvl3pPr>
-            <a:lvl4pPr marL="1600200" indent="-228600" algn="l" defTabSz="914400" rtl="0" eaLnBrk="1" latinLnBrk="0" hangingPunct="1">
-              <a:lnSpc>
-                <a:spcPct val="90000"/>
-              </a:lnSpc>
-              <a:spcBef>
-                <a:spcPts val="500"/>
-              </a:spcBef>
-              <a:buFont typeface="Arial" panose="020B0604020202020204" pitchFamily="34" charset="0"/>
-              <a:buChar char="•"/>
-              <a:defRPr sz="1800" kern="1200">
-                <a:solidFill>
-                  <a:schemeClr val="tx1"/>
-                </a:solidFill>
-                <a:latin typeface="+mn-lt"/>
-                <a:ea typeface="+mn-ea"/>
-                <a:cs typeface="+mn-cs"/>
-              </a:defRPr>
-            </a:lvl4pPr>
-            <a:lvl5pPr marL="2057400" indent="-228600" algn="l" defTabSz="914400" rtl="0" eaLnBrk="1" latinLnBrk="0" hangingPunct="1">
-              <a:lnSpc>
-                <a:spcPct val="90000"/>
-              </a:lnSpc>
-              <a:spcBef>
-                <a:spcPts val="500"/>
-              </a:spcBef>
-              <a:buFont typeface="Arial" panose="020B0604020202020204" pitchFamily="34" charset="0"/>
-              <a:buChar char="•"/>
-              <a:defRPr sz="1800" kern="1200">
-                <a:solidFill>
-                  <a:schemeClr val="tx1"/>
-                </a:solidFill>
-                <a:latin typeface="+mn-lt"/>
-                <a:ea typeface="+mn-ea"/>
-                <a:cs typeface="+mn-cs"/>
-              </a:defRPr>
-            </a:lvl5pPr>
-            <a:lvl6pPr marL="2514600" indent="-228600" algn="l" defTabSz="914400" rtl="0" eaLnBrk="1" latinLnBrk="0" hangingPunct="1">
-              <a:lnSpc>
-                <a:spcPct val="90000"/>
-              </a:lnSpc>
-              <a:spcBef>
-                <a:spcPts val="500"/>
-              </a:spcBef>
-              <a:buFont typeface="Arial" panose="020B0604020202020204" pitchFamily="34" charset="0"/>
-              <a:buChar char="•"/>
-              <a:defRPr sz="1800" kern="1200">
-                <a:solidFill>
-                  <a:schemeClr val="tx1"/>
-                </a:solidFill>
-                <a:latin typeface="+mn-lt"/>
-                <a:ea typeface="+mn-ea"/>
-                <a:cs typeface="+mn-cs"/>
-              </a:defRPr>
-            </a:lvl6pPr>
-            <a:lvl7pPr marL="2971800" indent="-228600" algn="l" defTabSz="914400" rtl="0" eaLnBrk="1" latinLnBrk="0" hangingPunct="1">
-              <a:lnSpc>
-                <a:spcPct val="90000"/>
-              </a:lnSpc>
-              <a:spcBef>
-                <a:spcPts val="500"/>
-              </a:spcBef>
-              <a:buFont typeface="Arial" panose="020B0604020202020204" pitchFamily="34" charset="0"/>
-              <a:buChar char="•"/>
-              <a:defRPr sz="1800" kern="1200">
-                <a:solidFill>
-                  <a:schemeClr val="tx1"/>
-                </a:solidFill>
-                <a:latin typeface="+mn-lt"/>
-                <a:ea typeface="+mn-ea"/>
-                <a:cs typeface="+mn-cs"/>
-              </a:defRPr>
-            </a:lvl7pPr>
-            <a:lvl8pPr marL="3429000" indent="-228600" algn="l" defTabSz="914400" rtl="0" eaLnBrk="1" latinLnBrk="0" hangingPunct="1">
-              <a:lnSpc>
-                <a:spcPct val="90000"/>
-              </a:lnSpc>
-              <a:spcBef>
-                <a:spcPts val="500"/>
-              </a:spcBef>
-              <a:buFont typeface="Arial" panose="020B0604020202020204" pitchFamily="34" charset="0"/>
-              <a:buChar char="•"/>
-              <a:defRPr sz="1800" kern="1200">
-                <a:solidFill>
-                  <a:schemeClr val="tx1"/>
-                </a:solidFill>
-                <a:latin typeface="+mn-lt"/>
-                <a:ea typeface="+mn-ea"/>
-                <a:cs typeface="+mn-cs"/>
-              </a:defRPr>
-            </a:lvl8pPr>
-            <a:lvl9pPr marL="3886200" indent="-228600" algn="l" defTabSz="914400" rtl="0" eaLnBrk="1" latinLnBrk="0" hangingPunct="1">
-              <a:lnSpc>
-                <a:spcPct val="90000"/>
-              </a:lnSpc>
-              <a:spcBef>
-                <a:spcPts val="500"/>
-              </a:spcBef>
-              <a:buFont typeface="Arial" panose="020B0604020202020204" pitchFamily="34" charset="0"/>
-              <a:buChar char="•"/>
-              <a:defRPr sz="1800" kern="1200">
-                <a:solidFill>
-                  <a:schemeClr val="tx1"/>
-                </a:solidFill>
-                <a:latin typeface="+mn-lt"/>
-                <a:ea typeface="+mn-ea"/>
-                <a:cs typeface="+mn-cs"/>
-              </a:defRPr>
-            </a:lvl9pPr>
-          </a:lstStyle>
-          <a:p>
-            <a:pPr marL="342891" indent="-342891">
-              <a:buFont typeface="+mj-lt"/>
-              <a:buAutoNum type="arabicPeriod"/>
-            </a:pPr>
-            <a:r>
-              <a:rPr lang="en-US" altLang="ja-JP" sz="1700" dirty="0">
-                <a:latin typeface="Tahoma" panose="020B0604030504040204" pitchFamily="34" charset="0"/>
-                <a:ea typeface="Tahoma" panose="020B0604030504040204" pitchFamily="34" charset="0"/>
-                <a:cs typeface="Tahoma" panose="020B0604030504040204" pitchFamily="34" charset="0"/>
-              </a:rPr>
-              <a:t>download "</a:t>
-            </a:r>
-            <a:r>
-              <a:rPr lang="en-US" altLang="ja-JP" sz="1800" dirty="0">
-                <a:latin typeface="Tahoma" panose="020B0604030504040204" pitchFamily="34" charset="0"/>
-                <a:ea typeface="Tahoma" panose="020B0604030504040204" pitchFamily="34" charset="0"/>
-                <a:cs typeface="Tahoma" panose="020B0604030504040204" pitchFamily="34" charset="0"/>
-              </a:rPr>
-              <a:t>lesson01_3</a:t>
-            </a:r>
-            <a:r>
-              <a:rPr lang="en-US" altLang="ja-JP" sz="1700" dirty="0">
-                <a:latin typeface="Tahoma" panose="020B0604030504040204" pitchFamily="34" charset="0"/>
-                <a:ea typeface="Tahoma" panose="020B0604030504040204" pitchFamily="34" charset="0"/>
-                <a:cs typeface="Tahoma" panose="020B0604030504040204" pitchFamily="34" charset="0"/>
-              </a:rPr>
-              <a:t>.php"</a:t>
-            </a:r>
-          </a:p>
-          <a:p>
-            <a:pPr marL="342891" indent="-342891">
-              <a:buFont typeface="+mj-lt"/>
-              <a:buAutoNum type="arabicPeriod"/>
-            </a:pPr>
-            <a:r>
-              <a:rPr lang="en-US" altLang="ja-JP" sz="1700" dirty="0">
-                <a:latin typeface="Tahoma" panose="020B0604030504040204" pitchFamily="34" charset="0"/>
-                <a:ea typeface="Tahoma" panose="020B0604030504040204" pitchFamily="34" charset="0"/>
-                <a:cs typeface="Tahoma" panose="020B0604030504040204" pitchFamily="34" charset="0"/>
-              </a:rPr>
-              <a:t>add program and save file.</a:t>
-            </a:r>
-          </a:p>
-          <a:p>
-            <a:pPr marL="342891" indent="-342891">
-              <a:buFont typeface="+mj-lt"/>
-              <a:buAutoNum type="arabicPeriod"/>
-            </a:pPr>
-            <a:r>
-              <a:rPr lang="en-US" altLang="ja-JP" sz="1700" dirty="0">
-                <a:latin typeface="Tahoma" panose="020B0604030504040204" pitchFamily="34" charset="0"/>
-                <a:ea typeface="Tahoma" panose="020B0604030504040204" pitchFamily="34" charset="0"/>
-                <a:cs typeface="Tahoma" panose="020B0604030504040204" pitchFamily="34" charset="0"/>
-              </a:rPr>
-              <a:t>show browser</a:t>
-            </a:r>
-          </a:p>
-        </p:txBody>
-      </p:sp>
-      <mc:AlternateContent xmlns:mc="http://schemas.openxmlformats.org/markup-compatibility/2006" xmlns:we="http://schemas.microsoft.com/office/webextensions/webextension/2010/11" xmlns:pca="http://schemas.microsoft.com/office/powerpoint/2013/contentapp">
-        <mc:Choice Requires="we pca">
-          <p:graphicFrame>
-            <p:nvGraphicFramePr>
-              <p:cNvPr id="17" name="Add-in 16" title="Code Presenter Pro">
-                <a:extLst>
-                  <a:ext uri="{FF2B5EF4-FFF2-40B4-BE49-F238E27FC236}">
-                    <a16:creationId xmlns:a16="http://schemas.microsoft.com/office/drawing/2014/main" id="{19F4A681-5A48-4969-A196-C5F6B0F85EE2}"/>
-                  </a:ext>
-                </a:extLst>
-              </p:cNvPr>
-              <p:cNvGraphicFramePr>
-                <a:graphicFrameLocks noGrp="1"/>
-              </p:cNvGraphicFramePr>
-              <p:nvPr>
-                <p:extLst/>
-              </p:nvPr>
-            </p:nvGraphicFramePr>
-            <p:xfrm>
-              <a:off x="4679385" y="394462"/>
-              <a:ext cx="4144937" cy="5715000"/>
-            </p:xfrm>
-            <a:graphic>
-              <a:graphicData uri="http://schemas.microsoft.com/office/webextensions/webextension/2010/11">
-                <we:webextensionref xmlns:we="http://schemas.microsoft.com/office/webextensions/webextension/2010/11" xmlns:r="http://schemas.openxmlformats.org/officeDocument/2006/relationships" r:id="rId4"/>
-              </a:graphicData>
-            </a:graphic>
-          </p:graphicFrame>
-        </mc:Choice>
-        <mc:Fallback xmlns="">
-          <p:pic>
-            <p:nvPicPr>
-              <p:cNvPr id="17" name="Add-in 16" title="Code Presenter Pro">
-                <a:extLst>
-                  <a:ext uri="{FF2B5EF4-FFF2-40B4-BE49-F238E27FC236}">
-                    <a16:creationId xmlns:a16="http://schemas.microsoft.com/office/drawing/2014/main" id="{19F4A681-5A48-4969-A196-C5F6B0F85EE2}"/>
-                  </a:ext>
-                </a:extLst>
-              </p:cNvPr>
-              <p:cNvPicPr>
-                <a:picLocks noGrp="1" noRot="1" noChangeAspect="1" noMove="1" noResize="1" noEditPoints="1" noAdjustHandles="1" noChangeArrowheads="1" noChangeShapeType="1"/>
-              </p:cNvPicPr>
-              <p:nvPr/>
-            </p:nvPicPr>
-            <p:blipFill>
-              <a:blip r:embed="rId5"/>
-              <a:stretch>
-                <a:fillRect/>
-              </a:stretch>
-            </p:blipFill>
-            <p:spPr>
-              <a:xfrm>
-                <a:off x="4679385" y="394462"/>
-                <a:ext cx="4144937" cy="5715000"/>
-              </a:xfrm>
-              <a:prstGeom prst="rect">
-                <a:avLst/>
-              </a:prstGeom>
-            </p:spPr>
-          </p:pic>
-        </mc:Fallback>
-      </mc:AlternateContent>
-      <p:pic>
-        <p:nvPicPr>
-          <p:cNvPr id="18" name="Picture 17">
-            <a:extLst>
-              <a:ext uri="{FF2B5EF4-FFF2-40B4-BE49-F238E27FC236}">
-                <a16:creationId xmlns:a16="http://schemas.microsoft.com/office/drawing/2014/main" id="{3BA061A5-3DD6-47C5-BBDD-995FFF373930}"/>
-              </a:ext>
-            </a:extLst>
-          </p:cNvPr>
-          <p:cNvPicPr>
-            <a:picLocks noChangeAspect="1"/>
-          </p:cNvPicPr>
-          <p:nvPr/>
-        </p:nvPicPr>
-        <p:blipFill rotWithShape="1">
-          <a:blip r:embed="rId6" cstate="email">
-            <a:extLst>
-              <a:ext uri="{28A0092B-C50C-407E-A947-70E740481C1C}">
-                <a14:useLocalDpi xmlns:a14="http://schemas.microsoft.com/office/drawing/2010/main"/>
-              </a:ext>
-            </a:extLst>
-          </a:blip>
-          <a:srcRect/>
-          <a:stretch/>
-        </p:blipFill>
-        <p:spPr>
-          <a:xfrm>
-            <a:off x="0" y="2690949"/>
-            <a:ext cx="4522629" cy="1626951"/>
-          </a:xfrm>
-          <a:prstGeom prst="rect">
-            <a:avLst/>
-          </a:prstGeom>
-          <a:ln>
-            <a:solidFill>
-              <a:schemeClr val="accent1"/>
-            </a:solidFill>
-          </a:ln>
-        </p:spPr>
-      </p:pic>
-    </p:spTree>
-    <p:extLst>
-      <p:ext uri="{BB962C8B-B14F-4D97-AF65-F5344CB8AC3E}">
-        <p14:creationId xmlns:p14="http://schemas.microsoft.com/office/powerpoint/2010/main" val="3882067587"/>
-      </p:ext>
-    </p:extLst>
-  </p:cSld>
-  <p:clrMapOvr>
-    <a:masterClrMapping/>
-  </p:clrMapOvr>
-</p:sld>
-</file>
-
-<file path=ppt/slides/slide8.xml><?xml version="1.0" encoding="utf-8"?>
-<p:sld xmlns:a="http://schemas.openxmlformats.org/drawingml/2006/main" xmlns:r="http://schemas.openxmlformats.org/officeDocument/2006/relationships" xmlns:p="http://schemas.openxmlformats.org/presentationml/2006/main">
-  <p:cSld>
-    <p:bg>
-      <p:bgPr>
-        <a:solidFill>
-          <a:schemeClr val="bg1"/>
-        </a:solidFill>
-        <a:effectLst/>
-      </p:bgPr>
-    </p:bg>
-    <p:spTree>
-      <p:nvGrpSpPr>
-        <p:cNvPr id="1" name=""/>
-        <p:cNvGrpSpPr/>
-        <p:nvPr/>
-      </p:nvGrpSpPr>
-      <p:grpSpPr>
-        <a:xfrm>
-          <a:off x="0" y="0"/>
-          <a:ext cx="0" cy="0"/>
-          <a:chOff x="0" y="0"/>
-          <a:chExt cx="0" cy="0"/>
-        </a:xfrm>
-      </p:grpSpPr>
-      <p:pic>
-        <p:nvPicPr>
-          <p:cNvPr id="13" name="Graphic 12">
-            <a:extLst>
-              <a:ext uri="{FF2B5EF4-FFF2-40B4-BE49-F238E27FC236}">
-                <a16:creationId xmlns:a16="http://schemas.microsoft.com/office/drawing/2014/main" id="{C0A1D308-1A10-46EC-BC7B-E1F8BE698AEE}"/>
-              </a:ext>
-            </a:extLst>
-          </p:cNvPr>
-          <p:cNvPicPr>
-            <a:picLocks noChangeAspect="1"/>
-          </p:cNvPicPr>
-          <p:nvPr/>
-        </p:nvPicPr>
-        <p:blipFill>
-          <a:blip r:embed="rId2" cstate="email">
-            <a:extLst>
-              <a:ext uri="{28A0092B-C50C-407E-A947-70E740481C1C}">
-                <a14:useLocalDpi xmlns:a14="http://schemas.microsoft.com/office/drawing/2010/main"/>
-              </a:ext>
-              <a:ext uri="{96DAC541-7B7A-43D3-8B79-37D633B846F1}">
-                <asvg:svgBlip xmlns:asvg="http://schemas.microsoft.com/office/drawing/2016/SVG/main" r:embed="rId3"/>
-              </a:ext>
-            </a:extLst>
-          </a:blip>
-          <a:stretch>
-            <a:fillRect/>
-          </a:stretch>
-        </p:blipFill>
-        <p:spPr>
-          <a:xfrm>
-            <a:off x="100076" y="6369742"/>
-            <a:ext cx="683948" cy="369332"/>
-          </a:xfrm>
-          <a:prstGeom prst="rect">
-            <a:avLst/>
-          </a:prstGeom>
-        </p:spPr>
-      </p:pic>
-      <p:sp>
-        <p:nvSpPr>
-          <p:cNvPr id="10" name="Rectangle 9">
-            <a:extLst>
-              <a:ext uri="{FF2B5EF4-FFF2-40B4-BE49-F238E27FC236}">
-                <a16:creationId xmlns:a16="http://schemas.microsoft.com/office/drawing/2014/main" id="{CEB41C5C-0F34-4DDA-9D7C-5E717F35F60C}"/>
-              </a:ext>
-            </a:extLst>
-          </p:cNvPr>
-          <p:cNvSpPr>
-            <a:spLocks noGrp="1" noRot="1" noChangeAspect="1" noMove="1" noResize="1" noEditPoints="1" noAdjustHandles="1" noChangeArrowheads="1" noChangeShapeType="1" noTextEdit="1"/>
-          </p:cNvSpPr>
-          <p:nvPr>
-            <p:extLst>
-              <p:ext uri="{386F3935-93C4-4BCD-93E2-E3B085C9AB24}">
-                <p16:designElem xmlns:p16="http://schemas.microsoft.com/office/powerpoint/2015/main" val="1"/>
-              </p:ext>
-            </p:extLst>
-          </p:nvPr>
-        </p:nvSpPr>
-        <p:spPr bwMode="ltGray">
-          <a:xfrm>
-            <a:off x="4601007" y="303591"/>
-            <a:ext cx="4301693" cy="5896743"/>
-          </a:xfrm>
-          <a:prstGeom prst="rect">
-            <a:avLst/>
-          </a:prstGeom>
-          <a:solidFill>
-            <a:schemeClr val="tx1">
-              <a:alpha val="15000"/>
-            </a:schemeClr>
-          </a:solidFill>
-          <a:ln w="127000" cap="sq" cmpd="thinThick">
-            <a:solidFill>
-              <a:schemeClr val="tx1">
-                <a:alpha val="10000"/>
-              </a:schemeClr>
-            </a:solidFill>
-          </a:ln>
-        </p:spPr>
-        <p:style>
-          <a:lnRef idx="2">
-            <a:schemeClr val="accent1">
-              <a:shade val="50000"/>
-            </a:schemeClr>
-          </a:lnRef>
-          <a:fillRef idx="1">
-            <a:schemeClr val="accent1"/>
-          </a:fillRef>
-          <a:effectRef idx="0">
-            <a:schemeClr val="accent1"/>
-          </a:effectRef>
-          <a:fontRef idx="minor">
-            <a:schemeClr val="lt1"/>
-          </a:fontRef>
-        </p:style>
-        <p:txBody>
-          <a:bodyPr rtlCol="0" anchor="ctr"/>
-          <a:lstStyle/>
-          <a:p>
-            <a:pPr algn="ctr"/>
-            <a:endParaRPr lang="en-US"/>
-          </a:p>
-        </p:txBody>
-      </p:sp>
-      <p:sp>
-        <p:nvSpPr>
-          <p:cNvPr id="2" name="Title 1">
-            <a:extLst>
-              <a:ext uri="{FF2B5EF4-FFF2-40B4-BE49-F238E27FC236}">
-                <a16:creationId xmlns:a16="http://schemas.microsoft.com/office/drawing/2014/main" id="{E44D6F80-BF44-4B52-9DF2-B11355DE48D4}"/>
-              </a:ext>
-            </a:extLst>
-          </p:cNvPr>
-          <p:cNvSpPr>
-            <a:spLocks noGrp="1"/>
-          </p:cNvSpPr>
-          <p:nvPr>
-            <p:ph type="title"/>
-          </p:nvPr>
-        </p:nvSpPr>
-        <p:spPr>
-          <a:xfrm>
-            <a:off x="251967" y="13232"/>
-            <a:ext cx="3479292" cy="787957"/>
-          </a:xfrm>
-        </p:spPr>
-        <p:txBody>
-          <a:bodyPr>
-            <a:normAutofit/>
-          </a:bodyPr>
-          <a:lstStyle/>
-          <a:p>
-            <a:pPr algn="ctr"/>
-            <a:r>
-              <a:rPr lang="en-US" sz="3500" dirty="0"/>
-              <a:t>lesson01_4</a:t>
-            </a:r>
-          </a:p>
-        </p:txBody>
-      </p:sp>
-      <p:sp>
-        <p:nvSpPr>
-          <p:cNvPr id="3" name="Content Placeholder 2">
-            <a:extLst>
-              <a:ext uri="{FF2B5EF4-FFF2-40B4-BE49-F238E27FC236}">
-                <a16:creationId xmlns:a16="http://schemas.microsoft.com/office/drawing/2014/main" id="{DDF43F30-1DCF-4886-AE1F-6373FF92B3E1}"/>
-              </a:ext>
-            </a:extLst>
-          </p:cNvPr>
-          <p:cNvSpPr>
-            <a:spLocks noGrp="1"/>
-          </p:cNvSpPr>
-          <p:nvPr>
-            <p:ph idx="1"/>
-          </p:nvPr>
-        </p:nvSpPr>
-        <p:spPr>
-          <a:xfrm>
-            <a:off x="598356" y="4690788"/>
-            <a:ext cx="3926617" cy="3773010"/>
-          </a:xfrm>
-        </p:spPr>
-        <p:txBody>
-          <a:bodyPr>
-            <a:normAutofit/>
-          </a:bodyPr>
-          <a:lstStyle/>
-          <a:p>
-            <a:pPr marL="285744" indent="-285744"/>
-            <a:r>
-              <a:rPr lang="en-US" sz="1700" dirty="0">
-                <a:latin typeface="Tahoma" panose="020B0604030504040204" pitchFamily="34" charset="0"/>
-                <a:ea typeface="Tahoma" panose="020B0604030504040204" pitchFamily="34" charset="0"/>
-                <a:cs typeface="Tahoma" panose="020B0604030504040204" pitchFamily="34" charset="0"/>
-              </a:rPr>
-              <a:t>L1-6: HTML header</a:t>
-            </a:r>
-          </a:p>
-          <a:p>
-            <a:pPr marL="285744" indent="-285744"/>
-            <a:r>
-              <a:rPr lang="en-US" sz="1700" dirty="0">
-                <a:latin typeface="Tahoma" panose="020B0604030504040204" pitchFamily="34" charset="0"/>
-                <a:ea typeface="Tahoma" panose="020B0604030504040204" pitchFamily="34" charset="0"/>
-                <a:cs typeface="Tahoma" panose="020B0604030504040204" pitchFamily="34" charset="0"/>
-              </a:rPr>
-              <a:t>L8-10: PHP program code</a:t>
-            </a:r>
-          </a:p>
-          <a:p>
-            <a:pPr marL="457200" lvl="1" indent="0">
-              <a:buNone/>
-            </a:pPr>
-            <a:r>
-              <a:rPr lang="en-US" sz="1300" dirty="0">
-                <a:latin typeface="Tahoma" panose="020B0604030504040204" pitchFamily="34" charset="0"/>
-                <a:ea typeface="Tahoma" panose="020B0604030504040204" pitchFamily="34" charset="0"/>
-                <a:cs typeface="Tahoma" panose="020B0604030504040204" pitchFamily="34" charset="0"/>
-              </a:rPr>
-              <a:t>L9: command rand</a:t>
-            </a:r>
-          </a:p>
-          <a:p>
-            <a:pPr marL="457200" lvl="1" indent="0">
-              <a:buNone/>
-            </a:pPr>
-            <a:r>
-              <a:rPr lang="en-US" sz="1300" dirty="0">
-                <a:latin typeface="Tahoma" panose="020B0604030504040204" pitchFamily="34" charset="0"/>
-                <a:ea typeface="Tahoma" panose="020B0604030504040204" pitchFamily="34" charset="0"/>
-                <a:cs typeface="Tahoma" panose="020B0604030504040204" pitchFamily="34" charset="0"/>
-              </a:rPr>
-              <a:t>L11: command if</a:t>
-            </a:r>
-          </a:p>
-          <a:p>
-            <a:pPr marL="457200" lvl="1" indent="0">
-              <a:buNone/>
-            </a:pPr>
-            <a:r>
-              <a:rPr lang="en-US" sz="1300" dirty="0">
-                <a:latin typeface="Tahoma" panose="020B0604030504040204" pitchFamily="34" charset="0"/>
-                <a:ea typeface="Tahoma" panose="020B0604030504040204" pitchFamily="34" charset="0"/>
-                <a:cs typeface="Tahoma" panose="020B0604030504040204" pitchFamily="34" charset="0"/>
-              </a:rPr>
-              <a:t>L13: command else if</a:t>
-            </a:r>
-          </a:p>
-          <a:p>
-            <a:pPr marL="457200" lvl="1" indent="0">
-              <a:buNone/>
-            </a:pPr>
-            <a:r>
-              <a:rPr lang="en-US" sz="1300" dirty="0">
-                <a:latin typeface="Tahoma" panose="020B0604030504040204" pitchFamily="34" charset="0"/>
-                <a:ea typeface="Tahoma" panose="020B0604030504040204" pitchFamily="34" charset="0"/>
-                <a:cs typeface="Tahoma" panose="020B0604030504040204" pitchFamily="34" charset="0"/>
-              </a:rPr>
-              <a:t>L15: command else</a:t>
-            </a:r>
-          </a:p>
-          <a:p>
-            <a:pPr marL="285744" indent="-285744"/>
-            <a:r>
-              <a:rPr lang="en-US" sz="1700" dirty="0">
-                <a:latin typeface="Tahoma" panose="020B0604030504040204" pitchFamily="34" charset="0"/>
-                <a:ea typeface="Tahoma" panose="020B0604030504040204" pitchFamily="34" charset="0"/>
-                <a:cs typeface="Tahoma" panose="020B0604030504040204" pitchFamily="34" charset="0"/>
-              </a:rPr>
-              <a:t>L23-24: HTML footer</a:t>
-            </a:r>
-          </a:p>
-        </p:txBody>
-      </p:sp>
-      <p:sp>
-        <p:nvSpPr>
-          <p:cNvPr id="6" name="Rectangle 5">
-            <a:extLst>
-              <a:ext uri="{FF2B5EF4-FFF2-40B4-BE49-F238E27FC236}">
-                <a16:creationId xmlns:a16="http://schemas.microsoft.com/office/drawing/2014/main" id="{56CF89B6-45BF-4C70-B4FA-B3D5F715A11A}"/>
-              </a:ext>
-            </a:extLst>
-          </p:cNvPr>
-          <p:cNvSpPr/>
-          <p:nvPr/>
-        </p:nvSpPr>
-        <p:spPr>
-          <a:xfrm>
-            <a:off x="3251582" y="0"/>
-            <a:ext cx="5819285" cy="307777"/>
-          </a:xfrm>
-          <a:prstGeom prst="rect">
-            <a:avLst/>
-          </a:prstGeom>
-          <a:solidFill>
-            <a:schemeClr val="bg1"/>
-          </a:solidFill>
-          <a:ln>
-            <a:solidFill>
-              <a:schemeClr val="accent1"/>
-            </a:solidFill>
-          </a:ln>
-        </p:spPr>
-        <p:txBody>
-          <a:bodyPr wrap="none">
-            <a:spAutoFit/>
-          </a:bodyPr>
-          <a:lstStyle/>
-          <a:p>
-            <a:r>
-              <a:rPr lang="en-US" altLang="ja-JP" sz="1400" dirty="0">
-                <a:latin typeface="Tahoma" panose="020B0604030504040204" pitchFamily="34" charset="0"/>
-                <a:ea typeface="Tahoma" panose="020B0604030504040204" pitchFamily="34" charset="0"/>
-                <a:cs typeface="Tahoma" panose="020B0604030504040204" pitchFamily="34" charset="0"/>
-              </a:rPr>
-              <a:t>3. folder: C:\appserv\www\php_lesson\    file name: lesson01_4.php</a:t>
-            </a:r>
-            <a:endParaRPr lang="ja-JP" altLang="en-US" sz="1400" dirty="0">
-              <a:latin typeface="Tahoma" panose="020B0604030504040204" pitchFamily="34" charset="0"/>
-              <a:cs typeface="Tahoma" panose="020B0604030504040204" pitchFamily="34" charset="0"/>
-            </a:endParaRPr>
-          </a:p>
-        </p:txBody>
-      </p:sp>
-      <p:sp>
-        <p:nvSpPr>
-          <p:cNvPr id="11" name="Rectangle 10">
-            <a:extLst>
-              <a:ext uri="{FF2B5EF4-FFF2-40B4-BE49-F238E27FC236}">
-                <a16:creationId xmlns:a16="http://schemas.microsoft.com/office/drawing/2014/main" id="{9A099E03-7F5D-40B5-AF83-8B36D2DA594B}"/>
-              </a:ext>
-            </a:extLst>
-          </p:cNvPr>
-          <p:cNvSpPr/>
-          <p:nvPr/>
-        </p:nvSpPr>
-        <p:spPr>
-          <a:xfrm>
-            <a:off x="82551" y="2339325"/>
-            <a:ext cx="4463081" cy="338554"/>
-          </a:xfrm>
-          <a:prstGeom prst="rect">
-            <a:avLst/>
-          </a:prstGeom>
-        </p:spPr>
-        <p:txBody>
-          <a:bodyPr wrap="none">
-            <a:spAutoFit/>
-          </a:bodyPr>
-          <a:lstStyle/>
-          <a:p>
-            <a:pPr algn="ctr"/>
-            <a:r>
-              <a:rPr lang="en-US" altLang="ja-JP" sz="1600" dirty="0">
-                <a:latin typeface="Tahoma" panose="020B0604030504040204" pitchFamily="34" charset="0"/>
-                <a:ea typeface="Tahoma" panose="020B0604030504040204" pitchFamily="34" charset="0"/>
-                <a:cs typeface="Tahoma" panose="020B0604030504040204" pitchFamily="34" charset="0"/>
-              </a:rPr>
-              <a:t>3.http://localhost/php_lesson/ lesson01_4.php </a:t>
-            </a:r>
-          </a:p>
-        </p:txBody>
-      </p:sp>
-      <p:sp>
-        <p:nvSpPr>
-          <p:cNvPr id="12" name="Rectangle 11">
-            <a:extLst>
-              <a:ext uri="{FF2B5EF4-FFF2-40B4-BE49-F238E27FC236}">
-                <a16:creationId xmlns:a16="http://schemas.microsoft.com/office/drawing/2014/main" id="{C77AA99F-01CF-4155-B9C5-78FDAE28F61E}"/>
-              </a:ext>
-            </a:extLst>
-          </p:cNvPr>
-          <p:cNvSpPr/>
-          <p:nvPr/>
-        </p:nvSpPr>
-        <p:spPr>
-          <a:xfrm>
-            <a:off x="1375784" y="4293531"/>
-            <a:ext cx="1356462" cy="369332"/>
-          </a:xfrm>
-          <a:prstGeom prst="rect">
-            <a:avLst/>
-          </a:prstGeom>
-        </p:spPr>
-        <p:txBody>
-          <a:bodyPr wrap="none">
-            <a:spAutoFit/>
-          </a:bodyPr>
-          <a:lstStyle/>
-          <a:p>
-            <a:pPr algn="ctr"/>
-            <a:r>
-              <a:rPr lang="en-US" altLang="ja-JP" dirty="0">
-                <a:latin typeface="Tahoma" panose="020B0604030504040204" pitchFamily="34" charset="0"/>
-                <a:ea typeface="Tahoma" panose="020B0604030504040204" pitchFamily="34" charset="0"/>
-                <a:cs typeface="Tahoma" panose="020B0604030504040204" pitchFamily="34" charset="0"/>
-              </a:rPr>
-              <a:t>explanation</a:t>
-            </a:r>
-            <a:endParaRPr lang="ja-JP" altLang="en-US" dirty="0">
-              <a:latin typeface="Tahoma" panose="020B0604030504040204" pitchFamily="34" charset="0"/>
-              <a:cs typeface="Tahoma" panose="020B0604030504040204" pitchFamily="34" charset="0"/>
-            </a:endParaRPr>
-          </a:p>
-        </p:txBody>
-      </p:sp>
-      <p:sp>
-        <p:nvSpPr>
-          <p:cNvPr id="14" name="Content Placeholder 2">
-            <a:extLst>
-              <a:ext uri="{FF2B5EF4-FFF2-40B4-BE49-F238E27FC236}">
-                <a16:creationId xmlns:a16="http://schemas.microsoft.com/office/drawing/2014/main" id="{F0528EC4-574A-49AF-BF35-6486232B5792}"/>
-              </a:ext>
-            </a:extLst>
-          </p:cNvPr>
-          <p:cNvSpPr txBox="1">
-            <a:spLocks/>
-          </p:cNvSpPr>
-          <p:nvPr/>
-        </p:nvSpPr>
-        <p:spPr>
-          <a:xfrm>
-            <a:off x="314369" y="944302"/>
-            <a:ext cx="3479292" cy="3785419"/>
-          </a:xfrm>
-          <a:prstGeom prst="rect">
-            <a:avLst/>
-          </a:prstGeom>
-        </p:spPr>
-        <p:txBody>
-          <a:bodyPr vert="horz" lIns="91440" tIns="45720" rIns="91440" bIns="45720" rtlCol="0">
-            <a:normAutofit/>
-          </a:bodyPr>
-          <a:lstStyle>
-            <a:lvl1pPr marL="228600" indent="-228600" algn="l" defTabSz="914400" rtl="0" eaLnBrk="1" latinLnBrk="0" hangingPunct="1">
-              <a:lnSpc>
-                <a:spcPct val="90000"/>
-              </a:lnSpc>
-              <a:spcBef>
-                <a:spcPts val="1000"/>
-              </a:spcBef>
-              <a:buFont typeface="Arial" panose="020B0604020202020204" pitchFamily="34" charset="0"/>
-              <a:buChar char="•"/>
-              <a:defRPr sz="2800" kern="1200">
-                <a:solidFill>
-                  <a:schemeClr val="tx1"/>
-                </a:solidFill>
-                <a:latin typeface="+mn-lt"/>
-                <a:ea typeface="+mn-ea"/>
-                <a:cs typeface="+mn-cs"/>
-              </a:defRPr>
-            </a:lvl1pPr>
-            <a:lvl2pPr marL="685800" indent="-228600" algn="l" defTabSz="914400" rtl="0" eaLnBrk="1" latinLnBrk="0" hangingPunct="1">
-              <a:lnSpc>
-                <a:spcPct val="90000"/>
-              </a:lnSpc>
-              <a:spcBef>
-                <a:spcPts val="500"/>
-              </a:spcBef>
-              <a:buFont typeface="Arial" panose="020B0604020202020204" pitchFamily="34" charset="0"/>
-              <a:buChar char="•"/>
-              <a:defRPr sz="2400" kern="1200">
-                <a:solidFill>
-                  <a:schemeClr val="tx1"/>
-                </a:solidFill>
-                <a:latin typeface="+mn-lt"/>
-                <a:ea typeface="+mn-ea"/>
-                <a:cs typeface="+mn-cs"/>
-              </a:defRPr>
-            </a:lvl2pPr>
-            <a:lvl3pPr marL="1143000" indent="-228600" algn="l" defTabSz="914400" rtl="0" eaLnBrk="1" latinLnBrk="0" hangingPunct="1">
-              <a:lnSpc>
-                <a:spcPct val="90000"/>
-              </a:lnSpc>
-              <a:spcBef>
-                <a:spcPts val="500"/>
-              </a:spcBef>
-              <a:buFont typeface="Arial" panose="020B0604020202020204" pitchFamily="34" charset="0"/>
-              <a:buChar char="•"/>
-              <a:defRPr sz="2000" kern="1200">
-                <a:solidFill>
-                  <a:schemeClr val="tx1"/>
-                </a:solidFill>
-                <a:latin typeface="+mn-lt"/>
-                <a:ea typeface="+mn-ea"/>
-                <a:cs typeface="+mn-cs"/>
-              </a:defRPr>
-            </a:lvl3pPr>
-            <a:lvl4pPr marL="1600200" indent="-228600" algn="l" defTabSz="914400" rtl="0" eaLnBrk="1" latinLnBrk="0" hangingPunct="1">
-              <a:lnSpc>
-                <a:spcPct val="90000"/>
-              </a:lnSpc>
-              <a:spcBef>
-                <a:spcPts val="500"/>
-              </a:spcBef>
-              <a:buFont typeface="Arial" panose="020B0604020202020204" pitchFamily="34" charset="0"/>
-              <a:buChar char="•"/>
-              <a:defRPr sz="1800" kern="1200">
-                <a:solidFill>
-                  <a:schemeClr val="tx1"/>
-                </a:solidFill>
-                <a:latin typeface="+mn-lt"/>
-                <a:ea typeface="+mn-ea"/>
-                <a:cs typeface="+mn-cs"/>
-              </a:defRPr>
-            </a:lvl4pPr>
-            <a:lvl5pPr marL="2057400" indent="-228600" algn="l" defTabSz="914400" rtl="0" eaLnBrk="1" latinLnBrk="0" hangingPunct="1">
-              <a:lnSpc>
-                <a:spcPct val="90000"/>
-              </a:lnSpc>
-              <a:spcBef>
-                <a:spcPts val="500"/>
-              </a:spcBef>
-              <a:buFont typeface="Arial" panose="020B0604020202020204" pitchFamily="34" charset="0"/>
-              <a:buChar char="•"/>
-              <a:defRPr sz="1800" kern="1200">
-                <a:solidFill>
-                  <a:schemeClr val="tx1"/>
-                </a:solidFill>
-                <a:latin typeface="+mn-lt"/>
-                <a:ea typeface="+mn-ea"/>
-                <a:cs typeface="+mn-cs"/>
-              </a:defRPr>
-            </a:lvl5pPr>
-            <a:lvl6pPr marL="2514600" indent="-228600" algn="l" defTabSz="914400" rtl="0" eaLnBrk="1" latinLnBrk="0" hangingPunct="1">
-              <a:lnSpc>
-                <a:spcPct val="90000"/>
-              </a:lnSpc>
-              <a:spcBef>
-                <a:spcPts val="500"/>
-              </a:spcBef>
-              <a:buFont typeface="Arial" panose="020B0604020202020204" pitchFamily="34" charset="0"/>
-              <a:buChar char="•"/>
-              <a:defRPr sz="1800" kern="1200">
-                <a:solidFill>
-                  <a:schemeClr val="tx1"/>
-                </a:solidFill>
-                <a:latin typeface="+mn-lt"/>
-                <a:ea typeface="+mn-ea"/>
-                <a:cs typeface="+mn-cs"/>
-              </a:defRPr>
-            </a:lvl6pPr>
-            <a:lvl7pPr marL="2971800" indent="-228600" algn="l" defTabSz="914400" rtl="0" eaLnBrk="1" latinLnBrk="0" hangingPunct="1">
-              <a:lnSpc>
-                <a:spcPct val="90000"/>
-              </a:lnSpc>
-              <a:spcBef>
-                <a:spcPts val="500"/>
-              </a:spcBef>
-              <a:buFont typeface="Arial" panose="020B0604020202020204" pitchFamily="34" charset="0"/>
-              <a:buChar char="•"/>
-              <a:defRPr sz="1800" kern="1200">
-                <a:solidFill>
-                  <a:schemeClr val="tx1"/>
-                </a:solidFill>
-                <a:latin typeface="+mn-lt"/>
-                <a:ea typeface="+mn-ea"/>
-                <a:cs typeface="+mn-cs"/>
-              </a:defRPr>
-            </a:lvl7pPr>
-            <a:lvl8pPr marL="3429000" indent="-228600" algn="l" defTabSz="914400" rtl="0" eaLnBrk="1" latinLnBrk="0" hangingPunct="1">
-              <a:lnSpc>
-                <a:spcPct val="90000"/>
-              </a:lnSpc>
-              <a:spcBef>
-                <a:spcPts val="500"/>
-              </a:spcBef>
-              <a:buFont typeface="Arial" panose="020B0604020202020204" pitchFamily="34" charset="0"/>
-              <a:buChar char="•"/>
-              <a:defRPr sz="1800" kern="1200">
-                <a:solidFill>
-                  <a:schemeClr val="tx1"/>
-                </a:solidFill>
-                <a:latin typeface="+mn-lt"/>
-                <a:ea typeface="+mn-ea"/>
-                <a:cs typeface="+mn-cs"/>
-              </a:defRPr>
-            </a:lvl8pPr>
-            <a:lvl9pPr marL="3886200" indent="-228600" algn="l" defTabSz="914400" rtl="0" eaLnBrk="1" latinLnBrk="0" hangingPunct="1">
-              <a:lnSpc>
-                <a:spcPct val="90000"/>
-              </a:lnSpc>
-              <a:spcBef>
-                <a:spcPts val="500"/>
-              </a:spcBef>
-              <a:buFont typeface="Arial" panose="020B0604020202020204" pitchFamily="34" charset="0"/>
-              <a:buChar char="•"/>
-              <a:defRPr sz="1800" kern="1200">
-                <a:solidFill>
-                  <a:schemeClr val="tx1"/>
-                </a:solidFill>
-                <a:latin typeface="+mn-lt"/>
-                <a:ea typeface="+mn-ea"/>
-                <a:cs typeface="+mn-cs"/>
-              </a:defRPr>
-            </a:lvl9pPr>
-          </a:lstStyle>
-          <a:p>
-            <a:pPr marL="342891" indent="-342891">
-              <a:buFont typeface="+mj-lt"/>
-              <a:buAutoNum type="arabicPeriod"/>
-            </a:pPr>
-            <a:r>
-              <a:rPr lang="en-US" altLang="ja-JP" sz="1700" dirty="0">
-                <a:latin typeface="Tahoma" panose="020B0604030504040204" pitchFamily="34" charset="0"/>
-                <a:ea typeface="Tahoma" panose="020B0604030504040204" pitchFamily="34" charset="0"/>
-                <a:cs typeface="Tahoma" panose="020B0604030504040204" pitchFamily="34" charset="0"/>
-              </a:rPr>
-              <a:t>download "</a:t>
-            </a:r>
-            <a:r>
-              <a:rPr lang="en-US" altLang="ja-JP" sz="1800" dirty="0">
-                <a:latin typeface="Tahoma" panose="020B0604030504040204" pitchFamily="34" charset="0"/>
-                <a:ea typeface="Tahoma" panose="020B0604030504040204" pitchFamily="34" charset="0"/>
-                <a:cs typeface="Tahoma" panose="020B0604030504040204" pitchFamily="34" charset="0"/>
-              </a:rPr>
-              <a:t>lesson01_4</a:t>
-            </a:r>
-            <a:r>
-              <a:rPr lang="en-US" altLang="ja-JP" sz="1700" dirty="0">
-                <a:latin typeface="Tahoma" panose="020B0604030504040204" pitchFamily="34" charset="0"/>
-                <a:ea typeface="Tahoma" panose="020B0604030504040204" pitchFamily="34" charset="0"/>
-                <a:cs typeface="Tahoma" panose="020B0604030504040204" pitchFamily="34" charset="0"/>
-              </a:rPr>
-              <a:t>.php"</a:t>
-            </a:r>
-          </a:p>
-          <a:p>
-            <a:pPr marL="342891" indent="-342891">
-              <a:buFont typeface="+mj-lt"/>
-              <a:buAutoNum type="arabicPeriod"/>
-            </a:pPr>
-            <a:r>
-              <a:rPr lang="en-US" altLang="ja-JP" sz="1700" dirty="0">
-                <a:latin typeface="Tahoma" panose="020B0604030504040204" pitchFamily="34" charset="0"/>
-                <a:ea typeface="Tahoma" panose="020B0604030504040204" pitchFamily="34" charset="0"/>
-                <a:cs typeface="Tahoma" panose="020B0604030504040204" pitchFamily="34" charset="0"/>
-              </a:rPr>
-              <a:t>add program and save file.</a:t>
-            </a:r>
-          </a:p>
-          <a:p>
-            <a:pPr marL="342891" indent="-342891">
-              <a:buFont typeface="+mj-lt"/>
-              <a:buAutoNum type="arabicPeriod"/>
-            </a:pPr>
-            <a:r>
-              <a:rPr lang="en-US" altLang="ja-JP" sz="1700" dirty="0">
-                <a:latin typeface="Tahoma" panose="020B0604030504040204" pitchFamily="34" charset="0"/>
-                <a:ea typeface="Tahoma" panose="020B0604030504040204" pitchFamily="34" charset="0"/>
-                <a:cs typeface="Tahoma" panose="020B0604030504040204" pitchFamily="34" charset="0"/>
-              </a:rPr>
-              <a:t>show browser</a:t>
-            </a:r>
-          </a:p>
-        </p:txBody>
-      </p:sp>
-      <mc:AlternateContent xmlns:mc="http://schemas.openxmlformats.org/markup-compatibility/2006" xmlns:we="http://schemas.microsoft.com/office/webextensions/webextension/2010/11" xmlns:pca="http://schemas.microsoft.com/office/powerpoint/2013/contentapp">
-        <mc:Choice Requires="we pca">
-          <p:graphicFrame>
-            <p:nvGraphicFramePr>
-              <p:cNvPr id="17" name="Add-in 16" title="Code Presenter Pro">
-                <a:extLst>
-                  <a:ext uri="{FF2B5EF4-FFF2-40B4-BE49-F238E27FC236}">
-                    <a16:creationId xmlns:a16="http://schemas.microsoft.com/office/drawing/2014/main" id="{D1000F09-2D62-4652-B5C8-A8487ED48DAE}"/>
-                  </a:ext>
-                </a:extLst>
-              </p:cNvPr>
-              <p:cNvGraphicFramePr>
-                <a:graphicFrameLocks noGrp="1"/>
-              </p:cNvGraphicFramePr>
-              <p:nvPr>
-                <p:extLst/>
-              </p:nvPr>
-            </p:nvGraphicFramePr>
-            <p:xfrm>
-              <a:off x="4679385" y="394462"/>
-              <a:ext cx="4144937" cy="5715000"/>
-            </p:xfrm>
-            <a:graphic>
-              <a:graphicData uri="http://schemas.microsoft.com/office/webextensions/webextension/2010/11">
-                <we:webextensionref xmlns:we="http://schemas.microsoft.com/office/webextensions/webextension/2010/11" xmlns:r="http://schemas.openxmlformats.org/officeDocument/2006/relationships" r:id="rId4"/>
-              </a:graphicData>
-            </a:graphic>
-          </p:graphicFrame>
-        </mc:Choice>
-        <mc:Fallback xmlns="">
-          <p:pic>
-            <p:nvPicPr>
-              <p:cNvPr id="17" name="Add-in 16" title="Code Presenter Pro">
-                <a:extLst>
-                  <a:ext uri="{FF2B5EF4-FFF2-40B4-BE49-F238E27FC236}">
-                    <a16:creationId xmlns:a16="http://schemas.microsoft.com/office/drawing/2014/main" id="{D1000F09-2D62-4652-B5C8-A8487ED48DAE}"/>
-                  </a:ext>
-                </a:extLst>
-              </p:cNvPr>
-              <p:cNvPicPr>
-                <a:picLocks noGrp="1" noRot="1" noChangeAspect="1" noMove="1" noResize="1" noEditPoints="1" noAdjustHandles="1" noChangeArrowheads="1" noChangeShapeType="1"/>
-              </p:cNvPicPr>
-              <p:nvPr/>
-            </p:nvPicPr>
-            <p:blipFill>
-              <a:blip r:embed="rId5"/>
-              <a:stretch>
-                <a:fillRect/>
-              </a:stretch>
-            </p:blipFill>
-            <p:spPr>
-              <a:xfrm>
-                <a:off x="4679385" y="394462"/>
-                <a:ext cx="4144937" cy="5715000"/>
-              </a:xfrm>
-              <a:prstGeom prst="rect">
-                <a:avLst/>
-              </a:prstGeom>
-            </p:spPr>
-          </p:pic>
-        </mc:Fallback>
-      </mc:AlternateContent>
-      <p:pic>
-        <p:nvPicPr>
-          <p:cNvPr id="18" name="Picture 17">
-            <a:extLst>
-              <a:ext uri="{FF2B5EF4-FFF2-40B4-BE49-F238E27FC236}">
-                <a16:creationId xmlns:a16="http://schemas.microsoft.com/office/drawing/2014/main" id="{908AA42F-D1D9-44E5-B366-2DBFCD28DF0D}"/>
-              </a:ext>
-            </a:extLst>
-          </p:cNvPr>
-          <p:cNvPicPr>
-            <a:picLocks noChangeAspect="1"/>
-          </p:cNvPicPr>
-          <p:nvPr/>
-        </p:nvPicPr>
-        <p:blipFill rotWithShape="1">
-          <a:blip r:embed="rId6" cstate="email">
-            <a:extLst>
-              <a:ext uri="{28A0092B-C50C-407E-A947-70E740481C1C}">
-                <a14:useLocalDpi xmlns:a14="http://schemas.microsoft.com/office/drawing/2010/main"/>
-              </a:ext>
-            </a:extLst>
-          </a:blip>
-          <a:srcRect/>
-          <a:stretch/>
-        </p:blipFill>
-        <p:spPr>
-          <a:xfrm>
-            <a:off x="0" y="2694843"/>
-            <a:ext cx="4458789" cy="910507"/>
-          </a:xfrm>
-          <a:prstGeom prst="rect">
-            <a:avLst/>
-          </a:prstGeom>
-          <a:ln>
-            <a:solidFill>
-              <a:schemeClr val="accent1"/>
-            </a:solidFill>
-          </a:ln>
-        </p:spPr>
-      </p:pic>
-    </p:spTree>
-    <p:extLst>
-      <p:ext uri="{BB962C8B-B14F-4D97-AF65-F5344CB8AC3E}">
-        <p14:creationId xmlns:p14="http://schemas.microsoft.com/office/powerpoint/2010/main" val="2292823950"/>
+        <p14:creationId xmlns:p14="http://schemas.microsoft.com/office/powerpoint/2010/main" val="687318697"/>
       </p:ext>
     </p:extLst>
   </p:cSld>
@@ -7889,6 +10584,20 @@
 </file>
 
 <file path=ppt/webextensions/webextension2.xml><?xml version="1.0" encoding="utf-8"?>
+<we:webextension xmlns:we="http://schemas.microsoft.com/office/webextensions/webextension/2010/11" id="{4B7C5246-1C33-4483-BFAF-081BFB40B5BA}" frozen="1">
+  <we:reference id="wa104379263" version="1.0.0.1" store="en-US" storeType="OMEX"/>
+  <we:alternateReferences>
+    <we:reference id="wa104379263" version="1.0.0.1" store="wa104379263" storeType="OMEX"/>
+  </we:alternateReferences>
+  <we:properties>
+    <we:property name="config" value="{&quot;display_lang&quot;:&quot;en&quot;,&quot;display_font&quot;:&quot;Consolas&quot;,&quot;syntax_color&quot;:{&quot;Reserved words&quot;:&quot;#0000ff&quot;,&quot;PHP core functions&quot;:&quot;#ff0000&quot;,&quot;PREFIX3&quot;:&quot;#008080&quot;,&quot;Namespaces&quot;:&quot;#808000&quot;,&quot;Line comment&quot;:&quot;#008000&quot;,&quot;Line comment 2&quot;:&quot;#008000&quot;,&quot;Block comment&quot;:&quot;#008000&quot;,&quot;Quotation&quot;:&quot;#FF00FF&quot;,&quot;Quotation 2&quot;:&quot;#FF00FF&quot;,&quot;Number&quot;:&quot;#800080&quot;},&quot;old_syntax_color&quot;:{&quot;Reserved words&quot;:&quot;#0000FF&quot;,&quot;PHP core functions&quot;:&quot;#FF0000&quot;,&quot;PREFIX3&quot;:&quot;#008080&quot;,&quot;Namespaces&quot;:&quot;#808000&quot;,&quot;Line comment&quot;:&quot;#008000&quot;,&quot;Line comment 2&quot;:&quot;#008000&quot;,&quot;Block comment&quot;:&quot;#008000&quot;,&quot;Quotation&quot;:&quot;#FF00FF&quot;,&quot;Quotation 2&quot;:&quot;#FF00FF&quot;,&quot;Number&quot;:&quot;#800080&quot;},&quot;show_line_number&quot;:true,&quot;code_lang&quot;:&quot;php&quot;,&quot;code&quot;:&quot;&lt;!doctype html&gt;\n&lt;html&gt;\n&lt;head&gt;\n    &lt;meta charset=\&quot;utf-8\&quot;&gt;\n&lt;/head&gt;\n&lt;body&gt;\n\n&lt;?php\n    print 'Hello Word';\n?&gt;\n\n&lt;/body&gt;\n&lt;/html&gt;\n&quot;,&quot;ctags&quot;:{}}"/>
+  </we:properties>
+  <we:bindings/>
+  <we:snapshot xmlns:r="http://schemas.openxmlformats.org/officeDocument/2006/relationships" r:embed="rId1"/>
+</we:webextension>
+</file>
+
+<file path=ppt/webextensions/webextension3.xml><?xml version="1.0" encoding="utf-8"?>
 <we:webextension xmlns:we="http://schemas.microsoft.com/office/webextensions/webextension/2010/11" id="{003BC127-AF23-40A0-A919-FE1DB7144DBD}" frozen="1">
   <we:reference id="wa104379263" version="1.0.0.1" store="en-US" storeType="OMEX"/>
   <we:alternateReferences>
@@ -7902,7 +10611,7 @@
 </we:webextension>
 </file>
 
-<file path=ppt/webextensions/webextension3.xml><?xml version="1.0" encoding="utf-8"?>
+<file path=ppt/webextensions/webextension4.xml><?xml version="1.0" encoding="utf-8"?>
 <we:webextension xmlns:we="http://schemas.microsoft.com/office/webextensions/webextension/2010/11" id="{4C94C252-4171-4D0E-BD57-E5D10A3E9D54}" frozen="1">
   <we:reference id="wa104379263" version="1.0.0.1" store="en-US" storeType="OMEX"/>
   <we:alternateReferences>
@@ -7916,7 +10625,7 @@
 </we:webextension>
 </file>
 
-<file path=ppt/webextensions/webextension4.xml><?xml version="1.0" encoding="utf-8"?>
+<file path=ppt/webextensions/webextension5.xml><?xml version="1.0" encoding="utf-8"?>
 <we:webextension xmlns:we="http://schemas.microsoft.com/office/webextensions/webextension/2010/11" id="{BD014209-F109-4FBE-A33C-3F7F3A890419}" frozen="1">
   <we:reference id="wa104379263" version="1.0.0.1" store="en-US" storeType="OMEX"/>
   <we:alternateReferences>
